--- a/Mutation [Autosaved].pptx
+++ b/Mutation [Autosaved].pptx
@@ -5,10 +5,10 @@
     <p:sldMasterId id="2147483660" r:id="rId2"/>
   </p:sldMasterIdLst>
   <p:notesMasterIdLst>
-    <p:notesMasterId r:id="rId23"/>
+    <p:notesMasterId r:id="rId24"/>
   </p:notesMasterIdLst>
   <p:handoutMasterIdLst>
-    <p:handoutMasterId r:id="rId24"/>
+    <p:handoutMasterId r:id="rId25"/>
   </p:handoutMasterIdLst>
   <p:sldIdLst>
     <p:sldId id="257" r:id="rId3"/>
@@ -22,15 +22,16 @@
     <p:sldId id="273" r:id="rId11"/>
     <p:sldId id="274" r:id="rId12"/>
     <p:sldId id="260" r:id="rId13"/>
-    <p:sldId id="262" r:id="rId14"/>
-    <p:sldId id="267" r:id="rId15"/>
-    <p:sldId id="263" r:id="rId16"/>
-    <p:sldId id="270" r:id="rId17"/>
-    <p:sldId id="264" r:id="rId18"/>
-    <p:sldId id="265" r:id="rId19"/>
-    <p:sldId id="266" r:id="rId20"/>
-    <p:sldId id="268" r:id="rId21"/>
-    <p:sldId id="269" r:id="rId22"/>
+    <p:sldId id="267" r:id="rId14"/>
+    <p:sldId id="263" r:id="rId15"/>
+    <p:sldId id="270" r:id="rId16"/>
+    <p:sldId id="262" r:id="rId17"/>
+    <p:sldId id="279" r:id="rId18"/>
+    <p:sldId id="264" r:id="rId19"/>
+    <p:sldId id="265" r:id="rId20"/>
+    <p:sldId id="266" r:id="rId21"/>
+    <p:sldId id="268" r:id="rId22"/>
+    <p:sldId id="269" r:id="rId23"/>
   </p:sldIdLst>
   <p:sldSz cx="12192000" cy="6858000"/>
   <p:notesSz cx="6858000" cy="9144000"/>
@@ -905,7 +906,7 @@
     </p:spTree>
     <p:extLst>
       <p:ext uri="{BB962C8B-B14F-4D97-AF65-F5344CB8AC3E}">
-        <p14:creationId xmlns:p14="http://schemas.microsoft.com/office/powerpoint/2010/main" val="670403274"/>
+        <p14:creationId xmlns:p14="http://schemas.microsoft.com/office/powerpoint/2010/main" val="628657221"/>
       </p:ext>
     </p:extLst>
   </p:cSld>
@@ -992,7 +993,7 @@
     </p:spTree>
     <p:extLst>
       <p:ext uri="{BB962C8B-B14F-4D97-AF65-F5344CB8AC3E}">
-        <p14:creationId xmlns:p14="http://schemas.microsoft.com/office/powerpoint/2010/main" val="628657221"/>
+        <p14:creationId xmlns:p14="http://schemas.microsoft.com/office/powerpoint/2010/main" val="3821467194"/>
       </p:ext>
     </p:extLst>
   </p:cSld>
@@ -1079,7 +1080,7 @@
     </p:spTree>
     <p:extLst>
       <p:ext uri="{BB962C8B-B14F-4D97-AF65-F5344CB8AC3E}">
-        <p14:creationId xmlns:p14="http://schemas.microsoft.com/office/powerpoint/2010/main" val="3821467194"/>
+        <p14:creationId xmlns:p14="http://schemas.microsoft.com/office/powerpoint/2010/main" val="463080334"/>
       </p:ext>
     </p:extLst>
   </p:cSld>
@@ -1166,7 +1167,7 @@
     </p:spTree>
     <p:extLst>
       <p:ext uri="{BB962C8B-B14F-4D97-AF65-F5344CB8AC3E}">
-        <p14:creationId xmlns:p14="http://schemas.microsoft.com/office/powerpoint/2010/main" val="463080334"/>
+        <p14:creationId xmlns:p14="http://schemas.microsoft.com/office/powerpoint/2010/main" val="670403274"/>
       </p:ext>
     </p:extLst>
   </p:cSld>
@@ -1253,7 +1254,7 @@
     </p:spTree>
     <p:extLst>
       <p:ext uri="{BB962C8B-B14F-4D97-AF65-F5344CB8AC3E}">
-        <p14:creationId xmlns:p14="http://schemas.microsoft.com/office/powerpoint/2010/main" val="891204119"/>
+        <p14:creationId xmlns:p14="http://schemas.microsoft.com/office/powerpoint/2010/main" val="3413063944"/>
       </p:ext>
     </p:extLst>
   </p:cSld>
@@ -1340,7 +1341,7 @@
     </p:spTree>
     <p:extLst>
       <p:ext uri="{BB962C8B-B14F-4D97-AF65-F5344CB8AC3E}">
-        <p14:creationId xmlns:p14="http://schemas.microsoft.com/office/powerpoint/2010/main" val="661384710"/>
+        <p14:creationId xmlns:p14="http://schemas.microsoft.com/office/powerpoint/2010/main" val="891204119"/>
       </p:ext>
     </p:extLst>
   </p:cSld>
@@ -1427,7 +1428,7 @@
     </p:spTree>
     <p:extLst>
       <p:ext uri="{BB962C8B-B14F-4D97-AF65-F5344CB8AC3E}">
-        <p14:creationId xmlns:p14="http://schemas.microsoft.com/office/powerpoint/2010/main" val="517064515"/>
+        <p14:creationId xmlns:p14="http://schemas.microsoft.com/office/powerpoint/2010/main" val="661384710"/>
       </p:ext>
     </p:extLst>
   </p:cSld>
@@ -1514,7 +1515,7 @@
     </p:spTree>
     <p:extLst>
       <p:ext uri="{BB962C8B-B14F-4D97-AF65-F5344CB8AC3E}">
-        <p14:creationId xmlns:p14="http://schemas.microsoft.com/office/powerpoint/2010/main" val="3951593836"/>
+        <p14:creationId xmlns:p14="http://schemas.microsoft.com/office/powerpoint/2010/main" val="517064515"/>
       </p:ext>
     </p:extLst>
   </p:cSld>
@@ -1601,7 +1602,7 @@
     </p:spTree>
     <p:extLst>
       <p:ext uri="{BB962C8B-B14F-4D97-AF65-F5344CB8AC3E}">
-        <p14:creationId xmlns:p14="http://schemas.microsoft.com/office/powerpoint/2010/main" val="3067706269"/>
+        <p14:creationId xmlns:p14="http://schemas.microsoft.com/office/powerpoint/2010/main" val="3951593836"/>
       </p:ext>
     </p:extLst>
   </p:cSld>
@@ -1696,6 +1697,93 @@
     <p:extLst>
       <p:ext uri="{BB962C8B-B14F-4D97-AF65-F5344CB8AC3E}">
         <p14:creationId xmlns:p14="http://schemas.microsoft.com/office/powerpoint/2010/main" val="3313437439"/>
+      </p:ext>
+    </p:extLst>
+  </p:cSld>
+  <p:clrMapOvr>
+    <a:masterClrMapping/>
+  </p:clrMapOvr>
+</p:notes>
+</file>
+
+<file path=ppt/notesSlides/notesSlide20.xml><?xml version="1.0" encoding="utf-8"?>
+<p:notes xmlns:a="http://schemas.openxmlformats.org/drawingml/2006/main" xmlns:r="http://schemas.openxmlformats.org/officeDocument/2006/relationships" xmlns:p="http://schemas.openxmlformats.org/presentationml/2006/main">
+  <p:cSld>
+    <p:spTree>
+      <p:nvGrpSpPr>
+        <p:cNvPr id="1" name=""/>
+        <p:cNvGrpSpPr/>
+        <p:nvPr/>
+      </p:nvGrpSpPr>
+      <p:grpSpPr>
+        <a:xfrm>
+          <a:off x="0" y="0"/>
+          <a:ext cx="0" cy="0"/>
+          <a:chOff x="0" y="0"/>
+          <a:chExt cx="0" cy="0"/>
+        </a:xfrm>
+      </p:grpSpPr>
+      <p:sp>
+        <p:nvSpPr>
+          <p:cNvPr id="2" name="Slide Image Placeholder 1"/>
+          <p:cNvSpPr>
+            <a:spLocks noGrp="1" noRot="1" noChangeAspect="1"/>
+          </p:cNvSpPr>
+          <p:nvPr>
+            <p:ph type="sldImg"/>
+          </p:nvPr>
+        </p:nvSpPr>
+        <p:spPr/>
+      </p:sp>
+      <p:sp>
+        <p:nvSpPr>
+          <p:cNvPr id="3" name="Notes Placeholder 2"/>
+          <p:cNvSpPr>
+            <a:spLocks noGrp="1"/>
+          </p:cNvSpPr>
+          <p:nvPr>
+            <p:ph type="body" idx="1"/>
+          </p:nvPr>
+        </p:nvSpPr>
+        <p:spPr/>
+        <p:txBody>
+          <a:bodyPr/>
+          <a:lstStyle/>
+          <a:p>
+            <a:r>
+              <a:rPr lang="en-GB" sz="1200" dirty="0"/>
+              <a:t>What is WC (vs kendo)</a:t>
+            </a:r>
+          </a:p>
+        </p:txBody>
+      </p:sp>
+      <p:sp>
+        <p:nvSpPr>
+          <p:cNvPr id="4" name="Slide Number Placeholder 3"/>
+          <p:cNvSpPr>
+            <a:spLocks noGrp="1"/>
+          </p:cNvSpPr>
+          <p:nvPr>
+            <p:ph type="sldNum" sz="quarter" idx="10"/>
+          </p:nvPr>
+        </p:nvSpPr>
+        <p:spPr/>
+        <p:txBody>
+          <a:bodyPr/>
+          <a:lstStyle/>
+          <a:p>
+            <a:fld id="{9C003A2D-F27E-469C-ADB1-04668A9E28C3}" type="slidenum">
+              <a:rPr lang="ru-RU" smtClean="0"/>
+              <a:t>21</a:t>
+            </a:fld>
+            <a:endParaRPr lang="ru-RU"/>
+          </a:p>
+        </p:txBody>
+      </p:sp>
+    </p:spTree>
+    <p:extLst>
+      <p:ext uri="{BB962C8B-B14F-4D97-AF65-F5344CB8AC3E}">
+        <p14:creationId xmlns:p14="http://schemas.microsoft.com/office/powerpoint/2010/main" val="3067706269"/>
       </p:ext>
     </p:extLst>
   </p:cSld>
@@ -18495,7 +18583,7 @@
           <a:p>
             <a:r>
               <a:rPr lang="en-GB" dirty="0"/>
-              <a:t>Mutant tests can generate code?</a:t>
+              <a:t>Mutant testing</a:t>
             </a:r>
           </a:p>
           <a:p>
@@ -18512,7 +18600,7 @@
     </p:spTree>
     <p:extLst>
       <p:ext uri="{BB962C8B-B14F-4D97-AF65-F5344CB8AC3E}">
-        <p14:creationId xmlns:p14="http://schemas.microsoft.com/office/powerpoint/2010/main" val="3277618454"/>
+        <p14:creationId xmlns:p14="http://schemas.microsoft.com/office/powerpoint/2010/main" val="2437326866"/>
       </p:ext>
     </p:extLst>
   </p:cSld>
@@ -18556,7 +18644,7 @@
           <a:p>
             <a:r>
               <a:rPr lang="en-GB" dirty="0"/>
-              <a:t>Mutant testing</a:t>
+              <a:t>Mutant testing complexity</a:t>
             </a:r>
           </a:p>
           <a:p>
@@ -18573,7 +18661,7 @@
     </p:spTree>
     <p:extLst>
       <p:ext uri="{BB962C8B-B14F-4D97-AF65-F5344CB8AC3E}">
-        <p14:creationId xmlns:p14="http://schemas.microsoft.com/office/powerpoint/2010/main" val="2437326866"/>
+        <p14:creationId xmlns:p14="http://schemas.microsoft.com/office/powerpoint/2010/main" val="3125230620"/>
       </p:ext>
     </p:extLst>
   </p:cSld>
@@ -18617,7 +18705,7 @@
           <a:p>
             <a:r>
               <a:rPr lang="en-GB" dirty="0"/>
-              <a:t>Mutant testing complexity</a:t>
+              <a:t>Mutant testing advantages and disadvantages</a:t>
             </a:r>
           </a:p>
           <a:p>
@@ -18634,7 +18722,7 @@
     </p:spTree>
     <p:extLst>
       <p:ext uri="{BB962C8B-B14F-4D97-AF65-F5344CB8AC3E}">
-        <p14:creationId xmlns:p14="http://schemas.microsoft.com/office/powerpoint/2010/main" val="3125230620"/>
+        <p14:creationId xmlns:p14="http://schemas.microsoft.com/office/powerpoint/2010/main" val="902548611"/>
       </p:ext>
     </p:extLst>
   </p:cSld>
@@ -18678,7 +18766,7 @@
           <a:p>
             <a:r>
               <a:rPr lang="en-GB" dirty="0"/>
-              <a:t>Mutant testing advantages and disadvantages</a:t>
+              <a:t>Mutant tests can generate code?</a:t>
             </a:r>
           </a:p>
           <a:p>
@@ -18692,10 +18780,140 @@
           </a:p>
         </p:txBody>
       </p:sp>
+      <p:pic>
+        <p:nvPicPr>
+          <p:cNvPr id="3" name="Picture 2"/>
+          <p:cNvPicPr>
+            <a:picLocks noChangeAspect="1"/>
+          </p:cNvPicPr>
+          <p:nvPr/>
+        </p:nvPicPr>
+        <p:blipFill>
+          <a:blip r:embed="rId3"/>
+          <a:stretch>
+            <a:fillRect/>
+          </a:stretch>
+        </p:blipFill>
+        <p:spPr>
+          <a:xfrm>
+            <a:off x="1012648" y="2110317"/>
+            <a:ext cx="3118133" cy="1231194"/>
+          </a:xfrm>
+          <a:prstGeom prst="rect">
+            <a:avLst/>
+          </a:prstGeom>
+        </p:spPr>
+      </p:pic>
+      <p:sp>
+        <p:nvSpPr>
+          <p:cNvPr id="4" name="TextBox 3"/>
+          <p:cNvSpPr txBox="1"/>
+          <p:nvPr/>
+        </p:nvSpPr>
+        <p:spPr>
+          <a:xfrm>
+            <a:off x="679063" y="1488193"/>
+            <a:ext cx="667170" cy="369332"/>
+          </a:xfrm>
+          <a:prstGeom prst="rect">
+            <a:avLst/>
+          </a:prstGeom>
+          <a:noFill/>
+        </p:spPr>
+        <p:txBody>
+          <a:bodyPr wrap="none" rtlCol="0">
+            <a:spAutoFit/>
+          </a:bodyPr>
+          <a:lstStyle/>
+          <a:p>
+            <a:r>
+              <a:rPr lang="en-GB" dirty="0"/>
+              <a:t>Code</a:t>
+            </a:r>
+          </a:p>
+        </p:txBody>
+      </p:sp>
+      <p:sp>
+        <p:nvSpPr>
+          <p:cNvPr id="5" name="TextBox 4"/>
+          <p:cNvSpPr txBox="1"/>
+          <p:nvPr/>
+        </p:nvSpPr>
+        <p:spPr>
+          <a:xfrm>
+            <a:off x="5594596" y="1488193"/>
+            <a:ext cx="645690" cy="369332"/>
+          </a:xfrm>
+          <a:prstGeom prst="rect">
+            <a:avLst/>
+          </a:prstGeom>
+          <a:noFill/>
+        </p:spPr>
+        <p:txBody>
+          <a:bodyPr wrap="none" rtlCol="0">
+            <a:spAutoFit/>
+          </a:bodyPr>
+          <a:lstStyle/>
+          <a:p>
+            <a:r>
+              <a:rPr lang="en-GB" dirty="0"/>
+              <a:t>Tests</a:t>
+            </a:r>
+          </a:p>
+        </p:txBody>
+      </p:sp>
+      <p:pic>
+        <p:nvPicPr>
+          <p:cNvPr id="9" name="Picture 8"/>
+          <p:cNvPicPr>
+            <a:picLocks noChangeAspect="1"/>
+          </p:cNvPicPr>
+          <p:nvPr/>
+        </p:nvPicPr>
+        <p:blipFill>
+          <a:blip r:embed="rId4"/>
+          <a:stretch>
+            <a:fillRect/>
+          </a:stretch>
+        </p:blipFill>
+        <p:spPr>
+          <a:xfrm>
+            <a:off x="5913437" y="2110317"/>
+            <a:ext cx="5551305" cy="719870"/>
+          </a:xfrm>
+          <a:prstGeom prst="rect">
+            <a:avLst/>
+          </a:prstGeom>
+        </p:spPr>
+      </p:pic>
+      <p:pic>
+        <p:nvPicPr>
+          <p:cNvPr id="10" name="Picture 9"/>
+          <p:cNvPicPr>
+            <a:picLocks noChangeAspect="1"/>
+          </p:cNvPicPr>
+          <p:nvPr/>
+        </p:nvPicPr>
+        <p:blipFill>
+          <a:blip r:embed="rId5"/>
+          <a:stretch>
+            <a:fillRect/>
+          </a:stretch>
+        </p:blipFill>
+        <p:spPr>
+          <a:xfrm>
+            <a:off x="5913437" y="3834871"/>
+            <a:ext cx="4463328" cy="1538640"/>
+          </a:xfrm>
+          <a:prstGeom prst="rect">
+            <a:avLst/>
+          </a:prstGeom>
+        </p:spPr>
+      </p:pic>
     </p:spTree>
     <p:extLst>
       <p:ext uri="{BB962C8B-B14F-4D97-AF65-F5344CB8AC3E}">
-        <p14:creationId xmlns:p14="http://schemas.microsoft.com/office/powerpoint/2010/main" val="902548611"/>
+        <p14:creationId xmlns:p14="http://schemas.microsoft.com/office/powerpoint/2010/main" val="3277618454"/>
       </p:ext>
     </p:extLst>
   </p:cSld>
@@ -18739,7 +18957,7 @@
           <a:p>
             <a:r>
               <a:rPr lang="en-GB" dirty="0"/>
-              <a:t>Mutation level</a:t>
+              <a:t>Mutant tests can generate code?</a:t>
             </a:r>
           </a:p>
           <a:p>
@@ -18749,17 +18967,208 @@
             <a:endParaRPr lang="en-GB" dirty="0"/>
           </a:p>
           <a:p>
-            <a:endParaRPr lang="en-GB" dirty="0"/>
-          </a:p>
-          <a:p>
             <a:endParaRPr lang="ru-RU" dirty="0"/>
           </a:p>
         </p:txBody>
       </p:sp>
+      <p:pic>
+        <p:nvPicPr>
+          <p:cNvPr id="3" name="Picture 2"/>
+          <p:cNvPicPr>
+            <a:picLocks noChangeAspect="1"/>
+          </p:cNvPicPr>
+          <p:nvPr/>
+        </p:nvPicPr>
+        <p:blipFill>
+          <a:blip r:embed="rId3"/>
+          <a:stretch>
+            <a:fillRect/>
+          </a:stretch>
+        </p:blipFill>
+        <p:spPr>
+          <a:xfrm>
+            <a:off x="1012648" y="2110317"/>
+            <a:ext cx="3118133" cy="1231194"/>
+          </a:xfrm>
+          <a:prstGeom prst="rect">
+            <a:avLst/>
+          </a:prstGeom>
+        </p:spPr>
+      </p:pic>
+      <p:sp>
+        <p:nvSpPr>
+          <p:cNvPr id="4" name="TextBox 3"/>
+          <p:cNvSpPr txBox="1"/>
+          <p:nvPr/>
+        </p:nvSpPr>
+        <p:spPr>
+          <a:xfrm>
+            <a:off x="679063" y="1488193"/>
+            <a:ext cx="667170" cy="369332"/>
+          </a:xfrm>
+          <a:prstGeom prst="rect">
+            <a:avLst/>
+          </a:prstGeom>
+          <a:noFill/>
+        </p:spPr>
+        <p:txBody>
+          <a:bodyPr wrap="none" rtlCol="0">
+            <a:spAutoFit/>
+          </a:bodyPr>
+          <a:lstStyle/>
+          <a:p>
+            <a:r>
+              <a:rPr lang="en-GB" dirty="0"/>
+              <a:t>Code</a:t>
+            </a:r>
+          </a:p>
+        </p:txBody>
+      </p:sp>
+      <p:sp>
+        <p:nvSpPr>
+          <p:cNvPr id="5" name="TextBox 4"/>
+          <p:cNvSpPr txBox="1"/>
+          <p:nvPr/>
+        </p:nvSpPr>
+        <p:spPr>
+          <a:xfrm>
+            <a:off x="5594596" y="1488193"/>
+            <a:ext cx="645690" cy="369332"/>
+          </a:xfrm>
+          <a:prstGeom prst="rect">
+            <a:avLst/>
+          </a:prstGeom>
+          <a:noFill/>
+        </p:spPr>
+        <p:txBody>
+          <a:bodyPr wrap="none" rtlCol="0">
+            <a:spAutoFit/>
+          </a:bodyPr>
+          <a:lstStyle/>
+          <a:p>
+            <a:r>
+              <a:rPr lang="en-GB" dirty="0"/>
+              <a:t>Tests</a:t>
+            </a:r>
+          </a:p>
+        </p:txBody>
+      </p:sp>
+      <p:pic>
+        <p:nvPicPr>
+          <p:cNvPr id="9" name="Picture 8"/>
+          <p:cNvPicPr>
+            <a:picLocks noChangeAspect="1"/>
+          </p:cNvPicPr>
+          <p:nvPr/>
+        </p:nvPicPr>
+        <p:blipFill>
+          <a:blip r:embed="rId4"/>
+          <a:stretch>
+            <a:fillRect/>
+          </a:stretch>
+        </p:blipFill>
+        <p:spPr>
+          <a:xfrm>
+            <a:off x="5913437" y="2110317"/>
+            <a:ext cx="5551305" cy="719870"/>
+          </a:xfrm>
+          <a:prstGeom prst="rect">
+            <a:avLst/>
+          </a:prstGeom>
+        </p:spPr>
+      </p:pic>
+      <p:pic>
+        <p:nvPicPr>
+          <p:cNvPr id="10" name="Picture 9"/>
+          <p:cNvPicPr>
+            <a:picLocks noChangeAspect="1"/>
+          </p:cNvPicPr>
+          <p:nvPr/>
+        </p:nvPicPr>
+        <p:blipFill>
+          <a:blip r:embed="rId5"/>
+          <a:stretch>
+            <a:fillRect/>
+          </a:stretch>
+        </p:blipFill>
+        <p:spPr>
+          <a:xfrm>
+            <a:off x="5913437" y="3834871"/>
+            <a:ext cx="4463328" cy="1538640"/>
+          </a:xfrm>
+          <a:prstGeom prst="rect">
+            <a:avLst/>
+          </a:prstGeom>
+        </p:spPr>
+      </p:pic>
+      <p:sp>
+        <p:nvSpPr>
+          <p:cNvPr id="6" name="Arrow: Down 5"/>
+          <p:cNvSpPr/>
+          <p:nvPr/>
+        </p:nvSpPr>
+        <p:spPr>
+          <a:xfrm>
+            <a:off x="2448612" y="3544372"/>
+            <a:ext cx="246203" cy="335315"/>
+          </a:xfrm>
+          <a:prstGeom prst="downArrow">
+            <a:avLst/>
+          </a:prstGeom>
+        </p:spPr>
+        <p:style>
+          <a:lnRef idx="2">
+            <a:schemeClr val="accent1">
+              <a:shade val="50000"/>
+            </a:schemeClr>
+          </a:lnRef>
+          <a:fillRef idx="1">
+            <a:schemeClr val="accent1"/>
+          </a:fillRef>
+          <a:effectRef idx="0">
+            <a:schemeClr val="accent1"/>
+          </a:effectRef>
+          <a:fontRef idx="minor">
+            <a:schemeClr val="lt1"/>
+          </a:fontRef>
+        </p:style>
+        <p:txBody>
+          <a:bodyPr rtlCol="0" anchor="ctr"/>
+          <a:lstStyle/>
+          <a:p>
+            <a:pPr algn="ctr"/>
+            <a:endParaRPr lang="en-GB"/>
+          </a:p>
+        </p:txBody>
+      </p:sp>
+      <p:pic>
+        <p:nvPicPr>
+          <p:cNvPr id="7" name="Picture 6"/>
+          <p:cNvPicPr>
+            <a:picLocks noChangeAspect="1"/>
+          </p:cNvPicPr>
+          <p:nvPr/>
+        </p:nvPicPr>
+        <p:blipFill>
+          <a:blip r:embed="rId6"/>
+          <a:stretch>
+            <a:fillRect/>
+          </a:stretch>
+        </p:blipFill>
+        <p:spPr>
+          <a:xfrm>
+            <a:off x="1012648" y="4082548"/>
+            <a:ext cx="3124200" cy="1228725"/>
+          </a:xfrm>
+          <a:prstGeom prst="rect">
+            <a:avLst/>
+          </a:prstGeom>
+        </p:spPr>
+      </p:pic>
     </p:spTree>
     <p:extLst>
       <p:ext uri="{BB962C8B-B14F-4D97-AF65-F5344CB8AC3E}">
-        <p14:creationId xmlns:p14="http://schemas.microsoft.com/office/powerpoint/2010/main" val="3521442204"/>
+        <p14:creationId xmlns:p14="http://schemas.microsoft.com/office/powerpoint/2010/main" val="1895629891"/>
       </p:ext>
     </p:extLst>
   </p:cSld>
@@ -18803,7 +19212,7 @@
           <a:p>
             <a:r>
               <a:rPr lang="en-GB" dirty="0"/>
-              <a:t>Whole level mutation testing</a:t>
+              <a:t>Mutation level</a:t>
             </a:r>
           </a:p>
           <a:p>
@@ -18817,13 +19226,477 @@
           </a:p>
           <a:p>
             <a:endParaRPr lang="ru-RU" dirty="0"/>
+          </a:p>
+        </p:txBody>
+      </p:sp>
+      <p:pic>
+        <p:nvPicPr>
+          <p:cNvPr id="3" name="Picture 2"/>
+          <p:cNvPicPr>
+            <a:picLocks noChangeAspect="1"/>
+          </p:cNvPicPr>
+          <p:nvPr/>
+        </p:nvPicPr>
+        <p:blipFill>
+          <a:blip r:embed="rId3"/>
+          <a:stretch>
+            <a:fillRect/>
+          </a:stretch>
+        </p:blipFill>
+        <p:spPr>
+          <a:xfrm>
+            <a:off x="573438" y="3332450"/>
+            <a:ext cx="3010420" cy="345458"/>
+          </a:xfrm>
+          <a:prstGeom prst="rect">
+            <a:avLst/>
+          </a:prstGeom>
+        </p:spPr>
+      </p:pic>
+      <p:pic>
+        <p:nvPicPr>
+          <p:cNvPr id="4" name="Picture 3"/>
+          <p:cNvPicPr>
+            <a:picLocks noChangeAspect="1"/>
+          </p:cNvPicPr>
+          <p:nvPr/>
+        </p:nvPicPr>
+        <p:blipFill>
+          <a:blip r:embed="rId4"/>
+          <a:stretch>
+            <a:fillRect/>
+          </a:stretch>
+        </p:blipFill>
+        <p:spPr>
+          <a:xfrm>
+            <a:off x="4342164" y="3316000"/>
+            <a:ext cx="3010419" cy="361908"/>
+          </a:xfrm>
+          <a:prstGeom prst="rect">
+            <a:avLst/>
+          </a:prstGeom>
+        </p:spPr>
+      </p:pic>
+      <p:pic>
+        <p:nvPicPr>
+          <p:cNvPr id="6" name="Picture 5"/>
+          <p:cNvPicPr>
+            <a:picLocks noChangeAspect="1"/>
+          </p:cNvPicPr>
+          <p:nvPr/>
+        </p:nvPicPr>
+        <p:blipFill>
+          <a:blip r:embed="rId5"/>
+          <a:stretch>
+            <a:fillRect/>
+          </a:stretch>
+        </p:blipFill>
+        <p:spPr>
+          <a:xfrm>
+            <a:off x="4342164" y="4196072"/>
+            <a:ext cx="3010420" cy="345458"/>
+          </a:xfrm>
+          <a:prstGeom prst="rect">
+            <a:avLst/>
+          </a:prstGeom>
+        </p:spPr>
+      </p:pic>
+      <p:pic>
+        <p:nvPicPr>
+          <p:cNvPr id="7" name="Picture 6"/>
+          <p:cNvPicPr>
+            <a:picLocks noChangeAspect="1"/>
+          </p:cNvPicPr>
+          <p:nvPr/>
+        </p:nvPicPr>
+        <p:blipFill>
+          <a:blip r:embed="rId6"/>
+          <a:stretch>
+            <a:fillRect/>
+          </a:stretch>
+        </p:blipFill>
+        <p:spPr>
+          <a:xfrm>
+            <a:off x="4342164" y="2435090"/>
+            <a:ext cx="3000896" cy="362746"/>
+          </a:xfrm>
+          <a:prstGeom prst="rect">
+            <a:avLst/>
+          </a:prstGeom>
+        </p:spPr>
+      </p:pic>
+      <p:pic>
+        <p:nvPicPr>
+          <p:cNvPr id="8" name="Picture 7"/>
+          <p:cNvPicPr>
+            <a:picLocks noChangeAspect="1"/>
+          </p:cNvPicPr>
+          <p:nvPr/>
+        </p:nvPicPr>
+        <p:blipFill>
+          <a:blip r:embed="rId7"/>
+          <a:stretch>
+            <a:fillRect/>
+          </a:stretch>
+        </p:blipFill>
+        <p:spPr>
+          <a:xfrm>
+            <a:off x="8110889" y="3300035"/>
+            <a:ext cx="3009900" cy="361950"/>
+          </a:xfrm>
+          <a:prstGeom prst="rect">
+            <a:avLst/>
+          </a:prstGeom>
+        </p:spPr>
+      </p:pic>
+      <p:sp>
+        <p:nvSpPr>
+          <p:cNvPr id="9" name="Arrow: Right 8"/>
+          <p:cNvSpPr/>
+          <p:nvPr/>
+        </p:nvSpPr>
+        <p:spPr>
+          <a:xfrm>
+            <a:off x="3795371" y="3393389"/>
+            <a:ext cx="335280" cy="148560"/>
+          </a:xfrm>
+          <a:prstGeom prst="rightArrow">
+            <a:avLst/>
+          </a:prstGeom>
+        </p:spPr>
+        <p:style>
+          <a:lnRef idx="2">
+            <a:schemeClr val="accent1">
+              <a:shade val="50000"/>
+            </a:schemeClr>
+          </a:lnRef>
+          <a:fillRef idx="1">
+            <a:schemeClr val="accent1"/>
+          </a:fillRef>
+          <a:effectRef idx="0">
+            <a:schemeClr val="accent1"/>
+          </a:effectRef>
+          <a:fontRef idx="minor">
+            <a:schemeClr val="lt1"/>
+          </a:fontRef>
+        </p:style>
+        <p:txBody>
+          <a:bodyPr rtlCol="0" anchor="ctr"/>
+          <a:lstStyle/>
+          <a:p>
+            <a:pPr algn="ctr"/>
+            <a:endParaRPr lang="en-GB"/>
+          </a:p>
+        </p:txBody>
+      </p:sp>
+      <p:sp>
+        <p:nvSpPr>
+          <p:cNvPr id="11" name="Arrow: Right 10"/>
+          <p:cNvSpPr/>
+          <p:nvPr/>
+        </p:nvSpPr>
+        <p:spPr>
+          <a:xfrm>
+            <a:off x="7564096" y="3406730"/>
+            <a:ext cx="335280" cy="148560"/>
+          </a:xfrm>
+          <a:prstGeom prst="rightArrow">
+            <a:avLst/>
+          </a:prstGeom>
+        </p:spPr>
+        <p:style>
+          <a:lnRef idx="2">
+            <a:schemeClr val="accent1">
+              <a:shade val="50000"/>
+            </a:schemeClr>
+          </a:lnRef>
+          <a:fillRef idx="1">
+            <a:schemeClr val="accent1"/>
+          </a:fillRef>
+          <a:effectRef idx="0">
+            <a:schemeClr val="accent1"/>
+          </a:effectRef>
+          <a:fontRef idx="minor">
+            <a:schemeClr val="lt1"/>
+          </a:fontRef>
+        </p:style>
+        <p:txBody>
+          <a:bodyPr rtlCol="0" anchor="ctr"/>
+          <a:lstStyle/>
+          <a:p>
+            <a:pPr algn="ctr"/>
+            <a:endParaRPr lang="en-GB"/>
+          </a:p>
+        </p:txBody>
+      </p:sp>
+      <p:sp>
+        <p:nvSpPr>
+          <p:cNvPr id="12" name="Arrow: Right 11"/>
+          <p:cNvSpPr/>
+          <p:nvPr/>
+        </p:nvSpPr>
+        <p:spPr>
+          <a:xfrm rot="18900000">
+            <a:off x="3791947" y="2865068"/>
+            <a:ext cx="335280" cy="148560"/>
+          </a:xfrm>
+          <a:prstGeom prst="rightArrow">
+            <a:avLst/>
+          </a:prstGeom>
+        </p:spPr>
+        <p:style>
+          <a:lnRef idx="2">
+            <a:schemeClr val="accent1">
+              <a:shade val="50000"/>
+            </a:schemeClr>
+          </a:lnRef>
+          <a:fillRef idx="1">
+            <a:schemeClr val="accent1"/>
+          </a:fillRef>
+          <a:effectRef idx="0">
+            <a:schemeClr val="accent1"/>
+          </a:effectRef>
+          <a:fontRef idx="minor">
+            <a:schemeClr val="lt1"/>
+          </a:fontRef>
+        </p:style>
+        <p:txBody>
+          <a:bodyPr rtlCol="0" anchor="ctr"/>
+          <a:lstStyle/>
+          <a:p>
+            <a:pPr algn="ctr"/>
+            <a:endParaRPr lang="en-GB"/>
+          </a:p>
+        </p:txBody>
+      </p:sp>
+      <p:sp>
+        <p:nvSpPr>
+          <p:cNvPr id="13" name="Arrow: Right 12"/>
+          <p:cNvSpPr/>
+          <p:nvPr/>
+        </p:nvSpPr>
+        <p:spPr>
+          <a:xfrm rot="1800000">
+            <a:off x="3780691" y="3913340"/>
+            <a:ext cx="335280" cy="148560"/>
+          </a:xfrm>
+          <a:prstGeom prst="rightArrow">
+            <a:avLst/>
+          </a:prstGeom>
+        </p:spPr>
+        <p:style>
+          <a:lnRef idx="2">
+            <a:schemeClr val="accent1">
+              <a:shade val="50000"/>
+            </a:schemeClr>
+          </a:lnRef>
+          <a:fillRef idx="1">
+            <a:schemeClr val="accent1"/>
+          </a:fillRef>
+          <a:effectRef idx="0">
+            <a:schemeClr val="accent1"/>
+          </a:effectRef>
+          <a:fontRef idx="minor">
+            <a:schemeClr val="lt1"/>
+          </a:fontRef>
+        </p:style>
+        <p:txBody>
+          <a:bodyPr rtlCol="0" anchor="ctr"/>
+          <a:lstStyle/>
+          <a:p>
+            <a:pPr algn="ctr"/>
+            <a:endParaRPr lang="en-GB"/>
+          </a:p>
+        </p:txBody>
+      </p:sp>
+      <p:sp>
+        <p:nvSpPr>
+          <p:cNvPr id="17" name="Rectangle 16"/>
+          <p:cNvSpPr/>
+          <p:nvPr/>
+        </p:nvSpPr>
+        <p:spPr>
+          <a:xfrm>
+            <a:off x="6182360" y="3264492"/>
+            <a:ext cx="955040" cy="464924"/>
+          </a:xfrm>
+          <a:prstGeom prst="rect">
+            <a:avLst/>
+          </a:prstGeom>
+          <a:noFill/>
+          <a:ln w="50800">
+            <a:solidFill>
+              <a:srgbClr val="C00000"/>
+            </a:solidFill>
+          </a:ln>
+        </p:spPr>
+        <p:style>
+          <a:lnRef idx="2">
+            <a:schemeClr val="accent1">
+              <a:shade val="50000"/>
+            </a:schemeClr>
+          </a:lnRef>
+          <a:fillRef idx="1">
+            <a:schemeClr val="accent1"/>
+          </a:fillRef>
+          <a:effectRef idx="0">
+            <a:schemeClr val="accent1"/>
+          </a:effectRef>
+          <a:fontRef idx="minor">
+            <a:schemeClr val="lt1"/>
+          </a:fontRef>
+        </p:style>
+        <p:txBody>
+          <a:bodyPr rtlCol="0" anchor="ctr"/>
+          <a:lstStyle/>
+          <a:p>
+            <a:pPr algn="ctr"/>
+            <a:endParaRPr lang="en-GB" dirty="0"/>
+          </a:p>
+        </p:txBody>
+      </p:sp>
+      <p:sp>
+        <p:nvSpPr>
+          <p:cNvPr id="18" name="Rectangle 17"/>
+          <p:cNvSpPr/>
+          <p:nvPr/>
+        </p:nvSpPr>
+        <p:spPr>
+          <a:xfrm>
+            <a:off x="5552440" y="4136339"/>
+            <a:ext cx="955040" cy="464924"/>
+          </a:xfrm>
+          <a:prstGeom prst="rect">
+            <a:avLst/>
+          </a:prstGeom>
+          <a:noFill/>
+          <a:ln w="50800">
+            <a:solidFill>
+              <a:srgbClr val="C00000"/>
+            </a:solidFill>
+          </a:ln>
+        </p:spPr>
+        <p:style>
+          <a:lnRef idx="2">
+            <a:schemeClr val="accent1">
+              <a:shade val="50000"/>
+            </a:schemeClr>
+          </a:lnRef>
+          <a:fillRef idx="1">
+            <a:schemeClr val="accent1"/>
+          </a:fillRef>
+          <a:effectRef idx="0">
+            <a:schemeClr val="accent1"/>
+          </a:effectRef>
+          <a:fontRef idx="minor">
+            <a:schemeClr val="lt1"/>
+          </a:fontRef>
+        </p:style>
+        <p:txBody>
+          <a:bodyPr rtlCol="0" anchor="ctr"/>
+          <a:lstStyle/>
+          <a:p>
+            <a:pPr algn="ctr"/>
+            <a:endParaRPr lang="en-GB" dirty="0"/>
+          </a:p>
+        </p:txBody>
+      </p:sp>
+      <p:sp>
+        <p:nvSpPr>
+          <p:cNvPr id="19" name="Rectangle 18"/>
+          <p:cNvSpPr/>
+          <p:nvPr/>
+        </p:nvSpPr>
+        <p:spPr>
+          <a:xfrm>
+            <a:off x="4505960" y="2392645"/>
+            <a:ext cx="2738120" cy="464924"/>
+          </a:xfrm>
+          <a:prstGeom prst="rect">
+            <a:avLst/>
+          </a:prstGeom>
+          <a:noFill/>
+          <a:ln w="50800">
+            <a:solidFill>
+              <a:srgbClr val="C00000"/>
+            </a:solidFill>
+          </a:ln>
+        </p:spPr>
+        <p:style>
+          <a:lnRef idx="2">
+            <a:schemeClr val="accent1">
+              <a:shade val="50000"/>
+            </a:schemeClr>
+          </a:lnRef>
+          <a:fillRef idx="1">
+            <a:schemeClr val="accent1"/>
+          </a:fillRef>
+          <a:effectRef idx="0">
+            <a:schemeClr val="accent1"/>
+          </a:effectRef>
+          <a:fontRef idx="minor">
+            <a:schemeClr val="lt1"/>
+          </a:fontRef>
+        </p:style>
+        <p:txBody>
+          <a:bodyPr rtlCol="0" anchor="ctr"/>
+          <a:lstStyle/>
+          <a:p>
+            <a:pPr algn="ctr"/>
+            <a:endParaRPr lang="en-GB" dirty="0"/>
+          </a:p>
+        </p:txBody>
+      </p:sp>
+      <p:sp>
+        <p:nvSpPr>
+          <p:cNvPr id="20" name="Rectangle 19"/>
+          <p:cNvSpPr/>
+          <p:nvPr/>
+        </p:nvSpPr>
+        <p:spPr>
+          <a:xfrm>
+            <a:off x="9316720" y="3235206"/>
+            <a:ext cx="1584960" cy="494209"/>
+          </a:xfrm>
+          <a:prstGeom prst="rect">
+            <a:avLst/>
+          </a:prstGeom>
+          <a:noFill/>
+          <a:ln w="50800">
+            <a:solidFill>
+              <a:srgbClr val="C00000"/>
+            </a:solidFill>
+          </a:ln>
+        </p:spPr>
+        <p:style>
+          <a:lnRef idx="2">
+            <a:schemeClr val="accent1">
+              <a:shade val="50000"/>
+            </a:schemeClr>
+          </a:lnRef>
+          <a:fillRef idx="1">
+            <a:schemeClr val="accent1"/>
+          </a:fillRef>
+          <a:effectRef idx="0">
+            <a:schemeClr val="accent1"/>
+          </a:effectRef>
+          <a:fontRef idx="minor">
+            <a:schemeClr val="lt1"/>
+          </a:fontRef>
+        </p:style>
+        <p:txBody>
+          <a:bodyPr rtlCol="0" anchor="ctr"/>
+          <a:lstStyle/>
+          <a:p>
+            <a:pPr algn="ctr"/>
+            <a:endParaRPr lang="en-GB" dirty="0"/>
           </a:p>
         </p:txBody>
       </p:sp>
     </p:spTree>
     <p:extLst>
       <p:ext uri="{BB962C8B-B14F-4D97-AF65-F5344CB8AC3E}">
-        <p14:creationId xmlns:p14="http://schemas.microsoft.com/office/powerpoint/2010/main" val="871478372"/>
+        <p14:creationId xmlns:p14="http://schemas.microsoft.com/office/powerpoint/2010/main" val="3521442204"/>
       </p:ext>
     </p:extLst>
   </p:cSld>
@@ -18867,11 +19740,8 @@
           <a:p>
             <a:r>
               <a:rPr lang="en-GB" dirty="0"/>
-              <a:t>Whole level mutation testing complexity</a:t>
-            </a:r>
-          </a:p>
-          <a:p>
-            <a:endParaRPr lang="en-GB" dirty="0"/>
+              <a:t>Whole level mutation testing</a:t>
+            </a:r>
           </a:p>
           <a:p>
             <a:endParaRPr lang="en-GB" dirty="0"/>
@@ -18890,7 +19760,7 @@
     </p:spTree>
     <p:extLst>
       <p:ext uri="{BB962C8B-B14F-4D97-AF65-F5344CB8AC3E}">
-        <p14:creationId xmlns:p14="http://schemas.microsoft.com/office/powerpoint/2010/main" val="1354816254"/>
+        <p14:creationId xmlns:p14="http://schemas.microsoft.com/office/powerpoint/2010/main" val="871478372"/>
       </p:ext>
     </p:extLst>
   </p:cSld>
@@ -18934,11 +19804,8 @@
           <a:p>
             <a:r>
               <a:rPr lang="en-GB" dirty="0"/>
-              <a:t>Whole level mutation tests can generate code?</a:t>
-            </a:r>
-          </a:p>
-          <a:p>
-            <a:endParaRPr lang="en-GB" dirty="0"/>
+              <a:t>Whole level mutation testing complexity</a:t>
+            </a:r>
           </a:p>
           <a:p>
             <a:endParaRPr lang="en-GB" dirty="0"/>
@@ -18960,7 +19827,7 @@
     </p:spTree>
     <p:extLst>
       <p:ext uri="{BB962C8B-B14F-4D97-AF65-F5344CB8AC3E}">
-        <p14:creationId xmlns:p14="http://schemas.microsoft.com/office/powerpoint/2010/main" val="1854456634"/>
+        <p14:creationId xmlns:p14="http://schemas.microsoft.com/office/powerpoint/2010/main" val="1354816254"/>
       </p:ext>
     </p:extLst>
   </p:cSld>
@@ -19132,6 +19999,76 @@
 </file>
 
 <file path=ppt/slides/slide20.xml><?xml version="1.0" encoding="utf-8"?>
+<p:sld xmlns:a="http://schemas.openxmlformats.org/drawingml/2006/main" xmlns:r="http://schemas.openxmlformats.org/officeDocument/2006/relationships" xmlns:p="http://schemas.openxmlformats.org/presentationml/2006/main">
+  <p:cSld>
+    <p:spTree>
+      <p:nvGrpSpPr>
+        <p:cNvPr id="1" name=""/>
+        <p:cNvGrpSpPr/>
+        <p:nvPr/>
+      </p:nvGrpSpPr>
+      <p:grpSpPr>
+        <a:xfrm>
+          <a:off x="0" y="0"/>
+          <a:ext cx="0" cy="0"/>
+          <a:chOff x="0" y="0"/>
+          <a:chExt cx="0" cy="0"/>
+        </a:xfrm>
+      </p:grpSpPr>
+      <p:sp>
+        <p:nvSpPr>
+          <p:cNvPr id="2" name="Текст 1"/>
+          <p:cNvSpPr>
+            <a:spLocks noGrp="1"/>
+          </p:cNvSpPr>
+          <p:nvPr>
+            <p:ph type="body" sz="quarter" idx="33"/>
+          </p:nvPr>
+        </p:nvSpPr>
+        <p:spPr/>
+        <p:txBody>
+          <a:bodyPr/>
+          <a:lstStyle/>
+          <a:p>
+            <a:r>
+              <a:rPr lang="en-GB" dirty="0"/>
+              <a:t>Whole level mutation tests can generate code?</a:t>
+            </a:r>
+          </a:p>
+          <a:p>
+            <a:endParaRPr lang="en-GB" dirty="0"/>
+          </a:p>
+          <a:p>
+            <a:endParaRPr lang="en-GB" dirty="0"/>
+          </a:p>
+          <a:p>
+            <a:endParaRPr lang="en-GB" dirty="0"/>
+          </a:p>
+          <a:p>
+            <a:endParaRPr lang="en-GB" dirty="0"/>
+          </a:p>
+          <a:p>
+            <a:endParaRPr lang="en-GB" dirty="0"/>
+          </a:p>
+          <a:p>
+            <a:endParaRPr lang="ru-RU" dirty="0"/>
+          </a:p>
+        </p:txBody>
+      </p:sp>
+    </p:spTree>
+    <p:extLst>
+      <p:ext uri="{BB962C8B-B14F-4D97-AF65-F5344CB8AC3E}">
+        <p14:creationId xmlns:p14="http://schemas.microsoft.com/office/powerpoint/2010/main" val="1854456634"/>
+      </p:ext>
+    </p:extLst>
+  </p:cSld>
+  <p:clrMapOvr>
+    <a:masterClrMapping/>
+  </p:clrMapOvr>
+</p:sld>
+</file>
+
+<file path=ppt/slides/slide21.xml><?xml version="1.0" encoding="utf-8"?>
 <p:sld xmlns:a="http://schemas.openxmlformats.org/drawingml/2006/main" xmlns:r="http://schemas.openxmlformats.org/officeDocument/2006/relationships" xmlns:p="http://schemas.openxmlformats.org/presentationml/2006/main">
   <p:cSld>
     <p:spTree>

--- a/Mutation [Autosaved].pptx
+++ b/Mutation [Autosaved].pptx
@@ -19693,6 +19693,153 @@
           </a:p>
         </p:txBody>
       </p:sp>
+      <p:sp>
+        <p:nvSpPr>
+          <p:cNvPr id="21" name="TextBox 20"/>
+          <p:cNvSpPr txBox="1"/>
+          <p:nvPr/>
+        </p:nvSpPr>
+        <p:spPr>
+          <a:xfrm>
+            <a:off x="1562582" y="1134319"/>
+            <a:ext cx="836896" cy="369332"/>
+          </a:xfrm>
+          <a:prstGeom prst="rect">
+            <a:avLst/>
+          </a:prstGeom>
+          <a:noFill/>
+        </p:spPr>
+        <p:txBody>
+          <a:bodyPr wrap="none" rtlCol="0">
+            <a:spAutoFit/>
+          </a:bodyPr>
+          <a:lstStyle/>
+          <a:p>
+            <a:r>
+              <a:rPr lang="en-GB" dirty="0"/>
+              <a:t>Level 0</a:t>
+            </a:r>
+          </a:p>
+        </p:txBody>
+      </p:sp>
+      <p:sp>
+        <p:nvSpPr>
+          <p:cNvPr id="22" name="TextBox 21"/>
+          <p:cNvSpPr txBox="1"/>
+          <p:nvPr/>
+        </p:nvSpPr>
+        <p:spPr>
+          <a:xfrm>
+            <a:off x="5424164" y="1134319"/>
+            <a:ext cx="836896" cy="369332"/>
+          </a:xfrm>
+          <a:prstGeom prst="rect">
+            <a:avLst/>
+          </a:prstGeom>
+          <a:noFill/>
+        </p:spPr>
+        <p:txBody>
+          <a:bodyPr wrap="none" rtlCol="0">
+            <a:spAutoFit/>
+          </a:bodyPr>
+          <a:lstStyle/>
+          <a:p>
+            <a:r>
+              <a:rPr lang="en-GB" dirty="0"/>
+              <a:t>Level 1</a:t>
+            </a:r>
+          </a:p>
+        </p:txBody>
+      </p:sp>
+      <p:sp>
+        <p:nvSpPr>
+          <p:cNvPr id="23" name="TextBox 22"/>
+          <p:cNvSpPr txBox="1"/>
+          <p:nvPr/>
+        </p:nvSpPr>
+        <p:spPr>
+          <a:xfrm>
+            <a:off x="9197391" y="1134319"/>
+            <a:ext cx="836896" cy="369332"/>
+          </a:xfrm>
+          <a:prstGeom prst="rect">
+            <a:avLst/>
+          </a:prstGeom>
+          <a:noFill/>
+        </p:spPr>
+        <p:txBody>
+          <a:bodyPr wrap="none" rtlCol="0">
+            <a:spAutoFit/>
+          </a:bodyPr>
+          <a:lstStyle/>
+          <a:p>
+            <a:r>
+              <a:rPr lang="en-GB" dirty="0"/>
+              <a:t>Level 2</a:t>
+            </a:r>
+          </a:p>
+        </p:txBody>
+      </p:sp>
+      <p:cxnSp>
+        <p:nvCxnSpPr>
+          <p:cNvPr id="25" name="Straight Connector 24"/>
+          <p:cNvCxnSpPr/>
+          <p:nvPr/>
+        </p:nvCxnSpPr>
+        <p:spPr>
+          <a:xfrm>
+            <a:off x="3923818" y="1377387"/>
+            <a:ext cx="39482" cy="4514127"/>
+          </a:xfrm>
+          <a:prstGeom prst="line">
+            <a:avLst/>
+          </a:prstGeom>
+        </p:spPr>
+        <p:style>
+          <a:lnRef idx="1">
+            <a:schemeClr val="accent1"/>
+          </a:lnRef>
+          <a:fillRef idx="0">
+            <a:schemeClr val="accent1"/>
+          </a:fillRef>
+          <a:effectRef idx="0">
+            <a:schemeClr val="accent1"/>
+          </a:effectRef>
+          <a:fontRef idx="minor">
+            <a:schemeClr val="tx1"/>
+          </a:fontRef>
+        </p:style>
+      </p:cxnSp>
+      <p:cxnSp>
+        <p:nvCxnSpPr>
+          <p:cNvPr id="27" name="Straight Connector 26"/>
+          <p:cNvCxnSpPr/>
+          <p:nvPr/>
+        </p:nvCxnSpPr>
+        <p:spPr>
+          <a:xfrm>
+            <a:off x="7699912" y="1377386"/>
+            <a:ext cx="39482" cy="4514127"/>
+          </a:xfrm>
+          <a:prstGeom prst="line">
+            <a:avLst/>
+          </a:prstGeom>
+        </p:spPr>
+        <p:style>
+          <a:lnRef idx="1">
+            <a:schemeClr val="accent1"/>
+          </a:lnRef>
+          <a:fillRef idx="0">
+            <a:schemeClr val="accent1"/>
+          </a:fillRef>
+          <a:effectRef idx="0">
+            <a:schemeClr val="accent1"/>
+          </a:effectRef>
+          <a:fontRef idx="minor">
+            <a:schemeClr val="tx1"/>
+          </a:fontRef>
+        </p:style>
+      </p:cxnSp>
     </p:spTree>
     <p:extLst>
       <p:ext uri="{BB962C8B-B14F-4D97-AF65-F5344CB8AC3E}">
@@ -19754,6 +19901,703 @@
           </a:p>
           <a:p>
             <a:endParaRPr lang="ru-RU" dirty="0"/>
+          </a:p>
+        </p:txBody>
+      </p:sp>
+      <p:sp>
+        <p:nvSpPr>
+          <p:cNvPr id="4" name="TextBox 3"/>
+          <p:cNvSpPr txBox="1"/>
+          <p:nvPr/>
+        </p:nvSpPr>
+        <p:spPr>
+          <a:xfrm>
+            <a:off x="2916819" y="1145894"/>
+            <a:ext cx="836896" cy="369332"/>
+          </a:xfrm>
+          <a:prstGeom prst="rect">
+            <a:avLst/>
+          </a:prstGeom>
+          <a:noFill/>
+        </p:spPr>
+        <p:txBody>
+          <a:bodyPr wrap="none" rtlCol="0">
+            <a:spAutoFit/>
+          </a:bodyPr>
+          <a:lstStyle/>
+          <a:p>
+            <a:r>
+              <a:rPr lang="en-GB" dirty="0"/>
+              <a:t>Level 1</a:t>
+            </a:r>
+          </a:p>
+        </p:txBody>
+      </p:sp>
+      <p:sp>
+        <p:nvSpPr>
+          <p:cNvPr id="5" name="TextBox 4"/>
+          <p:cNvSpPr txBox="1"/>
+          <p:nvPr/>
+        </p:nvSpPr>
+        <p:spPr>
+          <a:xfrm>
+            <a:off x="5785731" y="1157469"/>
+            <a:ext cx="836896" cy="369332"/>
+          </a:xfrm>
+          <a:prstGeom prst="rect">
+            <a:avLst/>
+          </a:prstGeom>
+          <a:noFill/>
+        </p:spPr>
+        <p:txBody>
+          <a:bodyPr wrap="none" rtlCol="0">
+            <a:spAutoFit/>
+          </a:bodyPr>
+          <a:lstStyle/>
+          <a:p>
+            <a:r>
+              <a:rPr lang="en-GB" dirty="0"/>
+              <a:t>Level 2</a:t>
+            </a:r>
+          </a:p>
+        </p:txBody>
+      </p:sp>
+      <p:cxnSp>
+        <p:nvCxnSpPr>
+          <p:cNvPr id="6" name="Straight Connector 5"/>
+          <p:cNvCxnSpPr/>
+          <p:nvPr/>
+        </p:nvCxnSpPr>
+        <p:spPr>
+          <a:xfrm>
+            <a:off x="4749982" y="1515226"/>
+            <a:ext cx="39482" cy="4514127"/>
+          </a:xfrm>
+          <a:prstGeom prst="line">
+            <a:avLst/>
+          </a:prstGeom>
+        </p:spPr>
+        <p:style>
+          <a:lnRef idx="1">
+            <a:schemeClr val="accent1"/>
+          </a:lnRef>
+          <a:fillRef idx="0">
+            <a:schemeClr val="accent1"/>
+          </a:fillRef>
+          <a:effectRef idx="0">
+            <a:schemeClr val="accent1"/>
+          </a:effectRef>
+          <a:fontRef idx="minor">
+            <a:schemeClr val="tx1"/>
+          </a:fontRef>
+        </p:style>
+      </p:cxnSp>
+      <p:cxnSp>
+        <p:nvCxnSpPr>
+          <p:cNvPr id="7" name="Straight Connector 6"/>
+          <p:cNvCxnSpPr/>
+          <p:nvPr/>
+        </p:nvCxnSpPr>
+        <p:spPr>
+          <a:xfrm>
+            <a:off x="7618894" y="1515225"/>
+            <a:ext cx="39482" cy="4514127"/>
+          </a:xfrm>
+          <a:prstGeom prst="line">
+            <a:avLst/>
+          </a:prstGeom>
+        </p:spPr>
+        <p:style>
+          <a:lnRef idx="1">
+            <a:schemeClr val="accent1"/>
+          </a:lnRef>
+          <a:fillRef idx="0">
+            <a:schemeClr val="accent1"/>
+          </a:fillRef>
+          <a:effectRef idx="0">
+            <a:schemeClr val="accent1"/>
+          </a:effectRef>
+          <a:fontRef idx="minor">
+            <a:schemeClr val="tx1"/>
+          </a:fontRef>
+        </p:style>
+      </p:cxnSp>
+      <p:cxnSp>
+        <p:nvCxnSpPr>
+          <p:cNvPr id="8" name="Straight Connector 7"/>
+          <p:cNvCxnSpPr/>
+          <p:nvPr/>
+        </p:nvCxnSpPr>
+        <p:spPr>
+          <a:xfrm>
+            <a:off x="8588416" y="1515226"/>
+            <a:ext cx="39482" cy="4514127"/>
+          </a:xfrm>
+          <a:prstGeom prst="line">
+            <a:avLst/>
+          </a:prstGeom>
+        </p:spPr>
+        <p:style>
+          <a:lnRef idx="1">
+            <a:schemeClr val="accent1"/>
+          </a:lnRef>
+          <a:fillRef idx="0">
+            <a:schemeClr val="accent1"/>
+          </a:fillRef>
+          <a:effectRef idx="0">
+            <a:schemeClr val="accent1"/>
+          </a:effectRef>
+          <a:fontRef idx="minor">
+            <a:schemeClr val="tx1"/>
+          </a:fontRef>
+        </p:style>
+      </p:cxnSp>
+      <p:sp>
+        <p:nvSpPr>
+          <p:cNvPr id="9" name="TextBox 8"/>
+          <p:cNvSpPr txBox="1"/>
+          <p:nvPr/>
+        </p:nvSpPr>
+        <p:spPr>
+          <a:xfrm>
+            <a:off x="9557938" y="1145894"/>
+            <a:ext cx="868956" cy="369332"/>
+          </a:xfrm>
+          <a:prstGeom prst="rect">
+            <a:avLst/>
+          </a:prstGeom>
+          <a:noFill/>
+        </p:spPr>
+        <p:txBody>
+          <a:bodyPr wrap="none" rtlCol="0">
+            <a:spAutoFit/>
+          </a:bodyPr>
+          <a:lstStyle/>
+          <a:p>
+            <a:r>
+              <a:rPr lang="en-GB" dirty="0"/>
+              <a:t>Level N</a:t>
+            </a:r>
+          </a:p>
+        </p:txBody>
+      </p:sp>
+      <p:cxnSp>
+        <p:nvCxnSpPr>
+          <p:cNvPr id="11" name="Straight Connector 10"/>
+          <p:cNvCxnSpPr/>
+          <p:nvPr/>
+        </p:nvCxnSpPr>
+        <p:spPr>
+          <a:xfrm>
+            <a:off x="1986779" y="1515224"/>
+            <a:ext cx="39482" cy="4514127"/>
+          </a:xfrm>
+          <a:prstGeom prst="line">
+            <a:avLst/>
+          </a:prstGeom>
+        </p:spPr>
+        <p:style>
+          <a:lnRef idx="1">
+            <a:schemeClr val="accent1"/>
+          </a:lnRef>
+          <a:fillRef idx="0">
+            <a:schemeClr val="accent1"/>
+          </a:fillRef>
+          <a:effectRef idx="0">
+            <a:schemeClr val="accent1"/>
+          </a:effectRef>
+          <a:fontRef idx="minor">
+            <a:schemeClr val="tx1"/>
+          </a:fontRef>
+        </p:style>
+      </p:cxnSp>
+      <p:sp>
+        <p:nvSpPr>
+          <p:cNvPr id="12" name="TextBox 11"/>
+          <p:cNvSpPr txBox="1"/>
+          <p:nvPr/>
+        </p:nvSpPr>
+        <p:spPr>
+          <a:xfrm>
+            <a:off x="7951714" y="3587621"/>
+            <a:ext cx="343364" cy="369332"/>
+          </a:xfrm>
+          <a:prstGeom prst="rect">
+            <a:avLst/>
+          </a:prstGeom>
+          <a:noFill/>
+        </p:spPr>
+        <p:txBody>
+          <a:bodyPr wrap="none" rtlCol="0">
+            <a:spAutoFit/>
+          </a:bodyPr>
+          <a:lstStyle/>
+          <a:p>
+            <a:r>
+              <a:rPr lang="en-GB" dirty="0"/>
+              <a:t>…</a:t>
+            </a:r>
+          </a:p>
+        </p:txBody>
+      </p:sp>
+      <p:sp>
+        <p:nvSpPr>
+          <p:cNvPr id="13" name="TextBox 12"/>
+          <p:cNvSpPr txBox="1"/>
+          <p:nvPr/>
+        </p:nvSpPr>
+        <p:spPr>
+          <a:xfrm>
+            <a:off x="617198" y="1837977"/>
+            <a:ext cx="1046953" cy="923330"/>
+          </a:xfrm>
+          <a:prstGeom prst="rect">
+            <a:avLst/>
+          </a:prstGeom>
+          <a:noFill/>
+        </p:spPr>
+        <p:txBody>
+          <a:bodyPr wrap="none" rtlCol="0">
+            <a:spAutoFit/>
+          </a:bodyPr>
+          <a:lstStyle/>
+          <a:p>
+            <a:pPr algn="ctr"/>
+            <a:r>
+              <a:rPr lang="en-GB" dirty="0"/>
+              <a:t>Code</a:t>
+            </a:r>
+          </a:p>
+          <a:p>
+            <a:pPr algn="ctr"/>
+            <a:r>
+              <a:rPr lang="en-GB" dirty="0"/>
+              <a:t>mutation</a:t>
+            </a:r>
+          </a:p>
+          <a:p>
+            <a:pPr algn="ctr"/>
+            <a:r>
+              <a:rPr lang="en-GB" dirty="0"/>
+              <a:t>quantity</a:t>
+            </a:r>
+            <a:endParaRPr lang="en-GB" dirty="0"/>
+          </a:p>
+        </p:txBody>
+      </p:sp>
+      <p:sp>
+        <p:nvSpPr>
+          <p:cNvPr id="14" name="TextBox 13"/>
+          <p:cNvSpPr txBox="1"/>
+          <p:nvPr/>
+        </p:nvSpPr>
+        <p:spPr>
+          <a:xfrm>
+            <a:off x="3107230" y="2114976"/>
+            <a:ext cx="333746" cy="369332"/>
+          </a:xfrm>
+          <a:prstGeom prst="rect">
+            <a:avLst/>
+          </a:prstGeom>
+          <a:noFill/>
+        </p:spPr>
+        <p:txBody>
+          <a:bodyPr wrap="none" rtlCol="0">
+            <a:spAutoFit/>
+          </a:bodyPr>
+          <a:lstStyle/>
+          <a:p>
+            <a:r>
+              <a:rPr lang="en-GB" dirty="0"/>
+              <a:t>N</a:t>
+            </a:r>
+          </a:p>
+        </p:txBody>
+      </p:sp>
+      <p:sp>
+        <p:nvSpPr>
+          <p:cNvPr id="15" name="TextBox 14"/>
+          <p:cNvSpPr txBox="1"/>
+          <p:nvPr/>
+        </p:nvSpPr>
+        <p:spPr>
+          <a:xfrm>
+            <a:off x="5553199" y="2134934"/>
+            <a:ext cx="1301959" cy="369332"/>
+          </a:xfrm>
+          <a:prstGeom prst="rect">
+            <a:avLst/>
+          </a:prstGeom>
+          <a:noFill/>
+        </p:spPr>
+        <p:txBody>
+          <a:bodyPr wrap="none" rtlCol="0">
+            <a:spAutoFit/>
+          </a:bodyPr>
+          <a:lstStyle/>
+          <a:p>
+            <a:r>
+              <a:rPr lang="en-GB" dirty="0"/>
+              <a:t>&gt; N*(N-1)/2</a:t>
+            </a:r>
+          </a:p>
+        </p:txBody>
+      </p:sp>
+      <p:sp>
+        <p:nvSpPr>
+          <p:cNvPr id="16" name="TextBox 15"/>
+          <p:cNvSpPr txBox="1"/>
+          <p:nvPr/>
+        </p:nvSpPr>
+        <p:spPr>
+          <a:xfrm>
+            <a:off x="9609553" y="2114976"/>
+            <a:ext cx="734496" cy="369332"/>
+          </a:xfrm>
+          <a:prstGeom prst="rect">
+            <a:avLst/>
+          </a:prstGeom>
+          <a:noFill/>
+        </p:spPr>
+        <p:txBody>
+          <a:bodyPr wrap="none" rtlCol="0">
+            <a:spAutoFit/>
+          </a:bodyPr>
+          <a:lstStyle/>
+          <a:p>
+            <a:r>
+              <a:rPr lang="en-GB" dirty="0"/>
+              <a:t>&gt; 2^N</a:t>
+            </a:r>
+          </a:p>
+        </p:txBody>
+      </p:sp>
+      <p:sp>
+        <p:nvSpPr>
+          <p:cNvPr id="17" name="TextBox 16"/>
+          <p:cNvSpPr txBox="1"/>
+          <p:nvPr/>
+        </p:nvSpPr>
+        <p:spPr>
+          <a:xfrm>
+            <a:off x="655863" y="3310622"/>
+            <a:ext cx="969624" cy="923330"/>
+          </a:xfrm>
+          <a:prstGeom prst="rect">
+            <a:avLst/>
+          </a:prstGeom>
+          <a:noFill/>
+        </p:spPr>
+        <p:txBody>
+          <a:bodyPr wrap="none" rtlCol="0">
+            <a:spAutoFit/>
+          </a:bodyPr>
+          <a:lstStyle/>
+          <a:p>
+            <a:pPr algn="ctr"/>
+            <a:r>
+              <a:rPr lang="en-GB" dirty="0"/>
+              <a:t>Test</a:t>
+            </a:r>
+            <a:br>
+              <a:rPr lang="en-GB" dirty="0"/>
+            </a:br>
+            <a:r>
+              <a:rPr lang="en-GB" dirty="0"/>
+              <a:t>quantity</a:t>
+            </a:r>
+          </a:p>
+          <a:p>
+            <a:pPr algn="ctr"/>
+            <a:r>
+              <a:rPr lang="en-GB" dirty="0"/>
+              <a:t>increase</a:t>
+            </a:r>
+            <a:endParaRPr lang="en-GB" dirty="0"/>
+          </a:p>
+        </p:txBody>
+      </p:sp>
+      <p:sp>
+        <p:nvSpPr>
+          <p:cNvPr id="18" name="TextBox 17"/>
+          <p:cNvSpPr txBox="1"/>
+          <p:nvPr/>
+        </p:nvSpPr>
+        <p:spPr>
+          <a:xfrm>
+            <a:off x="619249" y="4516318"/>
+            <a:ext cx="965521" cy="1200329"/>
+          </a:xfrm>
+          <a:prstGeom prst="rect">
+            <a:avLst/>
+          </a:prstGeom>
+          <a:noFill/>
+        </p:spPr>
+        <p:txBody>
+          <a:bodyPr wrap="none" rtlCol="0">
+            <a:spAutoFit/>
+          </a:bodyPr>
+          <a:lstStyle/>
+          <a:p>
+            <a:pPr algn="ctr"/>
+            <a:r>
+              <a:rPr lang="en-GB" dirty="0"/>
+              <a:t>Test</a:t>
+            </a:r>
+            <a:br>
+              <a:rPr lang="en-GB" dirty="0"/>
+            </a:br>
+            <a:r>
+              <a:rPr lang="en-GB" dirty="0"/>
+              <a:t>lines</a:t>
+            </a:r>
+          </a:p>
+          <a:p>
+            <a:pPr algn="ctr"/>
+            <a:r>
+              <a:rPr lang="en-GB" dirty="0"/>
+              <a:t>quantity</a:t>
+            </a:r>
+          </a:p>
+          <a:p>
+            <a:pPr algn="ctr"/>
+            <a:r>
+              <a:rPr lang="en-GB" dirty="0"/>
+              <a:t>increase</a:t>
+            </a:r>
+            <a:endParaRPr lang="en-GB" dirty="0"/>
+          </a:p>
+        </p:txBody>
+      </p:sp>
+      <p:sp>
+        <p:nvSpPr>
+          <p:cNvPr id="19" name="TextBox 18"/>
+          <p:cNvSpPr txBox="1"/>
+          <p:nvPr/>
+        </p:nvSpPr>
+        <p:spPr>
+          <a:xfrm>
+            <a:off x="3073567" y="3587621"/>
+            <a:ext cx="401072" cy="369332"/>
+          </a:xfrm>
+          <a:prstGeom prst="rect">
+            <a:avLst/>
+          </a:prstGeom>
+          <a:noFill/>
+        </p:spPr>
+        <p:txBody>
+          <a:bodyPr wrap="none" rtlCol="0">
+            <a:spAutoFit/>
+          </a:bodyPr>
+          <a:lstStyle/>
+          <a:p>
+            <a:r>
+              <a:rPr lang="en-GB" dirty="0"/>
+              <a:t>x2</a:t>
+            </a:r>
+          </a:p>
+        </p:txBody>
+      </p:sp>
+      <p:sp>
+        <p:nvSpPr>
+          <p:cNvPr id="20" name="TextBox 19"/>
+          <p:cNvSpPr txBox="1"/>
+          <p:nvPr/>
+        </p:nvSpPr>
+        <p:spPr>
+          <a:xfrm>
+            <a:off x="3107230" y="4875600"/>
+            <a:ext cx="401072" cy="369332"/>
+          </a:xfrm>
+          <a:prstGeom prst="rect">
+            <a:avLst/>
+          </a:prstGeom>
+          <a:noFill/>
+        </p:spPr>
+        <p:txBody>
+          <a:bodyPr wrap="none" rtlCol="0">
+            <a:spAutoFit/>
+          </a:bodyPr>
+          <a:lstStyle/>
+          <a:p>
+            <a:r>
+              <a:rPr lang="en-GB" dirty="0"/>
+              <a:t>x4</a:t>
+            </a:r>
+          </a:p>
+        </p:txBody>
+      </p:sp>
+      <p:sp>
+        <p:nvSpPr>
+          <p:cNvPr id="21" name="TextBox 20"/>
+          <p:cNvSpPr txBox="1"/>
+          <p:nvPr/>
+        </p:nvSpPr>
+        <p:spPr>
+          <a:xfrm>
+            <a:off x="6003643" y="3587621"/>
+            <a:ext cx="641522" cy="369332"/>
+          </a:xfrm>
+          <a:prstGeom prst="rect">
+            <a:avLst/>
+          </a:prstGeom>
+          <a:noFill/>
+        </p:spPr>
+        <p:txBody>
+          <a:bodyPr wrap="none" rtlCol="0">
+            <a:spAutoFit/>
+          </a:bodyPr>
+          <a:lstStyle/>
+          <a:p>
+            <a:r>
+              <a:rPr lang="en-GB" dirty="0"/>
+              <a:t>1..2?</a:t>
+            </a:r>
+          </a:p>
+        </p:txBody>
+      </p:sp>
+      <p:sp>
+        <p:nvSpPr>
+          <p:cNvPr id="22" name="TextBox 21"/>
+          <p:cNvSpPr txBox="1"/>
+          <p:nvPr/>
+        </p:nvSpPr>
+        <p:spPr>
+          <a:xfrm>
+            <a:off x="6045664" y="4875012"/>
+            <a:ext cx="292068" cy="369332"/>
+          </a:xfrm>
+          <a:prstGeom prst="rect">
+            <a:avLst/>
+          </a:prstGeom>
+          <a:noFill/>
+        </p:spPr>
+        <p:txBody>
+          <a:bodyPr wrap="none" rtlCol="0">
+            <a:spAutoFit/>
+          </a:bodyPr>
+          <a:lstStyle/>
+          <a:p>
+            <a:r>
+              <a:rPr lang="en-GB" dirty="0"/>
+              <a:t>?</a:t>
+            </a:r>
+          </a:p>
+        </p:txBody>
+      </p:sp>
+      <p:sp>
+        <p:nvSpPr>
+          <p:cNvPr id="23" name="TextBox 22"/>
+          <p:cNvSpPr txBox="1"/>
+          <p:nvPr/>
+        </p:nvSpPr>
+        <p:spPr>
+          <a:xfrm>
+            <a:off x="9848159" y="3587621"/>
+            <a:ext cx="301686" cy="369332"/>
+          </a:xfrm>
+          <a:prstGeom prst="rect">
+            <a:avLst/>
+          </a:prstGeom>
+          <a:noFill/>
+        </p:spPr>
+        <p:txBody>
+          <a:bodyPr wrap="none" rtlCol="0">
+            <a:spAutoFit/>
+          </a:bodyPr>
+          <a:lstStyle/>
+          <a:p>
+            <a:r>
+              <a:rPr lang="en-GB" dirty="0"/>
+              <a:t>0</a:t>
+            </a:r>
+          </a:p>
+        </p:txBody>
+      </p:sp>
+      <p:sp>
+        <p:nvSpPr>
+          <p:cNvPr id="24" name="TextBox 23"/>
+          <p:cNvSpPr txBox="1"/>
+          <p:nvPr/>
+        </p:nvSpPr>
+        <p:spPr>
+          <a:xfrm>
+            <a:off x="7963371" y="4875012"/>
+            <a:ext cx="343364" cy="369332"/>
+          </a:xfrm>
+          <a:prstGeom prst="rect">
+            <a:avLst/>
+          </a:prstGeom>
+          <a:noFill/>
+        </p:spPr>
+        <p:txBody>
+          <a:bodyPr wrap="none" rtlCol="0">
+            <a:spAutoFit/>
+          </a:bodyPr>
+          <a:lstStyle/>
+          <a:p>
+            <a:r>
+              <a:rPr lang="en-GB" dirty="0"/>
+              <a:t>…</a:t>
+            </a:r>
+          </a:p>
+        </p:txBody>
+      </p:sp>
+      <p:sp>
+        <p:nvSpPr>
+          <p:cNvPr id="25" name="TextBox 24"/>
+          <p:cNvSpPr txBox="1"/>
+          <p:nvPr/>
+        </p:nvSpPr>
+        <p:spPr>
+          <a:xfrm>
+            <a:off x="7951714" y="2114976"/>
+            <a:ext cx="343364" cy="369332"/>
+          </a:xfrm>
+          <a:prstGeom prst="rect">
+            <a:avLst/>
+          </a:prstGeom>
+          <a:noFill/>
+        </p:spPr>
+        <p:txBody>
+          <a:bodyPr wrap="none" rtlCol="0">
+            <a:spAutoFit/>
+          </a:bodyPr>
+          <a:lstStyle/>
+          <a:p>
+            <a:r>
+              <a:rPr lang="en-GB" dirty="0"/>
+              <a:t>…</a:t>
+            </a:r>
+          </a:p>
+        </p:txBody>
+      </p:sp>
+      <p:sp>
+        <p:nvSpPr>
+          <p:cNvPr id="26" name="TextBox 25"/>
+          <p:cNvSpPr txBox="1"/>
+          <p:nvPr/>
+        </p:nvSpPr>
+        <p:spPr>
+          <a:xfrm>
+            <a:off x="9873384" y="4875012"/>
+            <a:ext cx="301686" cy="369332"/>
+          </a:xfrm>
+          <a:prstGeom prst="rect">
+            <a:avLst/>
+          </a:prstGeom>
+          <a:noFill/>
+        </p:spPr>
+        <p:txBody>
+          <a:bodyPr wrap="none" rtlCol="0">
+            <a:spAutoFit/>
+          </a:bodyPr>
+          <a:lstStyle/>
+          <a:p>
+            <a:r>
+              <a:rPr lang="en-GB" dirty="0"/>
+              <a:t>0</a:t>
+            </a:r>
           </a:p>
         </p:txBody>
       </p:sp>

--- a/Mutation [Autosaved].pptx
+++ b/Mutation [Autosaved].pptx
@@ -5,10 +5,10 @@
     <p:sldMasterId id="2147483660" r:id="rId2"/>
   </p:sldMasterIdLst>
   <p:notesMasterIdLst>
-    <p:notesMasterId r:id="rId24"/>
+    <p:notesMasterId r:id="rId27"/>
   </p:notesMasterIdLst>
   <p:handoutMasterIdLst>
-    <p:handoutMasterId r:id="rId25"/>
+    <p:handoutMasterId r:id="rId28"/>
   </p:handoutMasterIdLst>
   <p:sldIdLst>
     <p:sldId id="257" r:id="rId3"/>
@@ -21,17 +21,20 @@
     <p:sldId id="278" r:id="rId10"/>
     <p:sldId id="273" r:id="rId11"/>
     <p:sldId id="274" r:id="rId12"/>
-    <p:sldId id="260" r:id="rId13"/>
-    <p:sldId id="267" r:id="rId14"/>
-    <p:sldId id="263" r:id="rId15"/>
-    <p:sldId id="270" r:id="rId16"/>
-    <p:sldId id="262" r:id="rId17"/>
-    <p:sldId id="279" r:id="rId18"/>
-    <p:sldId id="264" r:id="rId19"/>
-    <p:sldId id="265" r:id="rId20"/>
-    <p:sldId id="266" r:id="rId21"/>
-    <p:sldId id="268" r:id="rId22"/>
-    <p:sldId id="269" r:id="rId23"/>
+    <p:sldId id="280" r:id="rId13"/>
+    <p:sldId id="260" r:id="rId14"/>
+    <p:sldId id="267" r:id="rId15"/>
+    <p:sldId id="281" r:id="rId16"/>
+    <p:sldId id="282" r:id="rId17"/>
+    <p:sldId id="263" r:id="rId18"/>
+    <p:sldId id="270" r:id="rId19"/>
+    <p:sldId id="262" r:id="rId20"/>
+    <p:sldId id="279" r:id="rId21"/>
+    <p:sldId id="264" r:id="rId22"/>
+    <p:sldId id="265" r:id="rId23"/>
+    <p:sldId id="266" r:id="rId24"/>
+    <p:sldId id="268" r:id="rId25"/>
+    <p:sldId id="269" r:id="rId26"/>
   </p:sldIdLst>
   <p:sldSz cx="12192000" cy="6858000"/>
   <p:notesSz cx="6858000" cy="9144000"/>
@@ -787,9 +790,12 @@
           <a:lstStyle/>
           <a:p>
             <a:r>
-              <a:rPr lang="en-GB" sz="1200" dirty="0"/>
-              <a:t>What is WC (vs kendo)</a:t>
-            </a:r>
+              <a:rPr lang="en-GB" sz="1200" baseline="0" dirty="0"/>
+              <a:t>Let’s create all possible mutants – example</a:t>
+            </a:r>
+          </a:p>
+          <a:p>
+            <a:endParaRPr lang="en-GB" sz="1200" baseline="0" dirty="0"/>
           </a:p>
         </p:txBody>
       </p:sp>
@@ -819,7 +825,7 @@
     </p:spTree>
     <p:extLst>
       <p:ext uri="{BB962C8B-B14F-4D97-AF65-F5344CB8AC3E}">
-        <p14:creationId xmlns:p14="http://schemas.microsoft.com/office/powerpoint/2010/main" val="348550125"/>
+        <p14:creationId xmlns:p14="http://schemas.microsoft.com/office/powerpoint/2010/main" val="195163959"/>
       </p:ext>
     </p:extLst>
   </p:cSld>
@@ -906,7 +912,7 @@
     </p:spTree>
     <p:extLst>
       <p:ext uri="{BB962C8B-B14F-4D97-AF65-F5344CB8AC3E}">
-        <p14:creationId xmlns:p14="http://schemas.microsoft.com/office/powerpoint/2010/main" val="628657221"/>
+        <p14:creationId xmlns:p14="http://schemas.microsoft.com/office/powerpoint/2010/main" val="348550125"/>
       </p:ext>
     </p:extLst>
   </p:cSld>
@@ -993,7 +999,7 @@
     </p:spTree>
     <p:extLst>
       <p:ext uri="{BB962C8B-B14F-4D97-AF65-F5344CB8AC3E}">
-        <p14:creationId xmlns:p14="http://schemas.microsoft.com/office/powerpoint/2010/main" val="3821467194"/>
+        <p14:creationId xmlns:p14="http://schemas.microsoft.com/office/powerpoint/2010/main" val="628657221"/>
       </p:ext>
     </p:extLst>
   </p:cSld>
@@ -1080,7 +1086,7 @@
     </p:spTree>
     <p:extLst>
       <p:ext uri="{BB962C8B-B14F-4D97-AF65-F5344CB8AC3E}">
-        <p14:creationId xmlns:p14="http://schemas.microsoft.com/office/powerpoint/2010/main" val="463080334"/>
+        <p14:creationId xmlns:p14="http://schemas.microsoft.com/office/powerpoint/2010/main" val="2961851962"/>
       </p:ext>
     </p:extLst>
   </p:cSld>
@@ -1167,7 +1173,7 @@
     </p:spTree>
     <p:extLst>
       <p:ext uri="{BB962C8B-B14F-4D97-AF65-F5344CB8AC3E}">
-        <p14:creationId xmlns:p14="http://schemas.microsoft.com/office/powerpoint/2010/main" val="670403274"/>
+        <p14:creationId xmlns:p14="http://schemas.microsoft.com/office/powerpoint/2010/main" val="1660098420"/>
       </p:ext>
     </p:extLst>
   </p:cSld>
@@ -1254,7 +1260,7 @@
     </p:spTree>
     <p:extLst>
       <p:ext uri="{BB962C8B-B14F-4D97-AF65-F5344CB8AC3E}">
-        <p14:creationId xmlns:p14="http://schemas.microsoft.com/office/powerpoint/2010/main" val="3413063944"/>
+        <p14:creationId xmlns:p14="http://schemas.microsoft.com/office/powerpoint/2010/main" val="3821467194"/>
       </p:ext>
     </p:extLst>
   </p:cSld>
@@ -1341,7 +1347,7 @@
     </p:spTree>
     <p:extLst>
       <p:ext uri="{BB962C8B-B14F-4D97-AF65-F5344CB8AC3E}">
-        <p14:creationId xmlns:p14="http://schemas.microsoft.com/office/powerpoint/2010/main" val="891204119"/>
+        <p14:creationId xmlns:p14="http://schemas.microsoft.com/office/powerpoint/2010/main" val="463080334"/>
       </p:ext>
     </p:extLst>
   </p:cSld>
@@ -1428,7 +1434,7 @@
     </p:spTree>
     <p:extLst>
       <p:ext uri="{BB962C8B-B14F-4D97-AF65-F5344CB8AC3E}">
-        <p14:creationId xmlns:p14="http://schemas.microsoft.com/office/powerpoint/2010/main" val="661384710"/>
+        <p14:creationId xmlns:p14="http://schemas.microsoft.com/office/powerpoint/2010/main" val="670403274"/>
       </p:ext>
     </p:extLst>
   </p:cSld>
@@ -1515,7 +1521,7 @@
     </p:spTree>
     <p:extLst>
       <p:ext uri="{BB962C8B-B14F-4D97-AF65-F5344CB8AC3E}">
-        <p14:creationId xmlns:p14="http://schemas.microsoft.com/office/powerpoint/2010/main" val="517064515"/>
+        <p14:creationId xmlns:p14="http://schemas.microsoft.com/office/powerpoint/2010/main" val="3413063944"/>
       </p:ext>
     </p:extLst>
   </p:cSld>
@@ -1602,7 +1608,7 @@
     </p:spTree>
     <p:extLst>
       <p:ext uri="{BB962C8B-B14F-4D97-AF65-F5344CB8AC3E}">
-        <p14:creationId xmlns:p14="http://schemas.microsoft.com/office/powerpoint/2010/main" val="3951593836"/>
+        <p14:creationId xmlns:p14="http://schemas.microsoft.com/office/powerpoint/2010/main" val="891204119"/>
       </p:ext>
     </p:extLst>
   </p:cSld>
@@ -1775,6 +1781,267 @@
             <a:fld id="{9C003A2D-F27E-469C-ADB1-04668A9E28C3}" type="slidenum">
               <a:rPr lang="ru-RU" smtClean="0"/>
               <a:t>21</a:t>
+            </a:fld>
+            <a:endParaRPr lang="ru-RU"/>
+          </a:p>
+        </p:txBody>
+      </p:sp>
+    </p:spTree>
+    <p:extLst>
+      <p:ext uri="{BB962C8B-B14F-4D97-AF65-F5344CB8AC3E}">
+        <p14:creationId xmlns:p14="http://schemas.microsoft.com/office/powerpoint/2010/main" val="661384710"/>
+      </p:ext>
+    </p:extLst>
+  </p:cSld>
+  <p:clrMapOvr>
+    <a:masterClrMapping/>
+  </p:clrMapOvr>
+</p:notes>
+</file>
+
+<file path=ppt/notesSlides/notesSlide21.xml><?xml version="1.0" encoding="utf-8"?>
+<p:notes xmlns:a="http://schemas.openxmlformats.org/drawingml/2006/main" xmlns:r="http://schemas.openxmlformats.org/officeDocument/2006/relationships" xmlns:p="http://schemas.openxmlformats.org/presentationml/2006/main">
+  <p:cSld>
+    <p:spTree>
+      <p:nvGrpSpPr>
+        <p:cNvPr id="1" name=""/>
+        <p:cNvGrpSpPr/>
+        <p:nvPr/>
+      </p:nvGrpSpPr>
+      <p:grpSpPr>
+        <a:xfrm>
+          <a:off x="0" y="0"/>
+          <a:ext cx="0" cy="0"/>
+          <a:chOff x="0" y="0"/>
+          <a:chExt cx="0" cy="0"/>
+        </a:xfrm>
+      </p:grpSpPr>
+      <p:sp>
+        <p:nvSpPr>
+          <p:cNvPr id="2" name="Slide Image Placeholder 1"/>
+          <p:cNvSpPr>
+            <a:spLocks noGrp="1" noRot="1" noChangeAspect="1"/>
+          </p:cNvSpPr>
+          <p:nvPr>
+            <p:ph type="sldImg"/>
+          </p:nvPr>
+        </p:nvSpPr>
+        <p:spPr/>
+      </p:sp>
+      <p:sp>
+        <p:nvSpPr>
+          <p:cNvPr id="3" name="Notes Placeholder 2"/>
+          <p:cNvSpPr>
+            <a:spLocks noGrp="1"/>
+          </p:cNvSpPr>
+          <p:nvPr>
+            <p:ph type="body" idx="1"/>
+          </p:nvPr>
+        </p:nvSpPr>
+        <p:spPr/>
+        <p:txBody>
+          <a:bodyPr/>
+          <a:lstStyle/>
+          <a:p>
+            <a:r>
+              <a:rPr lang="en-GB" sz="1200" dirty="0"/>
+              <a:t>What is WC (vs kendo)</a:t>
+            </a:r>
+          </a:p>
+        </p:txBody>
+      </p:sp>
+      <p:sp>
+        <p:nvSpPr>
+          <p:cNvPr id="4" name="Slide Number Placeholder 3"/>
+          <p:cNvSpPr>
+            <a:spLocks noGrp="1"/>
+          </p:cNvSpPr>
+          <p:nvPr>
+            <p:ph type="sldNum" sz="quarter" idx="10"/>
+          </p:nvPr>
+        </p:nvSpPr>
+        <p:spPr/>
+        <p:txBody>
+          <a:bodyPr/>
+          <a:lstStyle/>
+          <a:p>
+            <a:fld id="{9C003A2D-F27E-469C-ADB1-04668A9E28C3}" type="slidenum">
+              <a:rPr lang="ru-RU" smtClean="0"/>
+              <a:t>22</a:t>
+            </a:fld>
+            <a:endParaRPr lang="ru-RU"/>
+          </a:p>
+        </p:txBody>
+      </p:sp>
+    </p:spTree>
+    <p:extLst>
+      <p:ext uri="{BB962C8B-B14F-4D97-AF65-F5344CB8AC3E}">
+        <p14:creationId xmlns:p14="http://schemas.microsoft.com/office/powerpoint/2010/main" val="517064515"/>
+      </p:ext>
+    </p:extLst>
+  </p:cSld>
+  <p:clrMapOvr>
+    <a:masterClrMapping/>
+  </p:clrMapOvr>
+</p:notes>
+</file>
+
+<file path=ppt/notesSlides/notesSlide22.xml><?xml version="1.0" encoding="utf-8"?>
+<p:notes xmlns:a="http://schemas.openxmlformats.org/drawingml/2006/main" xmlns:r="http://schemas.openxmlformats.org/officeDocument/2006/relationships" xmlns:p="http://schemas.openxmlformats.org/presentationml/2006/main">
+  <p:cSld>
+    <p:spTree>
+      <p:nvGrpSpPr>
+        <p:cNvPr id="1" name=""/>
+        <p:cNvGrpSpPr/>
+        <p:nvPr/>
+      </p:nvGrpSpPr>
+      <p:grpSpPr>
+        <a:xfrm>
+          <a:off x="0" y="0"/>
+          <a:ext cx="0" cy="0"/>
+          <a:chOff x="0" y="0"/>
+          <a:chExt cx="0" cy="0"/>
+        </a:xfrm>
+      </p:grpSpPr>
+      <p:sp>
+        <p:nvSpPr>
+          <p:cNvPr id="2" name="Slide Image Placeholder 1"/>
+          <p:cNvSpPr>
+            <a:spLocks noGrp="1" noRot="1" noChangeAspect="1"/>
+          </p:cNvSpPr>
+          <p:nvPr>
+            <p:ph type="sldImg"/>
+          </p:nvPr>
+        </p:nvSpPr>
+        <p:spPr/>
+      </p:sp>
+      <p:sp>
+        <p:nvSpPr>
+          <p:cNvPr id="3" name="Notes Placeholder 2"/>
+          <p:cNvSpPr>
+            <a:spLocks noGrp="1"/>
+          </p:cNvSpPr>
+          <p:nvPr>
+            <p:ph type="body" idx="1"/>
+          </p:nvPr>
+        </p:nvSpPr>
+        <p:spPr/>
+        <p:txBody>
+          <a:bodyPr/>
+          <a:lstStyle/>
+          <a:p>
+            <a:r>
+              <a:rPr lang="en-GB" sz="1200" dirty="0"/>
+              <a:t>What is WC (vs kendo)</a:t>
+            </a:r>
+          </a:p>
+        </p:txBody>
+      </p:sp>
+      <p:sp>
+        <p:nvSpPr>
+          <p:cNvPr id="4" name="Slide Number Placeholder 3"/>
+          <p:cNvSpPr>
+            <a:spLocks noGrp="1"/>
+          </p:cNvSpPr>
+          <p:nvPr>
+            <p:ph type="sldNum" sz="quarter" idx="10"/>
+          </p:nvPr>
+        </p:nvSpPr>
+        <p:spPr/>
+        <p:txBody>
+          <a:bodyPr/>
+          <a:lstStyle/>
+          <a:p>
+            <a:fld id="{9C003A2D-F27E-469C-ADB1-04668A9E28C3}" type="slidenum">
+              <a:rPr lang="ru-RU" smtClean="0"/>
+              <a:t>23</a:t>
+            </a:fld>
+            <a:endParaRPr lang="ru-RU"/>
+          </a:p>
+        </p:txBody>
+      </p:sp>
+    </p:spTree>
+    <p:extLst>
+      <p:ext uri="{BB962C8B-B14F-4D97-AF65-F5344CB8AC3E}">
+        <p14:creationId xmlns:p14="http://schemas.microsoft.com/office/powerpoint/2010/main" val="3951593836"/>
+      </p:ext>
+    </p:extLst>
+  </p:cSld>
+  <p:clrMapOvr>
+    <a:masterClrMapping/>
+  </p:clrMapOvr>
+</p:notes>
+</file>
+
+<file path=ppt/notesSlides/notesSlide23.xml><?xml version="1.0" encoding="utf-8"?>
+<p:notes xmlns:a="http://schemas.openxmlformats.org/drawingml/2006/main" xmlns:r="http://schemas.openxmlformats.org/officeDocument/2006/relationships" xmlns:p="http://schemas.openxmlformats.org/presentationml/2006/main">
+  <p:cSld>
+    <p:spTree>
+      <p:nvGrpSpPr>
+        <p:cNvPr id="1" name=""/>
+        <p:cNvGrpSpPr/>
+        <p:nvPr/>
+      </p:nvGrpSpPr>
+      <p:grpSpPr>
+        <a:xfrm>
+          <a:off x="0" y="0"/>
+          <a:ext cx="0" cy="0"/>
+          <a:chOff x="0" y="0"/>
+          <a:chExt cx="0" cy="0"/>
+        </a:xfrm>
+      </p:grpSpPr>
+      <p:sp>
+        <p:nvSpPr>
+          <p:cNvPr id="2" name="Slide Image Placeholder 1"/>
+          <p:cNvSpPr>
+            <a:spLocks noGrp="1" noRot="1" noChangeAspect="1"/>
+          </p:cNvSpPr>
+          <p:nvPr>
+            <p:ph type="sldImg"/>
+          </p:nvPr>
+        </p:nvSpPr>
+        <p:spPr/>
+      </p:sp>
+      <p:sp>
+        <p:nvSpPr>
+          <p:cNvPr id="3" name="Notes Placeholder 2"/>
+          <p:cNvSpPr>
+            <a:spLocks noGrp="1"/>
+          </p:cNvSpPr>
+          <p:nvPr>
+            <p:ph type="body" idx="1"/>
+          </p:nvPr>
+        </p:nvSpPr>
+        <p:spPr/>
+        <p:txBody>
+          <a:bodyPr/>
+          <a:lstStyle/>
+          <a:p>
+            <a:r>
+              <a:rPr lang="en-GB" sz="1200" dirty="0"/>
+              <a:t>What is WC (vs kendo)</a:t>
+            </a:r>
+          </a:p>
+        </p:txBody>
+      </p:sp>
+      <p:sp>
+        <p:nvSpPr>
+          <p:cNvPr id="4" name="Slide Number Placeholder 3"/>
+          <p:cNvSpPr>
+            <a:spLocks noGrp="1"/>
+          </p:cNvSpPr>
+          <p:nvPr>
+            <p:ph type="sldNum" sz="quarter" idx="10"/>
+          </p:nvPr>
+        </p:nvSpPr>
+        <p:spPr/>
+        <p:txBody>
+          <a:bodyPr/>
+          <a:lstStyle/>
+          <a:p>
+            <a:fld id="{9C003A2D-F27E-469C-ADB1-04668A9E28C3}" type="slidenum">
+              <a:rPr lang="ru-RU" smtClean="0"/>
+              <a:t>24</a:t>
             </a:fld>
             <a:endParaRPr lang="ru-RU"/>
           </a:p>
@@ -18281,177 +18548,76 @@
           </a:p>
         </p:txBody>
       </p:sp>
-      <p:sp>
-        <p:nvSpPr>
-          <p:cNvPr id="3" name="Rectangle 2"/>
-          <p:cNvSpPr/>
-          <p:nvPr/>
-        </p:nvSpPr>
-        <p:spPr>
-          <a:xfrm>
-            <a:off x="1426813" y="1723873"/>
-            <a:ext cx="6096000" cy="3139321"/>
-          </a:xfrm>
-          <a:prstGeom prst="rect">
-            <a:avLst/>
-          </a:prstGeom>
-        </p:spPr>
-        <p:txBody>
-          <a:bodyPr>
-            <a:spAutoFit/>
-          </a:bodyPr>
-          <a:lstStyle/>
-          <a:p>
-            <a:pPr marL="285750" indent="-285750">
-              <a:buFont typeface="Arial" panose="020B0604020202020204" pitchFamily="34" charset="0"/>
-              <a:buChar char="•"/>
-            </a:pPr>
-            <a:r>
-              <a:rPr lang="en-GB" dirty="0"/>
-              <a:t>Block Statement	</a:t>
-            </a:r>
-          </a:p>
-          <a:p>
-            <a:pPr marL="285750" indent="-285750">
-              <a:buFont typeface="Arial" panose="020B0604020202020204" pitchFamily="34" charset="0"/>
-              <a:buChar char="•"/>
-            </a:pPr>
-            <a:r>
-              <a:rPr lang="en-GB" dirty="0"/>
-              <a:t>Arithmetic Operator</a:t>
-            </a:r>
-          </a:p>
-          <a:p>
-            <a:pPr marL="285750" indent="-285750">
-              <a:buFont typeface="Arial" panose="020B0604020202020204" pitchFamily="34" charset="0"/>
-              <a:buChar char="•"/>
-            </a:pPr>
-            <a:r>
-              <a:rPr lang="en-GB" dirty="0"/>
-              <a:t>Array Declaration	</a:t>
-            </a:r>
-          </a:p>
-          <a:p>
-            <a:pPr marL="285750" indent="-285750">
-              <a:buFont typeface="Arial" panose="020B0604020202020204" pitchFamily="34" charset="0"/>
-              <a:buChar char="•"/>
-            </a:pPr>
-            <a:r>
-              <a:rPr lang="en-GB" dirty="0"/>
-              <a:t>Boolean Literal	</a:t>
-            </a:r>
-          </a:p>
-          <a:p>
-            <a:pPr marL="285750" indent="-285750">
-              <a:buFont typeface="Arial" panose="020B0604020202020204" pitchFamily="34" charset="0"/>
-              <a:buChar char="•"/>
-            </a:pPr>
-            <a:r>
-              <a:rPr lang="en-GB" dirty="0"/>
-              <a:t>Checked Statement	</a:t>
-            </a:r>
-          </a:p>
-          <a:p>
-            <a:pPr marL="285750" indent="-285750">
-              <a:buFont typeface="Arial" panose="020B0604020202020204" pitchFamily="34" charset="0"/>
-              <a:buChar char="•"/>
-            </a:pPr>
-            <a:r>
-              <a:rPr lang="en-GB" dirty="0"/>
-              <a:t>Conditional Expression	</a:t>
-            </a:r>
-          </a:p>
-          <a:p>
-            <a:pPr marL="285750" indent="-285750">
-              <a:buFont typeface="Arial" panose="020B0604020202020204" pitchFamily="34" charset="0"/>
-              <a:buChar char="•"/>
-            </a:pPr>
-            <a:r>
-              <a:rPr lang="en-GB" dirty="0"/>
-              <a:t>Equality Operator	</a:t>
-            </a:r>
-          </a:p>
-          <a:p>
-            <a:pPr marL="285750" indent="-285750">
-              <a:buFont typeface="Arial" panose="020B0604020202020204" pitchFamily="34" charset="0"/>
-              <a:buChar char="•"/>
-            </a:pPr>
-            <a:r>
-              <a:rPr lang="en-GB" dirty="0"/>
-              <a:t>Logical Operator	</a:t>
-            </a:r>
-          </a:p>
-          <a:p>
-            <a:pPr marL="285750" indent="-285750">
-              <a:buFont typeface="Arial" panose="020B0604020202020204" pitchFamily="34" charset="0"/>
-              <a:buChar char="•"/>
-            </a:pPr>
-            <a:r>
-              <a:rPr lang="en-GB" dirty="0"/>
-              <a:t>String Literal	</a:t>
-            </a:r>
-          </a:p>
-          <a:p>
-            <a:pPr marL="285750" indent="-285750">
-              <a:buFont typeface="Arial" panose="020B0604020202020204" pitchFamily="34" charset="0"/>
-              <a:buChar char="•"/>
-            </a:pPr>
-            <a:r>
-              <a:rPr lang="en-GB" dirty="0"/>
-              <a:t>Unary Operator	</a:t>
-            </a:r>
-          </a:p>
-          <a:p>
-            <a:pPr marL="285750" indent="-285750">
-              <a:buFont typeface="Arial" panose="020B0604020202020204" pitchFamily="34" charset="0"/>
-              <a:buChar char="•"/>
-            </a:pPr>
-            <a:r>
-              <a:rPr lang="en-GB" dirty="0"/>
-              <a:t>Update Operator</a:t>
-            </a:r>
-          </a:p>
-        </p:txBody>
-      </p:sp>
       <p:pic>
         <p:nvPicPr>
-          <p:cNvPr id="1026" name="Picture 2" descr="Stryker"/>
+          <p:cNvPr id="5" name="Picture 4"/>
           <p:cNvPicPr>
-            <a:picLocks noChangeAspect="1" noChangeArrowheads="1"/>
+            <a:picLocks noChangeAspect="1"/>
           </p:cNvPicPr>
           <p:nvPr/>
         </p:nvPicPr>
         <p:blipFill>
-          <a:blip r:embed="rId3">
-            <a:extLst>
-              <a:ext uri="{28A0092B-C50C-407E-A947-70E740481C1C}">
-                <a14:useLocalDpi xmlns:a14="http://schemas.microsoft.com/office/drawing/2010/main" val="0"/>
-              </a:ext>
-            </a:extLst>
-          </a:blip>
-          <a:srcRect/>
+          <a:blip r:embed="rId3"/>
           <a:stretch>
             <a:fillRect/>
           </a:stretch>
         </p:blipFill>
-        <p:spPr bwMode="auto">
-          <a:xfrm>
-            <a:off x="6697133" y="1723873"/>
-            <a:ext cx="3810000" cy="3390900"/>
+        <p:spPr>
+          <a:xfrm>
+            <a:off x="738191" y="1289070"/>
+            <a:ext cx="3086100" cy="3724275"/>
           </a:xfrm>
           <a:prstGeom prst="rect">
             <a:avLst/>
           </a:prstGeom>
-          <a:noFill/>
-          <a:extLst>
-            <a:ext uri="{909E8E84-426E-40DD-AFC4-6F175D3DCCD1}">
-              <a14:hiddenFill xmlns:a14="http://schemas.microsoft.com/office/drawing/2010/main">
-                <a:solidFill>
-                  <a:srgbClr val="FFFFFF"/>
-                </a:solidFill>
-              </a14:hiddenFill>
-            </a:ext>
-          </a:extLst>
+        </p:spPr>
+      </p:pic>
+      <p:pic>
+        <p:nvPicPr>
+          <p:cNvPr id="6" name="Picture 5"/>
+          <p:cNvPicPr>
+            <a:picLocks noChangeAspect="1"/>
+          </p:cNvPicPr>
+          <p:nvPr/>
+        </p:nvPicPr>
+        <p:blipFill>
+          <a:blip r:embed="rId4"/>
+          <a:stretch>
+            <a:fillRect/>
+          </a:stretch>
+        </p:blipFill>
+        <p:spPr>
+          <a:xfrm>
+            <a:off x="3361304" y="2436893"/>
+            <a:ext cx="3086100" cy="2657475"/>
+          </a:xfrm>
+          <a:prstGeom prst="rect">
+            <a:avLst/>
+          </a:prstGeom>
+        </p:spPr>
+      </p:pic>
+      <p:pic>
+        <p:nvPicPr>
+          <p:cNvPr id="7" name="Picture 6"/>
+          <p:cNvPicPr>
+            <a:picLocks noChangeAspect="1"/>
+          </p:cNvPicPr>
+          <p:nvPr/>
+        </p:nvPicPr>
+        <p:blipFill>
+          <a:blip r:embed="rId5"/>
+          <a:stretch>
+            <a:fillRect/>
+          </a:stretch>
+        </p:blipFill>
+        <p:spPr>
+          <a:xfrm>
+            <a:off x="7659003" y="1381668"/>
+            <a:ext cx="2962275" cy="3267075"/>
+          </a:xfrm>
+          <a:prstGeom prst="rect">
+            <a:avLst/>
+          </a:prstGeom>
         </p:spPr>
       </p:pic>
     </p:spTree>
@@ -18501,45 +18667,226 @@
           <a:p>
             <a:r>
               <a:rPr lang="en-GB" dirty="0"/>
-              <a:t>Mutant killing</a:t>
-            </a:r>
-          </a:p>
-          <a:p>
-            <a:endParaRPr lang="en-GB" dirty="0"/>
+              <a:t>Mutations</a:t>
+            </a:r>
           </a:p>
           <a:p>
             <a:endParaRPr lang="ru-RU" dirty="0"/>
+          </a:p>
+        </p:txBody>
+      </p:sp>
+      <p:sp>
+        <p:nvSpPr>
+          <p:cNvPr id="3" name="Rectangle 2"/>
+          <p:cNvSpPr/>
+          <p:nvPr/>
+        </p:nvSpPr>
+        <p:spPr>
+          <a:xfrm>
+            <a:off x="1426813" y="1723873"/>
+            <a:ext cx="6096000" cy="3139321"/>
+          </a:xfrm>
+          <a:prstGeom prst="rect">
+            <a:avLst/>
+          </a:prstGeom>
+        </p:spPr>
+        <p:txBody>
+          <a:bodyPr>
+            <a:spAutoFit/>
+          </a:bodyPr>
+          <a:lstStyle/>
+          <a:p>
+            <a:pPr marL="285750" indent="-285750">
+              <a:buFont typeface="Arial" panose="020B0604020202020204" pitchFamily="34" charset="0"/>
+              <a:buChar char="•"/>
+            </a:pPr>
+            <a:r>
+              <a:rPr lang="en-GB" dirty="0"/>
+              <a:t>Block Statement	</a:t>
+            </a:r>
+          </a:p>
+          <a:p>
+            <a:pPr marL="285750" indent="-285750">
+              <a:buFont typeface="Arial" panose="020B0604020202020204" pitchFamily="34" charset="0"/>
+              <a:buChar char="•"/>
+            </a:pPr>
+            <a:r>
+              <a:rPr lang="en-GB" dirty="0"/>
+              <a:t>Arithmetic Operator</a:t>
+            </a:r>
+          </a:p>
+          <a:p>
+            <a:pPr marL="285750" indent="-285750">
+              <a:buFont typeface="Arial" panose="020B0604020202020204" pitchFamily="34" charset="0"/>
+              <a:buChar char="•"/>
+            </a:pPr>
+            <a:r>
+              <a:rPr lang="en-GB" dirty="0"/>
+              <a:t>Array Declaration	</a:t>
+            </a:r>
+          </a:p>
+          <a:p>
+            <a:pPr marL="285750" indent="-285750">
+              <a:buFont typeface="Arial" panose="020B0604020202020204" pitchFamily="34" charset="0"/>
+              <a:buChar char="•"/>
+            </a:pPr>
+            <a:r>
+              <a:rPr lang="en-GB" dirty="0"/>
+              <a:t>Boolean Literal	</a:t>
+            </a:r>
+          </a:p>
+          <a:p>
+            <a:pPr marL="285750" indent="-285750">
+              <a:buFont typeface="Arial" panose="020B0604020202020204" pitchFamily="34" charset="0"/>
+              <a:buChar char="•"/>
+            </a:pPr>
+            <a:r>
+              <a:rPr lang="en-GB" dirty="0"/>
+              <a:t>Checked Statement	</a:t>
+            </a:r>
+          </a:p>
+          <a:p>
+            <a:pPr marL="285750" indent="-285750">
+              <a:buFont typeface="Arial" panose="020B0604020202020204" pitchFamily="34" charset="0"/>
+              <a:buChar char="•"/>
+            </a:pPr>
+            <a:r>
+              <a:rPr lang="en-GB" dirty="0"/>
+              <a:t>Conditional Expression	</a:t>
+            </a:r>
+          </a:p>
+          <a:p>
+            <a:pPr marL="285750" indent="-285750">
+              <a:buFont typeface="Arial" panose="020B0604020202020204" pitchFamily="34" charset="0"/>
+              <a:buChar char="•"/>
+            </a:pPr>
+            <a:r>
+              <a:rPr lang="en-GB" dirty="0"/>
+              <a:t>Equality Operator	</a:t>
+            </a:r>
+          </a:p>
+          <a:p>
+            <a:pPr marL="285750" indent="-285750">
+              <a:buFont typeface="Arial" panose="020B0604020202020204" pitchFamily="34" charset="0"/>
+              <a:buChar char="•"/>
+            </a:pPr>
+            <a:r>
+              <a:rPr lang="en-GB" dirty="0"/>
+              <a:t>Logical Operator	</a:t>
+            </a:r>
+          </a:p>
+          <a:p>
+            <a:pPr marL="285750" indent="-285750">
+              <a:buFont typeface="Arial" panose="020B0604020202020204" pitchFamily="34" charset="0"/>
+              <a:buChar char="•"/>
+            </a:pPr>
+            <a:r>
+              <a:rPr lang="en-GB" dirty="0"/>
+              <a:t>String Literal	</a:t>
+            </a:r>
+          </a:p>
+          <a:p>
+            <a:pPr marL="285750" indent="-285750">
+              <a:buFont typeface="Arial" panose="020B0604020202020204" pitchFamily="34" charset="0"/>
+              <a:buChar char="•"/>
+            </a:pPr>
+            <a:r>
+              <a:rPr lang="en-GB" dirty="0"/>
+              <a:t>Unary Operator	</a:t>
+            </a:r>
+          </a:p>
+          <a:p>
+            <a:pPr marL="285750" indent="-285750">
+              <a:buFont typeface="Arial" panose="020B0604020202020204" pitchFamily="34" charset="0"/>
+              <a:buChar char="•"/>
+            </a:pPr>
+            <a:r>
+              <a:rPr lang="en-GB" dirty="0"/>
+              <a:t>Update Operator</a:t>
+            </a:r>
           </a:p>
         </p:txBody>
       </p:sp>
       <p:pic>
         <p:nvPicPr>
-          <p:cNvPr id="4" name="Picture 3"/>
+          <p:cNvPr id="1026" name="Picture 2" descr="Stryker"/>
           <p:cNvPicPr>
-            <a:picLocks noChangeAspect="1"/>
+            <a:picLocks noChangeAspect="1" noChangeArrowheads="1"/>
           </p:cNvPicPr>
           <p:nvPr/>
         </p:nvPicPr>
         <p:blipFill>
-          <a:blip r:embed="rId3"/>
+          <a:blip r:embed="rId3">
+            <a:extLst>
+              <a:ext uri="{28A0092B-C50C-407E-A947-70E740481C1C}">
+                <a14:useLocalDpi xmlns:a14="http://schemas.microsoft.com/office/drawing/2010/main" val="0"/>
+              </a:ext>
+            </a:extLst>
+          </a:blip>
+          <a:srcRect/>
           <a:stretch>
             <a:fillRect/>
           </a:stretch>
         </p:blipFill>
-        <p:spPr>
-          <a:xfrm>
-            <a:off x="380118" y="1484665"/>
-            <a:ext cx="11274924" cy="3787246"/>
+        <p:spPr bwMode="auto">
+          <a:xfrm>
+            <a:off x="6697133" y="1723873"/>
+            <a:ext cx="3810000" cy="3390900"/>
           </a:xfrm>
           <a:prstGeom prst="rect">
             <a:avLst/>
           </a:prstGeom>
+          <a:noFill/>
+          <a:extLst>
+            <a:ext uri="{909E8E84-426E-40DD-AFC4-6F175D3DCCD1}">
+              <a14:hiddenFill xmlns:a14="http://schemas.microsoft.com/office/drawing/2010/main">
+                <a:solidFill>
+                  <a:srgbClr val="FFFFFF"/>
+                </a:solidFill>
+              </a14:hiddenFill>
+            </a:ext>
+          </a:extLst>
         </p:spPr>
       </p:pic>
+      <p:sp>
+        <p:nvSpPr>
+          <p:cNvPr id="4" name="Rectangle 3"/>
+          <p:cNvSpPr/>
+          <p:nvPr/>
+        </p:nvSpPr>
+        <p:spPr>
+          <a:xfrm>
+            <a:off x="4474813" y="5323117"/>
+            <a:ext cx="3583802" cy="369332"/>
+          </a:xfrm>
+          <a:prstGeom prst="rect">
+            <a:avLst/>
+          </a:prstGeom>
+        </p:spPr>
+        <p:txBody>
+          <a:bodyPr wrap="none">
+            <a:spAutoFit/>
+          </a:bodyPr>
+          <a:lstStyle/>
+          <a:p>
+            <a:r>
+              <a:rPr lang="en-GB" dirty="0">
+                <a:hlinkClick r:id="rId4"/>
+              </a:rPr>
+              <a:t>https://github.com/stryker-mutator</a:t>
+            </a:r>
+            <a:r>
+              <a:rPr lang="en-GB" dirty="0"/>
+              <a:t> </a:t>
+            </a:r>
+            <a:endParaRPr lang="en-GB" dirty="0"/>
+          </a:p>
+        </p:txBody>
+      </p:sp>
     </p:spTree>
     <p:extLst>
       <p:ext uri="{BB962C8B-B14F-4D97-AF65-F5344CB8AC3E}">
-        <p14:creationId xmlns:p14="http://schemas.microsoft.com/office/powerpoint/2010/main" val="250124743"/>
+        <p14:creationId xmlns:p14="http://schemas.microsoft.com/office/powerpoint/2010/main" val="1634304619"/>
       </p:ext>
     </p:extLst>
   </p:cSld>
@@ -18583,24 +18930,45 @@
           <a:p>
             <a:r>
               <a:rPr lang="en-GB" dirty="0"/>
-              <a:t>Mutant testing</a:t>
+              <a:t>Mutant killing</a:t>
             </a:r>
           </a:p>
           <a:p>
             <a:endParaRPr lang="en-GB" dirty="0"/>
           </a:p>
           <a:p>
-            <a:endParaRPr lang="en-GB" dirty="0"/>
-          </a:p>
-          <a:p>
             <a:endParaRPr lang="ru-RU" dirty="0"/>
           </a:p>
         </p:txBody>
       </p:sp>
+      <p:pic>
+        <p:nvPicPr>
+          <p:cNvPr id="4" name="Picture 3"/>
+          <p:cNvPicPr>
+            <a:picLocks noChangeAspect="1"/>
+          </p:cNvPicPr>
+          <p:nvPr/>
+        </p:nvPicPr>
+        <p:blipFill>
+          <a:blip r:embed="rId3"/>
+          <a:stretch>
+            <a:fillRect/>
+          </a:stretch>
+        </p:blipFill>
+        <p:spPr>
+          <a:xfrm>
+            <a:off x="380118" y="1484665"/>
+            <a:ext cx="11274924" cy="3787246"/>
+          </a:xfrm>
+          <a:prstGeom prst="rect">
+            <a:avLst/>
+          </a:prstGeom>
+        </p:spPr>
+      </p:pic>
     </p:spTree>
     <p:extLst>
       <p:ext uri="{BB962C8B-B14F-4D97-AF65-F5344CB8AC3E}">
-        <p14:creationId xmlns:p14="http://schemas.microsoft.com/office/powerpoint/2010/main" val="2437326866"/>
+        <p14:creationId xmlns:p14="http://schemas.microsoft.com/office/powerpoint/2010/main" val="250124743"/>
       </p:ext>
     </p:extLst>
   </p:cSld>
@@ -18644,24 +19012,129 @@
           <a:p>
             <a:r>
               <a:rPr lang="en-GB" dirty="0"/>
-              <a:t>Mutant testing complexity</a:t>
+              <a:t>Equal mutant</a:t>
             </a:r>
           </a:p>
           <a:p>
             <a:endParaRPr lang="en-GB" dirty="0"/>
           </a:p>
           <a:p>
+            <a:endParaRPr lang="ru-RU" dirty="0"/>
+          </a:p>
+        </p:txBody>
+      </p:sp>
+      <p:pic>
+        <p:nvPicPr>
+          <p:cNvPr id="3" name="Picture 2"/>
+          <p:cNvPicPr>
+            <a:picLocks noChangeAspect="1"/>
+          </p:cNvPicPr>
+          <p:nvPr/>
+        </p:nvPicPr>
+        <p:blipFill>
+          <a:blip r:embed="rId3"/>
+          <a:stretch>
+            <a:fillRect/>
+          </a:stretch>
+        </p:blipFill>
+        <p:spPr>
+          <a:xfrm>
+            <a:off x="3788358" y="1369309"/>
+            <a:ext cx="4294114" cy="2218843"/>
+          </a:xfrm>
+          <a:prstGeom prst="rect">
+            <a:avLst/>
+          </a:prstGeom>
+        </p:spPr>
+      </p:pic>
+      <p:pic>
+        <p:nvPicPr>
+          <p:cNvPr id="4" name="Picture 3"/>
+          <p:cNvPicPr>
+            <a:picLocks noChangeAspect="1"/>
+          </p:cNvPicPr>
+          <p:nvPr/>
+        </p:nvPicPr>
+        <p:blipFill>
+          <a:blip r:embed="rId4"/>
+          <a:stretch>
+            <a:fillRect/>
+          </a:stretch>
+        </p:blipFill>
+        <p:spPr>
+          <a:xfrm>
+            <a:off x="3788358" y="4106118"/>
+            <a:ext cx="6230770" cy="1218236"/>
+          </a:xfrm>
+          <a:prstGeom prst="rect">
+            <a:avLst/>
+          </a:prstGeom>
+        </p:spPr>
+      </p:pic>
+      <p:sp>
+        <p:nvSpPr>
+          <p:cNvPr id="5" name="TextBox 4"/>
+          <p:cNvSpPr txBox="1"/>
+          <p:nvPr/>
+        </p:nvSpPr>
+        <p:spPr>
+          <a:xfrm>
+            <a:off x="738191" y="1306381"/>
+            <a:ext cx="667170" cy="369332"/>
+          </a:xfrm>
+          <a:prstGeom prst="rect">
+            <a:avLst/>
+          </a:prstGeom>
+          <a:noFill/>
+        </p:spPr>
+        <p:txBody>
+          <a:bodyPr wrap="none" rtlCol="0">
+            <a:spAutoFit/>
+          </a:bodyPr>
+          <a:lstStyle/>
+          <a:p>
+            <a:r>
+              <a:rPr lang="en-US" dirty="0"/>
+              <a:t>Code</a:t>
+            </a:r>
             <a:endParaRPr lang="en-GB" dirty="0"/>
           </a:p>
-          <a:p>
-            <a:endParaRPr lang="ru-RU" dirty="0"/>
+        </p:txBody>
+      </p:sp>
+      <p:sp>
+        <p:nvSpPr>
+          <p:cNvPr id="6" name="TextBox 5"/>
+          <p:cNvSpPr txBox="1"/>
+          <p:nvPr/>
+        </p:nvSpPr>
+        <p:spPr>
+          <a:xfrm>
+            <a:off x="738191" y="4080074"/>
+            <a:ext cx="1539332" cy="369332"/>
+          </a:xfrm>
+          <a:prstGeom prst="rect">
+            <a:avLst/>
+          </a:prstGeom>
+          <a:noFill/>
+        </p:spPr>
+        <p:txBody>
+          <a:bodyPr wrap="none" rtlCol="0">
+            <a:spAutoFit/>
+          </a:bodyPr>
+          <a:lstStyle/>
+          <a:p>
+            <a:r>
+              <a:rPr lang="en-US" dirty="0"/>
+              <a:t>Stryker output</a:t>
+            </a:r>
+            <a:endParaRPr lang="en-GB" dirty="0"/>
           </a:p>
         </p:txBody>
       </p:sp>
     </p:spTree>
     <p:extLst>
       <p:ext uri="{BB962C8B-B14F-4D97-AF65-F5344CB8AC3E}">
-        <p14:creationId xmlns:p14="http://schemas.microsoft.com/office/powerpoint/2010/main" val="3125230620"/>
+        <p14:creationId xmlns:p14="http://schemas.microsoft.com/office/powerpoint/2010/main" val="2437326866"/>
       </p:ext>
     </p:extLst>
   </p:cSld>
@@ -18705,24 +19178,60 @@
           <a:p>
             <a:r>
               <a:rPr lang="en-GB" dirty="0"/>
-              <a:t>Mutant testing advantages and disadvantages</a:t>
-            </a:r>
-          </a:p>
-          <a:p>
+              <a:t>Flaky tests</a:t>
+            </a:r>
             <a:endParaRPr lang="en-GB" dirty="0"/>
           </a:p>
           <a:p>
-            <a:endParaRPr lang="en-GB" dirty="0"/>
-          </a:p>
-          <a:p>
             <a:endParaRPr lang="ru-RU" dirty="0"/>
           </a:p>
         </p:txBody>
       </p:sp>
+      <p:pic>
+        <p:nvPicPr>
+          <p:cNvPr id="1026" name="Picture 2" descr="Related image"/>
+          <p:cNvPicPr>
+            <a:picLocks noChangeAspect="1" noChangeArrowheads="1"/>
+          </p:cNvPicPr>
+          <p:nvPr/>
+        </p:nvPicPr>
+        <p:blipFill>
+          <a:blip r:embed="rId3">
+            <a:extLst>
+              <a:ext uri="{28A0092B-C50C-407E-A947-70E740481C1C}">
+                <a14:useLocalDpi xmlns:a14="http://schemas.microsoft.com/office/drawing/2010/main" val="0"/>
+              </a:ext>
+            </a:extLst>
+          </a:blip>
+          <a:srcRect/>
+          <a:stretch>
+            <a:fillRect/>
+          </a:stretch>
+        </p:blipFill>
+        <p:spPr bwMode="auto">
+          <a:xfrm>
+            <a:off x="3714750" y="1643063"/>
+            <a:ext cx="4762500" cy="3571875"/>
+          </a:xfrm>
+          <a:prstGeom prst="rect">
+            <a:avLst/>
+          </a:prstGeom>
+          <a:noFill/>
+          <a:extLst>
+            <a:ext uri="{909E8E84-426E-40DD-AFC4-6F175D3DCCD1}">
+              <a14:hiddenFill xmlns:a14="http://schemas.microsoft.com/office/drawing/2010/main">
+                <a:solidFill>
+                  <a:srgbClr val="FFFFFF"/>
+                </a:solidFill>
+              </a14:hiddenFill>
+            </a:ext>
+          </a:extLst>
+        </p:spPr>
+      </p:pic>
     </p:spTree>
     <p:extLst>
       <p:ext uri="{BB962C8B-B14F-4D97-AF65-F5344CB8AC3E}">
-        <p14:creationId xmlns:p14="http://schemas.microsoft.com/office/powerpoint/2010/main" val="902548611"/>
+        <p14:creationId xmlns:p14="http://schemas.microsoft.com/office/powerpoint/2010/main" val="2455905840"/>
       </p:ext>
     </p:extLst>
   </p:cSld>
@@ -18766,13 +19275,8 @@
           <a:p>
             <a:r>
               <a:rPr lang="en-GB" dirty="0"/>
-              <a:t>Mutant tests can generate code?</a:t>
-            </a:r>
-          </a:p>
-          <a:p>
-            <a:endParaRPr lang="en-GB" dirty="0"/>
-          </a:p>
-          <a:p>
+              <a:t>Jasmine/Karma fails</a:t>
+            </a:r>
             <a:endParaRPr lang="en-GB" dirty="0"/>
           </a:p>
           <a:p>
@@ -18782,89 +19286,48 @@
       </p:sp>
       <p:pic>
         <p:nvPicPr>
-          <p:cNvPr id="3" name="Picture 2"/>
+          <p:cNvPr id="2050" name="Picture 2" descr="Related image"/>
           <p:cNvPicPr>
-            <a:picLocks noChangeAspect="1"/>
+            <a:picLocks noChangeAspect="1" noChangeArrowheads="1"/>
           </p:cNvPicPr>
           <p:nvPr/>
         </p:nvPicPr>
         <p:blipFill>
-          <a:blip r:embed="rId3"/>
+          <a:blip r:embed="rId3">
+            <a:extLst>
+              <a:ext uri="{28A0092B-C50C-407E-A947-70E740481C1C}">
+                <a14:useLocalDpi xmlns:a14="http://schemas.microsoft.com/office/drawing/2010/main" val="0"/>
+              </a:ext>
+            </a:extLst>
+          </a:blip>
+          <a:srcRect/>
           <a:stretch>
             <a:fillRect/>
           </a:stretch>
         </p:blipFill>
-        <p:spPr>
-          <a:xfrm>
-            <a:off x="1012648" y="2110317"/>
-            <a:ext cx="3118133" cy="1231194"/>
-          </a:xfrm>
-          <a:prstGeom prst="rect">
-            <a:avLst/>
-          </a:prstGeom>
-        </p:spPr>
-      </p:pic>
-      <p:sp>
-        <p:nvSpPr>
-          <p:cNvPr id="4" name="TextBox 3"/>
-          <p:cNvSpPr txBox="1"/>
-          <p:nvPr/>
-        </p:nvSpPr>
-        <p:spPr>
-          <a:xfrm>
-            <a:off x="679063" y="1488193"/>
-            <a:ext cx="667170" cy="369332"/>
+        <p:spPr bwMode="auto">
+          <a:xfrm>
+            <a:off x="3666884" y="1678511"/>
+            <a:ext cx="4733925" cy="1857375"/>
           </a:xfrm>
           <a:prstGeom prst="rect">
             <a:avLst/>
           </a:prstGeom>
           <a:noFill/>
-        </p:spPr>
-        <p:txBody>
-          <a:bodyPr wrap="none" rtlCol="0">
-            <a:spAutoFit/>
-          </a:bodyPr>
-          <a:lstStyle/>
-          <a:p>
-            <a:r>
-              <a:rPr lang="en-GB" dirty="0"/>
-              <a:t>Code</a:t>
-            </a:r>
-          </a:p>
-        </p:txBody>
-      </p:sp>
-      <p:sp>
-        <p:nvSpPr>
-          <p:cNvPr id="5" name="TextBox 4"/>
-          <p:cNvSpPr txBox="1"/>
-          <p:nvPr/>
-        </p:nvSpPr>
-        <p:spPr>
-          <a:xfrm>
-            <a:off x="5594596" y="1488193"/>
-            <a:ext cx="645690" cy="369332"/>
-          </a:xfrm>
-          <a:prstGeom prst="rect">
-            <a:avLst/>
-          </a:prstGeom>
-          <a:noFill/>
-        </p:spPr>
-        <p:txBody>
-          <a:bodyPr wrap="none" rtlCol="0">
-            <a:spAutoFit/>
-          </a:bodyPr>
-          <a:lstStyle/>
-          <a:p>
-            <a:r>
-              <a:rPr lang="en-GB" dirty="0"/>
-              <a:t>Tests</a:t>
-            </a:r>
-          </a:p>
-        </p:txBody>
-      </p:sp>
+          <a:extLst>
+            <a:ext uri="{909E8E84-426E-40DD-AFC4-6F175D3DCCD1}">
+              <a14:hiddenFill xmlns:a14="http://schemas.microsoft.com/office/drawing/2010/main">
+                <a:solidFill>
+                  <a:srgbClr val="FFFFFF"/>
+                </a:solidFill>
+              </a14:hiddenFill>
+            </a:ext>
+          </a:extLst>
+        </p:spPr>
+      </p:pic>
       <p:pic>
         <p:nvPicPr>
-          <p:cNvPr id="9" name="Picture 8"/>
+          <p:cNvPr id="3" name="Picture 2"/>
           <p:cNvPicPr>
             <a:picLocks noChangeAspect="1"/>
           </p:cNvPicPr>
@@ -18878,32 +19341,8 @@
         </p:blipFill>
         <p:spPr>
           <a:xfrm>
-            <a:off x="5913437" y="2110317"/>
-            <a:ext cx="5551305" cy="719870"/>
-          </a:xfrm>
-          <a:prstGeom prst="rect">
-            <a:avLst/>
-          </a:prstGeom>
-        </p:spPr>
-      </p:pic>
-      <p:pic>
-        <p:nvPicPr>
-          <p:cNvPr id="10" name="Picture 9"/>
-          <p:cNvPicPr>
-            <a:picLocks noChangeAspect="1"/>
-          </p:cNvPicPr>
-          <p:nvPr/>
-        </p:nvPicPr>
-        <p:blipFill>
-          <a:blip r:embed="rId5"/>
-          <a:stretch>
-            <a:fillRect/>
-          </a:stretch>
-        </p:blipFill>
-        <p:spPr>
-          <a:xfrm>
-            <a:off x="5913437" y="3834871"/>
-            <a:ext cx="4463328" cy="1538640"/>
+            <a:off x="4115704" y="3898358"/>
+            <a:ext cx="3836287" cy="1657490"/>
           </a:xfrm>
           <a:prstGeom prst="rect">
             <a:avLst/>
@@ -18913,7 +19352,7 @@
     </p:spTree>
     <p:extLst>
       <p:ext uri="{BB962C8B-B14F-4D97-AF65-F5344CB8AC3E}">
-        <p14:creationId xmlns:p14="http://schemas.microsoft.com/office/powerpoint/2010/main" val="3277618454"/>
+        <p14:creationId xmlns:p14="http://schemas.microsoft.com/office/powerpoint/2010/main" val="1135466741"/>
       </p:ext>
     </p:extLst>
   </p:cSld>
@@ -18957,7 +19396,7 @@
           <a:p>
             <a:r>
               <a:rPr lang="en-GB" dirty="0"/>
-              <a:t>Mutant tests can generate code?</a:t>
+              <a:t>Mutant testing complexity</a:t>
             </a:r>
           </a:p>
           <a:p>
@@ -18971,40 +19410,16 @@
           </a:p>
         </p:txBody>
       </p:sp>
-      <p:pic>
-        <p:nvPicPr>
-          <p:cNvPr id="3" name="Picture 2"/>
-          <p:cNvPicPr>
-            <a:picLocks noChangeAspect="1"/>
-          </p:cNvPicPr>
-          <p:nvPr/>
-        </p:nvPicPr>
-        <p:blipFill>
-          <a:blip r:embed="rId3"/>
-          <a:stretch>
-            <a:fillRect/>
-          </a:stretch>
-        </p:blipFill>
-        <p:spPr>
-          <a:xfrm>
-            <a:off x="1012648" y="2110317"/>
-            <a:ext cx="3118133" cy="1231194"/>
-          </a:xfrm>
-          <a:prstGeom prst="rect">
-            <a:avLst/>
-          </a:prstGeom>
-        </p:spPr>
-      </p:pic>
-      <p:sp>
-        <p:nvSpPr>
-          <p:cNvPr id="4" name="TextBox 3"/>
+      <p:sp>
+        <p:nvSpPr>
+          <p:cNvPr id="3" name="TextBox 2"/>
           <p:cNvSpPr txBox="1"/>
           <p:nvPr/>
         </p:nvSpPr>
         <p:spPr>
           <a:xfrm>
-            <a:off x="679063" y="1488193"/>
-            <a:ext cx="667170" cy="369332"/>
+            <a:off x="1747777" y="1759352"/>
+            <a:ext cx="8102279" cy="2677656"/>
           </a:xfrm>
           <a:prstGeom prst="rect">
             <a:avLst/>
@@ -19012,163 +19427,78 @@
           <a:noFill/>
         </p:spPr>
         <p:txBody>
-          <a:bodyPr wrap="none" rtlCol="0">
+          <a:bodyPr wrap="square" rtlCol="0">
             <a:spAutoFit/>
           </a:bodyPr>
           <a:lstStyle/>
           <a:p>
-            <a:r>
-              <a:rPr lang="en-GB" dirty="0"/>
-              <a:t>Code</a:t>
-            </a:r>
-          </a:p>
-        </p:txBody>
-      </p:sp>
-      <p:sp>
-        <p:nvSpPr>
-          <p:cNvPr id="5" name="TextBox 4"/>
-          <p:cNvSpPr txBox="1"/>
-          <p:nvPr/>
-        </p:nvSpPr>
-        <p:spPr>
-          <a:xfrm>
-            <a:off x="5594596" y="1488193"/>
-            <a:ext cx="645690" cy="369332"/>
-          </a:xfrm>
-          <a:prstGeom prst="rect">
-            <a:avLst/>
-          </a:prstGeom>
-          <a:noFill/>
-        </p:spPr>
-        <p:txBody>
-          <a:bodyPr wrap="none" rtlCol="0">
-            <a:spAutoFit/>
-          </a:bodyPr>
-          <a:lstStyle/>
-          <a:p>
-            <a:r>
-              <a:rPr lang="en-GB" dirty="0"/>
-              <a:t>Tests</a:t>
-            </a:r>
-          </a:p>
-        </p:txBody>
-      </p:sp>
-      <p:pic>
-        <p:nvPicPr>
-          <p:cNvPr id="9" name="Picture 8"/>
-          <p:cNvPicPr>
-            <a:picLocks noChangeAspect="1"/>
-          </p:cNvPicPr>
-          <p:nvPr/>
-        </p:nvPicPr>
-        <p:blipFill>
-          <a:blip r:embed="rId4"/>
-          <a:stretch>
-            <a:fillRect/>
-          </a:stretch>
-        </p:blipFill>
-        <p:spPr>
-          <a:xfrm>
-            <a:off x="5913437" y="2110317"/>
-            <a:ext cx="5551305" cy="719870"/>
-          </a:xfrm>
-          <a:prstGeom prst="rect">
-            <a:avLst/>
-          </a:prstGeom>
-        </p:spPr>
-      </p:pic>
-      <p:pic>
-        <p:nvPicPr>
-          <p:cNvPr id="10" name="Picture 9"/>
-          <p:cNvPicPr>
-            <a:picLocks noChangeAspect="1"/>
-          </p:cNvPicPr>
-          <p:nvPr/>
-        </p:nvPicPr>
-        <p:blipFill>
-          <a:blip r:embed="rId5"/>
-          <a:stretch>
-            <a:fillRect/>
-          </a:stretch>
-        </p:blipFill>
-        <p:spPr>
-          <a:xfrm>
-            <a:off x="5913437" y="3834871"/>
-            <a:ext cx="4463328" cy="1538640"/>
-          </a:xfrm>
-          <a:prstGeom prst="rect">
-            <a:avLst/>
-          </a:prstGeom>
-        </p:spPr>
-      </p:pic>
-      <p:sp>
-        <p:nvSpPr>
-          <p:cNvPr id="6" name="Arrow: Down 5"/>
-          <p:cNvSpPr/>
-          <p:nvPr/>
-        </p:nvSpPr>
-        <p:spPr>
-          <a:xfrm>
-            <a:off x="2448612" y="3544372"/>
-            <a:ext cx="246203" cy="335315"/>
-          </a:xfrm>
-          <a:prstGeom prst="downArrow">
-            <a:avLst/>
-          </a:prstGeom>
-        </p:spPr>
-        <p:style>
-          <a:lnRef idx="2">
-            <a:schemeClr val="accent1">
-              <a:shade val="50000"/>
-            </a:schemeClr>
-          </a:lnRef>
-          <a:fillRef idx="1">
-            <a:schemeClr val="accent1"/>
-          </a:fillRef>
-          <a:effectRef idx="0">
-            <a:schemeClr val="accent1"/>
-          </a:effectRef>
-          <a:fontRef idx="minor">
-            <a:schemeClr val="lt1"/>
-          </a:fontRef>
-        </p:style>
-        <p:txBody>
-          <a:bodyPr rtlCol="0" anchor="ctr"/>
-          <a:lstStyle/>
-          <a:p>
-            <a:pPr algn="ctr"/>
-            <a:endParaRPr lang="en-GB"/>
-          </a:p>
-        </p:txBody>
-      </p:sp>
-      <p:pic>
-        <p:nvPicPr>
-          <p:cNvPr id="7" name="Picture 6"/>
-          <p:cNvPicPr>
-            <a:picLocks noChangeAspect="1"/>
-          </p:cNvPicPr>
-          <p:nvPr/>
-        </p:nvPicPr>
-        <p:blipFill>
-          <a:blip r:embed="rId6"/>
-          <a:stretch>
-            <a:fillRect/>
-          </a:stretch>
-        </p:blipFill>
-        <p:spPr>
-          <a:xfrm>
-            <a:off x="1012648" y="4082548"/>
-            <a:ext cx="3124200" cy="1228725"/>
-          </a:xfrm>
-          <a:prstGeom prst="rect">
-            <a:avLst/>
-          </a:prstGeom>
-        </p:spPr>
-      </p:pic>
+            <a:pPr marL="285750" indent="-285750">
+              <a:buFont typeface="Arial" panose="020B0604020202020204" pitchFamily="34" charset="0"/>
+              <a:buChar char="•"/>
+            </a:pPr>
+            <a:r>
+              <a:rPr lang="en-US" sz="2400" dirty="0"/>
+              <a:t>N^2 ?</a:t>
+            </a:r>
+          </a:p>
+          <a:p>
+            <a:pPr marL="285750" indent="-285750">
+              <a:buFont typeface="Arial" panose="020B0604020202020204" pitchFamily="34" charset="0"/>
+              <a:buChar char="•"/>
+            </a:pPr>
+            <a:endParaRPr lang="en-US" sz="2400" dirty="0"/>
+          </a:p>
+          <a:p>
+            <a:pPr marL="285750" indent="-285750">
+              <a:buFont typeface="Arial" panose="020B0604020202020204" pitchFamily="34" charset="0"/>
+              <a:buChar char="•"/>
+            </a:pPr>
+            <a:r>
+              <a:rPr lang="en-US" sz="2400" dirty="0"/>
+              <a:t>Independent for classes</a:t>
+            </a:r>
+          </a:p>
+          <a:p>
+            <a:pPr marL="285750" indent="-285750">
+              <a:buFont typeface="Arial" panose="020B0604020202020204" pitchFamily="34" charset="0"/>
+              <a:buChar char="•"/>
+            </a:pPr>
+            <a:endParaRPr lang="en-US" sz="2400" dirty="0"/>
+          </a:p>
+          <a:p>
+            <a:pPr marL="285750" indent="-285750">
+              <a:buFont typeface="Arial" panose="020B0604020202020204" pitchFamily="34" charset="0"/>
+              <a:buChar char="•"/>
+            </a:pPr>
+            <a:r>
+              <a:rPr lang="en-US" sz="2400" dirty="0"/>
+              <a:t>Clear code restriction</a:t>
+            </a:r>
+          </a:p>
+          <a:p>
+            <a:pPr marL="285750" indent="-285750">
+              <a:buFont typeface="Arial" panose="020B0604020202020204" pitchFamily="34" charset="0"/>
+              <a:buChar char="•"/>
+            </a:pPr>
+            <a:endParaRPr lang="en-US" sz="2400" dirty="0"/>
+          </a:p>
+          <a:p>
+            <a:pPr marL="285750" indent="-285750">
+              <a:buFont typeface="Arial" panose="020B0604020202020204" pitchFamily="34" charset="0"/>
+              <a:buChar char="•"/>
+            </a:pPr>
+            <a:r>
+              <a:rPr lang="en-US" sz="2400" dirty="0"/>
+              <a:t>Test coverage analyze</a:t>
+            </a:r>
+            <a:endParaRPr lang="en-GB" sz="2400" dirty="0"/>
+          </a:p>
+        </p:txBody>
+      </p:sp>
     </p:spTree>
     <p:extLst>
       <p:ext uri="{BB962C8B-B14F-4D97-AF65-F5344CB8AC3E}">
-        <p14:creationId xmlns:p14="http://schemas.microsoft.com/office/powerpoint/2010/main" val="1895629891"/>
+        <p14:creationId xmlns:p14="http://schemas.microsoft.com/office/powerpoint/2010/main" val="3125230620"/>
       </p:ext>
     </p:extLst>
   </p:cSld>
@@ -19212,7 +19542,7 @@
           <a:p>
             <a:r>
               <a:rPr lang="en-GB" dirty="0"/>
-              <a:t>Mutation level</a:t>
+              <a:t>Mutant testing advantages and disadvantages</a:t>
             </a:r>
           </a:p>
           <a:p>
@@ -19222,492 +19552,79 @@
             <a:endParaRPr lang="en-GB" dirty="0"/>
           </a:p>
           <a:p>
-            <a:endParaRPr lang="en-GB" dirty="0"/>
-          </a:p>
-          <a:p>
             <a:endParaRPr lang="ru-RU" dirty="0"/>
           </a:p>
         </p:txBody>
       </p:sp>
-      <p:pic>
-        <p:nvPicPr>
-          <p:cNvPr id="3" name="Picture 2"/>
-          <p:cNvPicPr>
-            <a:picLocks noChangeAspect="1"/>
-          </p:cNvPicPr>
+      <p:sp>
+        <p:nvSpPr>
+          <p:cNvPr id="3" name="TextBox 2"/>
+          <p:cNvSpPr txBox="1"/>
           <p:nvPr/>
-        </p:nvPicPr>
-        <p:blipFill>
-          <a:blip r:embed="rId3"/>
-          <a:stretch>
-            <a:fillRect/>
-          </a:stretch>
-        </p:blipFill>
-        <p:spPr>
-          <a:xfrm>
-            <a:off x="573438" y="3332450"/>
-            <a:ext cx="3010420" cy="345458"/>
-          </a:xfrm>
-          <a:prstGeom prst="rect">
-            <a:avLst/>
-          </a:prstGeom>
-        </p:spPr>
-      </p:pic>
-      <p:pic>
-        <p:nvPicPr>
-          <p:cNvPr id="4" name="Picture 3"/>
-          <p:cNvPicPr>
-            <a:picLocks noChangeAspect="1"/>
-          </p:cNvPicPr>
-          <p:nvPr/>
-        </p:nvPicPr>
-        <p:blipFill>
-          <a:blip r:embed="rId4"/>
-          <a:stretch>
-            <a:fillRect/>
-          </a:stretch>
-        </p:blipFill>
-        <p:spPr>
-          <a:xfrm>
-            <a:off x="4342164" y="3316000"/>
-            <a:ext cx="3010419" cy="361908"/>
-          </a:xfrm>
-          <a:prstGeom prst="rect">
-            <a:avLst/>
-          </a:prstGeom>
-        </p:spPr>
-      </p:pic>
-      <p:pic>
-        <p:nvPicPr>
-          <p:cNvPr id="6" name="Picture 5"/>
-          <p:cNvPicPr>
-            <a:picLocks noChangeAspect="1"/>
-          </p:cNvPicPr>
-          <p:nvPr/>
-        </p:nvPicPr>
-        <p:blipFill>
-          <a:blip r:embed="rId5"/>
-          <a:stretch>
-            <a:fillRect/>
-          </a:stretch>
-        </p:blipFill>
-        <p:spPr>
-          <a:xfrm>
-            <a:off x="4342164" y="4196072"/>
-            <a:ext cx="3010420" cy="345458"/>
-          </a:xfrm>
-          <a:prstGeom prst="rect">
-            <a:avLst/>
-          </a:prstGeom>
-        </p:spPr>
-      </p:pic>
-      <p:pic>
-        <p:nvPicPr>
-          <p:cNvPr id="7" name="Picture 6"/>
-          <p:cNvPicPr>
-            <a:picLocks noChangeAspect="1"/>
-          </p:cNvPicPr>
-          <p:nvPr/>
-        </p:nvPicPr>
-        <p:blipFill>
-          <a:blip r:embed="rId6"/>
-          <a:stretch>
-            <a:fillRect/>
-          </a:stretch>
-        </p:blipFill>
-        <p:spPr>
-          <a:xfrm>
-            <a:off x="4342164" y="2435090"/>
-            <a:ext cx="3000896" cy="362746"/>
-          </a:xfrm>
-          <a:prstGeom prst="rect">
-            <a:avLst/>
-          </a:prstGeom>
-        </p:spPr>
-      </p:pic>
-      <p:pic>
-        <p:nvPicPr>
-          <p:cNvPr id="8" name="Picture 7"/>
-          <p:cNvPicPr>
-            <a:picLocks noChangeAspect="1"/>
-          </p:cNvPicPr>
-          <p:nvPr/>
-        </p:nvPicPr>
-        <p:blipFill>
-          <a:blip r:embed="rId7"/>
-          <a:stretch>
-            <a:fillRect/>
-          </a:stretch>
-        </p:blipFill>
-        <p:spPr>
-          <a:xfrm>
-            <a:off x="8110889" y="3300035"/>
-            <a:ext cx="3009900" cy="361950"/>
-          </a:xfrm>
-          <a:prstGeom prst="rect">
-            <a:avLst/>
-          </a:prstGeom>
-        </p:spPr>
-      </p:pic>
-      <p:sp>
-        <p:nvSpPr>
-          <p:cNvPr id="9" name="Arrow: Right 8"/>
-          <p:cNvSpPr/>
-          <p:nvPr/>
-        </p:nvSpPr>
-        <p:spPr>
-          <a:xfrm>
-            <a:off x="3795371" y="3393389"/>
-            <a:ext cx="335280" cy="148560"/>
-          </a:xfrm>
-          <a:prstGeom prst="rightArrow">
-            <a:avLst/>
-          </a:prstGeom>
-        </p:spPr>
-        <p:style>
-          <a:lnRef idx="2">
-            <a:schemeClr val="accent1">
-              <a:shade val="50000"/>
-            </a:schemeClr>
-          </a:lnRef>
-          <a:fillRef idx="1">
-            <a:schemeClr val="accent1"/>
-          </a:fillRef>
-          <a:effectRef idx="0">
-            <a:schemeClr val="accent1"/>
-          </a:effectRef>
-          <a:fontRef idx="minor">
-            <a:schemeClr val="lt1"/>
-          </a:fontRef>
-        </p:style>
-        <p:txBody>
-          <a:bodyPr rtlCol="0" anchor="ctr"/>
-          <a:lstStyle/>
-          <a:p>
-            <a:pPr algn="ctr"/>
-            <a:endParaRPr lang="en-GB"/>
-          </a:p>
-        </p:txBody>
-      </p:sp>
-      <p:sp>
-        <p:nvSpPr>
-          <p:cNvPr id="11" name="Arrow: Right 10"/>
-          <p:cNvSpPr/>
-          <p:nvPr/>
-        </p:nvSpPr>
-        <p:spPr>
-          <a:xfrm>
-            <a:off x="7564096" y="3406730"/>
-            <a:ext cx="335280" cy="148560"/>
-          </a:xfrm>
-          <a:prstGeom prst="rightArrow">
-            <a:avLst/>
-          </a:prstGeom>
-        </p:spPr>
-        <p:style>
-          <a:lnRef idx="2">
-            <a:schemeClr val="accent1">
-              <a:shade val="50000"/>
-            </a:schemeClr>
-          </a:lnRef>
-          <a:fillRef idx="1">
-            <a:schemeClr val="accent1"/>
-          </a:fillRef>
-          <a:effectRef idx="0">
-            <a:schemeClr val="accent1"/>
-          </a:effectRef>
-          <a:fontRef idx="minor">
-            <a:schemeClr val="lt1"/>
-          </a:fontRef>
-        </p:style>
-        <p:txBody>
-          <a:bodyPr rtlCol="0" anchor="ctr"/>
-          <a:lstStyle/>
-          <a:p>
-            <a:pPr algn="ctr"/>
-            <a:endParaRPr lang="en-GB"/>
-          </a:p>
-        </p:txBody>
-      </p:sp>
-      <p:sp>
-        <p:nvSpPr>
-          <p:cNvPr id="12" name="Arrow: Right 11"/>
-          <p:cNvSpPr/>
-          <p:nvPr/>
-        </p:nvSpPr>
-        <p:spPr>
-          <a:xfrm rot="18900000">
-            <a:off x="3791947" y="2865068"/>
-            <a:ext cx="335280" cy="148560"/>
-          </a:xfrm>
-          <a:prstGeom prst="rightArrow">
-            <a:avLst/>
-          </a:prstGeom>
-        </p:spPr>
-        <p:style>
-          <a:lnRef idx="2">
-            <a:schemeClr val="accent1">
-              <a:shade val="50000"/>
-            </a:schemeClr>
-          </a:lnRef>
-          <a:fillRef idx="1">
-            <a:schemeClr val="accent1"/>
-          </a:fillRef>
-          <a:effectRef idx="0">
-            <a:schemeClr val="accent1"/>
-          </a:effectRef>
-          <a:fontRef idx="minor">
-            <a:schemeClr val="lt1"/>
-          </a:fontRef>
-        </p:style>
-        <p:txBody>
-          <a:bodyPr rtlCol="0" anchor="ctr"/>
-          <a:lstStyle/>
-          <a:p>
-            <a:pPr algn="ctr"/>
-            <a:endParaRPr lang="en-GB"/>
-          </a:p>
-        </p:txBody>
-      </p:sp>
-      <p:sp>
-        <p:nvSpPr>
-          <p:cNvPr id="13" name="Arrow: Right 12"/>
-          <p:cNvSpPr/>
-          <p:nvPr/>
-        </p:nvSpPr>
-        <p:spPr>
-          <a:xfrm rot="1800000">
-            <a:off x="3780691" y="3913340"/>
-            <a:ext cx="335280" cy="148560"/>
-          </a:xfrm>
-          <a:prstGeom prst="rightArrow">
-            <a:avLst/>
-          </a:prstGeom>
-        </p:spPr>
-        <p:style>
-          <a:lnRef idx="2">
-            <a:schemeClr val="accent1">
-              <a:shade val="50000"/>
-            </a:schemeClr>
-          </a:lnRef>
-          <a:fillRef idx="1">
-            <a:schemeClr val="accent1"/>
-          </a:fillRef>
-          <a:effectRef idx="0">
-            <a:schemeClr val="accent1"/>
-          </a:effectRef>
-          <a:fontRef idx="minor">
-            <a:schemeClr val="lt1"/>
-          </a:fontRef>
-        </p:style>
-        <p:txBody>
-          <a:bodyPr rtlCol="0" anchor="ctr"/>
-          <a:lstStyle/>
-          <a:p>
-            <a:pPr algn="ctr"/>
-            <a:endParaRPr lang="en-GB"/>
-          </a:p>
-        </p:txBody>
-      </p:sp>
-      <p:sp>
-        <p:nvSpPr>
-          <p:cNvPr id="17" name="Rectangle 16"/>
-          <p:cNvSpPr/>
-          <p:nvPr/>
-        </p:nvSpPr>
-        <p:spPr>
-          <a:xfrm>
-            <a:off x="6182360" y="3264492"/>
-            <a:ext cx="955040" cy="464924"/>
+        </p:nvSpPr>
+        <p:spPr>
+          <a:xfrm>
+            <a:off x="1027558" y="1805650"/>
+            <a:ext cx="3932359" cy="1200329"/>
           </a:xfrm>
           <a:prstGeom prst="rect">
             <a:avLst/>
           </a:prstGeom>
           <a:noFill/>
-          <a:ln w="50800">
-            <a:solidFill>
-              <a:srgbClr val="C00000"/>
-            </a:solidFill>
-          </a:ln>
-        </p:spPr>
-        <p:style>
-          <a:lnRef idx="2">
-            <a:schemeClr val="accent1">
-              <a:shade val="50000"/>
-            </a:schemeClr>
-          </a:lnRef>
-          <a:fillRef idx="1">
-            <a:schemeClr val="accent1"/>
-          </a:fillRef>
-          <a:effectRef idx="0">
-            <a:schemeClr val="accent1"/>
-          </a:effectRef>
-          <a:fontRef idx="minor">
-            <a:schemeClr val="lt1"/>
-          </a:fontRef>
-        </p:style>
-        <p:txBody>
-          <a:bodyPr rtlCol="0" anchor="ctr"/>
+        </p:spPr>
+        <p:txBody>
+          <a:bodyPr wrap="none" rtlCol="0">
+            <a:spAutoFit/>
+          </a:bodyPr>
           <a:lstStyle/>
           <a:p>
-            <a:pPr algn="ctr"/>
-            <a:endParaRPr lang="en-GB" dirty="0"/>
-          </a:p>
-        </p:txBody>
-      </p:sp>
-      <p:sp>
-        <p:nvSpPr>
-          <p:cNvPr id="18" name="Rectangle 17"/>
-          <p:cNvSpPr/>
+            <a:pPr marL="285750" indent="-285750">
+              <a:buFont typeface="Arial" panose="020B0604020202020204" pitchFamily="34" charset="0"/>
+              <a:buChar char="•"/>
+            </a:pPr>
+            <a:r>
+              <a:rPr lang="en-US" sz="2400" dirty="0"/>
+              <a:t>Hard tested code</a:t>
+            </a:r>
+          </a:p>
+          <a:p>
+            <a:pPr marL="285750" indent="-285750">
+              <a:buFont typeface="Arial" panose="020B0604020202020204" pitchFamily="34" charset="0"/>
+              <a:buChar char="•"/>
+            </a:pPr>
+            <a:r>
+              <a:rPr lang="en-US" sz="2400" dirty="0"/>
+              <a:t>Show true untested code</a:t>
+            </a:r>
+          </a:p>
+          <a:p>
+            <a:pPr marL="285750" indent="-285750">
+              <a:buFont typeface="Arial" panose="020B0604020202020204" pitchFamily="34" charset="0"/>
+              <a:buChar char="•"/>
+            </a:pPr>
+            <a:r>
+              <a:rPr lang="en-US" sz="2400" dirty="0"/>
+              <a:t>Force to write code smarter</a:t>
+            </a:r>
+            <a:endParaRPr lang="en-GB" sz="2400" dirty="0"/>
+          </a:p>
+        </p:txBody>
+      </p:sp>
+      <p:sp>
+        <p:nvSpPr>
+          <p:cNvPr id="5" name="TextBox 4"/>
+          <p:cNvSpPr txBox="1"/>
           <p:nvPr/>
         </p:nvSpPr>
         <p:spPr>
           <a:xfrm>
-            <a:off x="5552440" y="4136339"/>
-            <a:ext cx="955040" cy="464924"/>
+            <a:off x="6157072" y="1828270"/>
+            <a:ext cx="3385863" cy="1569660"/>
           </a:xfrm>
           <a:prstGeom prst="rect">
             <a:avLst/>
           </a:prstGeom>
           <a:noFill/>
-          <a:ln w="50800">
-            <a:solidFill>
-              <a:srgbClr val="C00000"/>
-            </a:solidFill>
-          </a:ln>
-        </p:spPr>
-        <p:style>
-          <a:lnRef idx="2">
-            <a:schemeClr val="accent1">
-              <a:shade val="50000"/>
-            </a:schemeClr>
-          </a:lnRef>
-          <a:fillRef idx="1">
-            <a:schemeClr val="accent1"/>
-          </a:fillRef>
-          <a:effectRef idx="0">
-            <a:schemeClr val="accent1"/>
-          </a:effectRef>
-          <a:fontRef idx="minor">
-            <a:schemeClr val="lt1"/>
-          </a:fontRef>
-        </p:style>
-        <p:txBody>
-          <a:bodyPr rtlCol="0" anchor="ctr"/>
-          <a:lstStyle/>
-          <a:p>
-            <a:pPr algn="ctr"/>
-            <a:endParaRPr lang="en-GB" dirty="0"/>
-          </a:p>
-        </p:txBody>
-      </p:sp>
-      <p:sp>
-        <p:nvSpPr>
-          <p:cNvPr id="19" name="Rectangle 18"/>
-          <p:cNvSpPr/>
-          <p:nvPr/>
-        </p:nvSpPr>
-        <p:spPr>
-          <a:xfrm>
-            <a:off x="4505960" y="2392645"/>
-            <a:ext cx="2738120" cy="464924"/>
-          </a:xfrm>
-          <a:prstGeom prst="rect">
-            <a:avLst/>
-          </a:prstGeom>
-          <a:noFill/>
-          <a:ln w="50800">
-            <a:solidFill>
-              <a:srgbClr val="C00000"/>
-            </a:solidFill>
-          </a:ln>
-        </p:spPr>
-        <p:style>
-          <a:lnRef idx="2">
-            <a:schemeClr val="accent1">
-              <a:shade val="50000"/>
-            </a:schemeClr>
-          </a:lnRef>
-          <a:fillRef idx="1">
-            <a:schemeClr val="accent1"/>
-          </a:fillRef>
-          <a:effectRef idx="0">
-            <a:schemeClr val="accent1"/>
-          </a:effectRef>
-          <a:fontRef idx="minor">
-            <a:schemeClr val="lt1"/>
-          </a:fontRef>
-        </p:style>
-        <p:txBody>
-          <a:bodyPr rtlCol="0" anchor="ctr"/>
-          <a:lstStyle/>
-          <a:p>
-            <a:pPr algn="ctr"/>
-            <a:endParaRPr lang="en-GB" dirty="0"/>
-          </a:p>
-        </p:txBody>
-      </p:sp>
-      <p:sp>
-        <p:nvSpPr>
-          <p:cNvPr id="20" name="Rectangle 19"/>
-          <p:cNvSpPr/>
-          <p:nvPr/>
-        </p:nvSpPr>
-        <p:spPr>
-          <a:xfrm>
-            <a:off x="9316720" y="3235206"/>
-            <a:ext cx="1584960" cy="494209"/>
-          </a:xfrm>
-          <a:prstGeom prst="rect">
-            <a:avLst/>
-          </a:prstGeom>
-          <a:noFill/>
-          <a:ln w="50800">
-            <a:solidFill>
-              <a:srgbClr val="C00000"/>
-            </a:solidFill>
-          </a:ln>
-        </p:spPr>
-        <p:style>
-          <a:lnRef idx="2">
-            <a:schemeClr val="accent1">
-              <a:shade val="50000"/>
-            </a:schemeClr>
-          </a:lnRef>
-          <a:fillRef idx="1">
-            <a:schemeClr val="accent1"/>
-          </a:fillRef>
-          <a:effectRef idx="0">
-            <a:schemeClr val="accent1"/>
-          </a:effectRef>
-          <a:fontRef idx="minor">
-            <a:schemeClr val="lt1"/>
-          </a:fontRef>
-        </p:style>
-        <p:txBody>
-          <a:bodyPr rtlCol="0" anchor="ctr"/>
-          <a:lstStyle/>
-          <a:p>
-            <a:pPr algn="ctr"/>
-            <a:endParaRPr lang="en-GB" dirty="0"/>
-          </a:p>
-        </p:txBody>
-      </p:sp>
-      <p:sp>
-        <p:nvSpPr>
-          <p:cNvPr id="21" name="TextBox 20"/>
-          <p:cNvSpPr txBox="1"/>
-          <p:nvPr/>
-        </p:nvSpPr>
-        <p:spPr>
-          <a:xfrm>
-            <a:off x="1562582" y="1134319"/>
-            <a:ext cx="836896" cy="369332"/>
-          </a:xfrm>
-          <a:prstGeom prst="rect">
-            <a:avLst/>
-          </a:prstGeom>
-          <a:noFill/>
         </p:spPr>
         <p:txBody>
           <a:bodyPr wrap="none" rtlCol="0">
@@ -19715,135 +19632,60 @@
           </a:bodyPr>
           <a:lstStyle/>
           <a:p>
-            <a:r>
-              <a:rPr lang="en-GB" dirty="0"/>
-              <a:t>Level 0</a:t>
-            </a:r>
-          </a:p>
-        </p:txBody>
-      </p:sp>
-      <p:sp>
-        <p:nvSpPr>
-          <p:cNvPr id="22" name="TextBox 21"/>
-          <p:cNvSpPr txBox="1"/>
-          <p:nvPr/>
-        </p:nvSpPr>
-        <p:spPr>
-          <a:xfrm>
-            <a:off x="5424164" y="1134319"/>
-            <a:ext cx="836896" cy="369332"/>
-          </a:xfrm>
-          <a:prstGeom prst="rect">
-            <a:avLst/>
-          </a:prstGeom>
-          <a:noFill/>
-        </p:spPr>
-        <p:txBody>
-          <a:bodyPr wrap="none" rtlCol="0">
-            <a:spAutoFit/>
-          </a:bodyPr>
-          <a:lstStyle/>
-          <a:p>
-            <a:r>
-              <a:rPr lang="en-GB" dirty="0"/>
-              <a:t>Level 1</a:t>
-            </a:r>
-          </a:p>
-        </p:txBody>
-      </p:sp>
-      <p:sp>
-        <p:nvSpPr>
-          <p:cNvPr id="23" name="TextBox 22"/>
-          <p:cNvSpPr txBox="1"/>
-          <p:nvPr/>
-        </p:nvSpPr>
-        <p:spPr>
-          <a:xfrm>
-            <a:off x="9197391" y="1134319"/>
-            <a:ext cx="836896" cy="369332"/>
-          </a:xfrm>
-          <a:prstGeom prst="rect">
-            <a:avLst/>
-          </a:prstGeom>
-          <a:noFill/>
-        </p:spPr>
-        <p:txBody>
-          <a:bodyPr wrap="none" rtlCol="0">
-            <a:spAutoFit/>
-          </a:bodyPr>
-          <a:lstStyle/>
-          <a:p>
-            <a:r>
-              <a:rPr lang="en-GB" dirty="0"/>
-              <a:t>Level 2</a:t>
-            </a:r>
-          </a:p>
-        </p:txBody>
-      </p:sp>
-      <p:cxnSp>
-        <p:nvCxnSpPr>
-          <p:cNvPr id="25" name="Straight Connector 24"/>
-          <p:cNvCxnSpPr/>
-          <p:nvPr/>
-        </p:nvCxnSpPr>
-        <p:spPr>
-          <a:xfrm>
-            <a:off x="3923818" y="1377387"/>
-            <a:ext cx="39482" cy="4514127"/>
-          </a:xfrm>
-          <a:prstGeom prst="line">
-            <a:avLst/>
-          </a:prstGeom>
-        </p:spPr>
-        <p:style>
-          <a:lnRef idx="1">
-            <a:schemeClr val="accent1"/>
-          </a:lnRef>
-          <a:fillRef idx="0">
-            <a:schemeClr val="accent1"/>
-          </a:fillRef>
-          <a:effectRef idx="0">
-            <a:schemeClr val="accent1"/>
-          </a:effectRef>
-          <a:fontRef idx="minor">
-            <a:schemeClr val="tx1"/>
-          </a:fontRef>
-        </p:style>
-      </p:cxnSp>
-      <p:cxnSp>
-        <p:nvCxnSpPr>
-          <p:cNvPr id="27" name="Straight Connector 26"/>
-          <p:cNvCxnSpPr/>
-          <p:nvPr/>
-        </p:nvCxnSpPr>
-        <p:spPr>
-          <a:xfrm>
-            <a:off x="7699912" y="1377386"/>
-            <a:ext cx="39482" cy="4514127"/>
-          </a:xfrm>
-          <a:prstGeom prst="line">
-            <a:avLst/>
-          </a:prstGeom>
-        </p:spPr>
-        <p:style>
-          <a:lnRef idx="1">
-            <a:schemeClr val="accent1"/>
-          </a:lnRef>
-          <a:fillRef idx="0">
-            <a:schemeClr val="accent1"/>
-          </a:fillRef>
-          <a:effectRef idx="0">
-            <a:schemeClr val="accent1"/>
-          </a:effectRef>
-          <a:fontRef idx="minor">
-            <a:schemeClr val="tx1"/>
-          </a:fontRef>
-        </p:style>
-      </p:cxnSp>
+            <a:pPr marL="285750" indent="-285750">
+              <a:buFont typeface="Arial" panose="020B0604020202020204" pitchFamily="34" charset="0"/>
+              <a:buChar char="•"/>
+            </a:pPr>
+            <a:r>
+              <a:rPr lang="en-US" sz="2400" dirty="0"/>
+              <a:t>Hard to test code</a:t>
+            </a:r>
+          </a:p>
+          <a:p>
+            <a:pPr marL="285750" indent="-285750">
+              <a:buFont typeface="Arial" panose="020B0604020202020204" pitchFamily="34" charset="0"/>
+              <a:buChar char="•"/>
+            </a:pPr>
+            <a:r>
+              <a:rPr lang="en-US" sz="2400" dirty="0"/>
+              <a:t>Hard to change code</a:t>
+            </a:r>
+          </a:p>
+          <a:p>
+            <a:pPr marL="285750" indent="-285750">
+              <a:buFont typeface="Arial" panose="020B0604020202020204" pitchFamily="34" charset="0"/>
+              <a:buChar char="•"/>
+            </a:pPr>
+            <a:r>
+              <a:rPr lang="en-GB" sz="2400" dirty="0"/>
+              <a:t>“</a:t>
+            </a:r>
+            <a:r>
+              <a:rPr lang="en-US" sz="2400" dirty="0"/>
+              <a:t>Score”</a:t>
+            </a:r>
+            <a:r>
+              <a:rPr lang="ru-RU" sz="2400" dirty="0"/>
+              <a:t> </a:t>
+            </a:r>
+            <a:r>
+              <a:rPr lang="en-US" sz="2400" dirty="0"/>
+              <a:t>is not objective</a:t>
+            </a:r>
+          </a:p>
+          <a:p>
+            <a:pPr marL="285750" indent="-285750">
+              <a:buFont typeface="Arial" panose="020B0604020202020204" pitchFamily="34" charset="0"/>
+              <a:buChar char="•"/>
+            </a:pPr>
+            <a:endParaRPr lang="en-GB" sz="2400" dirty="0"/>
+          </a:p>
+        </p:txBody>
+      </p:sp>
     </p:spTree>
     <p:extLst>
       <p:ext uri="{BB962C8B-B14F-4D97-AF65-F5344CB8AC3E}">
-        <p14:creationId xmlns:p14="http://schemas.microsoft.com/office/powerpoint/2010/main" val="3521442204"/>
+        <p14:creationId xmlns:p14="http://schemas.microsoft.com/office/powerpoint/2010/main" val="902548611"/>
       </p:ext>
     </p:extLst>
   </p:cSld>
@@ -19887,7 +19729,7 @@
           <a:p>
             <a:r>
               <a:rPr lang="en-GB" dirty="0"/>
-              <a:t>Whole level mutation testing</a:t>
+              <a:t>Mutant tests can generate code?</a:t>
             </a:r>
           </a:p>
           <a:p>
@@ -19897,13 +19739,34 @@
             <a:endParaRPr lang="en-GB" dirty="0"/>
           </a:p>
           <a:p>
-            <a:endParaRPr lang="en-GB" dirty="0"/>
-          </a:p>
-          <a:p>
             <a:endParaRPr lang="ru-RU" dirty="0"/>
           </a:p>
         </p:txBody>
       </p:sp>
+      <p:pic>
+        <p:nvPicPr>
+          <p:cNvPr id="3" name="Picture 2"/>
+          <p:cNvPicPr>
+            <a:picLocks noChangeAspect="1"/>
+          </p:cNvPicPr>
+          <p:nvPr/>
+        </p:nvPicPr>
+        <p:blipFill>
+          <a:blip r:embed="rId3"/>
+          <a:stretch>
+            <a:fillRect/>
+          </a:stretch>
+        </p:blipFill>
+        <p:spPr>
+          <a:xfrm>
+            <a:off x="1012648" y="2110317"/>
+            <a:ext cx="3118133" cy="1231194"/>
+          </a:xfrm>
+          <a:prstGeom prst="rect">
+            <a:avLst/>
+          </a:prstGeom>
+        </p:spPr>
+      </p:pic>
       <p:sp>
         <p:nvSpPr>
           <p:cNvPr id="4" name="TextBox 3"/>
@@ -19912,8 +19775,8 @@
         </p:nvSpPr>
         <p:spPr>
           <a:xfrm>
-            <a:off x="2916819" y="1145894"/>
-            <a:ext cx="836896" cy="369332"/>
+            <a:off x="679063" y="1488193"/>
+            <a:ext cx="667170" cy="369332"/>
           </a:xfrm>
           <a:prstGeom prst="rect">
             <a:avLst/>
@@ -19928,7 +19791,7 @@
           <a:p>
             <a:r>
               <a:rPr lang="en-GB" dirty="0"/>
-              <a:t>Level 1</a:t>
+              <a:t>Code</a:t>
             </a:r>
           </a:p>
         </p:txBody>
@@ -19941,8 +19804,8 @@
         </p:nvSpPr>
         <p:spPr>
           <a:xfrm>
-            <a:off x="5785731" y="1157469"/>
-            <a:ext cx="836896" cy="369332"/>
+            <a:off x="5594596" y="1488193"/>
+            <a:ext cx="645690" cy="369332"/>
           </a:xfrm>
           <a:prstGeom prst="rect">
             <a:avLst/>
@@ -19957,654 +19820,63 @@
           <a:p>
             <a:r>
               <a:rPr lang="en-GB" dirty="0"/>
-              <a:t>Level 2</a:t>
-            </a:r>
-          </a:p>
-        </p:txBody>
-      </p:sp>
-      <p:cxnSp>
-        <p:nvCxnSpPr>
-          <p:cNvPr id="6" name="Straight Connector 5"/>
-          <p:cNvCxnSpPr/>
+              <a:t>Tests</a:t>
+            </a:r>
+          </a:p>
+        </p:txBody>
+      </p:sp>
+      <p:pic>
+        <p:nvPicPr>
+          <p:cNvPr id="9" name="Picture 8"/>
+          <p:cNvPicPr>
+            <a:picLocks noChangeAspect="1"/>
+          </p:cNvPicPr>
           <p:nvPr/>
-        </p:nvCxnSpPr>
-        <p:spPr>
-          <a:xfrm>
-            <a:off x="4749982" y="1515226"/>
-            <a:ext cx="39482" cy="4514127"/>
-          </a:xfrm>
-          <a:prstGeom prst="line">
-            <a:avLst/>
-          </a:prstGeom>
-        </p:spPr>
-        <p:style>
-          <a:lnRef idx="1">
-            <a:schemeClr val="accent1"/>
-          </a:lnRef>
-          <a:fillRef idx="0">
-            <a:schemeClr val="accent1"/>
-          </a:fillRef>
-          <a:effectRef idx="0">
-            <a:schemeClr val="accent1"/>
-          </a:effectRef>
-          <a:fontRef idx="minor">
-            <a:schemeClr val="tx1"/>
-          </a:fontRef>
-        </p:style>
-      </p:cxnSp>
-      <p:cxnSp>
-        <p:nvCxnSpPr>
-          <p:cNvPr id="7" name="Straight Connector 6"/>
-          <p:cNvCxnSpPr/>
-          <p:nvPr/>
-        </p:nvCxnSpPr>
-        <p:spPr>
-          <a:xfrm>
-            <a:off x="7618894" y="1515225"/>
-            <a:ext cx="39482" cy="4514127"/>
-          </a:xfrm>
-          <a:prstGeom prst="line">
-            <a:avLst/>
-          </a:prstGeom>
-        </p:spPr>
-        <p:style>
-          <a:lnRef idx="1">
-            <a:schemeClr val="accent1"/>
-          </a:lnRef>
-          <a:fillRef idx="0">
-            <a:schemeClr val="accent1"/>
-          </a:fillRef>
-          <a:effectRef idx="0">
-            <a:schemeClr val="accent1"/>
-          </a:effectRef>
-          <a:fontRef idx="minor">
-            <a:schemeClr val="tx1"/>
-          </a:fontRef>
-        </p:style>
-      </p:cxnSp>
-      <p:cxnSp>
-        <p:nvCxnSpPr>
-          <p:cNvPr id="8" name="Straight Connector 7"/>
-          <p:cNvCxnSpPr/>
-          <p:nvPr/>
-        </p:nvCxnSpPr>
-        <p:spPr>
-          <a:xfrm>
-            <a:off x="8588416" y="1515226"/>
-            <a:ext cx="39482" cy="4514127"/>
-          </a:xfrm>
-          <a:prstGeom prst="line">
-            <a:avLst/>
-          </a:prstGeom>
-        </p:spPr>
-        <p:style>
-          <a:lnRef idx="1">
-            <a:schemeClr val="accent1"/>
-          </a:lnRef>
-          <a:fillRef idx="0">
-            <a:schemeClr val="accent1"/>
-          </a:fillRef>
-          <a:effectRef idx="0">
-            <a:schemeClr val="accent1"/>
-          </a:effectRef>
-          <a:fontRef idx="minor">
-            <a:schemeClr val="tx1"/>
-          </a:fontRef>
-        </p:style>
-      </p:cxnSp>
-      <p:sp>
-        <p:nvSpPr>
-          <p:cNvPr id="9" name="TextBox 8"/>
-          <p:cNvSpPr txBox="1"/>
-          <p:nvPr/>
-        </p:nvSpPr>
-        <p:spPr>
-          <a:xfrm>
-            <a:off x="9557938" y="1145894"/>
-            <a:ext cx="868956" cy="369332"/>
+        </p:nvPicPr>
+        <p:blipFill>
+          <a:blip r:embed="rId4"/>
+          <a:stretch>
+            <a:fillRect/>
+          </a:stretch>
+        </p:blipFill>
+        <p:spPr>
+          <a:xfrm>
+            <a:off x="5913437" y="2110317"/>
+            <a:ext cx="5551305" cy="719870"/>
           </a:xfrm>
           <a:prstGeom prst="rect">
             <a:avLst/>
           </a:prstGeom>
-          <a:noFill/>
-        </p:spPr>
-        <p:txBody>
-          <a:bodyPr wrap="none" rtlCol="0">
-            <a:spAutoFit/>
-          </a:bodyPr>
-          <a:lstStyle/>
-          <a:p>
-            <a:r>
-              <a:rPr lang="en-GB" dirty="0"/>
-              <a:t>Level N</a:t>
-            </a:r>
-          </a:p>
-        </p:txBody>
-      </p:sp>
-      <p:cxnSp>
-        <p:nvCxnSpPr>
-          <p:cNvPr id="11" name="Straight Connector 10"/>
-          <p:cNvCxnSpPr/>
+        </p:spPr>
+      </p:pic>
+      <p:pic>
+        <p:nvPicPr>
+          <p:cNvPr id="10" name="Picture 9"/>
+          <p:cNvPicPr>
+            <a:picLocks noChangeAspect="1"/>
+          </p:cNvPicPr>
           <p:nvPr/>
-        </p:nvCxnSpPr>
-        <p:spPr>
-          <a:xfrm>
-            <a:off x="1986779" y="1515224"/>
-            <a:ext cx="39482" cy="4514127"/>
-          </a:xfrm>
-          <a:prstGeom prst="line">
-            <a:avLst/>
-          </a:prstGeom>
-        </p:spPr>
-        <p:style>
-          <a:lnRef idx="1">
-            <a:schemeClr val="accent1"/>
-          </a:lnRef>
-          <a:fillRef idx="0">
-            <a:schemeClr val="accent1"/>
-          </a:fillRef>
-          <a:effectRef idx="0">
-            <a:schemeClr val="accent1"/>
-          </a:effectRef>
-          <a:fontRef idx="minor">
-            <a:schemeClr val="tx1"/>
-          </a:fontRef>
-        </p:style>
-      </p:cxnSp>
-      <p:sp>
-        <p:nvSpPr>
-          <p:cNvPr id="12" name="TextBox 11"/>
-          <p:cNvSpPr txBox="1"/>
-          <p:nvPr/>
-        </p:nvSpPr>
-        <p:spPr>
-          <a:xfrm>
-            <a:off x="7951714" y="3587621"/>
-            <a:ext cx="343364" cy="369332"/>
+        </p:nvPicPr>
+        <p:blipFill>
+          <a:blip r:embed="rId5"/>
+          <a:stretch>
+            <a:fillRect/>
+          </a:stretch>
+        </p:blipFill>
+        <p:spPr>
+          <a:xfrm>
+            <a:off x="5913437" y="3834871"/>
+            <a:ext cx="4463328" cy="1538640"/>
           </a:xfrm>
           <a:prstGeom prst="rect">
             <a:avLst/>
           </a:prstGeom>
-          <a:noFill/>
-        </p:spPr>
-        <p:txBody>
-          <a:bodyPr wrap="none" rtlCol="0">
-            <a:spAutoFit/>
-          </a:bodyPr>
-          <a:lstStyle/>
-          <a:p>
-            <a:r>
-              <a:rPr lang="en-GB" dirty="0"/>
-              <a:t>…</a:t>
-            </a:r>
-          </a:p>
-        </p:txBody>
-      </p:sp>
-      <p:sp>
-        <p:nvSpPr>
-          <p:cNvPr id="13" name="TextBox 12"/>
-          <p:cNvSpPr txBox="1"/>
-          <p:nvPr/>
-        </p:nvSpPr>
-        <p:spPr>
-          <a:xfrm>
-            <a:off x="617198" y="1837977"/>
-            <a:ext cx="1046953" cy="923330"/>
-          </a:xfrm>
-          <a:prstGeom prst="rect">
-            <a:avLst/>
-          </a:prstGeom>
-          <a:noFill/>
-        </p:spPr>
-        <p:txBody>
-          <a:bodyPr wrap="none" rtlCol="0">
-            <a:spAutoFit/>
-          </a:bodyPr>
-          <a:lstStyle/>
-          <a:p>
-            <a:pPr algn="ctr"/>
-            <a:r>
-              <a:rPr lang="en-GB" dirty="0"/>
-              <a:t>Code</a:t>
-            </a:r>
-          </a:p>
-          <a:p>
-            <a:pPr algn="ctr"/>
-            <a:r>
-              <a:rPr lang="en-GB" dirty="0"/>
-              <a:t>mutation</a:t>
-            </a:r>
-          </a:p>
-          <a:p>
-            <a:pPr algn="ctr"/>
-            <a:r>
-              <a:rPr lang="en-GB" dirty="0"/>
-              <a:t>quantity</a:t>
-            </a:r>
-            <a:endParaRPr lang="en-GB" dirty="0"/>
-          </a:p>
-        </p:txBody>
-      </p:sp>
-      <p:sp>
-        <p:nvSpPr>
-          <p:cNvPr id="14" name="TextBox 13"/>
-          <p:cNvSpPr txBox="1"/>
-          <p:nvPr/>
-        </p:nvSpPr>
-        <p:spPr>
-          <a:xfrm>
-            <a:off x="3107230" y="2114976"/>
-            <a:ext cx="333746" cy="369332"/>
-          </a:xfrm>
-          <a:prstGeom prst="rect">
-            <a:avLst/>
-          </a:prstGeom>
-          <a:noFill/>
-        </p:spPr>
-        <p:txBody>
-          <a:bodyPr wrap="none" rtlCol="0">
-            <a:spAutoFit/>
-          </a:bodyPr>
-          <a:lstStyle/>
-          <a:p>
-            <a:r>
-              <a:rPr lang="en-GB" dirty="0"/>
-              <a:t>N</a:t>
-            </a:r>
-          </a:p>
-        </p:txBody>
-      </p:sp>
-      <p:sp>
-        <p:nvSpPr>
-          <p:cNvPr id="15" name="TextBox 14"/>
-          <p:cNvSpPr txBox="1"/>
-          <p:nvPr/>
-        </p:nvSpPr>
-        <p:spPr>
-          <a:xfrm>
-            <a:off x="5553199" y="2134934"/>
-            <a:ext cx="1301959" cy="369332"/>
-          </a:xfrm>
-          <a:prstGeom prst="rect">
-            <a:avLst/>
-          </a:prstGeom>
-          <a:noFill/>
-        </p:spPr>
-        <p:txBody>
-          <a:bodyPr wrap="none" rtlCol="0">
-            <a:spAutoFit/>
-          </a:bodyPr>
-          <a:lstStyle/>
-          <a:p>
-            <a:r>
-              <a:rPr lang="en-GB" dirty="0"/>
-              <a:t>&gt; N*(N-1)/2</a:t>
-            </a:r>
-          </a:p>
-        </p:txBody>
-      </p:sp>
-      <p:sp>
-        <p:nvSpPr>
-          <p:cNvPr id="16" name="TextBox 15"/>
-          <p:cNvSpPr txBox="1"/>
-          <p:nvPr/>
-        </p:nvSpPr>
-        <p:spPr>
-          <a:xfrm>
-            <a:off x="9609553" y="2114976"/>
-            <a:ext cx="734496" cy="369332"/>
-          </a:xfrm>
-          <a:prstGeom prst="rect">
-            <a:avLst/>
-          </a:prstGeom>
-          <a:noFill/>
-        </p:spPr>
-        <p:txBody>
-          <a:bodyPr wrap="none" rtlCol="0">
-            <a:spAutoFit/>
-          </a:bodyPr>
-          <a:lstStyle/>
-          <a:p>
-            <a:r>
-              <a:rPr lang="en-GB" dirty="0"/>
-              <a:t>&gt; 2^N</a:t>
-            </a:r>
-          </a:p>
-        </p:txBody>
-      </p:sp>
-      <p:sp>
-        <p:nvSpPr>
-          <p:cNvPr id="17" name="TextBox 16"/>
-          <p:cNvSpPr txBox="1"/>
-          <p:nvPr/>
-        </p:nvSpPr>
-        <p:spPr>
-          <a:xfrm>
-            <a:off x="655863" y="3310622"/>
-            <a:ext cx="969624" cy="923330"/>
-          </a:xfrm>
-          <a:prstGeom prst="rect">
-            <a:avLst/>
-          </a:prstGeom>
-          <a:noFill/>
-        </p:spPr>
-        <p:txBody>
-          <a:bodyPr wrap="none" rtlCol="0">
-            <a:spAutoFit/>
-          </a:bodyPr>
-          <a:lstStyle/>
-          <a:p>
-            <a:pPr algn="ctr"/>
-            <a:r>
-              <a:rPr lang="en-GB" dirty="0"/>
-              <a:t>Test</a:t>
-            </a:r>
-            <a:br>
-              <a:rPr lang="en-GB" dirty="0"/>
-            </a:br>
-            <a:r>
-              <a:rPr lang="en-GB" dirty="0"/>
-              <a:t>quantity</a:t>
-            </a:r>
-          </a:p>
-          <a:p>
-            <a:pPr algn="ctr"/>
-            <a:r>
-              <a:rPr lang="en-GB" dirty="0"/>
-              <a:t>increase</a:t>
-            </a:r>
-            <a:endParaRPr lang="en-GB" dirty="0"/>
-          </a:p>
-        </p:txBody>
-      </p:sp>
-      <p:sp>
-        <p:nvSpPr>
-          <p:cNvPr id="18" name="TextBox 17"/>
-          <p:cNvSpPr txBox="1"/>
-          <p:nvPr/>
-        </p:nvSpPr>
-        <p:spPr>
-          <a:xfrm>
-            <a:off x="619249" y="4516318"/>
-            <a:ext cx="965521" cy="1200329"/>
-          </a:xfrm>
-          <a:prstGeom prst="rect">
-            <a:avLst/>
-          </a:prstGeom>
-          <a:noFill/>
-        </p:spPr>
-        <p:txBody>
-          <a:bodyPr wrap="none" rtlCol="0">
-            <a:spAutoFit/>
-          </a:bodyPr>
-          <a:lstStyle/>
-          <a:p>
-            <a:pPr algn="ctr"/>
-            <a:r>
-              <a:rPr lang="en-GB" dirty="0"/>
-              <a:t>Test</a:t>
-            </a:r>
-            <a:br>
-              <a:rPr lang="en-GB" dirty="0"/>
-            </a:br>
-            <a:r>
-              <a:rPr lang="en-GB" dirty="0"/>
-              <a:t>lines</a:t>
-            </a:r>
-          </a:p>
-          <a:p>
-            <a:pPr algn="ctr"/>
-            <a:r>
-              <a:rPr lang="en-GB" dirty="0"/>
-              <a:t>quantity</a:t>
-            </a:r>
-          </a:p>
-          <a:p>
-            <a:pPr algn="ctr"/>
-            <a:r>
-              <a:rPr lang="en-GB" dirty="0"/>
-              <a:t>increase</a:t>
-            </a:r>
-            <a:endParaRPr lang="en-GB" dirty="0"/>
-          </a:p>
-        </p:txBody>
-      </p:sp>
-      <p:sp>
-        <p:nvSpPr>
-          <p:cNvPr id="19" name="TextBox 18"/>
-          <p:cNvSpPr txBox="1"/>
-          <p:nvPr/>
-        </p:nvSpPr>
-        <p:spPr>
-          <a:xfrm>
-            <a:off x="3073567" y="3587621"/>
-            <a:ext cx="401072" cy="369332"/>
-          </a:xfrm>
-          <a:prstGeom prst="rect">
-            <a:avLst/>
-          </a:prstGeom>
-          <a:noFill/>
-        </p:spPr>
-        <p:txBody>
-          <a:bodyPr wrap="none" rtlCol="0">
-            <a:spAutoFit/>
-          </a:bodyPr>
-          <a:lstStyle/>
-          <a:p>
-            <a:r>
-              <a:rPr lang="en-GB" dirty="0"/>
-              <a:t>x2</a:t>
-            </a:r>
-          </a:p>
-        </p:txBody>
-      </p:sp>
-      <p:sp>
-        <p:nvSpPr>
-          <p:cNvPr id="20" name="TextBox 19"/>
-          <p:cNvSpPr txBox="1"/>
-          <p:nvPr/>
-        </p:nvSpPr>
-        <p:spPr>
-          <a:xfrm>
-            <a:off x="3107230" y="4875600"/>
-            <a:ext cx="401072" cy="369332"/>
-          </a:xfrm>
-          <a:prstGeom prst="rect">
-            <a:avLst/>
-          </a:prstGeom>
-          <a:noFill/>
-        </p:spPr>
-        <p:txBody>
-          <a:bodyPr wrap="none" rtlCol="0">
-            <a:spAutoFit/>
-          </a:bodyPr>
-          <a:lstStyle/>
-          <a:p>
-            <a:r>
-              <a:rPr lang="en-GB" dirty="0"/>
-              <a:t>x4</a:t>
-            </a:r>
-          </a:p>
-        </p:txBody>
-      </p:sp>
-      <p:sp>
-        <p:nvSpPr>
-          <p:cNvPr id="21" name="TextBox 20"/>
-          <p:cNvSpPr txBox="1"/>
-          <p:nvPr/>
-        </p:nvSpPr>
-        <p:spPr>
-          <a:xfrm>
-            <a:off x="6003643" y="3587621"/>
-            <a:ext cx="641522" cy="369332"/>
-          </a:xfrm>
-          <a:prstGeom prst="rect">
-            <a:avLst/>
-          </a:prstGeom>
-          <a:noFill/>
-        </p:spPr>
-        <p:txBody>
-          <a:bodyPr wrap="none" rtlCol="0">
-            <a:spAutoFit/>
-          </a:bodyPr>
-          <a:lstStyle/>
-          <a:p>
-            <a:r>
-              <a:rPr lang="en-GB" dirty="0"/>
-              <a:t>1..2?</a:t>
-            </a:r>
-          </a:p>
-        </p:txBody>
-      </p:sp>
-      <p:sp>
-        <p:nvSpPr>
-          <p:cNvPr id="22" name="TextBox 21"/>
-          <p:cNvSpPr txBox="1"/>
-          <p:nvPr/>
-        </p:nvSpPr>
-        <p:spPr>
-          <a:xfrm>
-            <a:off x="6045664" y="4875012"/>
-            <a:ext cx="292068" cy="369332"/>
-          </a:xfrm>
-          <a:prstGeom prst="rect">
-            <a:avLst/>
-          </a:prstGeom>
-          <a:noFill/>
-        </p:spPr>
-        <p:txBody>
-          <a:bodyPr wrap="none" rtlCol="0">
-            <a:spAutoFit/>
-          </a:bodyPr>
-          <a:lstStyle/>
-          <a:p>
-            <a:r>
-              <a:rPr lang="en-GB" dirty="0"/>
-              <a:t>?</a:t>
-            </a:r>
-          </a:p>
-        </p:txBody>
-      </p:sp>
-      <p:sp>
-        <p:nvSpPr>
-          <p:cNvPr id="23" name="TextBox 22"/>
-          <p:cNvSpPr txBox="1"/>
-          <p:nvPr/>
-        </p:nvSpPr>
-        <p:spPr>
-          <a:xfrm>
-            <a:off x="9848159" y="3587621"/>
-            <a:ext cx="301686" cy="369332"/>
-          </a:xfrm>
-          <a:prstGeom prst="rect">
-            <a:avLst/>
-          </a:prstGeom>
-          <a:noFill/>
-        </p:spPr>
-        <p:txBody>
-          <a:bodyPr wrap="none" rtlCol="0">
-            <a:spAutoFit/>
-          </a:bodyPr>
-          <a:lstStyle/>
-          <a:p>
-            <a:r>
-              <a:rPr lang="en-GB" dirty="0"/>
-              <a:t>0</a:t>
-            </a:r>
-          </a:p>
-        </p:txBody>
-      </p:sp>
-      <p:sp>
-        <p:nvSpPr>
-          <p:cNvPr id="24" name="TextBox 23"/>
-          <p:cNvSpPr txBox="1"/>
-          <p:nvPr/>
-        </p:nvSpPr>
-        <p:spPr>
-          <a:xfrm>
-            <a:off x="7963371" y="4875012"/>
-            <a:ext cx="343364" cy="369332"/>
-          </a:xfrm>
-          <a:prstGeom prst="rect">
-            <a:avLst/>
-          </a:prstGeom>
-          <a:noFill/>
-        </p:spPr>
-        <p:txBody>
-          <a:bodyPr wrap="none" rtlCol="0">
-            <a:spAutoFit/>
-          </a:bodyPr>
-          <a:lstStyle/>
-          <a:p>
-            <a:r>
-              <a:rPr lang="en-GB" dirty="0"/>
-              <a:t>…</a:t>
-            </a:r>
-          </a:p>
-        </p:txBody>
-      </p:sp>
-      <p:sp>
-        <p:nvSpPr>
-          <p:cNvPr id="25" name="TextBox 24"/>
-          <p:cNvSpPr txBox="1"/>
-          <p:nvPr/>
-        </p:nvSpPr>
-        <p:spPr>
-          <a:xfrm>
-            <a:off x="7951714" y="2114976"/>
-            <a:ext cx="343364" cy="369332"/>
-          </a:xfrm>
-          <a:prstGeom prst="rect">
-            <a:avLst/>
-          </a:prstGeom>
-          <a:noFill/>
-        </p:spPr>
-        <p:txBody>
-          <a:bodyPr wrap="none" rtlCol="0">
-            <a:spAutoFit/>
-          </a:bodyPr>
-          <a:lstStyle/>
-          <a:p>
-            <a:r>
-              <a:rPr lang="en-GB" dirty="0"/>
-              <a:t>…</a:t>
-            </a:r>
-          </a:p>
-        </p:txBody>
-      </p:sp>
-      <p:sp>
-        <p:nvSpPr>
-          <p:cNvPr id="26" name="TextBox 25"/>
-          <p:cNvSpPr txBox="1"/>
-          <p:nvPr/>
-        </p:nvSpPr>
-        <p:spPr>
-          <a:xfrm>
-            <a:off x="9873384" y="4875012"/>
-            <a:ext cx="301686" cy="369332"/>
-          </a:xfrm>
-          <a:prstGeom prst="rect">
-            <a:avLst/>
-          </a:prstGeom>
-          <a:noFill/>
-        </p:spPr>
-        <p:txBody>
-          <a:bodyPr wrap="none" rtlCol="0">
-            <a:spAutoFit/>
-          </a:bodyPr>
-          <a:lstStyle/>
-          <a:p>
-            <a:r>
-              <a:rPr lang="en-GB" dirty="0"/>
-              <a:t>0</a:t>
-            </a:r>
-          </a:p>
-        </p:txBody>
-      </p:sp>
+        </p:spPr>
+      </p:pic>
     </p:spTree>
     <p:extLst>
       <p:ext uri="{BB962C8B-B14F-4D97-AF65-F5344CB8AC3E}">
-        <p14:creationId xmlns:p14="http://schemas.microsoft.com/office/powerpoint/2010/main" val="871478372"/>
+        <p14:creationId xmlns:p14="http://schemas.microsoft.com/office/powerpoint/2010/main" val="3277618454"/>
       </p:ext>
     </p:extLst>
   </p:cSld>
@@ -20648,7 +19920,7 @@
           <a:p>
             <a:r>
               <a:rPr lang="en-GB" dirty="0"/>
-              <a:t>Whole level mutation testing complexity</a:t>
+              <a:t>Mutant tests can generate code?</a:t>
             </a:r>
           </a:p>
           <a:p>
@@ -20658,20 +19930,208 @@
             <a:endParaRPr lang="en-GB" dirty="0"/>
           </a:p>
           <a:p>
-            <a:endParaRPr lang="en-GB" dirty="0"/>
-          </a:p>
-          <a:p>
-            <a:endParaRPr lang="en-GB" dirty="0"/>
-          </a:p>
-          <a:p>
             <a:endParaRPr lang="ru-RU" dirty="0"/>
           </a:p>
         </p:txBody>
       </p:sp>
+      <p:pic>
+        <p:nvPicPr>
+          <p:cNvPr id="3" name="Picture 2"/>
+          <p:cNvPicPr>
+            <a:picLocks noChangeAspect="1"/>
+          </p:cNvPicPr>
+          <p:nvPr/>
+        </p:nvPicPr>
+        <p:blipFill>
+          <a:blip r:embed="rId3"/>
+          <a:stretch>
+            <a:fillRect/>
+          </a:stretch>
+        </p:blipFill>
+        <p:spPr>
+          <a:xfrm>
+            <a:off x="1012648" y="2110317"/>
+            <a:ext cx="3118133" cy="1231194"/>
+          </a:xfrm>
+          <a:prstGeom prst="rect">
+            <a:avLst/>
+          </a:prstGeom>
+        </p:spPr>
+      </p:pic>
+      <p:sp>
+        <p:nvSpPr>
+          <p:cNvPr id="4" name="TextBox 3"/>
+          <p:cNvSpPr txBox="1"/>
+          <p:nvPr/>
+        </p:nvSpPr>
+        <p:spPr>
+          <a:xfrm>
+            <a:off x="679063" y="1488193"/>
+            <a:ext cx="667170" cy="369332"/>
+          </a:xfrm>
+          <a:prstGeom prst="rect">
+            <a:avLst/>
+          </a:prstGeom>
+          <a:noFill/>
+        </p:spPr>
+        <p:txBody>
+          <a:bodyPr wrap="none" rtlCol="0">
+            <a:spAutoFit/>
+          </a:bodyPr>
+          <a:lstStyle/>
+          <a:p>
+            <a:r>
+              <a:rPr lang="en-GB" dirty="0"/>
+              <a:t>Code</a:t>
+            </a:r>
+          </a:p>
+        </p:txBody>
+      </p:sp>
+      <p:sp>
+        <p:nvSpPr>
+          <p:cNvPr id="5" name="TextBox 4"/>
+          <p:cNvSpPr txBox="1"/>
+          <p:nvPr/>
+        </p:nvSpPr>
+        <p:spPr>
+          <a:xfrm>
+            <a:off x="5594596" y="1488193"/>
+            <a:ext cx="645690" cy="369332"/>
+          </a:xfrm>
+          <a:prstGeom prst="rect">
+            <a:avLst/>
+          </a:prstGeom>
+          <a:noFill/>
+        </p:spPr>
+        <p:txBody>
+          <a:bodyPr wrap="none" rtlCol="0">
+            <a:spAutoFit/>
+          </a:bodyPr>
+          <a:lstStyle/>
+          <a:p>
+            <a:r>
+              <a:rPr lang="en-GB" dirty="0"/>
+              <a:t>Tests</a:t>
+            </a:r>
+          </a:p>
+        </p:txBody>
+      </p:sp>
+      <p:pic>
+        <p:nvPicPr>
+          <p:cNvPr id="9" name="Picture 8"/>
+          <p:cNvPicPr>
+            <a:picLocks noChangeAspect="1"/>
+          </p:cNvPicPr>
+          <p:nvPr/>
+        </p:nvPicPr>
+        <p:blipFill>
+          <a:blip r:embed="rId4"/>
+          <a:stretch>
+            <a:fillRect/>
+          </a:stretch>
+        </p:blipFill>
+        <p:spPr>
+          <a:xfrm>
+            <a:off x="5913437" y="2110317"/>
+            <a:ext cx="5551305" cy="719870"/>
+          </a:xfrm>
+          <a:prstGeom prst="rect">
+            <a:avLst/>
+          </a:prstGeom>
+        </p:spPr>
+      </p:pic>
+      <p:pic>
+        <p:nvPicPr>
+          <p:cNvPr id="10" name="Picture 9"/>
+          <p:cNvPicPr>
+            <a:picLocks noChangeAspect="1"/>
+          </p:cNvPicPr>
+          <p:nvPr/>
+        </p:nvPicPr>
+        <p:blipFill>
+          <a:blip r:embed="rId5"/>
+          <a:stretch>
+            <a:fillRect/>
+          </a:stretch>
+        </p:blipFill>
+        <p:spPr>
+          <a:xfrm>
+            <a:off x="5913437" y="3834871"/>
+            <a:ext cx="4463328" cy="1538640"/>
+          </a:xfrm>
+          <a:prstGeom prst="rect">
+            <a:avLst/>
+          </a:prstGeom>
+        </p:spPr>
+      </p:pic>
+      <p:sp>
+        <p:nvSpPr>
+          <p:cNvPr id="6" name="Arrow: Down 5"/>
+          <p:cNvSpPr/>
+          <p:nvPr/>
+        </p:nvSpPr>
+        <p:spPr>
+          <a:xfrm>
+            <a:off x="2448612" y="3544372"/>
+            <a:ext cx="246203" cy="335315"/>
+          </a:xfrm>
+          <a:prstGeom prst="downArrow">
+            <a:avLst/>
+          </a:prstGeom>
+        </p:spPr>
+        <p:style>
+          <a:lnRef idx="2">
+            <a:schemeClr val="accent1">
+              <a:shade val="50000"/>
+            </a:schemeClr>
+          </a:lnRef>
+          <a:fillRef idx="1">
+            <a:schemeClr val="accent1"/>
+          </a:fillRef>
+          <a:effectRef idx="0">
+            <a:schemeClr val="accent1"/>
+          </a:effectRef>
+          <a:fontRef idx="minor">
+            <a:schemeClr val="lt1"/>
+          </a:fontRef>
+        </p:style>
+        <p:txBody>
+          <a:bodyPr rtlCol="0" anchor="ctr"/>
+          <a:lstStyle/>
+          <a:p>
+            <a:pPr algn="ctr"/>
+            <a:endParaRPr lang="en-GB"/>
+          </a:p>
+        </p:txBody>
+      </p:sp>
+      <p:pic>
+        <p:nvPicPr>
+          <p:cNvPr id="7" name="Picture 6"/>
+          <p:cNvPicPr>
+            <a:picLocks noChangeAspect="1"/>
+          </p:cNvPicPr>
+          <p:nvPr/>
+        </p:nvPicPr>
+        <p:blipFill>
+          <a:blip r:embed="rId6"/>
+          <a:stretch>
+            <a:fillRect/>
+          </a:stretch>
+        </p:blipFill>
+        <p:spPr>
+          <a:xfrm>
+            <a:off x="1012648" y="4082548"/>
+            <a:ext cx="3124200" cy="1228725"/>
+          </a:xfrm>
+          <a:prstGeom prst="rect">
+            <a:avLst/>
+          </a:prstGeom>
+        </p:spPr>
+      </p:pic>
     </p:spTree>
     <p:extLst>
       <p:ext uri="{BB962C8B-B14F-4D97-AF65-F5344CB8AC3E}">
-        <p14:creationId xmlns:p14="http://schemas.microsoft.com/office/powerpoint/2010/main" val="1354816254"/>
+        <p14:creationId xmlns:p14="http://schemas.microsoft.com/office/powerpoint/2010/main" val="1895629891"/>
       </p:ext>
     </p:extLst>
   </p:cSld>
@@ -20876,6 +20336,1509 @@
           <a:p>
             <a:r>
               <a:rPr lang="en-GB" dirty="0"/>
+              <a:t>Mutation level</a:t>
+            </a:r>
+          </a:p>
+          <a:p>
+            <a:endParaRPr lang="en-GB" dirty="0"/>
+          </a:p>
+          <a:p>
+            <a:endParaRPr lang="en-GB" dirty="0"/>
+          </a:p>
+          <a:p>
+            <a:endParaRPr lang="en-GB" dirty="0"/>
+          </a:p>
+          <a:p>
+            <a:endParaRPr lang="ru-RU" dirty="0"/>
+          </a:p>
+        </p:txBody>
+      </p:sp>
+      <p:pic>
+        <p:nvPicPr>
+          <p:cNvPr id="3" name="Picture 2"/>
+          <p:cNvPicPr>
+            <a:picLocks noChangeAspect="1"/>
+          </p:cNvPicPr>
+          <p:nvPr/>
+        </p:nvPicPr>
+        <p:blipFill>
+          <a:blip r:embed="rId3"/>
+          <a:stretch>
+            <a:fillRect/>
+          </a:stretch>
+        </p:blipFill>
+        <p:spPr>
+          <a:xfrm>
+            <a:off x="573438" y="3332450"/>
+            <a:ext cx="3010420" cy="345458"/>
+          </a:xfrm>
+          <a:prstGeom prst="rect">
+            <a:avLst/>
+          </a:prstGeom>
+        </p:spPr>
+      </p:pic>
+      <p:pic>
+        <p:nvPicPr>
+          <p:cNvPr id="4" name="Picture 3"/>
+          <p:cNvPicPr>
+            <a:picLocks noChangeAspect="1"/>
+          </p:cNvPicPr>
+          <p:nvPr/>
+        </p:nvPicPr>
+        <p:blipFill>
+          <a:blip r:embed="rId4"/>
+          <a:stretch>
+            <a:fillRect/>
+          </a:stretch>
+        </p:blipFill>
+        <p:spPr>
+          <a:xfrm>
+            <a:off x="4342164" y="3316000"/>
+            <a:ext cx="3010419" cy="361908"/>
+          </a:xfrm>
+          <a:prstGeom prst="rect">
+            <a:avLst/>
+          </a:prstGeom>
+        </p:spPr>
+      </p:pic>
+      <p:pic>
+        <p:nvPicPr>
+          <p:cNvPr id="6" name="Picture 5"/>
+          <p:cNvPicPr>
+            <a:picLocks noChangeAspect="1"/>
+          </p:cNvPicPr>
+          <p:nvPr/>
+        </p:nvPicPr>
+        <p:blipFill>
+          <a:blip r:embed="rId5"/>
+          <a:stretch>
+            <a:fillRect/>
+          </a:stretch>
+        </p:blipFill>
+        <p:spPr>
+          <a:xfrm>
+            <a:off x="4342164" y="4196072"/>
+            <a:ext cx="3010420" cy="345458"/>
+          </a:xfrm>
+          <a:prstGeom prst="rect">
+            <a:avLst/>
+          </a:prstGeom>
+        </p:spPr>
+      </p:pic>
+      <p:pic>
+        <p:nvPicPr>
+          <p:cNvPr id="7" name="Picture 6"/>
+          <p:cNvPicPr>
+            <a:picLocks noChangeAspect="1"/>
+          </p:cNvPicPr>
+          <p:nvPr/>
+        </p:nvPicPr>
+        <p:blipFill>
+          <a:blip r:embed="rId6"/>
+          <a:stretch>
+            <a:fillRect/>
+          </a:stretch>
+        </p:blipFill>
+        <p:spPr>
+          <a:xfrm>
+            <a:off x="4342164" y="2435090"/>
+            <a:ext cx="3000896" cy="362746"/>
+          </a:xfrm>
+          <a:prstGeom prst="rect">
+            <a:avLst/>
+          </a:prstGeom>
+        </p:spPr>
+      </p:pic>
+      <p:pic>
+        <p:nvPicPr>
+          <p:cNvPr id="8" name="Picture 7"/>
+          <p:cNvPicPr>
+            <a:picLocks noChangeAspect="1"/>
+          </p:cNvPicPr>
+          <p:nvPr/>
+        </p:nvPicPr>
+        <p:blipFill>
+          <a:blip r:embed="rId7"/>
+          <a:stretch>
+            <a:fillRect/>
+          </a:stretch>
+        </p:blipFill>
+        <p:spPr>
+          <a:xfrm>
+            <a:off x="8110889" y="3300035"/>
+            <a:ext cx="3009900" cy="361950"/>
+          </a:xfrm>
+          <a:prstGeom prst="rect">
+            <a:avLst/>
+          </a:prstGeom>
+        </p:spPr>
+      </p:pic>
+      <p:sp>
+        <p:nvSpPr>
+          <p:cNvPr id="9" name="Arrow: Right 8"/>
+          <p:cNvSpPr/>
+          <p:nvPr/>
+        </p:nvSpPr>
+        <p:spPr>
+          <a:xfrm>
+            <a:off x="3795371" y="3393389"/>
+            <a:ext cx="335280" cy="148560"/>
+          </a:xfrm>
+          <a:prstGeom prst="rightArrow">
+            <a:avLst/>
+          </a:prstGeom>
+        </p:spPr>
+        <p:style>
+          <a:lnRef idx="2">
+            <a:schemeClr val="accent1">
+              <a:shade val="50000"/>
+            </a:schemeClr>
+          </a:lnRef>
+          <a:fillRef idx="1">
+            <a:schemeClr val="accent1"/>
+          </a:fillRef>
+          <a:effectRef idx="0">
+            <a:schemeClr val="accent1"/>
+          </a:effectRef>
+          <a:fontRef idx="minor">
+            <a:schemeClr val="lt1"/>
+          </a:fontRef>
+        </p:style>
+        <p:txBody>
+          <a:bodyPr rtlCol="0" anchor="ctr"/>
+          <a:lstStyle/>
+          <a:p>
+            <a:pPr algn="ctr"/>
+            <a:endParaRPr lang="en-GB"/>
+          </a:p>
+        </p:txBody>
+      </p:sp>
+      <p:sp>
+        <p:nvSpPr>
+          <p:cNvPr id="11" name="Arrow: Right 10"/>
+          <p:cNvSpPr/>
+          <p:nvPr/>
+        </p:nvSpPr>
+        <p:spPr>
+          <a:xfrm>
+            <a:off x="7564096" y="3406730"/>
+            <a:ext cx="335280" cy="148560"/>
+          </a:xfrm>
+          <a:prstGeom prst="rightArrow">
+            <a:avLst/>
+          </a:prstGeom>
+        </p:spPr>
+        <p:style>
+          <a:lnRef idx="2">
+            <a:schemeClr val="accent1">
+              <a:shade val="50000"/>
+            </a:schemeClr>
+          </a:lnRef>
+          <a:fillRef idx="1">
+            <a:schemeClr val="accent1"/>
+          </a:fillRef>
+          <a:effectRef idx="0">
+            <a:schemeClr val="accent1"/>
+          </a:effectRef>
+          <a:fontRef idx="minor">
+            <a:schemeClr val="lt1"/>
+          </a:fontRef>
+        </p:style>
+        <p:txBody>
+          <a:bodyPr rtlCol="0" anchor="ctr"/>
+          <a:lstStyle/>
+          <a:p>
+            <a:pPr algn="ctr"/>
+            <a:endParaRPr lang="en-GB"/>
+          </a:p>
+        </p:txBody>
+      </p:sp>
+      <p:sp>
+        <p:nvSpPr>
+          <p:cNvPr id="12" name="Arrow: Right 11"/>
+          <p:cNvSpPr/>
+          <p:nvPr/>
+        </p:nvSpPr>
+        <p:spPr>
+          <a:xfrm rot="18900000">
+            <a:off x="3791947" y="2865068"/>
+            <a:ext cx="335280" cy="148560"/>
+          </a:xfrm>
+          <a:prstGeom prst="rightArrow">
+            <a:avLst/>
+          </a:prstGeom>
+        </p:spPr>
+        <p:style>
+          <a:lnRef idx="2">
+            <a:schemeClr val="accent1">
+              <a:shade val="50000"/>
+            </a:schemeClr>
+          </a:lnRef>
+          <a:fillRef idx="1">
+            <a:schemeClr val="accent1"/>
+          </a:fillRef>
+          <a:effectRef idx="0">
+            <a:schemeClr val="accent1"/>
+          </a:effectRef>
+          <a:fontRef idx="minor">
+            <a:schemeClr val="lt1"/>
+          </a:fontRef>
+        </p:style>
+        <p:txBody>
+          <a:bodyPr rtlCol="0" anchor="ctr"/>
+          <a:lstStyle/>
+          <a:p>
+            <a:pPr algn="ctr"/>
+            <a:endParaRPr lang="en-GB"/>
+          </a:p>
+        </p:txBody>
+      </p:sp>
+      <p:sp>
+        <p:nvSpPr>
+          <p:cNvPr id="13" name="Arrow: Right 12"/>
+          <p:cNvSpPr/>
+          <p:nvPr/>
+        </p:nvSpPr>
+        <p:spPr>
+          <a:xfrm rot="1800000">
+            <a:off x="3780691" y="3913340"/>
+            <a:ext cx="335280" cy="148560"/>
+          </a:xfrm>
+          <a:prstGeom prst="rightArrow">
+            <a:avLst/>
+          </a:prstGeom>
+        </p:spPr>
+        <p:style>
+          <a:lnRef idx="2">
+            <a:schemeClr val="accent1">
+              <a:shade val="50000"/>
+            </a:schemeClr>
+          </a:lnRef>
+          <a:fillRef idx="1">
+            <a:schemeClr val="accent1"/>
+          </a:fillRef>
+          <a:effectRef idx="0">
+            <a:schemeClr val="accent1"/>
+          </a:effectRef>
+          <a:fontRef idx="minor">
+            <a:schemeClr val="lt1"/>
+          </a:fontRef>
+        </p:style>
+        <p:txBody>
+          <a:bodyPr rtlCol="0" anchor="ctr"/>
+          <a:lstStyle/>
+          <a:p>
+            <a:pPr algn="ctr"/>
+            <a:endParaRPr lang="en-GB"/>
+          </a:p>
+        </p:txBody>
+      </p:sp>
+      <p:sp>
+        <p:nvSpPr>
+          <p:cNvPr id="17" name="Rectangle 16"/>
+          <p:cNvSpPr/>
+          <p:nvPr/>
+        </p:nvSpPr>
+        <p:spPr>
+          <a:xfrm>
+            <a:off x="6182360" y="3264492"/>
+            <a:ext cx="955040" cy="464924"/>
+          </a:xfrm>
+          <a:prstGeom prst="rect">
+            <a:avLst/>
+          </a:prstGeom>
+          <a:noFill/>
+          <a:ln w="50800">
+            <a:solidFill>
+              <a:srgbClr val="C00000"/>
+            </a:solidFill>
+          </a:ln>
+        </p:spPr>
+        <p:style>
+          <a:lnRef idx="2">
+            <a:schemeClr val="accent1">
+              <a:shade val="50000"/>
+            </a:schemeClr>
+          </a:lnRef>
+          <a:fillRef idx="1">
+            <a:schemeClr val="accent1"/>
+          </a:fillRef>
+          <a:effectRef idx="0">
+            <a:schemeClr val="accent1"/>
+          </a:effectRef>
+          <a:fontRef idx="minor">
+            <a:schemeClr val="lt1"/>
+          </a:fontRef>
+        </p:style>
+        <p:txBody>
+          <a:bodyPr rtlCol="0" anchor="ctr"/>
+          <a:lstStyle/>
+          <a:p>
+            <a:pPr algn="ctr"/>
+            <a:endParaRPr lang="en-GB" dirty="0"/>
+          </a:p>
+        </p:txBody>
+      </p:sp>
+      <p:sp>
+        <p:nvSpPr>
+          <p:cNvPr id="18" name="Rectangle 17"/>
+          <p:cNvSpPr/>
+          <p:nvPr/>
+        </p:nvSpPr>
+        <p:spPr>
+          <a:xfrm>
+            <a:off x="5552440" y="4136339"/>
+            <a:ext cx="955040" cy="464924"/>
+          </a:xfrm>
+          <a:prstGeom prst="rect">
+            <a:avLst/>
+          </a:prstGeom>
+          <a:noFill/>
+          <a:ln w="50800">
+            <a:solidFill>
+              <a:srgbClr val="C00000"/>
+            </a:solidFill>
+          </a:ln>
+        </p:spPr>
+        <p:style>
+          <a:lnRef idx="2">
+            <a:schemeClr val="accent1">
+              <a:shade val="50000"/>
+            </a:schemeClr>
+          </a:lnRef>
+          <a:fillRef idx="1">
+            <a:schemeClr val="accent1"/>
+          </a:fillRef>
+          <a:effectRef idx="0">
+            <a:schemeClr val="accent1"/>
+          </a:effectRef>
+          <a:fontRef idx="minor">
+            <a:schemeClr val="lt1"/>
+          </a:fontRef>
+        </p:style>
+        <p:txBody>
+          <a:bodyPr rtlCol="0" anchor="ctr"/>
+          <a:lstStyle/>
+          <a:p>
+            <a:pPr algn="ctr"/>
+            <a:endParaRPr lang="en-GB" dirty="0"/>
+          </a:p>
+        </p:txBody>
+      </p:sp>
+      <p:sp>
+        <p:nvSpPr>
+          <p:cNvPr id="19" name="Rectangle 18"/>
+          <p:cNvSpPr/>
+          <p:nvPr/>
+        </p:nvSpPr>
+        <p:spPr>
+          <a:xfrm>
+            <a:off x="4505960" y="2392645"/>
+            <a:ext cx="2738120" cy="464924"/>
+          </a:xfrm>
+          <a:prstGeom prst="rect">
+            <a:avLst/>
+          </a:prstGeom>
+          <a:noFill/>
+          <a:ln w="50800">
+            <a:solidFill>
+              <a:srgbClr val="C00000"/>
+            </a:solidFill>
+          </a:ln>
+        </p:spPr>
+        <p:style>
+          <a:lnRef idx="2">
+            <a:schemeClr val="accent1">
+              <a:shade val="50000"/>
+            </a:schemeClr>
+          </a:lnRef>
+          <a:fillRef idx="1">
+            <a:schemeClr val="accent1"/>
+          </a:fillRef>
+          <a:effectRef idx="0">
+            <a:schemeClr val="accent1"/>
+          </a:effectRef>
+          <a:fontRef idx="minor">
+            <a:schemeClr val="lt1"/>
+          </a:fontRef>
+        </p:style>
+        <p:txBody>
+          <a:bodyPr rtlCol="0" anchor="ctr"/>
+          <a:lstStyle/>
+          <a:p>
+            <a:pPr algn="ctr"/>
+            <a:endParaRPr lang="en-GB" dirty="0"/>
+          </a:p>
+        </p:txBody>
+      </p:sp>
+      <p:sp>
+        <p:nvSpPr>
+          <p:cNvPr id="20" name="Rectangle 19"/>
+          <p:cNvSpPr/>
+          <p:nvPr/>
+        </p:nvSpPr>
+        <p:spPr>
+          <a:xfrm>
+            <a:off x="9316720" y="3235206"/>
+            <a:ext cx="1584960" cy="494209"/>
+          </a:xfrm>
+          <a:prstGeom prst="rect">
+            <a:avLst/>
+          </a:prstGeom>
+          <a:noFill/>
+          <a:ln w="50800">
+            <a:solidFill>
+              <a:srgbClr val="C00000"/>
+            </a:solidFill>
+          </a:ln>
+        </p:spPr>
+        <p:style>
+          <a:lnRef idx="2">
+            <a:schemeClr val="accent1">
+              <a:shade val="50000"/>
+            </a:schemeClr>
+          </a:lnRef>
+          <a:fillRef idx="1">
+            <a:schemeClr val="accent1"/>
+          </a:fillRef>
+          <a:effectRef idx="0">
+            <a:schemeClr val="accent1"/>
+          </a:effectRef>
+          <a:fontRef idx="minor">
+            <a:schemeClr val="lt1"/>
+          </a:fontRef>
+        </p:style>
+        <p:txBody>
+          <a:bodyPr rtlCol="0" anchor="ctr"/>
+          <a:lstStyle/>
+          <a:p>
+            <a:pPr algn="ctr"/>
+            <a:endParaRPr lang="en-GB" dirty="0"/>
+          </a:p>
+        </p:txBody>
+      </p:sp>
+      <p:sp>
+        <p:nvSpPr>
+          <p:cNvPr id="21" name="TextBox 20"/>
+          <p:cNvSpPr txBox="1"/>
+          <p:nvPr/>
+        </p:nvSpPr>
+        <p:spPr>
+          <a:xfrm>
+            <a:off x="1562582" y="1134319"/>
+            <a:ext cx="836896" cy="369332"/>
+          </a:xfrm>
+          <a:prstGeom prst="rect">
+            <a:avLst/>
+          </a:prstGeom>
+          <a:noFill/>
+        </p:spPr>
+        <p:txBody>
+          <a:bodyPr wrap="none" rtlCol="0">
+            <a:spAutoFit/>
+          </a:bodyPr>
+          <a:lstStyle/>
+          <a:p>
+            <a:r>
+              <a:rPr lang="en-GB" dirty="0"/>
+              <a:t>Level 0</a:t>
+            </a:r>
+          </a:p>
+        </p:txBody>
+      </p:sp>
+      <p:sp>
+        <p:nvSpPr>
+          <p:cNvPr id="22" name="TextBox 21"/>
+          <p:cNvSpPr txBox="1"/>
+          <p:nvPr/>
+        </p:nvSpPr>
+        <p:spPr>
+          <a:xfrm>
+            <a:off x="5424164" y="1134319"/>
+            <a:ext cx="836896" cy="369332"/>
+          </a:xfrm>
+          <a:prstGeom prst="rect">
+            <a:avLst/>
+          </a:prstGeom>
+          <a:noFill/>
+        </p:spPr>
+        <p:txBody>
+          <a:bodyPr wrap="none" rtlCol="0">
+            <a:spAutoFit/>
+          </a:bodyPr>
+          <a:lstStyle/>
+          <a:p>
+            <a:r>
+              <a:rPr lang="en-GB" dirty="0"/>
+              <a:t>Level 1</a:t>
+            </a:r>
+          </a:p>
+        </p:txBody>
+      </p:sp>
+      <p:sp>
+        <p:nvSpPr>
+          <p:cNvPr id="23" name="TextBox 22"/>
+          <p:cNvSpPr txBox="1"/>
+          <p:nvPr/>
+        </p:nvSpPr>
+        <p:spPr>
+          <a:xfrm>
+            <a:off x="9197391" y="1134319"/>
+            <a:ext cx="836896" cy="369332"/>
+          </a:xfrm>
+          <a:prstGeom prst="rect">
+            <a:avLst/>
+          </a:prstGeom>
+          <a:noFill/>
+        </p:spPr>
+        <p:txBody>
+          <a:bodyPr wrap="none" rtlCol="0">
+            <a:spAutoFit/>
+          </a:bodyPr>
+          <a:lstStyle/>
+          <a:p>
+            <a:r>
+              <a:rPr lang="en-GB" dirty="0"/>
+              <a:t>Level 2</a:t>
+            </a:r>
+          </a:p>
+        </p:txBody>
+      </p:sp>
+      <p:cxnSp>
+        <p:nvCxnSpPr>
+          <p:cNvPr id="25" name="Straight Connector 24"/>
+          <p:cNvCxnSpPr/>
+          <p:nvPr/>
+        </p:nvCxnSpPr>
+        <p:spPr>
+          <a:xfrm>
+            <a:off x="3923818" y="1377387"/>
+            <a:ext cx="39482" cy="4514127"/>
+          </a:xfrm>
+          <a:prstGeom prst="line">
+            <a:avLst/>
+          </a:prstGeom>
+        </p:spPr>
+        <p:style>
+          <a:lnRef idx="1">
+            <a:schemeClr val="accent1"/>
+          </a:lnRef>
+          <a:fillRef idx="0">
+            <a:schemeClr val="accent1"/>
+          </a:fillRef>
+          <a:effectRef idx="0">
+            <a:schemeClr val="accent1"/>
+          </a:effectRef>
+          <a:fontRef idx="minor">
+            <a:schemeClr val="tx1"/>
+          </a:fontRef>
+        </p:style>
+      </p:cxnSp>
+      <p:cxnSp>
+        <p:nvCxnSpPr>
+          <p:cNvPr id="27" name="Straight Connector 26"/>
+          <p:cNvCxnSpPr/>
+          <p:nvPr/>
+        </p:nvCxnSpPr>
+        <p:spPr>
+          <a:xfrm>
+            <a:off x="7699912" y="1377386"/>
+            <a:ext cx="39482" cy="4514127"/>
+          </a:xfrm>
+          <a:prstGeom prst="line">
+            <a:avLst/>
+          </a:prstGeom>
+        </p:spPr>
+        <p:style>
+          <a:lnRef idx="1">
+            <a:schemeClr val="accent1"/>
+          </a:lnRef>
+          <a:fillRef idx="0">
+            <a:schemeClr val="accent1"/>
+          </a:fillRef>
+          <a:effectRef idx="0">
+            <a:schemeClr val="accent1"/>
+          </a:effectRef>
+          <a:fontRef idx="minor">
+            <a:schemeClr val="tx1"/>
+          </a:fontRef>
+        </p:style>
+      </p:cxnSp>
+    </p:spTree>
+    <p:extLst>
+      <p:ext uri="{BB962C8B-B14F-4D97-AF65-F5344CB8AC3E}">
+        <p14:creationId xmlns:p14="http://schemas.microsoft.com/office/powerpoint/2010/main" val="3521442204"/>
+      </p:ext>
+    </p:extLst>
+  </p:cSld>
+  <p:clrMapOvr>
+    <a:masterClrMapping/>
+  </p:clrMapOvr>
+</p:sld>
+</file>
+
+<file path=ppt/slides/slide21.xml><?xml version="1.0" encoding="utf-8"?>
+<p:sld xmlns:a="http://schemas.openxmlformats.org/drawingml/2006/main" xmlns:r="http://schemas.openxmlformats.org/officeDocument/2006/relationships" xmlns:p="http://schemas.openxmlformats.org/presentationml/2006/main">
+  <p:cSld>
+    <p:spTree>
+      <p:nvGrpSpPr>
+        <p:cNvPr id="1" name=""/>
+        <p:cNvGrpSpPr/>
+        <p:nvPr/>
+      </p:nvGrpSpPr>
+      <p:grpSpPr>
+        <a:xfrm>
+          <a:off x="0" y="0"/>
+          <a:ext cx="0" cy="0"/>
+          <a:chOff x="0" y="0"/>
+          <a:chExt cx="0" cy="0"/>
+        </a:xfrm>
+      </p:grpSpPr>
+      <p:sp>
+        <p:nvSpPr>
+          <p:cNvPr id="2" name="Текст 1"/>
+          <p:cNvSpPr>
+            <a:spLocks noGrp="1"/>
+          </p:cNvSpPr>
+          <p:nvPr>
+            <p:ph type="body" sz="quarter" idx="33"/>
+          </p:nvPr>
+        </p:nvSpPr>
+        <p:spPr/>
+        <p:txBody>
+          <a:bodyPr/>
+          <a:lstStyle/>
+          <a:p>
+            <a:r>
+              <a:rPr lang="en-GB" dirty="0"/>
+              <a:t>Whole level mutation testing</a:t>
+            </a:r>
+          </a:p>
+          <a:p>
+            <a:endParaRPr lang="en-GB" dirty="0"/>
+          </a:p>
+          <a:p>
+            <a:endParaRPr lang="en-GB" dirty="0"/>
+          </a:p>
+          <a:p>
+            <a:endParaRPr lang="en-GB" dirty="0"/>
+          </a:p>
+          <a:p>
+            <a:endParaRPr lang="ru-RU" dirty="0"/>
+          </a:p>
+        </p:txBody>
+      </p:sp>
+      <p:sp>
+        <p:nvSpPr>
+          <p:cNvPr id="4" name="TextBox 3"/>
+          <p:cNvSpPr txBox="1"/>
+          <p:nvPr/>
+        </p:nvSpPr>
+        <p:spPr>
+          <a:xfrm>
+            <a:off x="2916819" y="1145894"/>
+            <a:ext cx="836896" cy="369332"/>
+          </a:xfrm>
+          <a:prstGeom prst="rect">
+            <a:avLst/>
+          </a:prstGeom>
+          <a:noFill/>
+        </p:spPr>
+        <p:txBody>
+          <a:bodyPr wrap="none" rtlCol="0">
+            <a:spAutoFit/>
+          </a:bodyPr>
+          <a:lstStyle/>
+          <a:p>
+            <a:r>
+              <a:rPr lang="en-GB" dirty="0"/>
+              <a:t>Level 1</a:t>
+            </a:r>
+          </a:p>
+        </p:txBody>
+      </p:sp>
+      <p:sp>
+        <p:nvSpPr>
+          <p:cNvPr id="5" name="TextBox 4"/>
+          <p:cNvSpPr txBox="1"/>
+          <p:nvPr/>
+        </p:nvSpPr>
+        <p:spPr>
+          <a:xfrm>
+            <a:off x="5785731" y="1157469"/>
+            <a:ext cx="836896" cy="369332"/>
+          </a:xfrm>
+          <a:prstGeom prst="rect">
+            <a:avLst/>
+          </a:prstGeom>
+          <a:noFill/>
+        </p:spPr>
+        <p:txBody>
+          <a:bodyPr wrap="none" rtlCol="0">
+            <a:spAutoFit/>
+          </a:bodyPr>
+          <a:lstStyle/>
+          <a:p>
+            <a:r>
+              <a:rPr lang="en-GB" dirty="0"/>
+              <a:t>Level 2</a:t>
+            </a:r>
+          </a:p>
+        </p:txBody>
+      </p:sp>
+      <p:cxnSp>
+        <p:nvCxnSpPr>
+          <p:cNvPr id="6" name="Straight Connector 5"/>
+          <p:cNvCxnSpPr/>
+          <p:nvPr/>
+        </p:nvCxnSpPr>
+        <p:spPr>
+          <a:xfrm>
+            <a:off x="4749982" y="1515226"/>
+            <a:ext cx="39482" cy="4514127"/>
+          </a:xfrm>
+          <a:prstGeom prst="line">
+            <a:avLst/>
+          </a:prstGeom>
+        </p:spPr>
+        <p:style>
+          <a:lnRef idx="1">
+            <a:schemeClr val="accent1"/>
+          </a:lnRef>
+          <a:fillRef idx="0">
+            <a:schemeClr val="accent1"/>
+          </a:fillRef>
+          <a:effectRef idx="0">
+            <a:schemeClr val="accent1"/>
+          </a:effectRef>
+          <a:fontRef idx="minor">
+            <a:schemeClr val="tx1"/>
+          </a:fontRef>
+        </p:style>
+      </p:cxnSp>
+      <p:cxnSp>
+        <p:nvCxnSpPr>
+          <p:cNvPr id="7" name="Straight Connector 6"/>
+          <p:cNvCxnSpPr/>
+          <p:nvPr/>
+        </p:nvCxnSpPr>
+        <p:spPr>
+          <a:xfrm>
+            <a:off x="7618894" y="1515225"/>
+            <a:ext cx="39482" cy="4514127"/>
+          </a:xfrm>
+          <a:prstGeom prst="line">
+            <a:avLst/>
+          </a:prstGeom>
+        </p:spPr>
+        <p:style>
+          <a:lnRef idx="1">
+            <a:schemeClr val="accent1"/>
+          </a:lnRef>
+          <a:fillRef idx="0">
+            <a:schemeClr val="accent1"/>
+          </a:fillRef>
+          <a:effectRef idx="0">
+            <a:schemeClr val="accent1"/>
+          </a:effectRef>
+          <a:fontRef idx="minor">
+            <a:schemeClr val="tx1"/>
+          </a:fontRef>
+        </p:style>
+      </p:cxnSp>
+      <p:cxnSp>
+        <p:nvCxnSpPr>
+          <p:cNvPr id="8" name="Straight Connector 7"/>
+          <p:cNvCxnSpPr/>
+          <p:nvPr/>
+        </p:nvCxnSpPr>
+        <p:spPr>
+          <a:xfrm>
+            <a:off x="8588416" y="1515226"/>
+            <a:ext cx="39482" cy="4514127"/>
+          </a:xfrm>
+          <a:prstGeom prst="line">
+            <a:avLst/>
+          </a:prstGeom>
+        </p:spPr>
+        <p:style>
+          <a:lnRef idx="1">
+            <a:schemeClr val="accent1"/>
+          </a:lnRef>
+          <a:fillRef idx="0">
+            <a:schemeClr val="accent1"/>
+          </a:fillRef>
+          <a:effectRef idx="0">
+            <a:schemeClr val="accent1"/>
+          </a:effectRef>
+          <a:fontRef idx="minor">
+            <a:schemeClr val="tx1"/>
+          </a:fontRef>
+        </p:style>
+      </p:cxnSp>
+      <p:sp>
+        <p:nvSpPr>
+          <p:cNvPr id="9" name="TextBox 8"/>
+          <p:cNvSpPr txBox="1"/>
+          <p:nvPr/>
+        </p:nvSpPr>
+        <p:spPr>
+          <a:xfrm>
+            <a:off x="9557938" y="1145894"/>
+            <a:ext cx="868956" cy="369332"/>
+          </a:xfrm>
+          <a:prstGeom prst="rect">
+            <a:avLst/>
+          </a:prstGeom>
+          <a:noFill/>
+        </p:spPr>
+        <p:txBody>
+          <a:bodyPr wrap="none" rtlCol="0">
+            <a:spAutoFit/>
+          </a:bodyPr>
+          <a:lstStyle/>
+          <a:p>
+            <a:r>
+              <a:rPr lang="en-GB" dirty="0"/>
+              <a:t>Level N</a:t>
+            </a:r>
+          </a:p>
+        </p:txBody>
+      </p:sp>
+      <p:cxnSp>
+        <p:nvCxnSpPr>
+          <p:cNvPr id="11" name="Straight Connector 10"/>
+          <p:cNvCxnSpPr/>
+          <p:nvPr/>
+        </p:nvCxnSpPr>
+        <p:spPr>
+          <a:xfrm>
+            <a:off x="1986779" y="1515224"/>
+            <a:ext cx="39482" cy="4514127"/>
+          </a:xfrm>
+          <a:prstGeom prst="line">
+            <a:avLst/>
+          </a:prstGeom>
+        </p:spPr>
+        <p:style>
+          <a:lnRef idx="1">
+            <a:schemeClr val="accent1"/>
+          </a:lnRef>
+          <a:fillRef idx="0">
+            <a:schemeClr val="accent1"/>
+          </a:fillRef>
+          <a:effectRef idx="0">
+            <a:schemeClr val="accent1"/>
+          </a:effectRef>
+          <a:fontRef idx="minor">
+            <a:schemeClr val="tx1"/>
+          </a:fontRef>
+        </p:style>
+      </p:cxnSp>
+      <p:sp>
+        <p:nvSpPr>
+          <p:cNvPr id="12" name="TextBox 11"/>
+          <p:cNvSpPr txBox="1"/>
+          <p:nvPr/>
+        </p:nvSpPr>
+        <p:spPr>
+          <a:xfrm>
+            <a:off x="7951714" y="3587621"/>
+            <a:ext cx="343364" cy="369332"/>
+          </a:xfrm>
+          <a:prstGeom prst="rect">
+            <a:avLst/>
+          </a:prstGeom>
+          <a:noFill/>
+        </p:spPr>
+        <p:txBody>
+          <a:bodyPr wrap="none" rtlCol="0">
+            <a:spAutoFit/>
+          </a:bodyPr>
+          <a:lstStyle/>
+          <a:p>
+            <a:r>
+              <a:rPr lang="en-GB" dirty="0"/>
+              <a:t>…</a:t>
+            </a:r>
+          </a:p>
+        </p:txBody>
+      </p:sp>
+      <p:sp>
+        <p:nvSpPr>
+          <p:cNvPr id="13" name="TextBox 12"/>
+          <p:cNvSpPr txBox="1"/>
+          <p:nvPr/>
+        </p:nvSpPr>
+        <p:spPr>
+          <a:xfrm>
+            <a:off x="617198" y="1837977"/>
+            <a:ext cx="1046953" cy="923330"/>
+          </a:xfrm>
+          <a:prstGeom prst="rect">
+            <a:avLst/>
+          </a:prstGeom>
+          <a:noFill/>
+        </p:spPr>
+        <p:txBody>
+          <a:bodyPr wrap="none" rtlCol="0">
+            <a:spAutoFit/>
+          </a:bodyPr>
+          <a:lstStyle/>
+          <a:p>
+            <a:pPr algn="ctr"/>
+            <a:r>
+              <a:rPr lang="en-GB" dirty="0"/>
+              <a:t>Code</a:t>
+            </a:r>
+          </a:p>
+          <a:p>
+            <a:pPr algn="ctr"/>
+            <a:r>
+              <a:rPr lang="en-GB" dirty="0"/>
+              <a:t>mutation</a:t>
+            </a:r>
+          </a:p>
+          <a:p>
+            <a:pPr algn="ctr"/>
+            <a:r>
+              <a:rPr lang="en-GB" dirty="0"/>
+              <a:t>quantity</a:t>
+            </a:r>
+            <a:endParaRPr lang="en-GB" dirty="0"/>
+          </a:p>
+        </p:txBody>
+      </p:sp>
+      <p:sp>
+        <p:nvSpPr>
+          <p:cNvPr id="14" name="TextBox 13"/>
+          <p:cNvSpPr txBox="1"/>
+          <p:nvPr/>
+        </p:nvSpPr>
+        <p:spPr>
+          <a:xfrm>
+            <a:off x="3107230" y="2114976"/>
+            <a:ext cx="333746" cy="369332"/>
+          </a:xfrm>
+          <a:prstGeom prst="rect">
+            <a:avLst/>
+          </a:prstGeom>
+          <a:noFill/>
+        </p:spPr>
+        <p:txBody>
+          <a:bodyPr wrap="none" rtlCol="0">
+            <a:spAutoFit/>
+          </a:bodyPr>
+          <a:lstStyle/>
+          <a:p>
+            <a:r>
+              <a:rPr lang="en-GB" dirty="0"/>
+              <a:t>N</a:t>
+            </a:r>
+          </a:p>
+        </p:txBody>
+      </p:sp>
+      <p:sp>
+        <p:nvSpPr>
+          <p:cNvPr id="15" name="TextBox 14"/>
+          <p:cNvSpPr txBox="1"/>
+          <p:nvPr/>
+        </p:nvSpPr>
+        <p:spPr>
+          <a:xfrm>
+            <a:off x="5553199" y="2134934"/>
+            <a:ext cx="1301959" cy="369332"/>
+          </a:xfrm>
+          <a:prstGeom prst="rect">
+            <a:avLst/>
+          </a:prstGeom>
+          <a:noFill/>
+        </p:spPr>
+        <p:txBody>
+          <a:bodyPr wrap="none" rtlCol="0">
+            <a:spAutoFit/>
+          </a:bodyPr>
+          <a:lstStyle/>
+          <a:p>
+            <a:r>
+              <a:rPr lang="en-GB" dirty="0"/>
+              <a:t>&gt; N*(N-1)/2</a:t>
+            </a:r>
+          </a:p>
+        </p:txBody>
+      </p:sp>
+      <p:sp>
+        <p:nvSpPr>
+          <p:cNvPr id="16" name="TextBox 15"/>
+          <p:cNvSpPr txBox="1"/>
+          <p:nvPr/>
+        </p:nvSpPr>
+        <p:spPr>
+          <a:xfrm>
+            <a:off x="9609553" y="2114976"/>
+            <a:ext cx="734496" cy="369332"/>
+          </a:xfrm>
+          <a:prstGeom prst="rect">
+            <a:avLst/>
+          </a:prstGeom>
+          <a:noFill/>
+        </p:spPr>
+        <p:txBody>
+          <a:bodyPr wrap="none" rtlCol="0">
+            <a:spAutoFit/>
+          </a:bodyPr>
+          <a:lstStyle/>
+          <a:p>
+            <a:r>
+              <a:rPr lang="en-GB" dirty="0"/>
+              <a:t>&gt; 2^N</a:t>
+            </a:r>
+          </a:p>
+        </p:txBody>
+      </p:sp>
+      <p:sp>
+        <p:nvSpPr>
+          <p:cNvPr id="17" name="TextBox 16"/>
+          <p:cNvSpPr txBox="1"/>
+          <p:nvPr/>
+        </p:nvSpPr>
+        <p:spPr>
+          <a:xfrm>
+            <a:off x="655863" y="3310622"/>
+            <a:ext cx="969624" cy="923330"/>
+          </a:xfrm>
+          <a:prstGeom prst="rect">
+            <a:avLst/>
+          </a:prstGeom>
+          <a:noFill/>
+        </p:spPr>
+        <p:txBody>
+          <a:bodyPr wrap="none" rtlCol="0">
+            <a:spAutoFit/>
+          </a:bodyPr>
+          <a:lstStyle/>
+          <a:p>
+            <a:pPr algn="ctr"/>
+            <a:r>
+              <a:rPr lang="en-GB" dirty="0"/>
+              <a:t>Test</a:t>
+            </a:r>
+            <a:br>
+              <a:rPr lang="en-GB" dirty="0"/>
+            </a:br>
+            <a:r>
+              <a:rPr lang="en-GB" dirty="0"/>
+              <a:t>quantity</a:t>
+            </a:r>
+          </a:p>
+          <a:p>
+            <a:pPr algn="ctr"/>
+            <a:r>
+              <a:rPr lang="en-GB" dirty="0"/>
+              <a:t>increase</a:t>
+            </a:r>
+            <a:endParaRPr lang="en-GB" dirty="0"/>
+          </a:p>
+        </p:txBody>
+      </p:sp>
+      <p:sp>
+        <p:nvSpPr>
+          <p:cNvPr id="18" name="TextBox 17"/>
+          <p:cNvSpPr txBox="1"/>
+          <p:nvPr/>
+        </p:nvSpPr>
+        <p:spPr>
+          <a:xfrm>
+            <a:off x="619249" y="4516318"/>
+            <a:ext cx="965521" cy="1200329"/>
+          </a:xfrm>
+          <a:prstGeom prst="rect">
+            <a:avLst/>
+          </a:prstGeom>
+          <a:noFill/>
+        </p:spPr>
+        <p:txBody>
+          <a:bodyPr wrap="none" rtlCol="0">
+            <a:spAutoFit/>
+          </a:bodyPr>
+          <a:lstStyle/>
+          <a:p>
+            <a:pPr algn="ctr"/>
+            <a:r>
+              <a:rPr lang="en-GB" dirty="0"/>
+              <a:t>Test</a:t>
+            </a:r>
+            <a:br>
+              <a:rPr lang="en-GB" dirty="0"/>
+            </a:br>
+            <a:r>
+              <a:rPr lang="en-GB" dirty="0"/>
+              <a:t>lines</a:t>
+            </a:r>
+          </a:p>
+          <a:p>
+            <a:pPr algn="ctr"/>
+            <a:r>
+              <a:rPr lang="en-GB" dirty="0"/>
+              <a:t>quantity</a:t>
+            </a:r>
+          </a:p>
+          <a:p>
+            <a:pPr algn="ctr"/>
+            <a:r>
+              <a:rPr lang="en-GB" dirty="0"/>
+              <a:t>increase</a:t>
+            </a:r>
+            <a:endParaRPr lang="en-GB" dirty="0"/>
+          </a:p>
+        </p:txBody>
+      </p:sp>
+      <p:sp>
+        <p:nvSpPr>
+          <p:cNvPr id="19" name="TextBox 18"/>
+          <p:cNvSpPr txBox="1"/>
+          <p:nvPr/>
+        </p:nvSpPr>
+        <p:spPr>
+          <a:xfrm>
+            <a:off x="3073567" y="3587621"/>
+            <a:ext cx="401072" cy="369332"/>
+          </a:xfrm>
+          <a:prstGeom prst="rect">
+            <a:avLst/>
+          </a:prstGeom>
+          <a:noFill/>
+        </p:spPr>
+        <p:txBody>
+          <a:bodyPr wrap="none" rtlCol="0">
+            <a:spAutoFit/>
+          </a:bodyPr>
+          <a:lstStyle/>
+          <a:p>
+            <a:r>
+              <a:rPr lang="en-GB" dirty="0"/>
+              <a:t>x2</a:t>
+            </a:r>
+          </a:p>
+        </p:txBody>
+      </p:sp>
+      <p:sp>
+        <p:nvSpPr>
+          <p:cNvPr id="20" name="TextBox 19"/>
+          <p:cNvSpPr txBox="1"/>
+          <p:nvPr/>
+        </p:nvSpPr>
+        <p:spPr>
+          <a:xfrm>
+            <a:off x="3107230" y="4875600"/>
+            <a:ext cx="401072" cy="369332"/>
+          </a:xfrm>
+          <a:prstGeom prst="rect">
+            <a:avLst/>
+          </a:prstGeom>
+          <a:noFill/>
+        </p:spPr>
+        <p:txBody>
+          <a:bodyPr wrap="none" rtlCol="0">
+            <a:spAutoFit/>
+          </a:bodyPr>
+          <a:lstStyle/>
+          <a:p>
+            <a:r>
+              <a:rPr lang="en-GB" dirty="0"/>
+              <a:t>x4</a:t>
+            </a:r>
+          </a:p>
+        </p:txBody>
+      </p:sp>
+      <p:sp>
+        <p:nvSpPr>
+          <p:cNvPr id="21" name="TextBox 20"/>
+          <p:cNvSpPr txBox="1"/>
+          <p:nvPr/>
+        </p:nvSpPr>
+        <p:spPr>
+          <a:xfrm>
+            <a:off x="6003643" y="3587621"/>
+            <a:ext cx="641522" cy="369332"/>
+          </a:xfrm>
+          <a:prstGeom prst="rect">
+            <a:avLst/>
+          </a:prstGeom>
+          <a:noFill/>
+        </p:spPr>
+        <p:txBody>
+          <a:bodyPr wrap="none" rtlCol="0">
+            <a:spAutoFit/>
+          </a:bodyPr>
+          <a:lstStyle/>
+          <a:p>
+            <a:r>
+              <a:rPr lang="en-GB" dirty="0"/>
+              <a:t>1..2?</a:t>
+            </a:r>
+          </a:p>
+        </p:txBody>
+      </p:sp>
+      <p:sp>
+        <p:nvSpPr>
+          <p:cNvPr id="22" name="TextBox 21"/>
+          <p:cNvSpPr txBox="1"/>
+          <p:nvPr/>
+        </p:nvSpPr>
+        <p:spPr>
+          <a:xfrm>
+            <a:off x="6045664" y="4875012"/>
+            <a:ext cx="292068" cy="369332"/>
+          </a:xfrm>
+          <a:prstGeom prst="rect">
+            <a:avLst/>
+          </a:prstGeom>
+          <a:noFill/>
+        </p:spPr>
+        <p:txBody>
+          <a:bodyPr wrap="none" rtlCol="0">
+            <a:spAutoFit/>
+          </a:bodyPr>
+          <a:lstStyle/>
+          <a:p>
+            <a:r>
+              <a:rPr lang="en-GB" dirty="0"/>
+              <a:t>?</a:t>
+            </a:r>
+          </a:p>
+        </p:txBody>
+      </p:sp>
+      <p:sp>
+        <p:nvSpPr>
+          <p:cNvPr id="23" name="TextBox 22"/>
+          <p:cNvSpPr txBox="1"/>
+          <p:nvPr/>
+        </p:nvSpPr>
+        <p:spPr>
+          <a:xfrm>
+            <a:off x="9848159" y="3587621"/>
+            <a:ext cx="301686" cy="369332"/>
+          </a:xfrm>
+          <a:prstGeom prst="rect">
+            <a:avLst/>
+          </a:prstGeom>
+          <a:noFill/>
+        </p:spPr>
+        <p:txBody>
+          <a:bodyPr wrap="none" rtlCol="0">
+            <a:spAutoFit/>
+          </a:bodyPr>
+          <a:lstStyle/>
+          <a:p>
+            <a:r>
+              <a:rPr lang="en-GB" dirty="0"/>
+              <a:t>0</a:t>
+            </a:r>
+          </a:p>
+        </p:txBody>
+      </p:sp>
+      <p:sp>
+        <p:nvSpPr>
+          <p:cNvPr id="24" name="TextBox 23"/>
+          <p:cNvSpPr txBox="1"/>
+          <p:nvPr/>
+        </p:nvSpPr>
+        <p:spPr>
+          <a:xfrm>
+            <a:off x="7963371" y="4875012"/>
+            <a:ext cx="343364" cy="369332"/>
+          </a:xfrm>
+          <a:prstGeom prst="rect">
+            <a:avLst/>
+          </a:prstGeom>
+          <a:noFill/>
+        </p:spPr>
+        <p:txBody>
+          <a:bodyPr wrap="none" rtlCol="0">
+            <a:spAutoFit/>
+          </a:bodyPr>
+          <a:lstStyle/>
+          <a:p>
+            <a:r>
+              <a:rPr lang="en-GB" dirty="0"/>
+              <a:t>…</a:t>
+            </a:r>
+          </a:p>
+        </p:txBody>
+      </p:sp>
+      <p:sp>
+        <p:nvSpPr>
+          <p:cNvPr id="25" name="TextBox 24"/>
+          <p:cNvSpPr txBox="1"/>
+          <p:nvPr/>
+        </p:nvSpPr>
+        <p:spPr>
+          <a:xfrm>
+            <a:off x="7951714" y="2114976"/>
+            <a:ext cx="343364" cy="369332"/>
+          </a:xfrm>
+          <a:prstGeom prst="rect">
+            <a:avLst/>
+          </a:prstGeom>
+          <a:noFill/>
+        </p:spPr>
+        <p:txBody>
+          <a:bodyPr wrap="none" rtlCol="0">
+            <a:spAutoFit/>
+          </a:bodyPr>
+          <a:lstStyle/>
+          <a:p>
+            <a:r>
+              <a:rPr lang="en-GB" dirty="0"/>
+              <a:t>…</a:t>
+            </a:r>
+          </a:p>
+        </p:txBody>
+      </p:sp>
+      <p:sp>
+        <p:nvSpPr>
+          <p:cNvPr id="26" name="TextBox 25"/>
+          <p:cNvSpPr txBox="1"/>
+          <p:nvPr/>
+        </p:nvSpPr>
+        <p:spPr>
+          <a:xfrm>
+            <a:off x="9873384" y="4875012"/>
+            <a:ext cx="301686" cy="369332"/>
+          </a:xfrm>
+          <a:prstGeom prst="rect">
+            <a:avLst/>
+          </a:prstGeom>
+          <a:noFill/>
+        </p:spPr>
+        <p:txBody>
+          <a:bodyPr wrap="none" rtlCol="0">
+            <a:spAutoFit/>
+          </a:bodyPr>
+          <a:lstStyle/>
+          <a:p>
+            <a:r>
+              <a:rPr lang="en-GB" dirty="0"/>
+              <a:t>0</a:t>
+            </a:r>
+          </a:p>
+        </p:txBody>
+      </p:sp>
+    </p:spTree>
+    <p:extLst>
+      <p:ext uri="{BB962C8B-B14F-4D97-AF65-F5344CB8AC3E}">
+        <p14:creationId xmlns:p14="http://schemas.microsoft.com/office/powerpoint/2010/main" val="871478372"/>
+      </p:ext>
+    </p:extLst>
+  </p:cSld>
+  <p:clrMapOvr>
+    <a:masterClrMapping/>
+  </p:clrMapOvr>
+</p:sld>
+</file>
+
+<file path=ppt/slides/slide22.xml><?xml version="1.0" encoding="utf-8"?>
+<p:sld xmlns:a="http://schemas.openxmlformats.org/drawingml/2006/main" xmlns:r="http://schemas.openxmlformats.org/officeDocument/2006/relationships" xmlns:p="http://schemas.openxmlformats.org/presentationml/2006/main">
+  <p:cSld>
+    <p:spTree>
+      <p:nvGrpSpPr>
+        <p:cNvPr id="1" name=""/>
+        <p:cNvGrpSpPr/>
+        <p:nvPr/>
+      </p:nvGrpSpPr>
+      <p:grpSpPr>
+        <a:xfrm>
+          <a:off x="0" y="0"/>
+          <a:ext cx="0" cy="0"/>
+          <a:chOff x="0" y="0"/>
+          <a:chExt cx="0" cy="0"/>
+        </a:xfrm>
+      </p:grpSpPr>
+      <p:sp>
+        <p:nvSpPr>
+          <p:cNvPr id="2" name="Текст 1"/>
+          <p:cNvSpPr>
+            <a:spLocks noGrp="1"/>
+          </p:cNvSpPr>
+          <p:nvPr>
+            <p:ph type="body" sz="quarter" idx="33"/>
+          </p:nvPr>
+        </p:nvSpPr>
+        <p:spPr/>
+        <p:txBody>
+          <a:bodyPr/>
+          <a:lstStyle/>
+          <a:p>
+            <a:r>
+              <a:rPr lang="en-GB" dirty="0"/>
+              <a:t>Whole level mutation testing complexity</a:t>
+            </a:r>
+          </a:p>
+          <a:p>
+            <a:endParaRPr lang="en-GB" dirty="0"/>
+          </a:p>
+          <a:p>
+            <a:endParaRPr lang="en-GB" dirty="0"/>
+          </a:p>
+          <a:p>
+            <a:endParaRPr lang="en-GB" dirty="0"/>
+          </a:p>
+          <a:p>
+            <a:endParaRPr lang="en-GB" dirty="0"/>
+          </a:p>
+          <a:p>
+            <a:endParaRPr lang="ru-RU" dirty="0"/>
+          </a:p>
+        </p:txBody>
+      </p:sp>
+    </p:spTree>
+    <p:extLst>
+      <p:ext uri="{BB962C8B-B14F-4D97-AF65-F5344CB8AC3E}">
+        <p14:creationId xmlns:p14="http://schemas.microsoft.com/office/powerpoint/2010/main" val="1354816254"/>
+      </p:ext>
+    </p:extLst>
+  </p:cSld>
+  <p:clrMapOvr>
+    <a:masterClrMapping/>
+  </p:clrMapOvr>
+</p:sld>
+</file>
+
+<file path=ppt/slides/slide23.xml><?xml version="1.0" encoding="utf-8"?>
+<p:sld xmlns:a="http://schemas.openxmlformats.org/drawingml/2006/main" xmlns:r="http://schemas.openxmlformats.org/officeDocument/2006/relationships" xmlns:p="http://schemas.openxmlformats.org/presentationml/2006/main">
+  <p:cSld>
+    <p:spTree>
+      <p:nvGrpSpPr>
+        <p:cNvPr id="1" name=""/>
+        <p:cNvGrpSpPr/>
+        <p:nvPr/>
+      </p:nvGrpSpPr>
+      <p:grpSpPr>
+        <a:xfrm>
+          <a:off x="0" y="0"/>
+          <a:ext cx="0" cy="0"/>
+          <a:chOff x="0" y="0"/>
+          <a:chExt cx="0" cy="0"/>
+        </a:xfrm>
+      </p:grpSpPr>
+      <p:sp>
+        <p:nvSpPr>
+          <p:cNvPr id="2" name="Текст 1"/>
+          <p:cNvSpPr>
+            <a:spLocks noGrp="1"/>
+          </p:cNvSpPr>
+          <p:nvPr>
+            <p:ph type="body" sz="quarter" idx="33"/>
+          </p:nvPr>
+        </p:nvSpPr>
+        <p:spPr/>
+        <p:txBody>
+          <a:bodyPr/>
+          <a:lstStyle/>
+          <a:p>
+            <a:r>
+              <a:rPr lang="en-GB" dirty="0"/>
               <a:t>Whole level mutation tests can generate code?</a:t>
             </a:r>
           </a:p>
@@ -20912,7 +21875,7 @@
 </p:sld>
 </file>
 
-<file path=ppt/slides/slide21.xml><?xml version="1.0" encoding="utf-8"?>
+<file path=ppt/slides/slide24.xml><?xml version="1.0" encoding="utf-8"?>
 <p:sld xmlns:a="http://schemas.openxmlformats.org/drawingml/2006/main" xmlns:r="http://schemas.openxmlformats.org/officeDocument/2006/relationships" xmlns:p="http://schemas.openxmlformats.org/presentationml/2006/main">
   <p:cSld>
     <p:spTree>

--- a/Mutation [Autosaved].pptx
+++ b/Mutation [Autosaved].pptx
@@ -5,10 +5,10 @@
     <p:sldMasterId id="2147483660" r:id="rId2"/>
   </p:sldMasterIdLst>
   <p:notesMasterIdLst>
-    <p:notesMasterId r:id="rId27"/>
+    <p:notesMasterId r:id="rId26"/>
   </p:notesMasterIdLst>
   <p:handoutMasterIdLst>
-    <p:handoutMasterId r:id="rId28"/>
+    <p:handoutMasterId r:id="rId27"/>
   </p:handoutMasterIdLst>
   <p:sldIdLst>
     <p:sldId id="257" r:id="rId3"/>
@@ -32,9 +32,8 @@
     <p:sldId id="279" r:id="rId21"/>
     <p:sldId id="264" r:id="rId22"/>
     <p:sldId id="265" r:id="rId23"/>
-    <p:sldId id="266" r:id="rId24"/>
-    <p:sldId id="268" r:id="rId25"/>
-    <p:sldId id="269" r:id="rId26"/>
+    <p:sldId id="268" r:id="rId24"/>
+    <p:sldId id="283" r:id="rId25"/>
   </p:sldIdLst>
   <p:sldSz cx="12192000" cy="6858000"/>
   <p:notesSz cx="6858000" cy="9144000"/>
@@ -1876,7 +1875,7 @@
     </p:spTree>
     <p:extLst>
       <p:ext uri="{BB962C8B-B14F-4D97-AF65-F5344CB8AC3E}">
-        <p14:creationId xmlns:p14="http://schemas.microsoft.com/office/powerpoint/2010/main" val="517064515"/>
+        <p14:creationId xmlns:p14="http://schemas.microsoft.com/office/powerpoint/2010/main" val="3951593836"/>
       </p:ext>
     </p:extLst>
   </p:cSld>
@@ -1963,94 +1962,7 @@
     </p:spTree>
     <p:extLst>
       <p:ext uri="{BB962C8B-B14F-4D97-AF65-F5344CB8AC3E}">
-        <p14:creationId xmlns:p14="http://schemas.microsoft.com/office/powerpoint/2010/main" val="3951593836"/>
-      </p:ext>
-    </p:extLst>
-  </p:cSld>
-  <p:clrMapOvr>
-    <a:masterClrMapping/>
-  </p:clrMapOvr>
-</p:notes>
-</file>
-
-<file path=ppt/notesSlides/notesSlide23.xml><?xml version="1.0" encoding="utf-8"?>
-<p:notes xmlns:a="http://schemas.openxmlformats.org/drawingml/2006/main" xmlns:r="http://schemas.openxmlformats.org/officeDocument/2006/relationships" xmlns:p="http://schemas.openxmlformats.org/presentationml/2006/main">
-  <p:cSld>
-    <p:spTree>
-      <p:nvGrpSpPr>
-        <p:cNvPr id="1" name=""/>
-        <p:cNvGrpSpPr/>
-        <p:nvPr/>
-      </p:nvGrpSpPr>
-      <p:grpSpPr>
-        <a:xfrm>
-          <a:off x="0" y="0"/>
-          <a:ext cx="0" cy="0"/>
-          <a:chOff x="0" y="0"/>
-          <a:chExt cx="0" cy="0"/>
-        </a:xfrm>
-      </p:grpSpPr>
-      <p:sp>
-        <p:nvSpPr>
-          <p:cNvPr id="2" name="Slide Image Placeholder 1"/>
-          <p:cNvSpPr>
-            <a:spLocks noGrp="1" noRot="1" noChangeAspect="1"/>
-          </p:cNvSpPr>
-          <p:nvPr>
-            <p:ph type="sldImg"/>
-          </p:nvPr>
-        </p:nvSpPr>
-        <p:spPr/>
-      </p:sp>
-      <p:sp>
-        <p:nvSpPr>
-          <p:cNvPr id="3" name="Notes Placeholder 2"/>
-          <p:cNvSpPr>
-            <a:spLocks noGrp="1"/>
-          </p:cNvSpPr>
-          <p:nvPr>
-            <p:ph type="body" idx="1"/>
-          </p:nvPr>
-        </p:nvSpPr>
-        <p:spPr/>
-        <p:txBody>
-          <a:bodyPr/>
-          <a:lstStyle/>
-          <a:p>
-            <a:r>
-              <a:rPr lang="en-GB" sz="1200" dirty="0"/>
-              <a:t>What is WC (vs kendo)</a:t>
-            </a:r>
-          </a:p>
-        </p:txBody>
-      </p:sp>
-      <p:sp>
-        <p:nvSpPr>
-          <p:cNvPr id="4" name="Slide Number Placeholder 3"/>
-          <p:cNvSpPr>
-            <a:spLocks noGrp="1"/>
-          </p:cNvSpPr>
-          <p:nvPr>
-            <p:ph type="sldNum" sz="quarter" idx="10"/>
-          </p:nvPr>
-        </p:nvSpPr>
-        <p:spPr/>
-        <p:txBody>
-          <a:bodyPr/>
-          <a:lstStyle/>
-          <a:p>
-            <a:fld id="{9C003A2D-F27E-469C-ADB1-04668A9E28C3}" type="slidenum">
-              <a:rPr lang="ru-RU" smtClean="0"/>
-              <a:t>24</a:t>
-            </a:fld>
-            <a:endParaRPr lang="ru-RU"/>
-          </a:p>
-        </p:txBody>
-      </p:sp>
-    </p:spTree>
-    <p:extLst>
-      <p:ext uri="{BB962C8B-B14F-4D97-AF65-F5344CB8AC3E}">
-        <p14:creationId xmlns:p14="http://schemas.microsoft.com/office/powerpoint/2010/main" val="3067706269"/>
+        <p14:creationId xmlns:p14="http://schemas.microsoft.com/office/powerpoint/2010/main" val="2775942785"/>
       </p:ext>
     </p:extLst>
   </p:cSld>
@@ -21772,7 +21684,7 @@
           <a:p>
             <a:r>
               <a:rPr lang="en-GB" dirty="0"/>
-              <a:t>Whole level mutation testing complexity</a:t>
+              <a:t>Whole level mutation tests can generate code?</a:t>
             </a:r>
           </a:p>
           <a:p>
@@ -21788,14 +21700,321 @@
             <a:endParaRPr lang="en-GB" dirty="0"/>
           </a:p>
           <a:p>
+            <a:endParaRPr lang="en-GB" dirty="0"/>
+          </a:p>
+          <a:p>
             <a:endParaRPr lang="ru-RU" dirty="0"/>
           </a:p>
         </p:txBody>
       </p:sp>
+      <p:pic>
+        <p:nvPicPr>
+          <p:cNvPr id="3" name="Picture 2"/>
+          <p:cNvPicPr>
+            <a:picLocks noChangeAspect="1"/>
+          </p:cNvPicPr>
+          <p:nvPr/>
+        </p:nvPicPr>
+        <p:blipFill>
+          <a:blip r:embed="rId3"/>
+          <a:stretch>
+            <a:fillRect/>
+          </a:stretch>
+        </p:blipFill>
+        <p:spPr>
+          <a:xfrm>
+            <a:off x="738191" y="2163407"/>
+            <a:ext cx="3010420" cy="345458"/>
+          </a:xfrm>
+          <a:prstGeom prst="rect">
+            <a:avLst/>
+          </a:prstGeom>
+        </p:spPr>
+      </p:pic>
+      <p:pic>
+        <p:nvPicPr>
+          <p:cNvPr id="4" name="Picture 3"/>
+          <p:cNvPicPr>
+            <a:picLocks noChangeAspect="1"/>
+          </p:cNvPicPr>
+          <p:nvPr/>
+        </p:nvPicPr>
+        <p:blipFill>
+          <a:blip r:embed="rId4"/>
+          <a:stretch>
+            <a:fillRect/>
+          </a:stretch>
+        </p:blipFill>
+        <p:spPr>
+          <a:xfrm>
+            <a:off x="4506917" y="2146957"/>
+            <a:ext cx="3010419" cy="361908"/>
+          </a:xfrm>
+          <a:prstGeom prst="rect">
+            <a:avLst/>
+          </a:prstGeom>
+        </p:spPr>
+      </p:pic>
+      <p:pic>
+        <p:nvPicPr>
+          <p:cNvPr id="5" name="Picture 4"/>
+          <p:cNvPicPr>
+            <a:picLocks noChangeAspect="1"/>
+          </p:cNvPicPr>
+          <p:nvPr/>
+        </p:nvPicPr>
+        <p:blipFill>
+          <a:blip r:embed="rId5"/>
+          <a:stretch>
+            <a:fillRect/>
+          </a:stretch>
+        </p:blipFill>
+        <p:spPr>
+          <a:xfrm>
+            <a:off x="4506917" y="3027029"/>
+            <a:ext cx="3010420" cy="345458"/>
+          </a:xfrm>
+          <a:prstGeom prst="rect">
+            <a:avLst/>
+          </a:prstGeom>
+        </p:spPr>
+      </p:pic>
+      <p:pic>
+        <p:nvPicPr>
+          <p:cNvPr id="6" name="Picture 5"/>
+          <p:cNvPicPr>
+            <a:picLocks noChangeAspect="1"/>
+          </p:cNvPicPr>
+          <p:nvPr/>
+        </p:nvPicPr>
+        <p:blipFill>
+          <a:blip r:embed="rId6"/>
+          <a:stretch>
+            <a:fillRect/>
+          </a:stretch>
+        </p:blipFill>
+        <p:spPr>
+          <a:xfrm>
+            <a:off x="4506917" y="1266047"/>
+            <a:ext cx="3000896" cy="362746"/>
+          </a:xfrm>
+          <a:prstGeom prst="rect">
+            <a:avLst/>
+          </a:prstGeom>
+        </p:spPr>
+      </p:pic>
+      <p:pic>
+        <p:nvPicPr>
+          <p:cNvPr id="7" name="Picture 6"/>
+          <p:cNvPicPr>
+            <a:picLocks noChangeAspect="1"/>
+          </p:cNvPicPr>
+          <p:nvPr/>
+        </p:nvPicPr>
+        <p:blipFill>
+          <a:blip r:embed="rId7"/>
+          <a:stretch>
+            <a:fillRect/>
+          </a:stretch>
+        </p:blipFill>
+        <p:spPr>
+          <a:xfrm>
+            <a:off x="8275642" y="2130992"/>
+            <a:ext cx="3009900" cy="361950"/>
+          </a:xfrm>
+          <a:prstGeom prst="rect">
+            <a:avLst/>
+          </a:prstGeom>
+        </p:spPr>
+      </p:pic>
+      <p:sp>
+        <p:nvSpPr>
+          <p:cNvPr id="8" name="Arrow: Right 7"/>
+          <p:cNvSpPr/>
+          <p:nvPr/>
+        </p:nvSpPr>
+        <p:spPr>
+          <a:xfrm>
+            <a:off x="3960124" y="2224346"/>
+            <a:ext cx="335280" cy="148560"/>
+          </a:xfrm>
+          <a:prstGeom prst="rightArrow">
+            <a:avLst/>
+          </a:prstGeom>
+        </p:spPr>
+        <p:style>
+          <a:lnRef idx="2">
+            <a:schemeClr val="accent1">
+              <a:shade val="50000"/>
+            </a:schemeClr>
+          </a:lnRef>
+          <a:fillRef idx="1">
+            <a:schemeClr val="accent1"/>
+          </a:fillRef>
+          <a:effectRef idx="0">
+            <a:schemeClr val="accent1"/>
+          </a:effectRef>
+          <a:fontRef idx="minor">
+            <a:schemeClr val="lt1"/>
+          </a:fontRef>
+        </p:style>
+        <p:txBody>
+          <a:bodyPr rtlCol="0" anchor="ctr"/>
+          <a:lstStyle/>
+          <a:p>
+            <a:pPr algn="ctr"/>
+            <a:endParaRPr lang="en-GB"/>
+          </a:p>
+        </p:txBody>
+      </p:sp>
+      <p:sp>
+        <p:nvSpPr>
+          <p:cNvPr id="9" name="Arrow: Right 8"/>
+          <p:cNvSpPr/>
+          <p:nvPr/>
+        </p:nvSpPr>
+        <p:spPr>
+          <a:xfrm>
+            <a:off x="7728849" y="2237687"/>
+            <a:ext cx="335280" cy="148560"/>
+          </a:xfrm>
+          <a:prstGeom prst="rightArrow">
+            <a:avLst/>
+          </a:prstGeom>
+        </p:spPr>
+        <p:style>
+          <a:lnRef idx="2">
+            <a:schemeClr val="accent1">
+              <a:shade val="50000"/>
+            </a:schemeClr>
+          </a:lnRef>
+          <a:fillRef idx="1">
+            <a:schemeClr val="accent1"/>
+          </a:fillRef>
+          <a:effectRef idx="0">
+            <a:schemeClr val="accent1"/>
+          </a:effectRef>
+          <a:fontRef idx="minor">
+            <a:schemeClr val="lt1"/>
+          </a:fontRef>
+        </p:style>
+        <p:txBody>
+          <a:bodyPr rtlCol="0" anchor="ctr"/>
+          <a:lstStyle/>
+          <a:p>
+            <a:pPr algn="ctr"/>
+            <a:endParaRPr lang="en-GB"/>
+          </a:p>
+        </p:txBody>
+      </p:sp>
+      <p:sp>
+        <p:nvSpPr>
+          <p:cNvPr id="10" name="Arrow: Right 9"/>
+          <p:cNvSpPr/>
+          <p:nvPr/>
+        </p:nvSpPr>
+        <p:spPr>
+          <a:xfrm rot="18900000">
+            <a:off x="3956700" y="1696025"/>
+            <a:ext cx="335280" cy="148560"/>
+          </a:xfrm>
+          <a:prstGeom prst="rightArrow">
+            <a:avLst/>
+          </a:prstGeom>
+        </p:spPr>
+        <p:style>
+          <a:lnRef idx="2">
+            <a:schemeClr val="accent1">
+              <a:shade val="50000"/>
+            </a:schemeClr>
+          </a:lnRef>
+          <a:fillRef idx="1">
+            <a:schemeClr val="accent1"/>
+          </a:fillRef>
+          <a:effectRef idx="0">
+            <a:schemeClr val="accent1"/>
+          </a:effectRef>
+          <a:fontRef idx="minor">
+            <a:schemeClr val="lt1"/>
+          </a:fontRef>
+        </p:style>
+        <p:txBody>
+          <a:bodyPr rtlCol="0" anchor="ctr"/>
+          <a:lstStyle/>
+          <a:p>
+            <a:pPr algn="ctr"/>
+            <a:endParaRPr lang="en-GB"/>
+          </a:p>
+        </p:txBody>
+      </p:sp>
+      <p:sp>
+        <p:nvSpPr>
+          <p:cNvPr id="11" name="Arrow: Right 10"/>
+          <p:cNvSpPr/>
+          <p:nvPr/>
+        </p:nvSpPr>
+        <p:spPr>
+          <a:xfrm rot="1800000">
+            <a:off x="3945444" y="2744297"/>
+            <a:ext cx="335280" cy="148560"/>
+          </a:xfrm>
+          <a:prstGeom prst="rightArrow">
+            <a:avLst/>
+          </a:prstGeom>
+        </p:spPr>
+        <p:style>
+          <a:lnRef idx="2">
+            <a:schemeClr val="accent1">
+              <a:shade val="50000"/>
+            </a:schemeClr>
+          </a:lnRef>
+          <a:fillRef idx="1">
+            <a:schemeClr val="accent1"/>
+          </a:fillRef>
+          <a:effectRef idx="0">
+            <a:schemeClr val="accent1"/>
+          </a:effectRef>
+          <a:fontRef idx="minor">
+            <a:schemeClr val="lt1"/>
+          </a:fontRef>
+        </p:style>
+        <p:txBody>
+          <a:bodyPr rtlCol="0" anchor="ctr"/>
+          <a:lstStyle/>
+          <a:p>
+            <a:pPr algn="ctr"/>
+            <a:endParaRPr lang="en-GB"/>
+          </a:p>
+        </p:txBody>
+      </p:sp>
+      <p:pic>
+        <p:nvPicPr>
+          <p:cNvPr id="12" name="Picture 11"/>
+          <p:cNvPicPr>
+            <a:picLocks noChangeAspect="1"/>
+          </p:cNvPicPr>
+          <p:nvPr/>
+        </p:nvPicPr>
+        <p:blipFill>
+          <a:blip r:embed="rId8"/>
+          <a:stretch>
+            <a:fillRect/>
+          </a:stretch>
+        </p:blipFill>
+        <p:spPr>
+          <a:xfrm>
+            <a:off x="3396538" y="3918104"/>
+            <a:ext cx="5221653" cy="957303"/>
+          </a:xfrm>
+          <a:prstGeom prst="rect">
+            <a:avLst/>
+          </a:prstGeom>
+        </p:spPr>
+      </p:pic>
     </p:spTree>
     <p:extLst>
       <p:ext uri="{BB962C8B-B14F-4D97-AF65-F5344CB8AC3E}">
-        <p14:creationId xmlns:p14="http://schemas.microsoft.com/office/powerpoint/2010/main" val="1354816254"/>
+        <p14:creationId xmlns:p14="http://schemas.microsoft.com/office/powerpoint/2010/main" val="1854456634"/>
       </p:ext>
     </p:extLst>
   </p:cSld>
@@ -21862,88 +22081,338 @@
           </a:p>
         </p:txBody>
       </p:sp>
+      <p:pic>
+        <p:nvPicPr>
+          <p:cNvPr id="3" name="Picture 2"/>
+          <p:cNvPicPr>
+            <a:picLocks noChangeAspect="1"/>
+          </p:cNvPicPr>
+          <p:nvPr/>
+        </p:nvPicPr>
+        <p:blipFill>
+          <a:blip r:embed="rId3"/>
+          <a:stretch>
+            <a:fillRect/>
+          </a:stretch>
+        </p:blipFill>
+        <p:spPr>
+          <a:xfrm>
+            <a:off x="738191" y="2163407"/>
+            <a:ext cx="3010420" cy="345458"/>
+          </a:xfrm>
+          <a:prstGeom prst="rect">
+            <a:avLst/>
+          </a:prstGeom>
+        </p:spPr>
+      </p:pic>
+      <p:pic>
+        <p:nvPicPr>
+          <p:cNvPr id="4" name="Picture 3"/>
+          <p:cNvPicPr>
+            <a:picLocks noChangeAspect="1"/>
+          </p:cNvPicPr>
+          <p:nvPr/>
+        </p:nvPicPr>
+        <p:blipFill>
+          <a:blip r:embed="rId4"/>
+          <a:stretch>
+            <a:fillRect/>
+          </a:stretch>
+        </p:blipFill>
+        <p:spPr>
+          <a:xfrm>
+            <a:off x="4506917" y="2146957"/>
+            <a:ext cx="3010419" cy="361908"/>
+          </a:xfrm>
+          <a:prstGeom prst="rect">
+            <a:avLst/>
+          </a:prstGeom>
+        </p:spPr>
+      </p:pic>
+      <p:pic>
+        <p:nvPicPr>
+          <p:cNvPr id="5" name="Picture 4"/>
+          <p:cNvPicPr>
+            <a:picLocks noChangeAspect="1"/>
+          </p:cNvPicPr>
+          <p:nvPr/>
+        </p:nvPicPr>
+        <p:blipFill>
+          <a:blip r:embed="rId5"/>
+          <a:stretch>
+            <a:fillRect/>
+          </a:stretch>
+        </p:blipFill>
+        <p:spPr>
+          <a:xfrm>
+            <a:off x="4506917" y="3027029"/>
+            <a:ext cx="3010420" cy="345458"/>
+          </a:xfrm>
+          <a:prstGeom prst="rect">
+            <a:avLst/>
+          </a:prstGeom>
+        </p:spPr>
+      </p:pic>
+      <p:pic>
+        <p:nvPicPr>
+          <p:cNvPr id="6" name="Picture 5"/>
+          <p:cNvPicPr>
+            <a:picLocks noChangeAspect="1"/>
+          </p:cNvPicPr>
+          <p:nvPr/>
+        </p:nvPicPr>
+        <p:blipFill>
+          <a:blip r:embed="rId6"/>
+          <a:stretch>
+            <a:fillRect/>
+          </a:stretch>
+        </p:blipFill>
+        <p:spPr>
+          <a:xfrm>
+            <a:off x="4506917" y="1266047"/>
+            <a:ext cx="3000896" cy="362746"/>
+          </a:xfrm>
+          <a:prstGeom prst="rect">
+            <a:avLst/>
+          </a:prstGeom>
+        </p:spPr>
+      </p:pic>
+      <p:pic>
+        <p:nvPicPr>
+          <p:cNvPr id="7" name="Picture 6"/>
+          <p:cNvPicPr>
+            <a:picLocks noChangeAspect="1"/>
+          </p:cNvPicPr>
+          <p:nvPr/>
+        </p:nvPicPr>
+        <p:blipFill>
+          <a:blip r:embed="rId7"/>
+          <a:stretch>
+            <a:fillRect/>
+          </a:stretch>
+        </p:blipFill>
+        <p:spPr>
+          <a:xfrm>
+            <a:off x="8275642" y="2130992"/>
+            <a:ext cx="3009900" cy="361950"/>
+          </a:xfrm>
+          <a:prstGeom prst="rect">
+            <a:avLst/>
+          </a:prstGeom>
+        </p:spPr>
+      </p:pic>
+      <p:sp>
+        <p:nvSpPr>
+          <p:cNvPr id="8" name="Arrow: Right 7"/>
+          <p:cNvSpPr/>
+          <p:nvPr/>
+        </p:nvSpPr>
+        <p:spPr>
+          <a:xfrm>
+            <a:off x="3960124" y="2224346"/>
+            <a:ext cx="335280" cy="148560"/>
+          </a:xfrm>
+          <a:prstGeom prst="rightArrow">
+            <a:avLst/>
+          </a:prstGeom>
+        </p:spPr>
+        <p:style>
+          <a:lnRef idx="2">
+            <a:schemeClr val="accent1">
+              <a:shade val="50000"/>
+            </a:schemeClr>
+          </a:lnRef>
+          <a:fillRef idx="1">
+            <a:schemeClr val="accent1"/>
+          </a:fillRef>
+          <a:effectRef idx="0">
+            <a:schemeClr val="accent1"/>
+          </a:effectRef>
+          <a:fontRef idx="minor">
+            <a:schemeClr val="lt1"/>
+          </a:fontRef>
+        </p:style>
+        <p:txBody>
+          <a:bodyPr rtlCol="0" anchor="ctr"/>
+          <a:lstStyle/>
+          <a:p>
+            <a:pPr algn="ctr"/>
+            <a:endParaRPr lang="en-GB"/>
+          </a:p>
+        </p:txBody>
+      </p:sp>
+      <p:sp>
+        <p:nvSpPr>
+          <p:cNvPr id="9" name="Arrow: Right 8"/>
+          <p:cNvSpPr/>
+          <p:nvPr/>
+        </p:nvSpPr>
+        <p:spPr>
+          <a:xfrm>
+            <a:off x="7728849" y="2237687"/>
+            <a:ext cx="335280" cy="148560"/>
+          </a:xfrm>
+          <a:prstGeom prst="rightArrow">
+            <a:avLst/>
+          </a:prstGeom>
+        </p:spPr>
+        <p:style>
+          <a:lnRef idx="2">
+            <a:schemeClr val="accent1">
+              <a:shade val="50000"/>
+            </a:schemeClr>
+          </a:lnRef>
+          <a:fillRef idx="1">
+            <a:schemeClr val="accent1"/>
+          </a:fillRef>
+          <a:effectRef idx="0">
+            <a:schemeClr val="accent1"/>
+          </a:effectRef>
+          <a:fontRef idx="minor">
+            <a:schemeClr val="lt1"/>
+          </a:fontRef>
+        </p:style>
+        <p:txBody>
+          <a:bodyPr rtlCol="0" anchor="ctr"/>
+          <a:lstStyle/>
+          <a:p>
+            <a:pPr algn="ctr"/>
+            <a:endParaRPr lang="en-GB"/>
+          </a:p>
+        </p:txBody>
+      </p:sp>
+      <p:sp>
+        <p:nvSpPr>
+          <p:cNvPr id="10" name="Arrow: Right 9"/>
+          <p:cNvSpPr/>
+          <p:nvPr/>
+        </p:nvSpPr>
+        <p:spPr>
+          <a:xfrm rot="18900000">
+            <a:off x="3956700" y="1696025"/>
+            <a:ext cx="335280" cy="148560"/>
+          </a:xfrm>
+          <a:prstGeom prst="rightArrow">
+            <a:avLst/>
+          </a:prstGeom>
+        </p:spPr>
+        <p:style>
+          <a:lnRef idx="2">
+            <a:schemeClr val="accent1">
+              <a:shade val="50000"/>
+            </a:schemeClr>
+          </a:lnRef>
+          <a:fillRef idx="1">
+            <a:schemeClr val="accent1"/>
+          </a:fillRef>
+          <a:effectRef idx="0">
+            <a:schemeClr val="accent1"/>
+          </a:effectRef>
+          <a:fontRef idx="minor">
+            <a:schemeClr val="lt1"/>
+          </a:fontRef>
+        </p:style>
+        <p:txBody>
+          <a:bodyPr rtlCol="0" anchor="ctr"/>
+          <a:lstStyle/>
+          <a:p>
+            <a:pPr algn="ctr"/>
+            <a:endParaRPr lang="en-GB"/>
+          </a:p>
+        </p:txBody>
+      </p:sp>
+      <p:sp>
+        <p:nvSpPr>
+          <p:cNvPr id="11" name="Arrow: Right 10"/>
+          <p:cNvSpPr/>
+          <p:nvPr/>
+        </p:nvSpPr>
+        <p:spPr>
+          <a:xfrm rot="1800000">
+            <a:off x="3945444" y="2744297"/>
+            <a:ext cx="335280" cy="148560"/>
+          </a:xfrm>
+          <a:prstGeom prst="rightArrow">
+            <a:avLst/>
+          </a:prstGeom>
+        </p:spPr>
+        <p:style>
+          <a:lnRef idx="2">
+            <a:schemeClr val="accent1">
+              <a:shade val="50000"/>
+            </a:schemeClr>
+          </a:lnRef>
+          <a:fillRef idx="1">
+            <a:schemeClr val="accent1"/>
+          </a:fillRef>
+          <a:effectRef idx="0">
+            <a:schemeClr val="accent1"/>
+          </a:effectRef>
+          <a:fontRef idx="minor">
+            <a:schemeClr val="lt1"/>
+          </a:fontRef>
+        </p:style>
+        <p:txBody>
+          <a:bodyPr rtlCol="0" anchor="ctr"/>
+          <a:lstStyle/>
+          <a:p>
+            <a:pPr algn="ctr"/>
+            <a:endParaRPr lang="en-GB"/>
+          </a:p>
+        </p:txBody>
+      </p:sp>
+      <p:pic>
+        <p:nvPicPr>
+          <p:cNvPr id="12" name="Picture 11"/>
+          <p:cNvPicPr>
+            <a:picLocks noChangeAspect="1"/>
+          </p:cNvPicPr>
+          <p:nvPr/>
+        </p:nvPicPr>
+        <p:blipFill>
+          <a:blip r:embed="rId8"/>
+          <a:stretch>
+            <a:fillRect/>
+          </a:stretch>
+        </p:blipFill>
+        <p:spPr>
+          <a:xfrm>
+            <a:off x="3396538" y="3918104"/>
+            <a:ext cx="5221653" cy="957303"/>
+          </a:xfrm>
+          <a:prstGeom prst="rect">
+            <a:avLst/>
+          </a:prstGeom>
+        </p:spPr>
+      </p:pic>
+      <p:pic>
+        <p:nvPicPr>
+          <p:cNvPr id="13" name="Picture 12"/>
+          <p:cNvPicPr>
+            <a:picLocks noChangeAspect="1"/>
+          </p:cNvPicPr>
+          <p:nvPr/>
+        </p:nvPicPr>
+        <p:blipFill>
+          <a:blip r:embed="rId9"/>
+          <a:stretch>
+            <a:fillRect/>
+          </a:stretch>
+        </p:blipFill>
+        <p:spPr>
+          <a:xfrm>
+            <a:off x="3907183" y="5242204"/>
+            <a:ext cx="4156946" cy="646636"/>
+          </a:xfrm>
+          <a:prstGeom prst="rect">
+            <a:avLst/>
+          </a:prstGeom>
+        </p:spPr>
+      </p:pic>
     </p:spTree>
     <p:extLst>
       <p:ext uri="{BB962C8B-B14F-4D97-AF65-F5344CB8AC3E}">
-        <p14:creationId xmlns:p14="http://schemas.microsoft.com/office/powerpoint/2010/main" val="1854456634"/>
-      </p:ext>
-    </p:extLst>
-  </p:cSld>
-  <p:clrMapOvr>
-    <a:masterClrMapping/>
-  </p:clrMapOvr>
-</p:sld>
-</file>
-
-<file path=ppt/slides/slide24.xml><?xml version="1.0" encoding="utf-8"?>
-<p:sld xmlns:a="http://schemas.openxmlformats.org/drawingml/2006/main" xmlns:r="http://schemas.openxmlformats.org/officeDocument/2006/relationships" xmlns:p="http://schemas.openxmlformats.org/presentationml/2006/main">
-  <p:cSld>
-    <p:spTree>
-      <p:nvGrpSpPr>
-        <p:cNvPr id="1" name=""/>
-        <p:cNvGrpSpPr/>
-        <p:nvPr/>
-      </p:nvGrpSpPr>
-      <p:grpSpPr>
-        <a:xfrm>
-          <a:off x="0" y="0"/>
-          <a:ext cx="0" cy="0"/>
-          <a:chOff x="0" y="0"/>
-          <a:chExt cx="0" cy="0"/>
-        </a:xfrm>
-      </p:grpSpPr>
-      <p:sp>
-        <p:nvSpPr>
-          <p:cNvPr id="2" name="Текст 1"/>
-          <p:cNvSpPr>
-            <a:spLocks noGrp="1"/>
-          </p:cNvSpPr>
-          <p:nvPr>
-            <p:ph type="body" sz="quarter" idx="33"/>
-          </p:nvPr>
-        </p:nvSpPr>
-        <p:spPr/>
-        <p:txBody>
-          <a:bodyPr/>
-          <a:lstStyle/>
-          <a:p>
-            <a:r>
-              <a:rPr lang="en-GB" dirty="0"/>
-              <a:t>Can </a:t>
-            </a:r>
-            <a:r>
-              <a:rPr lang="en-GB" dirty="0" err="1"/>
-              <a:t>gyper</a:t>
-            </a:r>
-            <a:r>
-              <a:rPr lang="en-GB" dirty="0"/>
-              <a:t>-mutation tests generate code?</a:t>
-            </a:r>
-          </a:p>
-          <a:p>
-            <a:endParaRPr lang="en-GB" dirty="0"/>
-          </a:p>
-          <a:p>
-            <a:endParaRPr lang="en-GB" dirty="0"/>
-          </a:p>
-          <a:p>
-            <a:endParaRPr lang="en-GB" dirty="0"/>
-          </a:p>
-          <a:p>
-            <a:endParaRPr lang="en-GB" dirty="0"/>
-          </a:p>
-          <a:p>
-            <a:endParaRPr lang="en-GB" dirty="0"/>
-          </a:p>
-          <a:p>
-            <a:endParaRPr lang="ru-RU" dirty="0"/>
-          </a:p>
-        </p:txBody>
-      </p:sp>
-    </p:spTree>
-    <p:extLst>
-      <p:ext uri="{BB962C8B-B14F-4D97-AF65-F5344CB8AC3E}">
-        <p14:creationId xmlns:p14="http://schemas.microsoft.com/office/powerpoint/2010/main" val="3069429971"/>
+        <p14:creationId xmlns:p14="http://schemas.microsoft.com/office/powerpoint/2010/main" val="3556928305"/>
       </p:ext>
     </p:extLst>
   </p:cSld>

--- a/Mutation [Autosaved].pptx
+++ b/Mutation [Autosaved].pptx
@@ -5,35 +5,34 @@
     <p:sldMasterId id="2147483660" r:id="rId2"/>
   </p:sldMasterIdLst>
   <p:notesMasterIdLst>
-    <p:notesMasterId r:id="rId26"/>
+    <p:notesMasterId r:id="rId25"/>
   </p:notesMasterIdLst>
   <p:handoutMasterIdLst>
-    <p:handoutMasterId r:id="rId27"/>
+    <p:handoutMasterId r:id="rId26"/>
   </p:handoutMasterIdLst>
   <p:sldIdLst>
     <p:sldId id="257" r:id="rId3"/>
     <p:sldId id="256" r:id="rId4"/>
     <p:sldId id="258" r:id="rId5"/>
-    <p:sldId id="271" r:id="rId6"/>
-    <p:sldId id="276" r:id="rId7"/>
-    <p:sldId id="277" r:id="rId8"/>
-    <p:sldId id="259" r:id="rId9"/>
-    <p:sldId id="278" r:id="rId10"/>
-    <p:sldId id="273" r:id="rId11"/>
-    <p:sldId id="274" r:id="rId12"/>
-    <p:sldId id="280" r:id="rId13"/>
-    <p:sldId id="260" r:id="rId14"/>
-    <p:sldId id="267" r:id="rId15"/>
-    <p:sldId id="281" r:id="rId16"/>
-    <p:sldId id="282" r:id="rId17"/>
-    <p:sldId id="263" r:id="rId18"/>
-    <p:sldId id="270" r:id="rId19"/>
-    <p:sldId id="262" r:id="rId20"/>
-    <p:sldId id="279" r:id="rId21"/>
-    <p:sldId id="264" r:id="rId22"/>
-    <p:sldId id="265" r:id="rId23"/>
-    <p:sldId id="268" r:id="rId24"/>
-    <p:sldId id="283" r:id="rId25"/>
+    <p:sldId id="276" r:id="rId6"/>
+    <p:sldId id="277" r:id="rId7"/>
+    <p:sldId id="259" r:id="rId8"/>
+    <p:sldId id="278" r:id="rId9"/>
+    <p:sldId id="273" r:id="rId10"/>
+    <p:sldId id="274" r:id="rId11"/>
+    <p:sldId id="280" r:id="rId12"/>
+    <p:sldId id="260" r:id="rId13"/>
+    <p:sldId id="267" r:id="rId14"/>
+    <p:sldId id="281" r:id="rId15"/>
+    <p:sldId id="282" r:id="rId16"/>
+    <p:sldId id="263" r:id="rId17"/>
+    <p:sldId id="270" r:id="rId18"/>
+    <p:sldId id="262" r:id="rId19"/>
+    <p:sldId id="279" r:id="rId20"/>
+    <p:sldId id="264" r:id="rId21"/>
+    <p:sldId id="265" r:id="rId22"/>
+    <p:sldId id="268" r:id="rId23"/>
+    <p:sldId id="283" r:id="rId24"/>
   </p:sldIdLst>
   <p:sldSz cx="12192000" cy="6858000"/>
   <p:notesSz cx="6858000" cy="9144000"/>
@@ -789,12 +788,9 @@
           <a:lstStyle/>
           <a:p>
             <a:r>
-              <a:rPr lang="en-GB" sz="1200" baseline="0" dirty="0"/>
-              <a:t>Let’s create all possible mutants – example</a:t>
-            </a:r>
-          </a:p>
-          <a:p>
-            <a:endParaRPr lang="en-GB" sz="1200" baseline="0" dirty="0"/>
+              <a:rPr lang="en-GB" sz="1200" dirty="0"/>
+              <a:t>What is WC (vs kendo)</a:t>
+            </a:r>
           </a:p>
         </p:txBody>
       </p:sp>
@@ -824,7 +820,7 @@
     </p:spTree>
     <p:extLst>
       <p:ext uri="{BB962C8B-B14F-4D97-AF65-F5344CB8AC3E}">
-        <p14:creationId xmlns:p14="http://schemas.microsoft.com/office/powerpoint/2010/main" val="195163959"/>
+        <p14:creationId xmlns:p14="http://schemas.microsoft.com/office/powerpoint/2010/main" val="348550125"/>
       </p:ext>
     </p:extLst>
   </p:cSld>
@@ -911,7 +907,7 @@
     </p:spTree>
     <p:extLst>
       <p:ext uri="{BB962C8B-B14F-4D97-AF65-F5344CB8AC3E}">
-        <p14:creationId xmlns:p14="http://schemas.microsoft.com/office/powerpoint/2010/main" val="348550125"/>
+        <p14:creationId xmlns:p14="http://schemas.microsoft.com/office/powerpoint/2010/main" val="628657221"/>
       </p:ext>
     </p:extLst>
   </p:cSld>
@@ -998,7 +994,7 @@
     </p:spTree>
     <p:extLst>
       <p:ext uri="{BB962C8B-B14F-4D97-AF65-F5344CB8AC3E}">
-        <p14:creationId xmlns:p14="http://schemas.microsoft.com/office/powerpoint/2010/main" val="628657221"/>
+        <p14:creationId xmlns:p14="http://schemas.microsoft.com/office/powerpoint/2010/main" val="2961851962"/>
       </p:ext>
     </p:extLst>
   </p:cSld>
@@ -1085,7 +1081,7 @@
     </p:spTree>
     <p:extLst>
       <p:ext uri="{BB962C8B-B14F-4D97-AF65-F5344CB8AC3E}">
-        <p14:creationId xmlns:p14="http://schemas.microsoft.com/office/powerpoint/2010/main" val="2961851962"/>
+        <p14:creationId xmlns:p14="http://schemas.microsoft.com/office/powerpoint/2010/main" val="1660098420"/>
       </p:ext>
     </p:extLst>
   </p:cSld>
@@ -1172,7 +1168,7 @@
     </p:spTree>
     <p:extLst>
       <p:ext uri="{BB962C8B-B14F-4D97-AF65-F5344CB8AC3E}">
-        <p14:creationId xmlns:p14="http://schemas.microsoft.com/office/powerpoint/2010/main" val="1660098420"/>
+        <p14:creationId xmlns:p14="http://schemas.microsoft.com/office/powerpoint/2010/main" val="3821467194"/>
       </p:ext>
     </p:extLst>
   </p:cSld>
@@ -1259,7 +1255,7 @@
     </p:spTree>
     <p:extLst>
       <p:ext uri="{BB962C8B-B14F-4D97-AF65-F5344CB8AC3E}">
-        <p14:creationId xmlns:p14="http://schemas.microsoft.com/office/powerpoint/2010/main" val="3821467194"/>
+        <p14:creationId xmlns:p14="http://schemas.microsoft.com/office/powerpoint/2010/main" val="463080334"/>
       </p:ext>
     </p:extLst>
   </p:cSld>
@@ -1346,7 +1342,7 @@
     </p:spTree>
     <p:extLst>
       <p:ext uri="{BB962C8B-B14F-4D97-AF65-F5344CB8AC3E}">
-        <p14:creationId xmlns:p14="http://schemas.microsoft.com/office/powerpoint/2010/main" val="463080334"/>
+        <p14:creationId xmlns:p14="http://schemas.microsoft.com/office/powerpoint/2010/main" val="670403274"/>
       </p:ext>
     </p:extLst>
   </p:cSld>
@@ -1433,7 +1429,7 @@
     </p:spTree>
     <p:extLst>
       <p:ext uri="{BB962C8B-B14F-4D97-AF65-F5344CB8AC3E}">
-        <p14:creationId xmlns:p14="http://schemas.microsoft.com/office/powerpoint/2010/main" val="670403274"/>
+        <p14:creationId xmlns:p14="http://schemas.microsoft.com/office/powerpoint/2010/main" val="3413063944"/>
       </p:ext>
     </p:extLst>
   </p:cSld>
@@ -1520,7 +1516,7 @@
     </p:spTree>
     <p:extLst>
       <p:ext uri="{BB962C8B-B14F-4D97-AF65-F5344CB8AC3E}">
-        <p14:creationId xmlns:p14="http://schemas.microsoft.com/office/powerpoint/2010/main" val="3413063944"/>
+        <p14:creationId xmlns:p14="http://schemas.microsoft.com/office/powerpoint/2010/main" val="891204119"/>
       </p:ext>
     </p:extLst>
   </p:cSld>
@@ -1607,7 +1603,7 @@
     </p:spTree>
     <p:extLst>
       <p:ext uri="{BB962C8B-B14F-4D97-AF65-F5344CB8AC3E}">
-        <p14:creationId xmlns:p14="http://schemas.microsoft.com/office/powerpoint/2010/main" val="891204119"/>
+        <p14:creationId xmlns:p14="http://schemas.microsoft.com/office/powerpoint/2010/main" val="661384710"/>
       </p:ext>
     </p:extLst>
   </p:cSld>
@@ -1788,7 +1784,7 @@
     </p:spTree>
     <p:extLst>
       <p:ext uri="{BB962C8B-B14F-4D97-AF65-F5344CB8AC3E}">
-        <p14:creationId xmlns:p14="http://schemas.microsoft.com/office/powerpoint/2010/main" val="661384710"/>
+        <p14:creationId xmlns:p14="http://schemas.microsoft.com/office/powerpoint/2010/main" val="3951593836"/>
       </p:ext>
     </p:extLst>
   </p:cSld>
@@ -1867,93 +1863,6 @@
             <a:fld id="{9C003A2D-F27E-469C-ADB1-04668A9E28C3}" type="slidenum">
               <a:rPr lang="ru-RU" smtClean="0"/>
               <a:t>22</a:t>
-            </a:fld>
-            <a:endParaRPr lang="ru-RU"/>
-          </a:p>
-        </p:txBody>
-      </p:sp>
-    </p:spTree>
-    <p:extLst>
-      <p:ext uri="{BB962C8B-B14F-4D97-AF65-F5344CB8AC3E}">
-        <p14:creationId xmlns:p14="http://schemas.microsoft.com/office/powerpoint/2010/main" val="3951593836"/>
-      </p:ext>
-    </p:extLst>
-  </p:cSld>
-  <p:clrMapOvr>
-    <a:masterClrMapping/>
-  </p:clrMapOvr>
-</p:notes>
-</file>
-
-<file path=ppt/notesSlides/notesSlide22.xml><?xml version="1.0" encoding="utf-8"?>
-<p:notes xmlns:a="http://schemas.openxmlformats.org/drawingml/2006/main" xmlns:r="http://schemas.openxmlformats.org/officeDocument/2006/relationships" xmlns:p="http://schemas.openxmlformats.org/presentationml/2006/main">
-  <p:cSld>
-    <p:spTree>
-      <p:nvGrpSpPr>
-        <p:cNvPr id="1" name=""/>
-        <p:cNvGrpSpPr/>
-        <p:nvPr/>
-      </p:nvGrpSpPr>
-      <p:grpSpPr>
-        <a:xfrm>
-          <a:off x="0" y="0"/>
-          <a:ext cx="0" cy="0"/>
-          <a:chOff x="0" y="0"/>
-          <a:chExt cx="0" cy="0"/>
-        </a:xfrm>
-      </p:grpSpPr>
-      <p:sp>
-        <p:nvSpPr>
-          <p:cNvPr id="2" name="Slide Image Placeholder 1"/>
-          <p:cNvSpPr>
-            <a:spLocks noGrp="1" noRot="1" noChangeAspect="1"/>
-          </p:cNvSpPr>
-          <p:nvPr>
-            <p:ph type="sldImg"/>
-          </p:nvPr>
-        </p:nvSpPr>
-        <p:spPr/>
-      </p:sp>
-      <p:sp>
-        <p:nvSpPr>
-          <p:cNvPr id="3" name="Notes Placeholder 2"/>
-          <p:cNvSpPr>
-            <a:spLocks noGrp="1"/>
-          </p:cNvSpPr>
-          <p:nvPr>
-            <p:ph type="body" idx="1"/>
-          </p:nvPr>
-        </p:nvSpPr>
-        <p:spPr/>
-        <p:txBody>
-          <a:bodyPr/>
-          <a:lstStyle/>
-          <a:p>
-            <a:r>
-              <a:rPr lang="en-GB" sz="1200" dirty="0"/>
-              <a:t>What is WC (vs kendo)</a:t>
-            </a:r>
-          </a:p>
-        </p:txBody>
-      </p:sp>
-      <p:sp>
-        <p:nvSpPr>
-          <p:cNvPr id="4" name="Slide Number Placeholder 3"/>
-          <p:cNvSpPr>
-            <a:spLocks noGrp="1"/>
-          </p:cNvSpPr>
-          <p:nvPr>
-            <p:ph type="sldNum" sz="quarter" idx="10"/>
-          </p:nvPr>
-        </p:nvSpPr>
-        <p:spPr/>
-        <p:txBody>
-          <a:bodyPr/>
-          <a:lstStyle/>
-          <a:p>
-            <a:fld id="{9C003A2D-F27E-469C-ADB1-04668A9E28C3}" type="slidenum">
-              <a:rPr lang="ru-RU" smtClean="0"/>
-              <a:t>23</a:t>
             </a:fld>
             <a:endParaRPr lang="ru-RU"/>
           </a:p>
@@ -2018,7 +1927,7 @@
           <a:p>
             <a:r>
               <a:rPr lang="en-GB" sz="1200" dirty="0"/>
-              <a:t>Disadvantages – example of uncovered</a:t>
+              <a:t>disadvantages</a:t>
             </a:r>
           </a:p>
         </p:txBody>
@@ -2049,7 +1958,7 @@
     </p:spTree>
     <p:extLst>
       <p:ext uri="{BB962C8B-B14F-4D97-AF65-F5344CB8AC3E}">
-        <p14:creationId xmlns:p14="http://schemas.microsoft.com/office/powerpoint/2010/main" val="3960157673"/>
+        <p14:creationId xmlns:p14="http://schemas.microsoft.com/office/powerpoint/2010/main" val="219556346"/>
       </p:ext>
     </p:extLst>
   </p:cSld>
@@ -2136,7 +2045,7 @@
     </p:spTree>
     <p:extLst>
       <p:ext uri="{BB962C8B-B14F-4D97-AF65-F5344CB8AC3E}">
-        <p14:creationId xmlns:p14="http://schemas.microsoft.com/office/powerpoint/2010/main" val="219556346"/>
+        <p14:creationId xmlns:p14="http://schemas.microsoft.com/office/powerpoint/2010/main" val="782328456"/>
       </p:ext>
     </p:extLst>
   </p:cSld>
@@ -2192,7 +2101,7 @@
           <a:p>
             <a:r>
               <a:rPr lang="en-GB" sz="1200" dirty="0"/>
-              <a:t>disadvantages</a:t>
+              <a:t>What is WC (vs kendo)</a:t>
             </a:r>
           </a:p>
         </p:txBody>
@@ -2223,7 +2132,7 @@
     </p:spTree>
     <p:extLst>
       <p:ext uri="{BB962C8B-B14F-4D97-AF65-F5344CB8AC3E}">
-        <p14:creationId xmlns:p14="http://schemas.microsoft.com/office/powerpoint/2010/main" val="782328456"/>
+        <p14:creationId xmlns:p14="http://schemas.microsoft.com/office/powerpoint/2010/main" val="758477117"/>
       </p:ext>
     </p:extLst>
   </p:cSld>
@@ -2310,7 +2219,7 @@
     </p:spTree>
     <p:extLst>
       <p:ext uri="{BB962C8B-B14F-4D97-AF65-F5344CB8AC3E}">
-        <p14:creationId xmlns:p14="http://schemas.microsoft.com/office/powerpoint/2010/main" val="758477117"/>
+        <p14:creationId xmlns:p14="http://schemas.microsoft.com/office/powerpoint/2010/main" val="3201231504"/>
       </p:ext>
     </p:extLst>
   </p:cSld>
@@ -2365,8 +2274,8 @@
           <a:lstStyle/>
           <a:p>
             <a:r>
-              <a:rPr lang="en-GB" sz="1200" dirty="0"/>
-              <a:t>What is WC (vs kendo)</a:t>
+              <a:rPr lang="en-GB" sz="1200" baseline="0" dirty="0"/>
+              <a:t>Let’s create mutant rule</a:t>
             </a:r>
           </a:p>
         </p:txBody>
@@ -2397,7 +2306,7 @@
     </p:spTree>
     <p:extLst>
       <p:ext uri="{BB962C8B-B14F-4D97-AF65-F5344CB8AC3E}">
-        <p14:creationId xmlns:p14="http://schemas.microsoft.com/office/powerpoint/2010/main" val="3201231504"/>
+        <p14:creationId xmlns:p14="http://schemas.microsoft.com/office/powerpoint/2010/main" val="2543306822"/>
       </p:ext>
     </p:extLst>
   </p:cSld>
@@ -2453,8 +2362,11 @@
           <a:p>
             <a:r>
               <a:rPr lang="en-GB" sz="1200" baseline="0" dirty="0"/>
-              <a:t>Let’s create mutant rule</a:t>
-            </a:r>
+              <a:t>Let’s create all possible mutants – example</a:t>
+            </a:r>
+          </a:p>
+          <a:p>
+            <a:endParaRPr lang="en-GB" sz="1200" baseline="0" dirty="0"/>
           </a:p>
         </p:txBody>
       </p:sp>
@@ -2484,7 +2396,7 @@
     </p:spTree>
     <p:extLst>
       <p:ext uri="{BB962C8B-B14F-4D97-AF65-F5344CB8AC3E}">
-        <p14:creationId xmlns:p14="http://schemas.microsoft.com/office/powerpoint/2010/main" val="2543306822"/>
+        <p14:creationId xmlns:p14="http://schemas.microsoft.com/office/powerpoint/2010/main" val="2204650947"/>
       </p:ext>
     </p:extLst>
   </p:cSld>
@@ -2574,7 +2486,7 @@
     </p:spTree>
     <p:extLst>
       <p:ext uri="{BB962C8B-B14F-4D97-AF65-F5344CB8AC3E}">
-        <p14:creationId xmlns:p14="http://schemas.microsoft.com/office/powerpoint/2010/main" val="2204650947"/>
+        <p14:creationId xmlns:p14="http://schemas.microsoft.com/office/powerpoint/2010/main" val="195163959"/>
       </p:ext>
     </p:extLst>
   </p:cSld>
@@ -18460,82 +18372,218 @@
           </a:p>
         </p:txBody>
       </p:sp>
+      <p:sp>
+        <p:nvSpPr>
+          <p:cNvPr id="3" name="Rectangle 2"/>
+          <p:cNvSpPr/>
+          <p:nvPr/>
+        </p:nvSpPr>
+        <p:spPr>
+          <a:xfrm>
+            <a:off x="1426813" y="1723873"/>
+            <a:ext cx="6096000" cy="3139321"/>
+          </a:xfrm>
+          <a:prstGeom prst="rect">
+            <a:avLst/>
+          </a:prstGeom>
+        </p:spPr>
+        <p:txBody>
+          <a:bodyPr>
+            <a:spAutoFit/>
+          </a:bodyPr>
+          <a:lstStyle/>
+          <a:p>
+            <a:pPr marL="285750" indent="-285750">
+              <a:buFont typeface="Arial" panose="020B0604020202020204" pitchFamily="34" charset="0"/>
+              <a:buChar char="•"/>
+            </a:pPr>
+            <a:r>
+              <a:rPr lang="en-GB" dirty="0"/>
+              <a:t>Block Statement	</a:t>
+            </a:r>
+          </a:p>
+          <a:p>
+            <a:pPr marL="285750" indent="-285750">
+              <a:buFont typeface="Arial" panose="020B0604020202020204" pitchFamily="34" charset="0"/>
+              <a:buChar char="•"/>
+            </a:pPr>
+            <a:r>
+              <a:rPr lang="en-GB" dirty="0"/>
+              <a:t>Arithmetic Operator</a:t>
+            </a:r>
+          </a:p>
+          <a:p>
+            <a:pPr marL="285750" indent="-285750">
+              <a:buFont typeface="Arial" panose="020B0604020202020204" pitchFamily="34" charset="0"/>
+              <a:buChar char="•"/>
+            </a:pPr>
+            <a:r>
+              <a:rPr lang="en-GB" dirty="0"/>
+              <a:t>Array Declaration	</a:t>
+            </a:r>
+          </a:p>
+          <a:p>
+            <a:pPr marL="285750" indent="-285750">
+              <a:buFont typeface="Arial" panose="020B0604020202020204" pitchFamily="34" charset="0"/>
+              <a:buChar char="•"/>
+            </a:pPr>
+            <a:r>
+              <a:rPr lang="en-GB" dirty="0"/>
+              <a:t>Boolean Literal	</a:t>
+            </a:r>
+          </a:p>
+          <a:p>
+            <a:pPr marL="285750" indent="-285750">
+              <a:buFont typeface="Arial" panose="020B0604020202020204" pitchFamily="34" charset="0"/>
+              <a:buChar char="•"/>
+            </a:pPr>
+            <a:r>
+              <a:rPr lang="en-GB" dirty="0"/>
+              <a:t>Checked Statement	</a:t>
+            </a:r>
+          </a:p>
+          <a:p>
+            <a:pPr marL="285750" indent="-285750">
+              <a:buFont typeface="Arial" panose="020B0604020202020204" pitchFamily="34" charset="0"/>
+              <a:buChar char="•"/>
+            </a:pPr>
+            <a:r>
+              <a:rPr lang="en-GB" dirty="0"/>
+              <a:t>Conditional Expression	</a:t>
+            </a:r>
+          </a:p>
+          <a:p>
+            <a:pPr marL="285750" indent="-285750">
+              <a:buFont typeface="Arial" panose="020B0604020202020204" pitchFamily="34" charset="0"/>
+              <a:buChar char="•"/>
+            </a:pPr>
+            <a:r>
+              <a:rPr lang="en-GB" dirty="0"/>
+              <a:t>Equality Operator	</a:t>
+            </a:r>
+          </a:p>
+          <a:p>
+            <a:pPr marL="285750" indent="-285750">
+              <a:buFont typeface="Arial" panose="020B0604020202020204" pitchFamily="34" charset="0"/>
+              <a:buChar char="•"/>
+            </a:pPr>
+            <a:r>
+              <a:rPr lang="en-GB" dirty="0"/>
+              <a:t>Logical Operator	</a:t>
+            </a:r>
+          </a:p>
+          <a:p>
+            <a:pPr marL="285750" indent="-285750">
+              <a:buFont typeface="Arial" panose="020B0604020202020204" pitchFamily="34" charset="0"/>
+              <a:buChar char="•"/>
+            </a:pPr>
+            <a:r>
+              <a:rPr lang="en-GB" dirty="0"/>
+              <a:t>String Literal	</a:t>
+            </a:r>
+          </a:p>
+          <a:p>
+            <a:pPr marL="285750" indent="-285750">
+              <a:buFont typeface="Arial" panose="020B0604020202020204" pitchFamily="34" charset="0"/>
+              <a:buChar char="•"/>
+            </a:pPr>
+            <a:r>
+              <a:rPr lang="en-GB" dirty="0"/>
+              <a:t>Unary Operator	</a:t>
+            </a:r>
+          </a:p>
+          <a:p>
+            <a:pPr marL="285750" indent="-285750">
+              <a:buFont typeface="Arial" panose="020B0604020202020204" pitchFamily="34" charset="0"/>
+              <a:buChar char="•"/>
+            </a:pPr>
+            <a:r>
+              <a:rPr lang="en-GB" dirty="0"/>
+              <a:t>Update Operator</a:t>
+            </a:r>
+          </a:p>
+        </p:txBody>
+      </p:sp>
       <p:pic>
         <p:nvPicPr>
-          <p:cNvPr id="5" name="Picture 4"/>
+          <p:cNvPr id="1026" name="Picture 2" descr="Stryker"/>
           <p:cNvPicPr>
-            <a:picLocks noChangeAspect="1"/>
+            <a:picLocks noChangeAspect="1" noChangeArrowheads="1"/>
           </p:cNvPicPr>
           <p:nvPr/>
         </p:nvPicPr>
         <p:blipFill>
-          <a:blip r:embed="rId3"/>
+          <a:blip r:embed="rId3">
+            <a:extLst>
+              <a:ext uri="{28A0092B-C50C-407E-A947-70E740481C1C}">
+                <a14:useLocalDpi xmlns:a14="http://schemas.microsoft.com/office/drawing/2010/main" val="0"/>
+              </a:ext>
+            </a:extLst>
+          </a:blip>
+          <a:srcRect/>
           <a:stretch>
             <a:fillRect/>
           </a:stretch>
         </p:blipFill>
-        <p:spPr>
-          <a:xfrm>
-            <a:off x="738191" y="1289070"/>
-            <a:ext cx="3086100" cy="3724275"/>
+        <p:spPr bwMode="auto">
+          <a:xfrm>
+            <a:off x="6697133" y="1723873"/>
+            <a:ext cx="3810000" cy="3390900"/>
           </a:xfrm>
           <a:prstGeom prst="rect">
             <a:avLst/>
           </a:prstGeom>
+          <a:noFill/>
+          <a:extLst>
+            <a:ext uri="{909E8E84-426E-40DD-AFC4-6F175D3DCCD1}">
+              <a14:hiddenFill xmlns:a14="http://schemas.microsoft.com/office/drawing/2010/main">
+                <a:solidFill>
+                  <a:srgbClr val="FFFFFF"/>
+                </a:solidFill>
+              </a14:hiddenFill>
+            </a:ext>
+          </a:extLst>
         </p:spPr>
       </p:pic>
-      <p:pic>
-        <p:nvPicPr>
-          <p:cNvPr id="6" name="Picture 5"/>
-          <p:cNvPicPr>
-            <a:picLocks noChangeAspect="1"/>
-          </p:cNvPicPr>
+      <p:sp>
+        <p:nvSpPr>
+          <p:cNvPr id="4" name="Rectangle 3"/>
+          <p:cNvSpPr/>
           <p:nvPr/>
-        </p:nvPicPr>
-        <p:blipFill>
-          <a:blip r:embed="rId4"/>
-          <a:stretch>
-            <a:fillRect/>
-          </a:stretch>
-        </p:blipFill>
-        <p:spPr>
-          <a:xfrm>
-            <a:off x="3361304" y="2436893"/>
-            <a:ext cx="3086100" cy="2657475"/>
+        </p:nvSpPr>
+        <p:spPr>
+          <a:xfrm>
+            <a:off x="4474813" y="5323117"/>
+            <a:ext cx="3583802" cy="369332"/>
           </a:xfrm>
           <a:prstGeom prst="rect">
             <a:avLst/>
           </a:prstGeom>
         </p:spPr>
-      </p:pic>
-      <p:pic>
-        <p:nvPicPr>
-          <p:cNvPr id="7" name="Picture 6"/>
-          <p:cNvPicPr>
-            <a:picLocks noChangeAspect="1"/>
-          </p:cNvPicPr>
-          <p:nvPr/>
-        </p:nvPicPr>
-        <p:blipFill>
-          <a:blip r:embed="rId5"/>
-          <a:stretch>
-            <a:fillRect/>
-          </a:stretch>
-        </p:blipFill>
-        <p:spPr>
-          <a:xfrm>
-            <a:off x="7659003" y="1381668"/>
-            <a:ext cx="2962275" cy="3267075"/>
-          </a:xfrm>
-          <a:prstGeom prst="rect">
-            <a:avLst/>
-          </a:prstGeom>
-        </p:spPr>
-      </p:pic>
+        <p:txBody>
+          <a:bodyPr wrap="none">
+            <a:spAutoFit/>
+          </a:bodyPr>
+          <a:lstStyle/>
+          <a:p>
+            <a:r>
+              <a:rPr lang="en-GB" dirty="0">
+                <a:hlinkClick r:id="rId4"/>
+              </a:rPr>
+              <a:t>https://github.com/stryker-mutator</a:t>
+            </a:r>
+            <a:r>
+              <a:rPr lang="en-GB" dirty="0"/>
+              <a:t> </a:t>
+            </a:r>
+            <a:endParaRPr lang="en-GB" dirty="0"/>
+          </a:p>
+        </p:txBody>
+      </p:sp>
     </p:spTree>
     <p:extLst>
       <p:ext uri="{BB962C8B-B14F-4D97-AF65-F5344CB8AC3E}">
-        <p14:creationId xmlns:p14="http://schemas.microsoft.com/office/powerpoint/2010/main" val="347344376"/>
+        <p14:creationId xmlns:p14="http://schemas.microsoft.com/office/powerpoint/2010/main" val="1634304619"/>
       </p:ext>
     </p:extLst>
   </p:cSld>
@@ -18579,226 +18627,45 @@
           <a:p>
             <a:r>
               <a:rPr lang="en-GB" dirty="0"/>
-              <a:t>Mutations</a:t>
-            </a:r>
+              <a:t>Mutant killing</a:t>
+            </a:r>
+          </a:p>
+          <a:p>
+            <a:endParaRPr lang="en-GB" dirty="0"/>
           </a:p>
           <a:p>
             <a:endParaRPr lang="ru-RU" dirty="0"/>
-          </a:p>
-        </p:txBody>
-      </p:sp>
-      <p:sp>
-        <p:nvSpPr>
-          <p:cNvPr id="3" name="Rectangle 2"/>
-          <p:cNvSpPr/>
-          <p:nvPr/>
-        </p:nvSpPr>
-        <p:spPr>
-          <a:xfrm>
-            <a:off x="1426813" y="1723873"/>
-            <a:ext cx="6096000" cy="3139321"/>
-          </a:xfrm>
-          <a:prstGeom prst="rect">
-            <a:avLst/>
-          </a:prstGeom>
-        </p:spPr>
-        <p:txBody>
-          <a:bodyPr>
-            <a:spAutoFit/>
-          </a:bodyPr>
-          <a:lstStyle/>
-          <a:p>
-            <a:pPr marL="285750" indent="-285750">
-              <a:buFont typeface="Arial" panose="020B0604020202020204" pitchFamily="34" charset="0"/>
-              <a:buChar char="•"/>
-            </a:pPr>
-            <a:r>
-              <a:rPr lang="en-GB" dirty="0"/>
-              <a:t>Block Statement	</a:t>
-            </a:r>
-          </a:p>
-          <a:p>
-            <a:pPr marL="285750" indent="-285750">
-              <a:buFont typeface="Arial" panose="020B0604020202020204" pitchFamily="34" charset="0"/>
-              <a:buChar char="•"/>
-            </a:pPr>
-            <a:r>
-              <a:rPr lang="en-GB" dirty="0"/>
-              <a:t>Arithmetic Operator</a:t>
-            </a:r>
-          </a:p>
-          <a:p>
-            <a:pPr marL="285750" indent="-285750">
-              <a:buFont typeface="Arial" panose="020B0604020202020204" pitchFamily="34" charset="0"/>
-              <a:buChar char="•"/>
-            </a:pPr>
-            <a:r>
-              <a:rPr lang="en-GB" dirty="0"/>
-              <a:t>Array Declaration	</a:t>
-            </a:r>
-          </a:p>
-          <a:p>
-            <a:pPr marL="285750" indent="-285750">
-              <a:buFont typeface="Arial" panose="020B0604020202020204" pitchFamily="34" charset="0"/>
-              <a:buChar char="•"/>
-            </a:pPr>
-            <a:r>
-              <a:rPr lang="en-GB" dirty="0"/>
-              <a:t>Boolean Literal	</a:t>
-            </a:r>
-          </a:p>
-          <a:p>
-            <a:pPr marL="285750" indent="-285750">
-              <a:buFont typeface="Arial" panose="020B0604020202020204" pitchFamily="34" charset="0"/>
-              <a:buChar char="•"/>
-            </a:pPr>
-            <a:r>
-              <a:rPr lang="en-GB" dirty="0"/>
-              <a:t>Checked Statement	</a:t>
-            </a:r>
-          </a:p>
-          <a:p>
-            <a:pPr marL="285750" indent="-285750">
-              <a:buFont typeface="Arial" panose="020B0604020202020204" pitchFamily="34" charset="0"/>
-              <a:buChar char="•"/>
-            </a:pPr>
-            <a:r>
-              <a:rPr lang="en-GB" dirty="0"/>
-              <a:t>Conditional Expression	</a:t>
-            </a:r>
-          </a:p>
-          <a:p>
-            <a:pPr marL="285750" indent="-285750">
-              <a:buFont typeface="Arial" panose="020B0604020202020204" pitchFamily="34" charset="0"/>
-              <a:buChar char="•"/>
-            </a:pPr>
-            <a:r>
-              <a:rPr lang="en-GB" dirty="0"/>
-              <a:t>Equality Operator	</a:t>
-            </a:r>
-          </a:p>
-          <a:p>
-            <a:pPr marL="285750" indent="-285750">
-              <a:buFont typeface="Arial" panose="020B0604020202020204" pitchFamily="34" charset="0"/>
-              <a:buChar char="•"/>
-            </a:pPr>
-            <a:r>
-              <a:rPr lang="en-GB" dirty="0"/>
-              <a:t>Logical Operator	</a:t>
-            </a:r>
-          </a:p>
-          <a:p>
-            <a:pPr marL="285750" indent="-285750">
-              <a:buFont typeface="Arial" panose="020B0604020202020204" pitchFamily="34" charset="0"/>
-              <a:buChar char="•"/>
-            </a:pPr>
-            <a:r>
-              <a:rPr lang="en-GB" dirty="0"/>
-              <a:t>String Literal	</a:t>
-            </a:r>
-          </a:p>
-          <a:p>
-            <a:pPr marL="285750" indent="-285750">
-              <a:buFont typeface="Arial" panose="020B0604020202020204" pitchFamily="34" charset="0"/>
-              <a:buChar char="•"/>
-            </a:pPr>
-            <a:r>
-              <a:rPr lang="en-GB" dirty="0"/>
-              <a:t>Unary Operator	</a:t>
-            </a:r>
-          </a:p>
-          <a:p>
-            <a:pPr marL="285750" indent="-285750">
-              <a:buFont typeface="Arial" panose="020B0604020202020204" pitchFamily="34" charset="0"/>
-              <a:buChar char="•"/>
-            </a:pPr>
-            <a:r>
-              <a:rPr lang="en-GB" dirty="0"/>
-              <a:t>Update Operator</a:t>
-            </a:r>
           </a:p>
         </p:txBody>
       </p:sp>
       <p:pic>
         <p:nvPicPr>
-          <p:cNvPr id="1026" name="Picture 2" descr="Stryker"/>
+          <p:cNvPr id="4" name="Picture 3"/>
           <p:cNvPicPr>
-            <a:picLocks noChangeAspect="1" noChangeArrowheads="1"/>
+            <a:picLocks noChangeAspect="1"/>
           </p:cNvPicPr>
           <p:nvPr/>
         </p:nvPicPr>
         <p:blipFill>
-          <a:blip r:embed="rId3">
-            <a:extLst>
-              <a:ext uri="{28A0092B-C50C-407E-A947-70E740481C1C}">
-                <a14:useLocalDpi xmlns:a14="http://schemas.microsoft.com/office/drawing/2010/main" val="0"/>
-              </a:ext>
-            </a:extLst>
-          </a:blip>
-          <a:srcRect/>
+          <a:blip r:embed="rId3"/>
           <a:stretch>
             <a:fillRect/>
           </a:stretch>
         </p:blipFill>
-        <p:spPr bwMode="auto">
-          <a:xfrm>
-            <a:off x="6697133" y="1723873"/>
-            <a:ext cx="3810000" cy="3390900"/>
+        <p:spPr>
+          <a:xfrm>
+            <a:off x="380118" y="1484665"/>
+            <a:ext cx="11274924" cy="3787246"/>
           </a:xfrm>
           <a:prstGeom prst="rect">
             <a:avLst/>
           </a:prstGeom>
-          <a:noFill/>
-          <a:extLst>
-            <a:ext uri="{909E8E84-426E-40DD-AFC4-6F175D3DCCD1}">
-              <a14:hiddenFill xmlns:a14="http://schemas.microsoft.com/office/drawing/2010/main">
-                <a:solidFill>
-                  <a:srgbClr val="FFFFFF"/>
-                </a:solidFill>
-              </a14:hiddenFill>
-            </a:ext>
-          </a:extLst>
         </p:spPr>
       </p:pic>
-      <p:sp>
-        <p:nvSpPr>
-          <p:cNvPr id="4" name="Rectangle 3"/>
-          <p:cNvSpPr/>
-          <p:nvPr/>
-        </p:nvSpPr>
-        <p:spPr>
-          <a:xfrm>
-            <a:off x="4474813" y="5323117"/>
-            <a:ext cx="3583802" cy="369332"/>
-          </a:xfrm>
-          <a:prstGeom prst="rect">
-            <a:avLst/>
-          </a:prstGeom>
-        </p:spPr>
-        <p:txBody>
-          <a:bodyPr wrap="none">
-            <a:spAutoFit/>
-          </a:bodyPr>
-          <a:lstStyle/>
-          <a:p>
-            <a:r>
-              <a:rPr lang="en-GB" dirty="0">
-                <a:hlinkClick r:id="rId4"/>
-              </a:rPr>
-              <a:t>https://github.com/stryker-mutator</a:t>
-            </a:r>
-            <a:r>
-              <a:rPr lang="en-GB" dirty="0"/>
-              <a:t> </a:t>
-            </a:r>
-            <a:endParaRPr lang="en-GB" dirty="0"/>
-          </a:p>
-        </p:txBody>
-      </p:sp>
     </p:spTree>
     <p:extLst>
       <p:ext uri="{BB962C8B-B14F-4D97-AF65-F5344CB8AC3E}">
-        <p14:creationId xmlns:p14="http://schemas.microsoft.com/office/powerpoint/2010/main" val="1634304619"/>
+        <p14:creationId xmlns:p14="http://schemas.microsoft.com/office/powerpoint/2010/main" val="250124743"/>
       </p:ext>
     </p:extLst>
   </p:cSld>
@@ -18842,7 +18709,7 @@
           <a:p>
             <a:r>
               <a:rPr lang="en-GB" dirty="0"/>
-              <a:t>Mutant killing</a:t>
+              <a:t>Equal mutant</a:t>
             </a:r>
           </a:p>
           <a:p>
@@ -18855,7 +18722,7 @@
       </p:sp>
       <p:pic>
         <p:nvPicPr>
-          <p:cNvPr id="4" name="Picture 3"/>
+          <p:cNvPr id="3" name="Picture 2"/>
           <p:cNvPicPr>
             <a:picLocks noChangeAspect="1"/>
           </p:cNvPicPr>
@@ -18869,18 +18736,102 @@
         </p:blipFill>
         <p:spPr>
           <a:xfrm>
-            <a:off x="380118" y="1484665"/>
-            <a:ext cx="11274924" cy="3787246"/>
+            <a:off x="3788358" y="1369309"/>
+            <a:ext cx="4294114" cy="2218843"/>
           </a:xfrm>
           <a:prstGeom prst="rect">
             <a:avLst/>
           </a:prstGeom>
         </p:spPr>
       </p:pic>
+      <p:pic>
+        <p:nvPicPr>
+          <p:cNvPr id="4" name="Picture 3"/>
+          <p:cNvPicPr>
+            <a:picLocks noChangeAspect="1"/>
+          </p:cNvPicPr>
+          <p:nvPr/>
+        </p:nvPicPr>
+        <p:blipFill>
+          <a:blip r:embed="rId4"/>
+          <a:stretch>
+            <a:fillRect/>
+          </a:stretch>
+        </p:blipFill>
+        <p:spPr>
+          <a:xfrm>
+            <a:off x="3788358" y="4106118"/>
+            <a:ext cx="6230770" cy="1218236"/>
+          </a:xfrm>
+          <a:prstGeom prst="rect">
+            <a:avLst/>
+          </a:prstGeom>
+        </p:spPr>
+      </p:pic>
+      <p:sp>
+        <p:nvSpPr>
+          <p:cNvPr id="5" name="TextBox 4"/>
+          <p:cNvSpPr txBox="1"/>
+          <p:nvPr/>
+        </p:nvSpPr>
+        <p:spPr>
+          <a:xfrm>
+            <a:off x="738191" y="1306381"/>
+            <a:ext cx="667170" cy="369332"/>
+          </a:xfrm>
+          <a:prstGeom prst="rect">
+            <a:avLst/>
+          </a:prstGeom>
+          <a:noFill/>
+        </p:spPr>
+        <p:txBody>
+          <a:bodyPr wrap="none" rtlCol="0">
+            <a:spAutoFit/>
+          </a:bodyPr>
+          <a:lstStyle/>
+          <a:p>
+            <a:r>
+              <a:rPr lang="en-US" dirty="0"/>
+              <a:t>Code</a:t>
+            </a:r>
+            <a:endParaRPr lang="en-GB" dirty="0"/>
+          </a:p>
+        </p:txBody>
+      </p:sp>
+      <p:sp>
+        <p:nvSpPr>
+          <p:cNvPr id="6" name="TextBox 5"/>
+          <p:cNvSpPr txBox="1"/>
+          <p:nvPr/>
+        </p:nvSpPr>
+        <p:spPr>
+          <a:xfrm>
+            <a:off x="738191" y="4080074"/>
+            <a:ext cx="1539332" cy="369332"/>
+          </a:xfrm>
+          <a:prstGeom prst="rect">
+            <a:avLst/>
+          </a:prstGeom>
+          <a:noFill/>
+        </p:spPr>
+        <p:txBody>
+          <a:bodyPr wrap="none" rtlCol="0">
+            <a:spAutoFit/>
+          </a:bodyPr>
+          <a:lstStyle/>
+          <a:p>
+            <a:r>
+              <a:rPr lang="en-US" dirty="0"/>
+              <a:t>Stryker output</a:t>
+            </a:r>
+            <a:endParaRPr lang="en-GB" dirty="0"/>
+          </a:p>
+        </p:txBody>
+      </p:sp>
     </p:spTree>
     <p:extLst>
       <p:ext uri="{BB962C8B-B14F-4D97-AF65-F5344CB8AC3E}">
-        <p14:creationId xmlns:p14="http://schemas.microsoft.com/office/powerpoint/2010/main" val="250124743"/>
+        <p14:creationId xmlns:p14="http://schemas.microsoft.com/office/powerpoint/2010/main" val="2437326866"/>
       </p:ext>
     </p:extLst>
   </p:cSld>
@@ -18924,10 +18875,8 @@
           <a:p>
             <a:r>
               <a:rPr lang="en-GB" dirty="0"/>
-              <a:t>Equal mutant</a:t>
-            </a:r>
-          </a:p>
-          <a:p>
+              <a:t>Flaky tests</a:t>
+            </a:r>
             <a:endParaRPr lang="en-GB" dirty="0"/>
           </a:p>
           <a:p>
@@ -18937,116 +18886,49 @@
       </p:sp>
       <p:pic>
         <p:nvPicPr>
-          <p:cNvPr id="3" name="Picture 2"/>
+          <p:cNvPr id="1026" name="Picture 2" descr="Related image"/>
           <p:cNvPicPr>
-            <a:picLocks noChangeAspect="1"/>
+            <a:picLocks noChangeAspect="1" noChangeArrowheads="1"/>
           </p:cNvPicPr>
           <p:nvPr/>
         </p:nvPicPr>
         <p:blipFill>
-          <a:blip r:embed="rId3"/>
+          <a:blip r:embed="rId3">
+            <a:extLst>
+              <a:ext uri="{28A0092B-C50C-407E-A947-70E740481C1C}">
+                <a14:useLocalDpi xmlns:a14="http://schemas.microsoft.com/office/drawing/2010/main" val="0"/>
+              </a:ext>
+            </a:extLst>
+          </a:blip>
+          <a:srcRect/>
           <a:stretch>
             <a:fillRect/>
           </a:stretch>
         </p:blipFill>
-        <p:spPr>
-          <a:xfrm>
-            <a:off x="3788358" y="1369309"/>
-            <a:ext cx="4294114" cy="2218843"/>
-          </a:xfrm>
-          <a:prstGeom prst="rect">
-            <a:avLst/>
-          </a:prstGeom>
-        </p:spPr>
-      </p:pic>
-      <p:pic>
-        <p:nvPicPr>
-          <p:cNvPr id="4" name="Picture 3"/>
-          <p:cNvPicPr>
-            <a:picLocks noChangeAspect="1"/>
-          </p:cNvPicPr>
-          <p:nvPr/>
-        </p:nvPicPr>
-        <p:blipFill>
-          <a:blip r:embed="rId4"/>
-          <a:stretch>
-            <a:fillRect/>
-          </a:stretch>
-        </p:blipFill>
-        <p:spPr>
-          <a:xfrm>
-            <a:off x="3788358" y="4106118"/>
-            <a:ext cx="6230770" cy="1218236"/>
-          </a:xfrm>
-          <a:prstGeom prst="rect">
-            <a:avLst/>
-          </a:prstGeom>
-        </p:spPr>
-      </p:pic>
-      <p:sp>
-        <p:nvSpPr>
-          <p:cNvPr id="5" name="TextBox 4"/>
-          <p:cNvSpPr txBox="1"/>
-          <p:nvPr/>
-        </p:nvSpPr>
-        <p:spPr>
-          <a:xfrm>
-            <a:off x="738191" y="1306381"/>
-            <a:ext cx="667170" cy="369332"/>
+        <p:spPr bwMode="auto">
+          <a:xfrm>
+            <a:off x="3714750" y="1643063"/>
+            <a:ext cx="4762500" cy="3571875"/>
           </a:xfrm>
           <a:prstGeom prst="rect">
             <a:avLst/>
           </a:prstGeom>
           <a:noFill/>
-        </p:spPr>
-        <p:txBody>
-          <a:bodyPr wrap="none" rtlCol="0">
-            <a:spAutoFit/>
-          </a:bodyPr>
-          <a:lstStyle/>
-          <a:p>
-            <a:r>
-              <a:rPr lang="en-US" dirty="0"/>
-              <a:t>Code</a:t>
-            </a:r>
-            <a:endParaRPr lang="en-GB" dirty="0"/>
-          </a:p>
-        </p:txBody>
-      </p:sp>
-      <p:sp>
-        <p:nvSpPr>
-          <p:cNvPr id="6" name="TextBox 5"/>
-          <p:cNvSpPr txBox="1"/>
-          <p:nvPr/>
-        </p:nvSpPr>
-        <p:spPr>
-          <a:xfrm>
-            <a:off x="738191" y="4080074"/>
-            <a:ext cx="1539332" cy="369332"/>
-          </a:xfrm>
-          <a:prstGeom prst="rect">
-            <a:avLst/>
-          </a:prstGeom>
-          <a:noFill/>
-        </p:spPr>
-        <p:txBody>
-          <a:bodyPr wrap="none" rtlCol="0">
-            <a:spAutoFit/>
-          </a:bodyPr>
-          <a:lstStyle/>
-          <a:p>
-            <a:r>
-              <a:rPr lang="en-US" dirty="0"/>
-              <a:t>Stryker output</a:t>
-            </a:r>
-            <a:endParaRPr lang="en-GB" dirty="0"/>
-          </a:p>
-        </p:txBody>
-      </p:sp>
+          <a:extLst>
+            <a:ext uri="{909E8E84-426E-40DD-AFC4-6F175D3DCCD1}">
+              <a14:hiddenFill xmlns:a14="http://schemas.microsoft.com/office/drawing/2010/main">
+                <a:solidFill>
+                  <a:srgbClr val="FFFFFF"/>
+                </a:solidFill>
+              </a14:hiddenFill>
+            </a:ext>
+          </a:extLst>
+        </p:spPr>
+      </p:pic>
     </p:spTree>
     <p:extLst>
       <p:ext uri="{BB962C8B-B14F-4D97-AF65-F5344CB8AC3E}">
-        <p14:creationId xmlns:p14="http://schemas.microsoft.com/office/powerpoint/2010/main" val="2437326866"/>
+        <p14:creationId xmlns:p14="http://schemas.microsoft.com/office/powerpoint/2010/main" val="2455905840"/>
       </p:ext>
     </p:extLst>
   </p:cSld>
@@ -19090,7 +18972,7 @@
           <a:p>
             <a:r>
               <a:rPr lang="en-GB" dirty="0"/>
-              <a:t>Flaky tests</a:t>
+              <a:t>Jasmine/Karma fails</a:t>
             </a:r>
             <a:endParaRPr lang="en-GB" dirty="0"/>
           </a:p>
@@ -19101,7 +18983,7 @@
       </p:sp>
       <p:pic>
         <p:nvPicPr>
-          <p:cNvPr id="1026" name="Picture 2" descr="Related image"/>
+          <p:cNvPr id="2050" name="Picture 2" descr="Related image"/>
           <p:cNvPicPr>
             <a:picLocks noChangeAspect="1" noChangeArrowheads="1"/>
           </p:cNvPicPr>
@@ -19122,8 +19004,8 @@
         </p:blipFill>
         <p:spPr bwMode="auto">
           <a:xfrm>
-            <a:off x="3714750" y="1643063"/>
-            <a:ext cx="4762500" cy="3571875"/>
+            <a:off x="3666884" y="1678511"/>
+            <a:ext cx="4733925" cy="1857375"/>
           </a:xfrm>
           <a:prstGeom prst="rect">
             <a:avLst/>
@@ -19140,10 +19022,34 @@
           </a:extLst>
         </p:spPr>
       </p:pic>
+      <p:pic>
+        <p:nvPicPr>
+          <p:cNvPr id="3" name="Picture 2"/>
+          <p:cNvPicPr>
+            <a:picLocks noChangeAspect="1"/>
+          </p:cNvPicPr>
+          <p:nvPr/>
+        </p:nvPicPr>
+        <p:blipFill>
+          <a:blip r:embed="rId4"/>
+          <a:stretch>
+            <a:fillRect/>
+          </a:stretch>
+        </p:blipFill>
+        <p:spPr>
+          <a:xfrm>
+            <a:off x="4115704" y="3898358"/>
+            <a:ext cx="3836287" cy="1657490"/>
+          </a:xfrm>
+          <a:prstGeom prst="rect">
+            <a:avLst/>
+          </a:prstGeom>
+        </p:spPr>
+      </p:pic>
     </p:spTree>
     <p:extLst>
       <p:ext uri="{BB962C8B-B14F-4D97-AF65-F5344CB8AC3E}">
-        <p14:creationId xmlns:p14="http://schemas.microsoft.com/office/powerpoint/2010/main" val="2455905840"/>
+        <p14:creationId xmlns:p14="http://schemas.microsoft.com/office/powerpoint/2010/main" val="1135466741"/>
       </p:ext>
     </p:extLst>
   </p:cSld>
@@ -19187,84 +19093,109 @@
           <a:p>
             <a:r>
               <a:rPr lang="en-GB" dirty="0"/>
-              <a:t>Jasmine/Karma fails</a:t>
-            </a:r>
+              <a:t>Mutant testing complexity</a:t>
+            </a:r>
+          </a:p>
+          <a:p>
             <a:endParaRPr lang="en-GB" dirty="0"/>
           </a:p>
           <a:p>
+            <a:endParaRPr lang="en-GB" dirty="0"/>
+          </a:p>
+          <a:p>
             <a:endParaRPr lang="ru-RU" dirty="0"/>
           </a:p>
         </p:txBody>
       </p:sp>
-      <p:pic>
-        <p:nvPicPr>
-          <p:cNvPr id="2050" name="Picture 2" descr="Related image"/>
-          <p:cNvPicPr>
-            <a:picLocks noChangeAspect="1" noChangeArrowheads="1"/>
-          </p:cNvPicPr>
+      <p:sp>
+        <p:nvSpPr>
+          <p:cNvPr id="3" name="TextBox 2"/>
+          <p:cNvSpPr txBox="1"/>
           <p:nvPr/>
-        </p:nvPicPr>
-        <p:blipFill>
-          <a:blip r:embed="rId3">
-            <a:extLst>
-              <a:ext uri="{28A0092B-C50C-407E-A947-70E740481C1C}">
-                <a14:useLocalDpi xmlns:a14="http://schemas.microsoft.com/office/drawing/2010/main" val="0"/>
-              </a:ext>
-            </a:extLst>
-          </a:blip>
-          <a:srcRect/>
-          <a:stretch>
-            <a:fillRect/>
-          </a:stretch>
-        </p:blipFill>
-        <p:spPr bwMode="auto">
-          <a:xfrm>
-            <a:off x="3666884" y="1678511"/>
-            <a:ext cx="4733925" cy="1857375"/>
+        </p:nvSpPr>
+        <p:spPr>
+          <a:xfrm>
+            <a:off x="1747777" y="1759352"/>
+            <a:ext cx="8102279" cy="2677656"/>
           </a:xfrm>
           <a:prstGeom prst="rect">
             <a:avLst/>
           </a:prstGeom>
           <a:noFill/>
-          <a:extLst>
-            <a:ext uri="{909E8E84-426E-40DD-AFC4-6F175D3DCCD1}">
-              <a14:hiddenFill xmlns:a14="http://schemas.microsoft.com/office/drawing/2010/main">
-                <a:solidFill>
-                  <a:srgbClr val="FFFFFF"/>
-                </a:solidFill>
-              </a14:hiddenFill>
-            </a:ext>
-          </a:extLst>
-        </p:spPr>
-      </p:pic>
-      <p:pic>
-        <p:nvPicPr>
-          <p:cNvPr id="3" name="Picture 2"/>
-          <p:cNvPicPr>
-            <a:picLocks noChangeAspect="1"/>
-          </p:cNvPicPr>
-          <p:nvPr/>
-        </p:nvPicPr>
-        <p:blipFill>
-          <a:blip r:embed="rId4"/>
-          <a:stretch>
-            <a:fillRect/>
-          </a:stretch>
-        </p:blipFill>
-        <p:spPr>
-          <a:xfrm>
-            <a:off x="4115704" y="3898358"/>
-            <a:ext cx="3836287" cy="1657490"/>
-          </a:xfrm>
-          <a:prstGeom prst="rect">
-            <a:avLst/>
-          </a:prstGeom>
-        </p:spPr>
-      </p:pic>
+        </p:spPr>
+        <p:txBody>
+          <a:bodyPr wrap="square" rtlCol="0">
+            <a:spAutoFit/>
+          </a:bodyPr>
+          <a:lstStyle/>
+          <a:p>
+            <a:pPr marL="285750" indent="-285750">
+              <a:buFont typeface="Arial" panose="020B0604020202020204" pitchFamily="34" charset="0"/>
+              <a:buChar char="•"/>
+            </a:pPr>
+            <a:r>
+              <a:rPr lang="en-US" sz="2400" dirty="0"/>
+              <a:t>N^2 ?</a:t>
+            </a:r>
+          </a:p>
+          <a:p>
+            <a:pPr marL="285750" indent="-285750">
+              <a:buFont typeface="Arial" panose="020B0604020202020204" pitchFamily="34" charset="0"/>
+              <a:buChar char="•"/>
+            </a:pPr>
+            <a:endParaRPr lang="en-US" sz="2400" dirty="0"/>
+          </a:p>
+          <a:p>
+            <a:pPr marL="285750" indent="-285750">
+              <a:buFont typeface="Arial" panose="020B0604020202020204" pitchFamily="34" charset="0"/>
+              <a:buChar char="•"/>
+            </a:pPr>
+            <a:r>
+              <a:rPr lang="en-US" sz="2400" dirty="0"/>
+              <a:t>Independent for classes</a:t>
+            </a:r>
+          </a:p>
+          <a:p>
+            <a:pPr marL="285750" indent="-285750">
+              <a:buFont typeface="Arial" panose="020B0604020202020204" pitchFamily="34" charset="0"/>
+              <a:buChar char="•"/>
+            </a:pPr>
+            <a:endParaRPr lang="en-US" sz="2400" dirty="0"/>
+          </a:p>
+          <a:p>
+            <a:pPr marL="285750" indent="-285750">
+              <a:buFont typeface="Arial" panose="020B0604020202020204" pitchFamily="34" charset="0"/>
+              <a:buChar char="•"/>
+            </a:pPr>
+            <a:r>
+              <a:rPr lang="en-US" sz="2400" dirty="0"/>
+              <a:t>Clear code restriction</a:t>
+            </a:r>
+          </a:p>
+          <a:p>
+            <a:pPr marL="285750" indent="-285750">
+              <a:buFont typeface="Arial" panose="020B0604020202020204" pitchFamily="34" charset="0"/>
+              <a:buChar char="•"/>
+            </a:pPr>
+            <a:endParaRPr lang="en-US" sz="2400" dirty="0"/>
+          </a:p>
+          <a:p>
+            <a:pPr marL="285750" indent="-285750">
+              <a:buFont typeface="Arial" panose="020B0604020202020204" pitchFamily="34" charset="0"/>
+              <a:buChar char="•"/>
+            </a:pPr>
+            <a:r>
+              <a:rPr lang="en-US" sz="2400" dirty="0"/>
+              <a:t>Test coverage analyze</a:t>
+            </a:r>
+            <a:endParaRPr lang="en-GB" sz="2400" dirty="0"/>
+          </a:p>
+        </p:txBody>
+      </p:sp>
     </p:spTree>
     <p:extLst>
       <p:ext uri="{BB962C8B-B14F-4D97-AF65-F5344CB8AC3E}">
-        <p14:creationId xmlns:p14="http://schemas.microsoft.com/office/powerpoint/2010/main" val="1135466741"/>
+        <p14:creationId xmlns:p14="http://schemas.microsoft.com/office/powerpoint/2010/main" val="3125230620"/>
       </p:ext>
     </p:extLst>
   </p:cSld>
@@ -19308,7 +19239,7 @@
           <a:p>
             <a:r>
               <a:rPr lang="en-GB" dirty="0"/>
-              <a:t>Mutant testing complexity</a:t>
+              <a:t>Mutant testing advantages and disadvantages</a:t>
             </a:r>
           </a:p>
           <a:p>
@@ -19330,8 +19261,8 @@
         </p:nvSpPr>
         <p:spPr>
           <a:xfrm>
-            <a:off x="1747777" y="1759352"/>
-            <a:ext cx="8102279" cy="2677656"/>
+            <a:off x="1027558" y="1805650"/>
+            <a:ext cx="3932359" cy="1200329"/>
           </a:xfrm>
           <a:prstGeom prst="rect">
             <a:avLst/>
@@ -19339,7 +19270,7 @@
           <a:noFill/>
         </p:spPr>
         <p:txBody>
-          <a:bodyPr wrap="square" rtlCol="0">
+          <a:bodyPr wrap="none" rtlCol="0">
             <a:spAutoFit/>
           </a:bodyPr>
           <a:lstStyle/>
@@ -19350,7 +19281,7 @@
             </a:pPr>
             <a:r>
               <a:rPr lang="en-US" sz="2400" dirty="0"/>
-              <a:t>N^2 ?</a:t>
+              <a:t>Hard tested code</a:t>
             </a:r>
           </a:p>
           <a:p>
@@ -19358,7 +19289,10 @@
               <a:buFont typeface="Arial" panose="020B0604020202020204" pitchFamily="34" charset="0"/>
               <a:buChar char="•"/>
             </a:pPr>
-            <a:endParaRPr lang="en-US" sz="2400" dirty="0"/>
+            <a:r>
+              <a:rPr lang="en-US" sz="2400" dirty="0"/>
+              <a:t>Show true untested code</a:t>
+            </a:r>
           </a:p>
           <a:p>
             <a:pPr marL="285750" indent="-285750">
@@ -19367,15 +19301,42 @@
             </a:pPr>
             <a:r>
               <a:rPr lang="en-US" sz="2400" dirty="0"/>
-              <a:t>Independent for classes</a:t>
-            </a:r>
-          </a:p>
+              <a:t>Force to write code smarter</a:t>
+            </a:r>
+            <a:endParaRPr lang="en-GB" sz="2400" dirty="0"/>
+          </a:p>
+        </p:txBody>
+      </p:sp>
+      <p:sp>
+        <p:nvSpPr>
+          <p:cNvPr id="5" name="TextBox 4"/>
+          <p:cNvSpPr txBox="1"/>
+          <p:nvPr/>
+        </p:nvSpPr>
+        <p:spPr>
+          <a:xfrm>
+            <a:off x="6157072" y="1828270"/>
+            <a:ext cx="3385863" cy="1569660"/>
+          </a:xfrm>
+          <a:prstGeom prst="rect">
+            <a:avLst/>
+          </a:prstGeom>
+          <a:noFill/>
+        </p:spPr>
+        <p:txBody>
+          <a:bodyPr wrap="none" rtlCol="0">
+            <a:spAutoFit/>
+          </a:bodyPr>
+          <a:lstStyle/>
           <a:p>
             <a:pPr marL="285750" indent="-285750">
               <a:buFont typeface="Arial" panose="020B0604020202020204" pitchFamily="34" charset="0"/>
               <a:buChar char="•"/>
             </a:pPr>
-            <a:endParaRPr lang="en-US" sz="2400" dirty="0"/>
+            <a:r>
+              <a:rPr lang="en-US" sz="2400" dirty="0"/>
+              <a:t>Hard to test code</a:t>
+            </a:r>
           </a:p>
           <a:p>
             <a:pPr marL="285750" indent="-285750">
@@ -19384,7 +19345,7 @@
             </a:pPr>
             <a:r>
               <a:rPr lang="en-US" sz="2400" dirty="0"/>
-              <a:t>Clear code restriction</a:t>
+              <a:t>Hard to change code</a:t>
             </a:r>
           </a:p>
           <a:p>
@@ -19392,17 +19353,28 @@
               <a:buFont typeface="Arial" panose="020B0604020202020204" pitchFamily="34" charset="0"/>
               <a:buChar char="•"/>
             </a:pPr>
-            <a:endParaRPr lang="en-US" sz="2400" dirty="0"/>
+            <a:r>
+              <a:rPr lang="en-GB" sz="2400" dirty="0"/>
+              <a:t>“</a:t>
+            </a:r>
+            <a:r>
+              <a:rPr lang="en-US" sz="2400" dirty="0"/>
+              <a:t>Score”</a:t>
+            </a:r>
+            <a:r>
+              <a:rPr lang="ru-RU" sz="2400" dirty="0"/>
+              <a:t> </a:t>
+            </a:r>
+            <a:r>
+              <a:rPr lang="en-US" sz="2400" dirty="0"/>
+              <a:t>is not objective</a:t>
+            </a:r>
           </a:p>
           <a:p>
             <a:pPr marL="285750" indent="-285750">
               <a:buFont typeface="Arial" panose="020B0604020202020204" pitchFamily="34" charset="0"/>
               <a:buChar char="•"/>
             </a:pPr>
-            <a:r>
-              <a:rPr lang="en-US" sz="2400" dirty="0"/>
-              <a:t>Test coverage analyze</a:t>
-            </a:r>
             <a:endParaRPr lang="en-GB" sz="2400" dirty="0"/>
           </a:p>
         </p:txBody>
@@ -19410,7 +19382,7 @@
     </p:spTree>
     <p:extLst>
       <p:ext uri="{BB962C8B-B14F-4D97-AF65-F5344CB8AC3E}">
-        <p14:creationId xmlns:p14="http://schemas.microsoft.com/office/powerpoint/2010/main" val="3125230620"/>
+        <p14:creationId xmlns:p14="http://schemas.microsoft.com/office/powerpoint/2010/main" val="902548611"/>
       </p:ext>
     </p:extLst>
   </p:cSld>
@@ -19454,7 +19426,7 @@
           <a:p>
             <a:r>
               <a:rPr lang="en-GB" dirty="0"/>
-              <a:t>Mutant testing advantages and disadvantages</a:t>
+              <a:t>Mutant tests can generate code?</a:t>
             </a:r>
           </a:p>
           <a:p>
@@ -19468,16 +19440,40 @@
           </a:p>
         </p:txBody>
       </p:sp>
-      <p:sp>
-        <p:nvSpPr>
-          <p:cNvPr id="3" name="TextBox 2"/>
+      <p:pic>
+        <p:nvPicPr>
+          <p:cNvPr id="3" name="Picture 2"/>
+          <p:cNvPicPr>
+            <a:picLocks noChangeAspect="1"/>
+          </p:cNvPicPr>
+          <p:nvPr/>
+        </p:nvPicPr>
+        <p:blipFill>
+          <a:blip r:embed="rId3"/>
+          <a:stretch>
+            <a:fillRect/>
+          </a:stretch>
+        </p:blipFill>
+        <p:spPr>
+          <a:xfrm>
+            <a:off x="1012648" y="2110317"/>
+            <a:ext cx="3118133" cy="1231194"/>
+          </a:xfrm>
+          <a:prstGeom prst="rect">
+            <a:avLst/>
+          </a:prstGeom>
+        </p:spPr>
+      </p:pic>
+      <p:sp>
+        <p:nvSpPr>
+          <p:cNvPr id="4" name="TextBox 3"/>
           <p:cNvSpPr txBox="1"/>
           <p:nvPr/>
         </p:nvSpPr>
         <p:spPr>
           <a:xfrm>
-            <a:off x="1027558" y="1805650"/>
-            <a:ext cx="3932359" cy="1200329"/>
+            <a:off x="679063" y="1488193"/>
+            <a:ext cx="667170" cy="369332"/>
           </a:xfrm>
           <a:prstGeom prst="rect">
             <a:avLst/>
@@ -19490,35 +19486,10 @@
           </a:bodyPr>
           <a:lstStyle/>
           <a:p>
-            <a:pPr marL="285750" indent="-285750">
-              <a:buFont typeface="Arial" panose="020B0604020202020204" pitchFamily="34" charset="0"/>
-              <a:buChar char="•"/>
-            </a:pPr>
-            <a:r>
-              <a:rPr lang="en-US" sz="2400" dirty="0"/>
-              <a:t>Hard tested code</a:t>
-            </a:r>
-          </a:p>
-          <a:p>
-            <a:pPr marL="285750" indent="-285750">
-              <a:buFont typeface="Arial" panose="020B0604020202020204" pitchFamily="34" charset="0"/>
-              <a:buChar char="•"/>
-            </a:pPr>
-            <a:r>
-              <a:rPr lang="en-US" sz="2400" dirty="0"/>
-              <a:t>Show true untested code</a:t>
-            </a:r>
-          </a:p>
-          <a:p>
-            <a:pPr marL="285750" indent="-285750">
-              <a:buFont typeface="Arial" panose="020B0604020202020204" pitchFamily="34" charset="0"/>
-              <a:buChar char="•"/>
-            </a:pPr>
-            <a:r>
-              <a:rPr lang="en-US" sz="2400" dirty="0"/>
-              <a:t>Force to write code smarter</a:t>
-            </a:r>
-            <a:endParaRPr lang="en-GB" sz="2400" dirty="0"/>
+            <a:r>
+              <a:rPr lang="en-GB" dirty="0"/>
+              <a:t>Code</a:t>
+            </a:r>
           </a:p>
         </p:txBody>
       </p:sp>
@@ -19530,8 +19501,8 @@
         </p:nvSpPr>
         <p:spPr>
           <a:xfrm>
-            <a:off x="6157072" y="1828270"/>
-            <a:ext cx="3385863" cy="1569660"/>
+            <a:off x="5594596" y="1488193"/>
+            <a:ext cx="645690" cy="369332"/>
           </a:xfrm>
           <a:prstGeom prst="rect">
             <a:avLst/>
@@ -19544,60 +19515,65 @@
           </a:bodyPr>
           <a:lstStyle/>
           <a:p>
-            <a:pPr marL="285750" indent="-285750">
-              <a:buFont typeface="Arial" panose="020B0604020202020204" pitchFamily="34" charset="0"/>
-              <a:buChar char="•"/>
-            </a:pPr>
-            <a:r>
-              <a:rPr lang="en-US" sz="2400" dirty="0"/>
-              <a:t>Hard to test code</a:t>
-            </a:r>
-          </a:p>
-          <a:p>
-            <a:pPr marL="285750" indent="-285750">
-              <a:buFont typeface="Arial" panose="020B0604020202020204" pitchFamily="34" charset="0"/>
-              <a:buChar char="•"/>
-            </a:pPr>
-            <a:r>
-              <a:rPr lang="en-US" sz="2400" dirty="0"/>
-              <a:t>Hard to change code</a:t>
-            </a:r>
-          </a:p>
-          <a:p>
-            <a:pPr marL="285750" indent="-285750">
-              <a:buFont typeface="Arial" panose="020B0604020202020204" pitchFamily="34" charset="0"/>
-              <a:buChar char="•"/>
-            </a:pPr>
-            <a:r>
-              <a:rPr lang="en-GB" sz="2400" dirty="0"/>
-              <a:t>“</a:t>
-            </a:r>
-            <a:r>
-              <a:rPr lang="en-US" sz="2400" dirty="0"/>
-              <a:t>Score”</a:t>
-            </a:r>
-            <a:r>
-              <a:rPr lang="ru-RU" sz="2400" dirty="0"/>
-              <a:t> </a:t>
-            </a:r>
-            <a:r>
-              <a:rPr lang="en-US" sz="2400" dirty="0"/>
-              <a:t>is not objective</a:t>
-            </a:r>
-          </a:p>
-          <a:p>
-            <a:pPr marL="285750" indent="-285750">
-              <a:buFont typeface="Arial" panose="020B0604020202020204" pitchFamily="34" charset="0"/>
-              <a:buChar char="•"/>
-            </a:pPr>
-            <a:endParaRPr lang="en-GB" sz="2400" dirty="0"/>
-          </a:p>
-        </p:txBody>
-      </p:sp>
+            <a:r>
+              <a:rPr lang="en-GB" dirty="0"/>
+              <a:t>Tests</a:t>
+            </a:r>
+          </a:p>
+        </p:txBody>
+      </p:sp>
+      <p:pic>
+        <p:nvPicPr>
+          <p:cNvPr id="9" name="Picture 8"/>
+          <p:cNvPicPr>
+            <a:picLocks noChangeAspect="1"/>
+          </p:cNvPicPr>
+          <p:nvPr/>
+        </p:nvPicPr>
+        <p:blipFill>
+          <a:blip r:embed="rId4"/>
+          <a:stretch>
+            <a:fillRect/>
+          </a:stretch>
+        </p:blipFill>
+        <p:spPr>
+          <a:xfrm>
+            <a:off x="5913437" y="2110317"/>
+            <a:ext cx="5551305" cy="719870"/>
+          </a:xfrm>
+          <a:prstGeom prst="rect">
+            <a:avLst/>
+          </a:prstGeom>
+        </p:spPr>
+      </p:pic>
+      <p:pic>
+        <p:nvPicPr>
+          <p:cNvPr id="10" name="Picture 9"/>
+          <p:cNvPicPr>
+            <a:picLocks noChangeAspect="1"/>
+          </p:cNvPicPr>
+          <p:nvPr/>
+        </p:nvPicPr>
+        <p:blipFill>
+          <a:blip r:embed="rId5"/>
+          <a:stretch>
+            <a:fillRect/>
+          </a:stretch>
+        </p:blipFill>
+        <p:spPr>
+          <a:xfrm>
+            <a:off x="5913437" y="3834871"/>
+            <a:ext cx="4463328" cy="1538640"/>
+          </a:xfrm>
+          <a:prstGeom prst="rect">
+            <a:avLst/>
+          </a:prstGeom>
+        </p:spPr>
+      </p:pic>
     </p:spTree>
     <p:extLst>
       <p:ext uri="{BB962C8B-B14F-4D97-AF65-F5344CB8AC3E}">
-        <p14:creationId xmlns:p14="http://schemas.microsoft.com/office/powerpoint/2010/main" val="902548611"/>
+        <p14:creationId xmlns:p14="http://schemas.microsoft.com/office/powerpoint/2010/main" val="3277618454"/>
       </p:ext>
     </p:extLst>
   </p:cSld>
@@ -19785,10 +19761,74 @@
           </a:prstGeom>
         </p:spPr>
       </p:pic>
+      <p:sp>
+        <p:nvSpPr>
+          <p:cNvPr id="6" name="Arrow: Down 5"/>
+          <p:cNvSpPr/>
+          <p:nvPr/>
+        </p:nvSpPr>
+        <p:spPr>
+          <a:xfrm>
+            <a:off x="2448612" y="3544372"/>
+            <a:ext cx="246203" cy="335315"/>
+          </a:xfrm>
+          <a:prstGeom prst="downArrow">
+            <a:avLst/>
+          </a:prstGeom>
+        </p:spPr>
+        <p:style>
+          <a:lnRef idx="2">
+            <a:schemeClr val="accent1">
+              <a:shade val="50000"/>
+            </a:schemeClr>
+          </a:lnRef>
+          <a:fillRef idx="1">
+            <a:schemeClr val="accent1"/>
+          </a:fillRef>
+          <a:effectRef idx="0">
+            <a:schemeClr val="accent1"/>
+          </a:effectRef>
+          <a:fontRef idx="minor">
+            <a:schemeClr val="lt1"/>
+          </a:fontRef>
+        </p:style>
+        <p:txBody>
+          <a:bodyPr rtlCol="0" anchor="ctr"/>
+          <a:lstStyle/>
+          <a:p>
+            <a:pPr algn="ctr"/>
+            <a:endParaRPr lang="en-GB"/>
+          </a:p>
+        </p:txBody>
+      </p:sp>
+      <p:pic>
+        <p:nvPicPr>
+          <p:cNvPr id="7" name="Picture 6"/>
+          <p:cNvPicPr>
+            <a:picLocks noChangeAspect="1"/>
+          </p:cNvPicPr>
+          <p:nvPr/>
+        </p:nvPicPr>
+        <p:blipFill>
+          <a:blip r:embed="rId6"/>
+          <a:stretch>
+            <a:fillRect/>
+          </a:stretch>
+        </p:blipFill>
+        <p:spPr>
+          <a:xfrm>
+            <a:off x="1012648" y="4082548"/>
+            <a:ext cx="3124200" cy="1228725"/>
+          </a:xfrm>
+          <a:prstGeom prst="rect">
+            <a:avLst/>
+          </a:prstGeom>
+        </p:spPr>
+      </p:pic>
     </p:spTree>
     <p:extLst>
       <p:ext uri="{BB962C8B-B14F-4D97-AF65-F5344CB8AC3E}">
-        <p14:creationId xmlns:p14="http://schemas.microsoft.com/office/powerpoint/2010/main" val="3277618454"/>
+        <p14:creationId xmlns:p14="http://schemas.microsoft.com/office/powerpoint/2010/main" val="1895629891"/>
       </p:ext>
     </p:extLst>
   </p:cSld>
@@ -19832,8 +19872,11 @@
           <a:p>
             <a:r>
               <a:rPr lang="en-GB" dirty="0"/>
-              <a:t>Mutant tests can generate code?</a:t>
-            </a:r>
+              <a:t>Mutation level</a:t>
+            </a:r>
+          </a:p>
+          <a:p>
+            <a:endParaRPr lang="en-GB" dirty="0"/>
           </a:p>
           <a:p>
             <a:endParaRPr lang="en-GB" dirty="0"/>
@@ -19862,75 +19905,17 @@
         </p:blipFill>
         <p:spPr>
           <a:xfrm>
-            <a:off x="1012648" y="2110317"/>
-            <a:ext cx="3118133" cy="1231194"/>
+            <a:off x="573438" y="3332450"/>
+            <a:ext cx="3010420" cy="345458"/>
           </a:xfrm>
           <a:prstGeom prst="rect">
             <a:avLst/>
           </a:prstGeom>
         </p:spPr>
       </p:pic>
-      <p:sp>
-        <p:nvSpPr>
-          <p:cNvPr id="4" name="TextBox 3"/>
-          <p:cNvSpPr txBox="1"/>
-          <p:nvPr/>
-        </p:nvSpPr>
-        <p:spPr>
-          <a:xfrm>
-            <a:off x="679063" y="1488193"/>
-            <a:ext cx="667170" cy="369332"/>
-          </a:xfrm>
-          <a:prstGeom prst="rect">
-            <a:avLst/>
-          </a:prstGeom>
-          <a:noFill/>
-        </p:spPr>
-        <p:txBody>
-          <a:bodyPr wrap="none" rtlCol="0">
-            <a:spAutoFit/>
-          </a:bodyPr>
-          <a:lstStyle/>
-          <a:p>
-            <a:r>
-              <a:rPr lang="en-GB" dirty="0"/>
-              <a:t>Code</a:t>
-            </a:r>
-          </a:p>
-        </p:txBody>
-      </p:sp>
-      <p:sp>
-        <p:nvSpPr>
-          <p:cNvPr id="5" name="TextBox 4"/>
-          <p:cNvSpPr txBox="1"/>
-          <p:nvPr/>
-        </p:nvSpPr>
-        <p:spPr>
-          <a:xfrm>
-            <a:off x="5594596" y="1488193"/>
-            <a:ext cx="645690" cy="369332"/>
-          </a:xfrm>
-          <a:prstGeom prst="rect">
-            <a:avLst/>
-          </a:prstGeom>
-          <a:noFill/>
-        </p:spPr>
-        <p:txBody>
-          <a:bodyPr wrap="none" rtlCol="0">
-            <a:spAutoFit/>
-          </a:bodyPr>
-          <a:lstStyle/>
-          <a:p>
-            <a:r>
-              <a:rPr lang="en-GB" dirty="0"/>
-              <a:t>Tests</a:t>
-            </a:r>
-          </a:p>
-        </p:txBody>
-      </p:sp>
       <p:pic>
         <p:nvPicPr>
-          <p:cNvPr id="9" name="Picture 8"/>
+          <p:cNvPr id="4" name="Picture 3"/>
           <p:cNvPicPr>
             <a:picLocks noChangeAspect="1"/>
           </p:cNvPicPr>
@@ -19944,8 +19929,8 @@
         </p:blipFill>
         <p:spPr>
           <a:xfrm>
-            <a:off x="5913437" y="2110317"/>
-            <a:ext cx="5551305" cy="719870"/>
+            <a:off x="4342164" y="3316000"/>
+            <a:ext cx="3010419" cy="361908"/>
           </a:xfrm>
           <a:prstGeom prst="rect">
             <a:avLst/>
@@ -19954,7 +19939,7 @@
       </p:pic>
       <p:pic>
         <p:nvPicPr>
-          <p:cNvPr id="10" name="Picture 9"/>
+          <p:cNvPr id="6" name="Picture 5"/>
           <p:cNvPicPr>
             <a:picLocks noChangeAspect="1"/>
           </p:cNvPicPr>
@@ -19968,26 +19953,74 @@
         </p:blipFill>
         <p:spPr>
           <a:xfrm>
-            <a:off x="5913437" y="3834871"/>
-            <a:ext cx="4463328" cy="1538640"/>
+            <a:off x="4342164" y="4196072"/>
+            <a:ext cx="3010420" cy="345458"/>
           </a:xfrm>
           <a:prstGeom prst="rect">
             <a:avLst/>
           </a:prstGeom>
         </p:spPr>
       </p:pic>
-      <p:sp>
-        <p:nvSpPr>
-          <p:cNvPr id="6" name="Arrow: Down 5"/>
+      <p:pic>
+        <p:nvPicPr>
+          <p:cNvPr id="7" name="Picture 6"/>
+          <p:cNvPicPr>
+            <a:picLocks noChangeAspect="1"/>
+          </p:cNvPicPr>
+          <p:nvPr/>
+        </p:nvPicPr>
+        <p:blipFill>
+          <a:blip r:embed="rId6"/>
+          <a:stretch>
+            <a:fillRect/>
+          </a:stretch>
+        </p:blipFill>
+        <p:spPr>
+          <a:xfrm>
+            <a:off x="4342164" y="2435090"/>
+            <a:ext cx="3000896" cy="362746"/>
+          </a:xfrm>
+          <a:prstGeom prst="rect">
+            <a:avLst/>
+          </a:prstGeom>
+        </p:spPr>
+      </p:pic>
+      <p:pic>
+        <p:nvPicPr>
+          <p:cNvPr id="8" name="Picture 7"/>
+          <p:cNvPicPr>
+            <a:picLocks noChangeAspect="1"/>
+          </p:cNvPicPr>
+          <p:nvPr/>
+        </p:nvPicPr>
+        <p:blipFill>
+          <a:blip r:embed="rId7"/>
+          <a:stretch>
+            <a:fillRect/>
+          </a:stretch>
+        </p:blipFill>
+        <p:spPr>
+          <a:xfrm>
+            <a:off x="8110889" y="3300035"/>
+            <a:ext cx="3009900" cy="361950"/>
+          </a:xfrm>
+          <a:prstGeom prst="rect">
+            <a:avLst/>
+          </a:prstGeom>
+        </p:spPr>
+      </p:pic>
+      <p:sp>
+        <p:nvSpPr>
+          <p:cNvPr id="9" name="Arrow: Right 8"/>
           <p:cNvSpPr/>
           <p:nvPr/>
         </p:nvSpPr>
         <p:spPr>
           <a:xfrm>
-            <a:off x="2448612" y="3544372"/>
-            <a:ext cx="246203" cy="335315"/>
-          </a:xfrm>
-          <a:prstGeom prst="downArrow">
+            <a:off x="3795371" y="3393389"/>
+            <a:ext cx="335280" cy="148560"/>
+          </a:xfrm>
+          <a:prstGeom prst="rightArrow">
             <a:avLst/>
           </a:prstGeom>
         </p:spPr>
@@ -20016,34 +20049,461 @@
           </a:p>
         </p:txBody>
       </p:sp>
-      <p:pic>
-        <p:nvPicPr>
-          <p:cNvPr id="7" name="Picture 6"/>
-          <p:cNvPicPr>
-            <a:picLocks noChangeAspect="1"/>
-          </p:cNvPicPr>
+      <p:sp>
+        <p:nvSpPr>
+          <p:cNvPr id="11" name="Arrow: Right 10"/>
+          <p:cNvSpPr/>
           <p:nvPr/>
-        </p:nvPicPr>
-        <p:blipFill>
-          <a:blip r:embed="rId6"/>
-          <a:stretch>
-            <a:fillRect/>
-          </a:stretch>
-        </p:blipFill>
-        <p:spPr>
-          <a:xfrm>
-            <a:off x="1012648" y="4082548"/>
-            <a:ext cx="3124200" cy="1228725"/>
+        </p:nvSpPr>
+        <p:spPr>
+          <a:xfrm>
+            <a:off x="7564096" y="3406730"/>
+            <a:ext cx="335280" cy="148560"/>
+          </a:xfrm>
+          <a:prstGeom prst="rightArrow">
+            <a:avLst/>
+          </a:prstGeom>
+        </p:spPr>
+        <p:style>
+          <a:lnRef idx="2">
+            <a:schemeClr val="accent1">
+              <a:shade val="50000"/>
+            </a:schemeClr>
+          </a:lnRef>
+          <a:fillRef idx="1">
+            <a:schemeClr val="accent1"/>
+          </a:fillRef>
+          <a:effectRef idx="0">
+            <a:schemeClr val="accent1"/>
+          </a:effectRef>
+          <a:fontRef idx="minor">
+            <a:schemeClr val="lt1"/>
+          </a:fontRef>
+        </p:style>
+        <p:txBody>
+          <a:bodyPr rtlCol="0" anchor="ctr"/>
+          <a:lstStyle/>
+          <a:p>
+            <a:pPr algn="ctr"/>
+            <a:endParaRPr lang="en-GB"/>
+          </a:p>
+        </p:txBody>
+      </p:sp>
+      <p:sp>
+        <p:nvSpPr>
+          <p:cNvPr id="12" name="Arrow: Right 11"/>
+          <p:cNvSpPr/>
+          <p:nvPr/>
+        </p:nvSpPr>
+        <p:spPr>
+          <a:xfrm rot="18900000">
+            <a:off x="3791947" y="2865068"/>
+            <a:ext cx="335280" cy="148560"/>
+          </a:xfrm>
+          <a:prstGeom prst="rightArrow">
+            <a:avLst/>
+          </a:prstGeom>
+        </p:spPr>
+        <p:style>
+          <a:lnRef idx="2">
+            <a:schemeClr val="accent1">
+              <a:shade val="50000"/>
+            </a:schemeClr>
+          </a:lnRef>
+          <a:fillRef idx="1">
+            <a:schemeClr val="accent1"/>
+          </a:fillRef>
+          <a:effectRef idx="0">
+            <a:schemeClr val="accent1"/>
+          </a:effectRef>
+          <a:fontRef idx="minor">
+            <a:schemeClr val="lt1"/>
+          </a:fontRef>
+        </p:style>
+        <p:txBody>
+          <a:bodyPr rtlCol="0" anchor="ctr"/>
+          <a:lstStyle/>
+          <a:p>
+            <a:pPr algn="ctr"/>
+            <a:endParaRPr lang="en-GB"/>
+          </a:p>
+        </p:txBody>
+      </p:sp>
+      <p:sp>
+        <p:nvSpPr>
+          <p:cNvPr id="13" name="Arrow: Right 12"/>
+          <p:cNvSpPr/>
+          <p:nvPr/>
+        </p:nvSpPr>
+        <p:spPr>
+          <a:xfrm rot="1800000">
+            <a:off x="3780691" y="3913340"/>
+            <a:ext cx="335280" cy="148560"/>
+          </a:xfrm>
+          <a:prstGeom prst="rightArrow">
+            <a:avLst/>
+          </a:prstGeom>
+        </p:spPr>
+        <p:style>
+          <a:lnRef idx="2">
+            <a:schemeClr val="accent1">
+              <a:shade val="50000"/>
+            </a:schemeClr>
+          </a:lnRef>
+          <a:fillRef idx="1">
+            <a:schemeClr val="accent1"/>
+          </a:fillRef>
+          <a:effectRef idx="0">
+            <a:schemeClr val="accent1"/>
+          </a:effectRef>
+          <a:fontRef idx="minor">
+            <a:schemeClr val="lt1"/>
+          </a:fontRef>
+        </p:style>
+        <p:txBody>
+          <a:bodyPr rtlCol="0" anchor="ctr"/>
+          <a:lstStyle/>
+          <a:p>
+            <a:pPr algn="ctr"/>
+            <a:endParaRPr lang="en-GB"/>
+          </a:p>
+        </p:txBody>
+      </p:sp>
+      <p:sp>
+        <p:nvSpPr>
+          <p:cNvPr id="17" name="Rectangle 16"/>
+          <p:cNvSpPr/>
+          <p:nvPr/>
+        </p:nvSpPr>
+        <p:spPr>
+          <a:xfrm>
+            <a:off x="6182360" y="3264492"/>
+            <a:ext cx="955040" cy="464924"/>
           </a:xfrm>
           <a:prstGeom prst="rect">
             <a:avLst/>
           </a:prstGeom>
-        </p:spPr>
-      </p:pic>
+          <a:noFill/>
+          <a:ln w="50800">
+            <a:solidFill>
+              <a:srgbClr val="C00000"/>
+            </a:solidFill>
+          </a:ln>
+        </p:spPr>
+        <p:style>
+          <a:lnRef idx="2">
+            <a:schemeClr val="accent1">
+              <a:shade val="50000"/>
+            </a:schemeClr>
+          </a:lnRef>
+          <a:fillRef idx="1">
+            <a:schemeClr val="accent1"/>
+          </a:fillRef>
+          <a:effectRef idx="0">
+            <a:schemeClr val="accent1"/>
+          </a:effectRef>
+          <a:fontRef idx="minor">
+            <a:schemeClr val="lt1"/>
+          </a:fontRef>
+        </p:style>
+        <p:txBody>
+          <a:bodyPr rtlCol="0" anchor="ctr"/>
+          <a:lstStyle/>
+          <a:p>
+            <a:pPr algn="ctr"/>
+            <a:endParaRPr lang="en-GB" dirty="0"/>
+          </a:p>
+        </p:txBody>
+      </p:sp>
+      <p:sp>
+        <p:nvSpPr>
+          <p:cNvPr id="18" name="Rectangle 17"/>
+          <p:cNvSpPr/>
+          <p:nvPr/>
+        </p:nvSpPr>
+        <p:spPr>
+          <a:xfrm>
+            <a:off x="5552440" y="4136339"/>
+            <a:ext cx="955040" cy="464924"/>
+          </a:xfrm>
+          <a:prstGeom prst="rect">
+            <a:avLst/>
+          </a:prstGeom>
+          <a:noFill/>
+          <a:ln w="50800">
+            <a:solidFill>
+              <a:srgbClr val="C00000"/>
+            </a:solidFill>
+          </a:ln>
+        </p:spPr>
+        <p:style>
+          <a:lnRef idx="2">
+            <a:schemeClr val="accent1">
+              <a:shade val="50000"/>
+            </a:schemeClr>
+          </a:lnRef>
+          <a:fillRef idx="1">
+            <a:schemeClr val="accent1"/>
+          </a:fillRef>
+          <a:effectRef idx="0">
+            <a:schemeClr val="accent1"/>
+          </a:effectRef>
+          <a:fontRef idx="minor">
+            <a:schemeClr val="lt1"/>
+          </a:fontRef>
+        </p:style>
+        <p:txBody>
+          <a:bodyPr rtlCol="0" anchor="ctr"/>
+          <a:lstStyle/>
+          <a:p>
+            <a:pPr algn="ctr"/>
+            <a:endParaRPr lang="en-GB" dirty="0"/>
+          </a:p>
+        </p:txBody>
+      </p:sp>
+      <p:sp>
+        <p:nvSpPr>
+          <p:cNvPr id="19" name="Rectangle 18"/>
+          <p:cNvSpPr/>
+          <p:nvPr/>
+        </p:nvSpPr>
+        <p:spPr>
+          <a:xfrm>
+            <a:off x="4505960" y="2392645"/>
+            <a:ext cx="2738120" cy="464924"/>
+          </a:xfrm>
+          <a:prstGeom prst="rect">
+            <a:avLst/>
+          </a:prstGeom>
+          <a:noFill/>
+          <a:ln w="50800">
+            <a:solidFill>
+              <a:srgbClr val="C00000"/>
+            </a:solidFill>
+          </a:ln>
+        </p:spPr>
+        <p:style>
+          <a:lnRef idx="2">
+            <a:schemeClr val="accent1">
+              <a:shade val="50000"/>
+            </a:schemeClr>
+          </a:lnRef>
+          <a:fillRef idx="1">
+            <a:schemeClr val="accent1"/>
+          </a:fillRef>
+          <a:effectRef idx="0">
+            <a:schemeClr val="accent1"/>
+          </a:effectRef>
+          <a:fontRef idx="minor">
+            <a:schemeClr val="lt1"/>
+          </a:fontRef>
+        </p:style>
+        <p:txBody>
+          <a:bodyPr rtlCol="0" anchor="ctr"/>
+          <a:lstStyle/>
+          <a:p>
+            <a:pPr algn="ctr"/>
+            <a:endParaRPr lang="en-GB" dirty="0"/>
+          </a:p>
+        </p:txBody>
+      </p:sp>
+      <p:sp>
+        <p:nvSpPr>
+          <p:cNvPr id="20" name="Rectangle 19"/>
+          <p:cNvSpPr/>
+          <p:nvPr/>
+        </p:nvSpPr>
+        <p:spPr>
+          <a:xfrm>
+            <a:off x="9316720" y="3235206"/>
+            <a:ext cx="1584960" cy="494209"/>
+          </a:xfrm>
+          <a:prstGeom prst="rect">
+            <a:avLst/>
+          </a:prstGeom>
+          <a:noFill/>
+          <a:ln w="50800">
+            <a:solidFill>
+              <a:srgbClr val="C00000"/>
+            </a:solidFill>
+          </a:ln>
+        </p:spPr>
+        <p:style>
+          <a:lnRef idx="2">
+            <a:schemeClr val="accent1">
+              <a:shade val="50000"/>
+            </a:schemeClr>
+          </a:lnRef>
+          <a:fillRef idx="1">
+            <a:schemeClr val="accent1"/>
+          </a:fillRef>
+          <a:effectRef idx="0">
+            <a:schemeClr val="accent1"/>
+          </a:effectRef>
+          <a:fontRef idx="minor">
+            <a:schemeClr val="lt1"/>
+          </a:fontRef>
+        </p:style>
+        <p:txBody>
+          <a:bodyPr rtlCol="0" anchor="ctr"/>
+          <a:lstStyle/>
+          <a:p>
+            <a:pPr algn="ctr"/>
+            <a:endParaRPr lang="en-GB" dirty="0"/>
+          </a:p>
+        </p:txBody>
+      </p:sp>
+      <p:sp>
+        <p:nvSpPr>
+          <p:cNvPr id="21" name="TextBox 20"/>
+          <p:cNvSpPr txBox="1"/>
+          <p:nvPr/>
+        </p:nvSpPr>
+        <p:spPr>
+          <a:xfrm>
+            <a:off x="1562582" y="1134319"/>
+            <a:ext cx="836896" cy="369332"/>
+          </a:xfrm>
+          <a:prstGeom prst="rect">
+            <a:avLst/>
+          </a:prstGeom>
+          <a:noFill/>
+        </p:spPr>
+        <p:txBody>
+          <a:bodyPr wrap="none" rtlCol="0">
+            <a:spAutoFit/>
+          </a:bodyPr>
+          <a:lstStyle/>
+          <a:p>
+            <a:r>
+              <a:rPr lang="en-GB" dirty="0"/>
+              <a:t>Level 0</a:t>
+            </a:r>
+          </a:p>
+        </p:txBody>
+      </p:sp>
+      <p:sp>
+        <p:nvSpPr>
+          <p:cNvPr id="22" name="TextBox 21"/>
+          <p:cNvSpPr txBox="1"/>
+          <p:nvPr/>
+        </p:nvSpPr>
+        <p:spPr>
+          <a:xfrm>
+            <a:off x="5424164" y="1134319"/>
+            <a:ext cx="836896" cy="369332"/>
+          </a:xfrm>
+          <a:prstGeom prst="rect">
+            <a:avLst/>
+          </a:prstGeom>
+          <a:noFill/>
+        </p:spPr>
+        <p:txBody>
+          <a:bodyPr wrap="none" rtlCol="0">
+            <a:spAutoFit/>
+          </a:bodyPr>
+          <a:lstStyle/>
+          <a:p>
+            <a:r>
+              <a:rPr lang="en-GB" dirty="0"/>
+              <a:t>Level 1</a:t>
+            </a:r>
+          </a:p>
+        </p:txBody>
+      </p:sp>
+      <p:sp>
+        <p:nvSpPr>
+          <p:cNvPr id="23" name="TextBox 22"/>
+          <p:cNvSpPr txBox="1"/>
+          <p:nvPr/>
+        </p:nvSpPr>
+        <p:spPr>
+          <a:xfrm>
+            <a:off x="9197391" y="1134319"/>
+            <a:ext cx="836896" cy="369332"/>
+          </a:xfrm>
+          <a:prstGeom prst="rect">
+            <a:avLst/>
+          </a:prstGeom>
+          <a:noFill/>
+        </p:spPr>
+        <p:txBody>
+          <a:bodyPr wrap="none" rtlCol="0">
+            <a:spAutoFit/>
+          </a:bodyPr>
+          <a:lstStyle/>
+          <a:p>
+            <a:r>
+              <a:rPr lang="en-GB" dirty="0"/>
+              <a:t>Level 2</a:t>
+            </a:r>
+          </a:p>
+        </p:txBody>
+      </p:sp>
+      <p:cxnSp>
+        <p:nvCxnSpPr>
+          <p:cNvPr id="25" name="Straight Connector 24"/>
+          <p:cNvCxnSpPr/>
+          <p:nvPr/>
+        </p:nvCxnSpPr>
+        <p:spPr>
+          <a:xfrm>
+            <a:off x="3923818" y="1377387"/>
+            <a:ext cx="39482" cy="4514127"/>
+          </a:xfrm>
+          <a:prstGeom prst="line">
+            <a:avLst/>
+          </a:prstGeom>
+        </p:spPr>
+        <p:style>
+          <a:lnRef idx="1">
+            <a:schemeClr val="accent1"/>
+          </a:lnRef>
+          <a:fillRef idx="0">
+            <a:schemeClr val="accent1"/>
+          </a:fillRef>
+          <a:effectRef idx="0">
+            <a:schemeClr val="accent1"/>
+          </a:effectRef>
+          <a:fontRef idx="minor">
+            <a:schemeClr val="tx1"/>
+          </a:fontRef>
+        </p:style>
+      </p:cxnSp>
+      <p:cxnSp>
+        <p:nvCxnSpPr>
+          <p:cNvPr id="27" name="Straight Connector 26"/>
+          <p:cNvCxnSpPr/>
+          <p:nvPr/>
+        </p:nvCxnSpPr>
+        <p:spPr>
+          <a:xfrm>
+            <a:off x="7699912" y="1377386"/>
+            <a:ext cx="39482" cy="4514127"/>
+          </a:xfrm>
+          <a:prstGeom prst="line">
+            <a:avLst/>
+          </a:prstGeom>
+        </p:spPr>
+        <p:style>
+          <a:lnRef idx="1">
+            <a:schemeClr val="accent1"/>
+          </a:lnRef>
+          <a:fillRef idx="0">
+            <a:schemeClr val="accent1"/>
+          </a:fillRef>
+          <a:effectRef idx="0">
+            <a:schemeClr val="accent1"/>
+          </a:effectRef>
+          <a:fontRef idx="minor">
+            <a:schemeClr val="tx1"/>
+          </a:fontRef>
+        </p:style>
+      </p:cxnSp>
     </p:spTree>
     <p:extLst>
       <p:ext uri="{BB962C8B-B14F-4D97-AF65-F5344CB8AC3E}">
-        <p14:creationId xmlns:p14="http://schemas.microsoft.com/office/powerpoint/2010/main" val="1895629891"/>
+        <p14:creationId xmlns:p14="http://schemas.microsoft.com/office/powerpoint/2010/main" val="3521442204"/>
       </p:ext>
     </p:extLst>
   </p:cSld>
@@ -20248,7 +20708,7 @@
           <a:p>
             <a:r>
               <a:rPr lang="en-GB" dirty="0"/>
-              <a:t>Mutation level</a:t>
+              <a:t>Whole level mutation testing</a:t>
             </a:r>
           </a:p>
           <a:p>
@@ -20265,485 +20725,50 @@
           </a:p>
         </p:txBody>
       </p:sp>
-      <p:pic>
-        <p:nvPicPr>
-          <p:cNvPr id="3" name="Picture 2"/>
-          <p:cNvPicPr>
-            <a:picLocks noChangeAspect="1"/>
-          </p:cNvPicPr>
+      <p:sp>
+        <p:nvSpPr>
+          <p:cNvPr id="4" name="TextBox 3"/>
+          <p:cNvSpPr txBox="1"/>
           <p:nvPr/>
-        </p:nvPicPr>
-        <p:blipFill>
-          <a:blip r:embed="rId3"/>
-          <a:stretch>
-            <a:fillRect/>
-          </a:stretch>
-        </p:blipFill>
-        <p:spPr>
-          <a:xfrm>
-            <a:off x="573438" y="3332450"/>
-            <a:ext cx="3010420" cy="345458"/>
-          </a:xfrm>
-          <a:prstGeom prst="rect">
-            <a:avLst/>
-          </a:prstGeom>
-        </p:spPr>
-      </p:pic>
-      <p:pic>
-        <p:nvPicPr>
-          <p:cNvPr id="4" name="Picture 3"/>
-          <p:cNvPicPr>
-            <a:picLocks noChangeAspect="1"/>
-          </p:cNvPicPr>
-          <p:nvPr/>
-        </p:nvPicPr>
-        <p:blipFill>
-          <a:blip r:embed="rId4"/>
-          <a:stretch>
-            <a:fillRect/>
-          </a:stretch>
-        </p:blipFill>
-        <p:spPr>
-          <a:xfrm>
-            <a:off x="4342164" y="3316000"/>
-            <a:ext cx="3010419" cy="361908"/>
-          </a:xfrm>
-          <a:prstGeom prst="rect">
-            <a:avLst/>
-          </a:prstGeom>
-        </p:spPr>
-      </p:pic>
-      <p:pic>
-        <p:nvPicPr>
-          <p:cNvPr id="6" name="Picture 5"/>
-          <p:cNvPicPr>
-            <a:picLocks noChangeAspect="1"/>
-          </p:cNvPicPr>
-          <p:nvPr/>
-        </p:nvPicPr>
-        <p:blipFill>
-          <a:blip r:embed="rId5"/>
-          <a:stretch>
-            <a:fillRect/>
-          </a:stretch>
-        </p:blipFill>
-        <p:spPr>
-          <a:xfrm>
-            <a:off x="4342164" y="4196072"/>
-            <a:ext cx="3010420" cy="345458"/>
-          </a:xfrm>
-          <a:prstGeom prst="rect">
-            <a:avLst/>
-          </a:prstGeom>
-        </p:spPr>
-      </p:pic>
-      <p:pic>
-        <p:nvPicPr>
-          <p:cNvPr id="7" name="Picture 6"/>
-          <p:cNvPicPr>
-            <a:picLocks noChangeAspect="1"/>
-          </p:cNvPicPr>
-          <p:nvPr/>
-        </p:nvPicPr>
-        <p:blipFill>
-          <a:blip r:embed="rId6"/>
-          <a:stretch>
-            <a:fillRect/>
-          </a:stretch>
-        </p:blipFill>
-        <p:spPr>
-          <a:xfrm>
-            <a:off x="4342164" y="2435090"/>
-            <a:ext cx="3000896" cy="362746"/>
-          </a:xfrm>
-          <a:prstGeom prst="rect">
-            <a:avLst/>
-          </a:prstGeom>
-        </p:spPr>
-      </p:pic>
-      <p:pic>
-        <p:nvPicPr>
-          <p:cNvPr id="8" name="Picture 7"/>
-          <p:cNvPicPr>
-            <a:picLocks noChangeAspect="1"/>
-          </p:cNvPicPr>
-          <p:nvPr/>
-        </p:nvPicPr>
-        <p:blipFill>
-          <a:blip r:embed="rId7"/>
-          <a:stretch>
-            <a:fillRect/>
-          </a:stretch>
-        </p:blipFill>
-        <p:spPr>
-          <a:xfrm>
-            <a:off x="8110889" y="3300035"/>
-            <a:ext cx="3009900" cy="361950"/>
-          </a:xfrm>
-          <a:prstGeom prst="rect">
-            <a:avLst/>
-          </a:prstGeom>
-        </p:spPr>
-      </p:pic>
-      <p:sp>
-        <p:nvSpPr>
-          <p:cNvPr id="9" name="Arrow: Right 8"/>
-          <p:cNvSpPr/>
-          <p:nvPr/>
-        </p:nvSpPr>
-        <p:spPr>
-          <a:xfrm>
-            <a:off x="3795371" y="3393389"/>
-            <a:ext cx="335280" cy="148560"/>
-          </a:xfrm>
-          <a:prstGeom prst="rightArrow">
-            <a:avLst/>
-          </a:prstGeom>
-        </p:spPr>
-        <p:style>
-          <a:lnRef idx="2">
-            <a:schemeClr val="accent1">
-              <a:shade val="50000"/>
-            </a:schemeClr>
-          </a:lnRef>
-          <a:fillRef idx="1">
-            <a:schemeClr val="accent1"/>
-          </a:fillRef>
-          <a:effectRef idx="0">
-            <a:schemeClr val="accent1"/>
-          </a:effectRef>
-          <a:fontRef idx="minor">
-            <a:schemeClr val="lt1"/>
-          </a:fontRef>
-        </p:style>
-        <p:txBody>
-          <a:bodyPr rtlCol="0" anchor="ctr"/>
-          <a:lstStyle/>
-          <a:p>
-            <a:pPr algn="ctr"/>
-            <a:endParaRPr lang="en-GB"/>
-          </a:p>
-        </p:txBody>
-      </p:sp>
-      <p:sp>
-        <p:nvSpPr>
-          <p:cNvPr id="11" name="Arrow: Right 10"/>
-          <p:cNvSpPr/>
-          <p:nvPr/>
-        </p:nvSpPr>
-        <p:spPr>
-          <a:xfrm>
-            <a:off x="7564096" y="3406730"/>
-            <a:ext cx="335280" cy="148560"/>
-          </a:xfrm>
-          <a:prstGeom prst="rightArrow">
-            <a:avLst/>
-          </a:prstGeom>
-        </p:spPr>
-        <p:style>
-          <a:lnRef idx="2">
-            <a:schemeClr val="accent1">
-              <a:shade val="50000"/>
-            </a:schemeClr>
-          </a:lnRef>
-          <a:fillRef idx="1">
-            <a:schemeClr val="accent1"/>
-          </a:fillRef>
-          <a:effectRef idx="0">
-            <a:schemeClr val="accent1"/>
-          </a:effectRef>
-          <a:fontRef idx="minor">
-            <a:schemeClr val="lt1"/>
-          </a:fontRef>
-        </p:style>
-        <p:txBody>
-          <a:bodyPr rtlCol="0" anchor="ctr"/>
-          <a:lstStyle/>
-          <a:p>
-            <a:pPr algn="ctr"/>
-            <a:endParaRPr lang="en-GB"/>
-          </a:p>
-        </p:txBody>
-      </p:sp>
-      <p:sp>
-        <p:nvSpPr>
-          <p:cNvPr id="12" name="Arrow: Right 11"/>
-          <p:cNvSpPr/>
-          <p:nvPr/>
-        </p:nvSpPr>
-        <p:spPr>
-          <a:xfrm rot="18900000">
-            <a:off x="3791947" y="2865068"/>
-            <a:ext cx="335280" cy="148560"/>
-          </a:xfrm>
-          <a:prstGeom prst="rightArrow">
-            <a:avLst/>
-          </a:prstGeom>
-        </p:spPr>
-        <p:style>
-          <a:lnRef idx="2">
-            <a:schemeClr val="accent1">
-              <a:shade val="50000"/>
-            </a:schemeClr>
-          </a:lnRef>
-          <a:fillRef idx="1">
-            <a:schemeClr val="accent1"/>
-          </a:fillRef>
-          <a:effectRef idx="0">
-            <a:schemeClr val="accent1"/>
-          </a:effectRef>
-          <a:fontRef idx="minor">
-            <a:schemeClr val="lt1"/>
-          </a:fontRef>
-        </p:style>
-        <p:txBody>
-          <a:bodyPr rtlCol="0" anchor="ctr"/>
-          <a:lstStyle/>
-          <a:p>
-            <a:pPr algn="ctr"/>
-            <a:endParaRPr lang="en-GB"/>
-          </a:p>
-        </p:txBody>
-      </p:sp>
-      <p:sp>
-        <p:nvSpPr>
-          <p:cNvPr id="13" name="Arrow: Right 12"/>
-          <p:cNvSpPr/>
-          <p:nvPr/>
-        </p:nvSpPr>
-        <p:spPr>
-          <a:xfrm rot="1800000">
-            <a:off x="3780691" y="3913340"/>
-            <a:ext cx="335280" cy="148560"/>
-          </a:xfrm>
-          <a:prstGeom prst="rightArrow">
-            <a:avLst/>
-          </a:prstGeom>
-        </p:spPr>
-        <p:style>
-          <a:lnRef idx="2">
-            <a:schemeClr val="accent1">
-              <a:shade val="50000"/>
-            </a:schemeClr>
-          </a:lnRef>
-          <a:fillRef idx="1">
-            <a:schemeClr val="accent1"/>
-          </a:fillRef>
-          <a:effectRef idx="0">
-            <a:schemeClr val="accent1"/>
-          </a:effectRef>
-          <a:fontRef idx="minor">
-            <a:schemeClr val="lt1"/>
-          </a:fontRef>
-        </p:style>
-        <p:txBody>
-          <a:bodyPr rtlCol="0" anchor="ctr"/>
-          <a:lstStyle/>
-          <a:p>
-            <a:pPr algn="ctr"/>
-            <a:endParaRPr lang="en-GB"/>
-          </a:p>
-        </p:txBody>
-      </p:sp>
-      <p:sp>
-        <p:nvSpPr>
-          <p:cNvPr id="17" name="Rectangle 16"/>
-          <p:cNvSpPr/>
-          <p:nvPr/>
-        </p:nvSpPr>
-        <p:spPr>
-          <a:xfrm>
-            <a:off x="6182360" y="3264492"/>
-            <a:ext cx="955040" cy="464924"/>
+        </p:nvSpPr>
+        <p:spPr>
+          <a:xfrm>
+            <a:off x="2916819" y="1145894"/>
+            <a:ext cx="836896" cy="369332"/>
           </a:xfrm>
           <a:prstGeom prst="rect">
             <a:avLst/>
           </a:prstGeom>
           <a:noFill/>
-          <a:ln w="50800">
-            <a:solidFill>
-              <a:srgbClr val="C00000"/>
-            </a:solidFill>
-          </a:ln>
-        </p:spPr>
-        <p:style>
-          <a:lnRef idx="2">
-            <a:schemeClr val="accent1">
-              <a:shade val="50000"/>
-            </a:schemeClr>
-          </a:lnRef>
-          <a:fillRef idx="1">
-            <a:schemeClr val="accent1"/>
-          </a:fillRef>
-          <a:effectRef idx="0">
-            <a:schemeClr val="accent1"/>
-          </a:effectRef>
-          <a:fontRef idx="minor">
-            <a:schemeClr val="lt1"/>
-          </a:fontRef>
-        </p:style>
-        <p:txBody>
-          <a:bodyPr rtlCol="0" anchor="ctr"/>
+        </p:spPr>
+        <p:txBody>
+          <a:bodyPr wrap="none" rtlCol="0">
+            <a:spAutoFit/>
+          </a:bodyPr>
           <a:lstStyle/>
           <a:p>
-            <a:pPr algn="ctr"/>
-            <a:endParaRPr lang="en-GB" dirty="0"/>
-          </a:p>
-        </p:txBody>
-      </p:sp>
-      <p:sp>
-        <p:nvSpPr>
-          <p:cNvPr id="18" name="Rectangle 17"/>
-          <p:cNvSpPr/>
+            <a:r>
+              <a:rPr lang="en-GB" dirty="0"/>
+              <a:t>Level 1</a:t>
+            </a:r>
+          </a:p>
+        </p:txBody>
+      </p:sp>
+      <p:sp>
+        <p:nvSpPr>
+          <p:cNvPr id="5" name="TextBox 4"/>
+          <p:cNvSpPr txBox="1"/>
           <p:nvPr/>
         </p:nvSpPr>
         <p:spPr>
           <a:xfrm>
-            <a:off x="5552440" y="4136339"/>
-            <a:ext cx="955040" cy="464924"/>
+            <a:off x="5785731" y="1157469"/>
+            <a:ext cx="836896" cy="369332"/>
           </a:xfrm>
           <a:prstGeom prst="rect">
             <a:avLst/>
           </a:prstGeom>
           <a:noFill/>
-          <a:ln w="50800">
-            <a:solidFill>
-              <a:srgbClr val="C00000"/>
-            </a:solidFill>
-          </a:ln>
-        </p:spPr>
-        <p:style>
-          <a:lnRef idx="2">
-            <a:schemeClr val="accent1">
-              <a:shade val="50000"/>
-            </a:schemeClr>
-          </a:lnRef>
-          <a:fillRef idx="1">
-            <a:schemeClr val="accent1"/>
-          </a:fillRef>
-          <a:effectRef idx="0">
-            <a:schemeClr val="accent1"/>
-          </a:effectRef>
-          <a:fontRef idx="minor">
-            <a:schemeClr val="lt1"/>
-          </a:fontRef>
-        </p:style>
-        <p:txBody>
-          <a:bodyPr rtlCol="0" anchor="ctr"/>
-          <a:lstStyle/>
-          <a:p>
-            <a:pPr algn="ctr"/>
-            <a:endParaRPr lang="en-GB" dirty="0"/>
-          </a:p>
-        </p:txBody>
-      </p:sp>
-      <p:sp>
-        <p:nvSpPr>
-          <p:cNvPr id="19" name="Rectangle 18"/>
-          <p:cNvSpPr/>
-          <p:nvPr/>
-        </p:nvSpPr>
-        <p:spPr>
-          <a:xfrm>
-            <a:off x="4505960" y="2392645"/>
-            <a:ext cx="2738120" cy="464924"/>
-          </a:xfrm>
-          <a:prstGeom prst="rect">
-            <a:avLst/>
-          </a:prstGeom>
-          <a:noFill/>
-          <a:ln w="50800">
-            <a:solidFill>
-              <a:srgbClr val="C00000"/>
-            </a:solidFill>
-          </a:ln>
-        </p:spPr>
-        <p:style>
-          <a:lnRef idx="2">
-            <a:schemeClr val="accent1">
-              <a:shade val="50000"/>
-            </a:schemeClr>
-          </a:lnRef>
-          <a:fillRef idx="1">
-            <a:schemeClr val="accent1"/>
-          </a:fillRef>
-          <a:effectRef idx="0">
-            <a:schemeClr val="accent1"/>
-          </a:effectRef>
-          <a:fontRef idx="minor">
-            <a:schemeClr val="lt1"/>
-          </a:fontRef>
-        </p:style>
-        <p:txBody>
-          <a:bodyPr rtlCol="0" anchor="ctr"/>
-          <a:lstStyle/>
-          <a:p>
-            <a:pPr algn="ctr"/>
-            <a:endParaRPr lang="en-GB" dirty="0"/>
-          </a:p>
-        </p:txBody>
-      </p:sp>
-      <p:sp>
-        <p:nvSpPr>
-          <p:cNvPr id="20" name="Rectangle 19"/>
-          <p:cNvSpPr/>
-          <p:nvPr/>
-        </p:nvSpPr>
-        <p:spPr>
-          <a:xfrm>
-            <a:off x="9316720" y="3235206"/>
-            <a:ext cx="1584960" cy="494209"/>
-          </a:xfrm>
-          <a:prstGeom prst="rect">
-            <a:avLst/>
-          </a:prstGeom>
-          <a:noFill/>
-          <a:ln w="50800">
-            <a:solidFill>
-              <a:srgbClr val="C00000"/>
-            </a:solidFill>
-          </a:ln>
-        </p:spPr>
-        <p:style>
-          <a:lnRef idx="2">
-            <a:schemeClr val="accent1">
-              <a:shade val="50000"/>
-            </a:schemeClr>
-          </a:lnRef>
-          <a:fillRef idx="1">
-            <a:schemeClr val="accent1"/>
-          </a:fillRef>
-          <a:effectRef idx="0">
-            <a:schemeClr val="accent1"/>
-          </a:effectRef>
-          <a:fontRef idx="minor">
-            <a:schemeClr val="lt1"/>
-          </a:fontRef>
-        </p:style>
-        <p:txBody>
-          <a:bodyPr rtlCol="0" anchor="ctr"/>
-          <a:lstStyle/>
-          <a:p>
-            <a:pPr algn="ctr"/>
-            <a:endParaRPr lang="en-GB" dirty="0"/>
-          </a:p>
-        </p:txBody>
-      </p:sp>
-      <p:sp>
-        <p:nvSpPr>
-          <p:cNvPr id="21" name="TextBox 20"/>
-          <p:cNvSpPr txBox="1"/>
-          <p:nvPr/>
-        </p:nvSpPr>
-        <p:spPr>
-          <a:xfrm>
-            <a:off x="1562582" y="1134319"/>
-            <a:ext cx="836896" cy="369332"/>
-          </a:xfrm>
-          <a:prstGeom prst="rect">
-            <a:avLst/>
-          </a:prstGeom>
-          <a:noFill/>
         </p:spPr>
         <p:txBody>
           <a:bodyPr wrap="none" rtlCol="0">
@@ -20753,64 +20778,6 @@
           <a:p>
             <a:r>
               <a:rPr lang="en-GB" dirty="0"/>
-              <a:t>Level 0</a:t>
-            </a:r>
-          </a:p>
-        </p:txBody>
-      </p:sp>
-      <p:sp>
-        <p:nvSpPr>
-          <p:cNvPr id="22" name="TextBox 21"/>
-          <p:cNvSpPr txBox="1"/>
-          <p:nvPr/>
-        </p:nvSpPr>
-        <p:spPr>
-          <a:xfrm>
-            <a:off x="5424164" y="1134319"/>
-            <a:ext cx="836896" cy="369332"/>
-          </a:xfrm>
-          <a:prstGeom prst="rect">
-            <a:avLst/>
-          </a:prstGeom>
-          <a:noFill/>
-        </p:spPr>
-        <p:txBody>
-          <a:bodyPr wrap="none" rtlCol="0">
-            <a:spAutoFit/>
-          </a:bodyPr>
-          <a:lstStyle/>
-          <a:p>
-            <a:r>
-              <a:rPr lang="en-GB" dirty="0"/>
-              <a:t>Level 1</a:t>
-            </a:r>
-          </a:p>
-        </p:txBody>
-      </p:sp>
-      <p:sp>
-        <p:nvSpPr>
-          <p:cNvPr id="23" name="TextBox 22"/>
-          <p:cNvSpPr txBox="1"/>
-          <p:nvPr/>
-        </p:nvSpPr>
-        <p:spPr>
-          <a:xfrm>
-            <a:off x="9197391" y="1134319"/>
-            <a:ext cx="836896" cy="369332"/>
-          </a:xfrm>
-          <a:prstGeom prst="rect">
-            <a:avLst/>
-          </a:prstGeom>
-          <a:noFill/>
-        </p:spPr>
-        <p:txBody>
-          <a:bodyPr wrap="none" rtlCol="0">
-            <a:spAutoFit/>
-          </a:bodyPr>
-          <a:lstStyle/>
-          <a:p>
-            <a:r>
-              <a:rPr lang="en-GB" dirty="0"/>
               <a:t>Level 2</a:t>
             </a:r>
           </a:p>
@@ -20818,13 +20785,13 @@
       </p:sp>
       <p:cxnSp>
         <p:nvCxnSpPr>
-          <p:cNvPr id="25" name="Straight Connector 24"/>
+          <p:cNvPr id="6" name="Straight Connector 5"/>
           <p:cNvCxnSpPr/>
           <p:nvPr/>
         </p:nvCxnSpPr>
         <p:spPr>
           <a:xfrm>
-            <a:off x="3923818" y="1377387"/>
+            <a:off x="4749982" y="1515226"/>
             <a:ext cx="39482" cy="4514127"/>
           </a:xfrm>
           <a:prstGeom prst="line">
@@ -20848,13 +20815,13 @@
       </p:cxnSp>
       <p:cxnSp>
         <p:nvCxnSpPr>
-          <p:cNvPr id="27" name="Straight Connector 26"/>
+          <p:cNvPr id="7" name="Straight Connector 6"/>
           <p:cNvCxnSpPr/>
           <p:nvPr/>
         </p:nvCxnSpPr>
         <p:spPr>
           <a:xfrm>
-            <a:off x="7699912" y="1377386"/>
+            <a:off x="7618894" y="1515225"/>
             <a:ext cx="39482" cy="4514127"/>
           </a:xfrm>
           <a:prstGeom prst="line">
@@ -20876,10 +20843,589 @@
           </a:fontRef>
         </p:style>
       </p:cxnSp>
+      <p:cxnSp>
+        <p:nvCxnSpPr>
+          <p:cNvPr id="8" name="Straight Connector 7"/>
+          <p:cNvCxnSpPr/>
+          <p:nvPr/>
+        </p:nvCxnSpPr>
+        <p:spPr>
+          <a:xfrm>
+            <a:off x="8588416" y="1515226"/>
+            <a:ext cx="39482" cy="4514127"/>
+          </a:xfrm>
+          <a:prstGeom prst="line">
+            <a:avLst/>
+          </a:prstGeom>
+        </p:spPr>
+        <p:style>
+          <a:lnRef idx="1">
+            <a:schemeClr val="accent1"/>
+          </a:lnRef>
+          <a:fillRef idx="0">
+            <a:schemeClr val="accent1"/>
+          </a:fillRef>
+          <a:effectRef idx="0">
+            <a:schemeClr val="accent1"/>
+          </a:effectRef>
+          <a:fontRef idx="minor">
+            <a:schemeClr val="tx1"/>
+          </a:fontRef>
+        </p:style>
+      </p:cxnSp>
+      <p:sp>
+        <p:nvSpPr>
+          <p:cNvPr id="9" name="TextBox 8"/>
+          <p:cNvSpPr txBox="1"/>
+          <p:nvPr/>
+        </p:nvSpPr>
+        <p:spPr>
+          <a:xfrm>
+            <a:off x="9557938" y="1145894"/>
+            <a:ext cx="868956" cy="369332"/>
+          </a:xfrm>
+          <a:prstGeom prst="rect">
+            <a:avLst/>
+          </a:prstGeom>
+          <a:noFill/>
+        </p:spPr>
+        <p:txBody>
+          <a:bodyPr wrap="none" rtlCol="0">
+            <a:spAutoFit/>
+          </a:bodyPr>
+          <a:lstStyle/>
+          <a:p>
+            <a:r>
+              <a:rPr lang="en-GB" dirty="0"/>
+              <a:t>Level N</a:t>
+            </a:r>
+          </a:p>
+        </p:txBody>
+      </p:sp>
+      <p:cxnSp>
+        <p:nvCxnSpPr>
+          <p:cNvPr id="11" name="Straight Connector 10"/>
+          <p:cNvCxnSpPr/>
+          <p:nvPr/>
+        </p:nvCxnSpPr>
+        <p:spPr>
+          <a:xfrm>
+            <a:off x="1986779" y="1515224"/>
+            <a:ext cx="39482" cy="4514127"/>
+          </a:xfrm>
+          <a:prstGeom prst="line">
+            <a:avLst/>
+          </a:prstGeom>
+        </p:spPr>
+        <p:style>
+          <a:lnRef idx="1">
+            <a:schemeClr val="accent1"/>
+          </a:lnRef>
+          <a:fillRef idx="0">
+            <a:schemeClr val="accent1"/>
+          </a:fillRef>
+          <a:effectRef idx="0">
+            <a:schemeClr val="accent1"/>
+          </a:effectRef>
+          <a:fontRef idx="minor">
+            <a:schemeClr val="tx1"/>
+          </a:fontRef>
+        </p:style>
+      </p:cxnSp>
+      <p:sp>
+        <p:nvSpPr>
+          <p:cNvPr id="12" name="TextBox 11"/>
+          <p:cNvSpPr txBox="1"/>
+          <p:nvPr/>
+        </p:nvSpPr>
+        <p:spPr>
+          <a:xfrm>
+            <a:off x="7951714" y="3587621"/>
+            <a:ext cx="343364" cy="369332"/>
+          </a:xfrm>
+          <a:prstGeom prst="rect">
+            <a:avLst/>
+          </a:prstGeom>
+          <a:noFill/>
+        </p:spPr>
+        <p:txBody>
+          <a:bodyPr wrap="none" rtlCol="0">
+            <a:spAutoFit/>
+          </a:bodyPr>
+          <a:lstStyle/>
+          <a:p>
+            <a:r>
+              <a:rPr lang="en-GB" dirty="0"/>
+              <a:t>…</a:t>
+            </a:r>
+          </a:p>
+        </p:txBody>
+      </p:sp>
+      <p:sp>
+        <p:nvSpPr>
+          <p:cNvPr id="13" name="TextBox 12"/>
+          <p:cNvSpPr txBox="1"/>
+          <p:nvPr/>
+        </p:nvSpPr>
+        <p:spPr>
+          <a:xfrm>
+            <a:off x="617198" y="1837977"/>
+            <a:ext cx="1046953" cy="923330"/>
+          </a:xfrm>
+          <a:prstGeom prst="rect">
+            <a:avLst/>
+          </a:prstGeom>
+          <a:noFill/>
+        </p:spPr>
+        <p:txBody>
+          <a:bodyPr wrap="none" rtlCol="0">
+            <a:spAutoFit/>
+          </a:bodyPr>
+          <a:lstStyle/>
+          <a:p>
+            <a:pPr algn="ctr"/>
+            <a:r>
+              <a:rPr lang="en-GB" dirty="0"/>
+              <a:t>Code</a:t>
+            </a:r>
+          </a:p>
+          <a:p>
+            <a:pPr algn="ctr"/>
+            <a:r>
+              <a:rPr lang="en-GB" dirty="0"/>
+              <a:t>mutation</a:t>
+            </a:r>
+          </a:p>
+          <a:p>
+            <a:pPr algn="ctr"/>
+            <a:r>
+              <a:rPr lang="en-GB" dirty="0"/>
+              <a:t>quantity</a:t>
+            </a:r>
+            <a:endParaRPr lang="en-GB" dirty="0"/>
+          </a:p>
+        </p:txBody>
+      </p:sp>
+      <p:sp>
+        <p:nvSpPr>
+          <p:cNvPr id="14" name="TextBox 13"/>
+          <p:cNvSpPr txBox="1"/>
+          <p:nvPr/>
+        </p:nvSpPr>
+        <p:spPr>
+          <a:xfrm>
+            <a:off x="3107230" y="2114976"/>
+            <a:ext cx="333746" cy="369332"/>
+          </a:xfrm>
+          <a:prstGeom prst="rect">
+            <a:avLst/>
+          </a:prstGeom>
+          <a:noFill/>
+        </p:spPr>
+        <p:txBody>
+          <a:bodyPr wrap="none" rtlCol="0">
+            <a:spAutoFit/>
+          </a:bodyPr>
+          <a:lstStyle/>
+          <a:p>
+            <a:r>
+              <a:rPr lang="en-GB" dirty="0"/>
+              <a:t>N</a:t>
+            </a:r>
+          </a:p>
+        </p:txBody>
+      </p:sp>
+      <p:sp>
+        <p:nvSpPr>
+          <p:cNvPr id="15" name="TextBox 14"/>
+          <p:cNvSpPr txBox="1"/>
+          <p:nvPr/>
+        </p:nvSpPr>
+        <p:spPr>
+          <a:xfrm>
+            <a:off x="5553199" y="2134934"/>
+            <a:ext cx="1301959" cy="369332"/>
+          </a:xfrm>
+          <a:prstGeom prst="rect">
+            <a:avLst/>
+          </a:prstGeom>
+          <a:noFill/>
+        </p:spPr>
+        <p:txBody>
+          <a:bodyPr wrap="none" rtlCol="0">
+            <a:spAutoFit/>
+          </a:bodyPr>
+          <a:lstStyle/>
+          <a:p>
+            <a:r>
+              <a:rPr lang="en-GB" dirty="0"/>
+              <a:t>&gt; N*(N-1)/2</a:t>
+            </a:r>
+          </a:p>
+        </p:txBody>
+      </p:sp>
+      <p:sp>
+        <p:nvSpPr>
+          <p:cNvPr id="16" name="TextBox 15"/>
+          <p:cNvSpPr txBox="1"/>
+          <p:nvPr/>
+        </p:nvSpPr>
+        <p:spPr>
+          <a:xfrm>
+            <a:off x="9609553" y="2114976"/>
+            <a:ext cx="734496" cy="369332"/>
+          </a:xfrm>
+          <a:prstGeom prst="rect">
+            <a:avLst/>
+          </a:prstGeom>
+          <a:noFill/>
+        </p:spPr>
+        <p:txBody>
+          <a:bodyPr wrap="none" rtlCol="0">
+            <a:spAutoFit/>
+          </a:bodyPr>
+          <a:lstStyle/>
+          <a:p>
+            <a:r>
+              <a:rPr lang="en-GB" dirty="0"/>
+              <a:t>&gt; 2^N</a:t>
+            </a:r>
+          </a:p>
+        </p:txBody>
+      </p:sp>
+      <p:sp>
+        <p:nvSpPr>
+          <p:cNvPr id="17" name="TextBox 16"/>
+          <p:cNvSpPr txBox="1"/>
+          <p:nvPr/>
+        </p:nvSpPr>
+        <p:spPr>
+          <a:xfrm>
+            <a:off x="655863" y="3310622"/>
+            <a:ext cx="969624" cy="923330"/>
+          </a:xfrm>
+          <a:prstGeom prst="rect">
+            <a:avLst/>
+          </a:prstGeom>
+          <a:noFill/>
+        </p:spPr>
+        <p:txBody>
+          <a:bodyPr wrap="none" rtlCol="0">
+            <a:spAutoFit/>
+          </a:bodyPr>
+          <a:lstStyle/>
+          <a:p>
+            <a:pPr algn="ctr"/>
+            <a:r>
+              <a:rPr lang="en-GB" dirty="0"/>
+              <a:t>Test</a:t>
+            </a:r>
+            <a:br>
+              <a:rPr lang="en-GB" dirty="0"/>
+            </a:br>
+            <a:r>
+              <a:rPr lang="en-GB" dirty="0"/>
+              <a:t>quantity</a:t>
+            </a:r>
+          </a:p>
+          <a:p>
+            <a:pPr algn="ctr"/>
+            <a:r>
+              <a:rPr lang="en-GB" dirty="0"/>
+              <a:t>increase</a:t>
+            </a:r>
+            <a:endParaRPr lang="en-GB" dirty="0"/>
+          </a:p>
+        </p:txBody>
+      </p:sp>
+      <p:sp>
+        <p:nvSpPr>
+          <p:cNvPr id="18" name="TextBox 17"/>
+          <p:cNvSpPr txBox="1"/>
+          <p:nvPr/>
+        </p:nvSpPr>
+        <p:spPr>
+          <a:xfrm>
+            <a:off x="619249" y="4516318"/>
+            <a:ext cx="965521" cy="1200329"/>
+          </a:xfrm>
+          <a:prstGeom prst="rect">
+            <a:avLst/>
+          </a:prstGeom>
+          <a:noFill/>
+        </p:spPr>
+        <p:txBody>
+          <a:bodyPr wrap="none" rtlCol="0">
+            <a:spAutoFit/>
+          </a:bodyPr>
+          <a:lstStyle/>
+          <a:p>
+            <a:pPr algn="ctr"/>
+            <a:r>
+              <a:rPr lang="en-GB" dirty="0"/>
+              <a:t>Test</a:t>
+            </a:r>
+            <a:br>
+              <a:rPr lang="en-GB" dirty="0"/>
+            </a:br>
+            <a:r>
+              <a:rPr lang="en-GB" dirty="0"/>
+              <a:t>lines</a:t>
+            </a:r>
+          </a:p>
+          <a:p>
+            <a:pPr algn="ctr"/>
+            <a:r>
+              <a:rPr lang="en-GB" dirty="0"/>
+              <a:t>quantity</a:t>
+            </a:r>
+          </a:p>
+          <a:p>
+            <a:pPr algn="ctr"/>
+            <a:r>
+              <a:rPr lang="en-GB" dirty="0"/>
+              <a:t>increase</a:t>
+            </a:r>
+            <a:endParaRPr lang="en-GB" dirty="0"/>
+          </a:p>
+        </p:txBody>
+      </p:sp>
+      <p:sp>
+        <p:nvSpPr>
+          <p:cNvPr id="19" name="TextBox 18"/>
+          <p:cNvSpPr txBox="1"/>
+          <p:nvPr/>
+        </p:nvSpPr>
+        <p:spPr>
+          <a:xfrm>
+            <a:off x="3073567" y="3587621"/>
+            <a:ext cx="401072" cy="369332"/>
+          </a:xfrm>
+          <a:prstGeom prst="rect">
+            <a:avLst/>
+          </a:prstGeom>
+          <a:noFill/>
+        </p:spPr>
+        <p:txBody>
+          <a:bodyPr wrap="none" rtlCol="0">
+            <a:spAutoFit/>
+          </a:bodyPr>
+          <a:lstStyle/>
+          <a:p>
+            <a:r>
+              <a:rPr lang="en-GB" dirty="0"/>
+              <a:t>x2</a:t>
+            </a:r>
+          </a:p>
+        </p:txBody>
+      </p:sp>
+      <p:sp>
+        <p:nvSpPr>
+          <p:cNvPr id="20" name="TextBox 19"/>
+          <p:cNvSpPr txBox="1"/>
+          <p:nvPr/>
+        </p:nvSpPr>
+        <p:spPr>
+          <a:xfrm>
+            <a:off x="3107230" y="4875600"/>
+            <a:ext cx="401072" cy="369332"/>
+          </a:xfrm>
+          <a:prstGeom prst="rect">
+            <a:avLst/>
+          </a:prstGeom>
+          <a:noFill/>
+        </p:spPr>
+        <p:txBody>
+          <a:bodyPr wrap="none" rtlCol="0">
+            <a:spAutoFit/>
+          </a:bodyPr>
+          <a:lstStyle/>
+          <a:p>
+            <a:r>
+              <a:rPr lang="en-GB" dirty="0"/>
+              <a:t>x4</a:t>
+            </a:r>
+          </a:p>
+        </p:txBody>
+      </p:sp>
+      <p:sp>
+        <p:nvSpPr>
+          <p:cNvPr id="21" name="TextBox 20"/>
+          <p:cNvSpPr txBox="1"/>
+          <p:nvPr/>
+        </p:nvSpPr>
+        <p:spPr>
+          <a:xfrm>
+            <a:off x="6003643" y="3587621"/>
+            <a:ext cx="641522" cy="369332"/>
+          </a:xfrm>
+          <a:prstGeom prst="rect">
+            <a:avLst/>
+          </a:prstGeom>
+          <a:noFill/>
+        </p:spPr>
+        <p:txBody>
+          <a:bodyPr wrap="none" rtlCol="0">
+            <a:spAutoFit/>
+          </a:bodyPr>
+          <a:lstStyle/>
+          <a:p>
+            <a:r>
+              <a:rPr lang="en-GB" dirty="0"/>
+              <a:t>1..2?</a:t>
+            </a:r>
+          </a:p>
+        </p:txBody>
+      </p:sp>
+      <p:sp>
+        <p:nvSpPr>
+          <p:cNvPr id="22" name="TextBox 21"/>
+          <p:cNvSpPr txBox="1"/>
+          <p:nvPr/>
+        </p:nvSpPr>
+        <p:spPr>
+          <a:xfrm>
+            <a:off x="6045664" y="4875012"/>
+            <a:ext cx="292068" cy="369332"/>
+          </a:xfrm>
+          <a:prstGeom prst="rect">
+            <a:avLst/>
+          </a:prstGeom>
+          <a:noFill/>
+        </p:spPr>
+        <p:txBody>
+          <a:bodyPr wrap="none" rtlCol="0">
+            <a:spAutoFit/>
+          </a:bodyPr>
+          <a:lstStyle/>
+          <a:p>
+            <a:r>
+              <a:rPr lang="en-GB" dirty="0"/>
+              <a:t>?</a:t>
+            </a:r>
+          </a:p>
+        </p:txBody>
+      </p:sp>
+      <p:sp>
+        <p:nvSpPr>
+          <p:cNvPr id="23" name="TextBox 22"/>
+          <p:cNvSpPr txBox="1"/>
+          <p:nvPr/>
+        </p:nvSpPr>
+        <p:spPr>
+          <a:xfrm>
+            <a:off x="9848159" y="3587621"/>
+            <a:ext cx="301686" cy="369332"/>
+          </a:xfrm>
+          <a:prstGeom prst="rect">
+            <a:avLst/>
+          </a:prstGeom>
+          <a:noFill/>
+        </p:spPr>
+        <p:txBody>
+          <a:bodyPr wrap="none" rtlCol="0">
+            <a:spAutoFit/>
+          </a:bodyPr>
+          <a:lstStyle/>
+          <a:p>
+            <a:r>
+              <a:rPr lang="en-GB" dirty="0"/>
+              <a:t>0</a:t>
+            </a:r>
+          </a:p>
+        </p:txBody>
+      </p:sp>
+      <p:sp>
+        <p:nvSpPr>
+          <p:cNvPr id="24" name="TextBox 23"/>
+          <p:cNvSpPr txBox="1"/>
+          <p:nvPr/>
+        </p:nvSpPr>
+        <p:spPr>
+          <a:xfrm>
+            <a:off x="7963371" y="4875012"/>
+            <a:ext cx="343364" cy="369332"/>
+          </a:xfrm>
+          <a:prstGeom prst="rect">
+            <a:avLst/>
+          </a:prstGeom>
+          <a:noFill/>
+        </p:spPr>
+        <p:txBody>
+          <a:bodyPr wrap="none" rtlCol="0">
+            <a:spAutoFit/>
+          </a:bodyPr>
+          <a:lstStyle/>
+          <a:p>
+            <a:r>
+              <a:rPr lang="en-GB" dirty="0"/>
+              <a:t>…</a:t>
+            </a:r>
+          </a:p>
+        </p:txBody>
+      </p:sp>
+      <p:sp>
+        <p:nvSpPr>
+          <p:cNvPr id="25" name="TextBox 24"/>
+          <p:cNvSpPr txBox="1"/>
+          <p:nvPr/>
+        </p:nvSpPr>
+        <p:spPr>
+          <a:xfrm>
+            <a:off x="7951714" y="2114976"/>
+            <a:ext cx="343364" cy="369332"/>
+          </a:xfrm>
+          <a:prstGeom prst="rect">
+            <a:avLst/>
+          </a:prstGeom>
+          <a:noFill/>
+        </p:spPr>
+        <p:txBody>
+          <a:bodyPr wrap="none" rtlCol="0">
+            <a:spAutoFit/>
+          </a:bodyPr>
+          <a:lstStyle/>
+          <a:p>
+            <a:r>
+              <a:rPr lang="en-GB" dirty="0"/>
+              <a:t>…</a:t>
+            </a:r>
+          </a:p>
+        </p:txBody>
+      </p:sp>
+      <p:sp>
+        <p:nvSpPr>
+          <p:cNvPr id="26" name="TextBox 25"/>
+          <p:cNvSpPr txBox="1"/>
+          <p:nvPr/>
+        </p:nvSpPr>
+        <p:spPr>
+          <a:xfrm>
+            <a:off x="9873384" y="4875012"/>
+            <a:ext cx="301686" cy="369332"/>
+          </a:xfrm>
+          <a:prstGeom prst="rect">
+            <a:avLst/>
+          </a:prstGeom>
+          <a:noFill/>
+        </p:spPr>
+        <p:txBody>
+          <a:bodyPr wrap="none" rtlCol="0">
+            <a:spAutoFit/>
+          </a:bodyPr>
+          <a:lstStyle/>
+          <a:p>
+            <a:r>
+              <a:rPr lang="en-GB" dirty="0"/>
+              <a:t>0</a:t>
+            </a:r>
+          </a:p>
+        </p:txBody>
+      </p:sp>
     </p:spTree>
     <p:extLst>
       <p:ext uri="{BB962C8B-B14F-4D97-AF65-F5344CB8AC3E}">
-        <p14:creationId xmlns:p14="http://schemas.microsoft.com/office/powerpoint/2010/main" val="3521442204"/>
+        <p14:creationId xmlns:p14="http://schemas.microsoft.com/office/powerpoint/2010/main" val="871478372"/>
       </p:ext>
     </p:extLst>
   </p:cSld>
@@ -20923,767 +21469,6 @@
           <a:p>
             <a:r>
               <a:rPr lang="en-GB" dirty="0"/>
-              <a:t>Whole level mutation testing</a:t>
-            </a:r>
-          </a:p>
-          <a:p>
-            <a:endParaRPr lang="en-GB" dirty="0"/>
-          </a:p>
-          <a:p>
-            <a:endParaRPr lang="en-GB" dirty="0"/>
-          </a:p>
-          <a:p>
-            <a:endParaRPr lang="en-GB" dirty="0"/>
-          </a:p>
-          <a:p>
-            <a:endParaRPr lang="ru-RU" dirty="0"/>
-          </a:p>
-        </p:txBody>
-      </p:sp>
-      <p:sp>
-        <p:nvSpPr>
-          <p:cNvPr id="4" name="TextBox 3"/>
-          <p:cNvSpPr txBox="1"/>
-          <p:nvPr/>
-        </p:nvSpPr>
-        <p:spPr>
-          <a:xfrm>
-            <a:off x="2916819" y="1145894"/>
-            <a:ext cx="836896" cy="369332"/>
-          </a:xfrm>
-          <a:prstGeom prst="rect">
-            <a:avLst/>
-          </a:prstGeom>
-          <a:noFill/>
-        </p:spPr>
-        <p:txBody>
-          <a:bodyPr wrap="none" rtlCol="0">
-            <a:spAutoFit/>
-          </a:bodyPr>
-          <a:lstStyle/>
-          <a:p>
-            <a:r>
-              <a:rPr lang="en-GB" dirty="0"/>
-              <a:t>Level 1</a:t>
-            </a:r>
-          </a:p>
-        </p:txBody>
-      </p:sp>
-      <p:sp>
-        <p:nvSpPr>
-          <p:cNvPr id="5" name="TextBox 4"/>
-          <p:cNvSpPr txBox="1"/>
-          <p:nvPr/>
-        </p:nvSpPr>
-        <p:spPr>
-          <a:xfrm>
-            <a:off x="5785731" y="1157469"/>
-            <a:ext cx="836896" cy="369332"/>
-          </a:xfrm>
-          <a:prstGeom prst="rect">
-            <a:avLst/>
-          </a:prstGeom>
-          <a:noFill/>
-        </p:spPr>
-        <p:txBody>
-          <a:bodyPr wrap="none" rtlCol="0">
-            <a:spAutoFit/>
-          </a:bodyPr>
-          <a:lstStyle/>
-          <a:p>
-            <a:r>
-              <a:rPr lang="en-GB" dirty="0"/>
-              <a:t>Level 2</a:t>
-            </a:r>
-          </a:p>
-        </p:txBody>
-      </p:sp>
-      <p:cxnSp>
-        <p:nvCxnSpPr>
-          <p:cNvPr id="6" name="Straight Connector 5"/>
-          <p:cNvCxnSpPr/>
-          <p:nvPr/>
-        </p:nvCxnSpPr>
-        <p:spPr>
-          <a:xfrm>
-            <a:off x="4749982" y="1515226"/>
-            <a:ext cx="39482" cy="4514127"/>
-          </a:xfrm>
-          <a:prstGeom prst="line">
-            <a:avLst/>
-          </a:prstGeom>
-        </p:spPr>
-        <p:style>
-          <a:lnRef idx="1">
-            <a:schemeClr val="accent1"/>
-          </a:lnRef>
-          <a:fillRef idx="0">
-            <a:schemeClr val="accent1"/>
-          </a:fillRef>
-          <a:effectRef idx="0">
-            <a:schemeClr val="accent1"/>
-          </a:effectRef>
-          <a:fontRef idx="minor">
-            <a:schemeClr val="tx1"/>
-          </a:fontRef>
-        </p:style>
-      </p:cxnSp>
-      <p:cxnSp>
-        <p:nvCxnSpPr>
-          <p:cNvPr id="7" name="Straight Connector 6"/>
-          <p:cNvCxnSpPr/>
-          <p:nvPr/>
-        </p:nvCxnSpPr>
-        <p:spPr>
-          <a:xfrm>
-            <a:off x="7618894" y="1515225"/>
-            <a:ext cx="39482" cy="4514127"/>
-          </a:xfrm>
-          <a:prstGeom prst="line">
-            <a:avLst/>
-          </a:prstGeom>
-        </p:spPr>
-        <p:style>
-          <a:lnRef idx="1">
-            <a:schemeClr val="accent1"/>
-          </a:lnRef>
-          <a:fillRef idx="0">
-            <a:schemeClr val="accent1"/>
-          </a:fillRef>
-          <a:effectRef idx="0">
-            <a:schemeClr val="accent1"/>
-          </a:effectRef>
-          <a:fontRef idx="minor">
-            <a:schemeClr val="tx1"/>
-          </a:fontRef>
-        </p:style>
-      </p:cxnSp>
-      <p:cxnSp>
-        <p:nvCxnSpPr>
-          <p:cNvPr id="8" name="Straight Connector 7"/>
-          <p:cNvCxnSpPr/>
-          <p:nvPr/>
-        </p:nvCxnSpPr>
-        <p:spPr>
-          <a:xfrm>
-            <a:off x="8588416" y="1515226"/>
-            <a:ext cx="39482" cy="4514127"/>
-          </a:xfrm>
-          <a:prstGeom prst="line">
-            <a:avLst/>
-          </a:prstGeom>
-        </p:spPr>
-        <p:style>
-          <a:lnRef idx="1">
-            <a:schemeClr val="accent1"/>
-          </a:lnRef>
-          <a:fillRef idx="0">
-            <a:schemeClr val="accent1"/>
-          </a:fillRef>
-          <a:effectRef idx="0">
-            <a:schemeClr val="accent1"/>
-          </a:effectRef>
-          <a:fontRef idx="minor">
-            <a:schemeClr val="tx1"/>
-          </a:fontRef>
-        </p:style>
-      </p:cxnSp>
-      <p:sp>
-        <p:nvSpPr>
-          <p:cNvPr id="9" name="TextBox 8"/>
-          <p:cNvSpPr txBox="1"/>
-          <p:nvPr/>
-        </p:nvSpPr>
-        <p:spPr>
-          <a:xfrm>
-            <a:off x="9557938" y="1145894"/>
-            <a:ext cx="868956" cy="369332"/>
-          </a:xfrm>
-          <a:prstGeom prst="rect">
-            <a:avLst/>
-          </a:prstGeom>
-          <a:noFill/>
-        </p:spPr>
-        <p:txBody>
-          <a:bodyPr wrap="none" rtlCol="0">
-            <a:spAutoFit/>
-          </a:bodyPr>
-          <a:lstStyle/>
-          <a:p>
-            <a:r>
-              <a:rPr lang="en-GB" dirty="0"/>
-              <a:t>Level N</a:t>
-            </a:r>
-          </a:p>
-        </p:txBody>
-      </p:sp>
-      <p:cxnSp>
-        <p:nvCxnSpPr>
-          <p:cNvPr id="11" name="Straight Connector 10"/>
-          <p:cNvCxnSpPr/>
-          <p:nvPr/>
-        </p:nvCxnSpPr>
-        <p:spPr>
-          <a:xfrm>
-            <a:off x="1986779" y="1515224"/>
-            <a:ext cx="39482" cy="4514127"/>
-          </a:xfrm>
-          <a:prstGeom prst="line">
-            <a:avLst/>
-          </a:prstGeom>
-        </p:spPr>
-        <p:style>
-          <a:lnRef idx="1">
-            <a:schemeClr val="accent1"/>
-          </a:lnRef>
-          <a:fillRef idx="0">
-            <a:schemeClr val="accent1"/>
-          </a:fillRef>
-          <a:effectRef idx="0">
-            <a:schemeClr val="accent1"/>
-          </a:effectRef>
-          <a:fontRef idx="minor">
-            <a:schemeClr val="tx1"/>
-          </a:fontRef>
-        </p:style>
-      </p:cxnSp>
-      <p:sp>
-        <p:nvSpPr>
-          <p:cNvPr id="12" name="TextBox 11"/>
-          <p:cNvSpPr txBox="1"/>
-          <p:nvPr/>
-        </p:nvSpPr>
-        <p:spPr>
-          <a:xfrm>
-            <a:off x="7951714" y="3587621"/>
-            <a:ext cx="343364" cy="369332"/>
-          </a:xfrm>
-          <a:prstGeom prst="rect">
-            <a:avLst/>
-          </a:prstGeom>
-          <a:noFill/>
-        </p:spPr>
-        <p:txBody>
-          <a:bodyPr wrap="none" rtlCol="0">
-            <a:spAutoFit/>
-          </a:bodyPr>
-          <a:lstStyle/>
-          <a:p>
-            <a:r>
-              <a:rPr lang="en-GB" dirty="0"/>
-              <a:t>…</a:t>
-            </a:r>
-          </a:p>
-        </p:txBody>
-      </p:sp>
-      <p:sp>
-        <p:nvSpPr>
-          <p:cNvPr id="13" name="TextBox 12"/>
-          <p:cNvSpPr txBox="1"/>
-          <p:nvPr/>
-        </p:nvSpPr>
-        <p:spPr>
-          <a:xfrm>
-            <a:off x="617198" y="1837977"/>
-            <a:ext cx="1046953" cy="923330"/>
-          </a:xfrm>
-          <a:prstGeom prst="rect">
-            <a:avLst/>
-          </a:prstGeom>
-          <a:noFill/>
-        </p:spPr>
-        <p:txBody>
-          <a:bodyPr wrap="none" rtlCol="0">
-            <a:spAutoFit/>
-          </a:bodyPr>
-          <a:lstStyle/>
-          <a:p>
-            <a:pPr algn="ctr"/>
-            <a:r>
-              <a:rPr lang="en-GB" dirty="0"/>
-              <a:t>Code</a:t>
-            </a:r>
-          </a:p>
-          <a:p>
-            <a:pPr algn="ctr"/>
-            <a:r>
-              <a:rPr lang="en-GB" dirty="0"/>
-              <a:t>mutation</a:t>
-            </a:r>
-          </a:p>
-          <a:p>
-            <a:pPr algn="ctr"/>
-            <a:r>
-              <a:rPr lang="en-GB" dirty="0"/>
-              <a:t>quantity</a:t>
-            </a:r>
-            <a:endParaRPr lang="en-GB" dirty="0"/>
-          </a:p>
-        </p:txBody>
-      </p:sp>
-      <p:sp>
-        <p:nvSpPr>
-          <p:cNvPr id="14" name="TextBox 13"/>
-          <p:cNvSpPr txBox="1"/>
-          <p:nvPr/>
-        </p:nvSpPr>
-        <p:spPr>
-          <a:xfrm>
-            <a:off x="3107230" y="2114976"/>
-            <a:ext cx="333746" cy="369332"/>
-          </a:xfrm>
-          <a:prstGeom prst="rect">
-            <a:avLst/>
-          </a:prstGeom>
-          <a:noFill/>
-        </p:spPr>
-        <p:txBody>
-          <a:bodyPr wrap="none" rtlCol="0">
-            <a:spAutoFit/>
-          </a:bodyPr>
-          <a:lstStyle/>
-          <a:p>
-            <a:r>
-              <a:rPr lang="en-GB" dirty="0"/>
-              <a:t>N</a:t>
-            </a:r>
-          </a:p>
-        </p:txBody>
-      </p:sp>
-      <p:sp>
-        <p:nvSpPr>
-          <p:cNvPr id="15" name="TextBox 14"/>
-          <p:cNvSpPr txBox="1"/>
-          <p:nvPr/>
-        </p:nvSpPr>
-        <p:spPr>
-          <a:xfrm>
-            <a:off x="5553199" y="2134934"/>
-            <a:ext cx="1301959" cy="369332"/>
-          </a:xfrm>
-          <a:prstGeom prst="rect">
-            <a:avLst/>
-          </a:prstGeom>
-          <a:noFill/>
-        </p:spPr>
-        <p:txBody>
-          <a:bodyPr wrap="none" rtlCol="0">
-            <a:spAutoFit/>
-          </a:bodyPr>
-          <a:lstStyle/>
-          <a:p>
-            <a:r>
-              <a:rPr lang="en-GB" dirty="0"/>
-              <a:t>&gt; N*(N-1)/2</a:t>
-            </a:r>
-          </a:p>
-        </p:txBody>
-      </p:sp>
-      <p:sp>
-        <p:nvSpPr>
-          <p:cNvPr id="16" name="TextBox 15"/>
-          <p:cNvSpPr txBox="1"/>
-          <p:nvPr/>
-        </p:nvSpPr>
-        <p:spPr>
-          <a:xfrm>
-            <a:off x="9609553" y="2114976"/>
-            <a:ext cx="734496" cy="369332"/>
-          </a:xfrm>
-          <a:prstGeom prst="rect">
-            <a:avLst/>
-          </a:prstGeom>
-          <a:noFill/>
-        </p:spPr>
-        <p:txBody>
-          <a:bodyPr wrap="none" rtlCol="0">
-            <a:spAutoFit/>
-          </a:bodyPr>
-          <a:lstStyle/>
-          <a:p>
-            <a:r>
-              <a:rPr lang="en-GB" dirty="0"/>
-              <a:t>&gt; 2^N</a:t>
-            </a:r>
-          </a:p>
-        </p:txBody>
-      </p:sp>
-      <p:sp>
-        <p:nvSpPr>
-          <p:cNvPr id="17" name="TextBox 16"/>
-          <p:cNvSpPr txBox="1"/>
-          <p:nvPr/>
-        </p:nvSpPr>
-        <p:spPr>
-          <a:xfrm>
-            <a:off x="655863" y="3310622"/>
-            <a:ext cx="969624" cy="923330"/>
-          </a:xfrm>
-          <a:prstGeom prst="rect">
-            <a:avLst/>
-          </a:prstGeom>
-          <a:noFill/>
-        </p:spPr>
-        <p:txBody>
-          <a:bodyPr wrap="none" rtlCol="0">
-            <a:spAutoFit/>
-          </a:bodyPr>
-          <a:lstStyle/>
-          <a:p>
-            <a:pPr algn="ctr"/>
-            <a:r>
-              <a:rPr lang="en-GB" dirty="0"/>
-              <a:t>Test</a:t>
-            </a:r>
-            <a:br>
-              <a:rPr lang="en-GB" dirty="0"/>
-            </a:br>
-            <a:r>
-              <a:rPr lang="en-GB" dirty="0"/>
-              <a:t>quantity</a:t>
-            </a:r>
-          </a:p>
-          <a:p>
-            <a:pPr algn="ctr"/>
-            <a:r>
-              <a:rPr lang="en-GB" dirty="0"/>
-              <a:t>increase</a:t>
-            </a:r>
-            <a:endParaRPr lang="en-GB" dirty="0"/>
-          </a:p>
-        </p:txBody>
-      </p:sp>
-      <p:sp>
-        <p:nvSpPr>
-          <p:cNvPr id="18" name="TextBox 17"/>
-          <p:cNvSpPr txBox="1"/>
-          <p:nvPr/>
-        </p:nvSpPr>
-        <p:spPr>
-          <a:xfrm>
-            <a:off x="619249" y="4516318"/>
-            <a:ext cx="965521" cy="1200329"/>
-          </a:xfrm>
-          <a:prstGeom prst="rect">
-            <a:avLst/>
-          </a:prstGeom>
-          <a:noFill/>
-        </p:spPr>
-        <p:txBody>
-          <a:bodyPr wrap="none" rtlCol="0">
-            <a:spAutoFit/>
-          </a:bodyPr>
-          <a:lstStyle/>
-          <a:p>
-            <a:pPr algn="ctr"/>
-            <a:r>
-              <a:rPr lang="en-GB" dirty="0"/>
-              <a:t>Test</a:t>
-            </a:r>
-            <a:br>
-              <a:rPr lang="en-GB" dirty="0"/>
-            </a:br>
-            <a:r>
-              <a:rPr lang="en-GB" dirty="0"/>
-              <a:t>lines</a:t>
-            </a:r>
-          </a:p>
-          <a:p>
-            <a:pPr algn="ctr"/>
-            <a:r>
-              <a:rPr lang="en-GB" dirty="0"/>
-              <a:t>quantity</a:t>
-            </a:r>
-          </a:p>
-          <a:p>
-            <a:pPr algn="ctr"/>
-            <a:r>
-              <a:rPr lang="en-GB" dirty="0"/>
-              <a:t>increase</a:t>
-            </a:r>
-            <a:endParaRPr lang="en-GB" dirty="0"/>
-          </a:p>
-        </p:txBody>
-      </p:sp>
-      <p:sp>
-        <p:nvSpPr>
-          <p:cNvPr id="19" name="TextBox 18"/>
-          <p:cNvSpPr txBox="1"/>
-          <p:nvPr/>
-        </p:nvSpPr>
-        <p:spPr>
-          <a:xfrm>
-            <a:off x="3073567" y="3587621"/>
-            <a:ext cx="401072" cy="369332"/>
-          </a:xfrm>
-          <a:prstGeom prst="rect">
-            <a:avLst/>
-          </a:prstGeom>
-          <a:noFill/>
-        </p:spPr>
-        <p:txBody>
-          <a:bodyPr wrap="none" rtlCol="0">
-            <a:spAutoFit/>
-          </a:bodyPr>
-          <a:lstStyle/>
-          <a:p>
-            <a:r>
-              <a:rPr lang="en-GB" dirty="0"/>
-              <a:t>x2</a:t>
-            </a:r>
-          </a:p>
-        </p:txBody>
-      </p:sp>
-      <p:sp>
-        <p:nvSpPr>
-          <p:cNvPr id="20" name="TextBox 19"/>
-          <p:cNvSpPr txBox="1"/>
-          <p:nvPr/>
-        </p:nvSpPr>
-        <p:spPr>
-          <a:xfrm>
-            <a:off x="3107230" y="4875600"/>
-            <a:ext cx="401072" cy="369332"/>
-          </a:xfrm>
-          <a:prstGeom prst="rect">
-            <a:avLst/>
-          </a:prstGeom>
-          <a:noFill/>
-        </p:spPr>
-        <p:txBody>
-          <a:bodyPr wrap="none" rtlCol="0">
-            <a:spAutoFit/>
-          </a:bodyPr>
-          <a:lstStyle/>
-          <a:p>
-            <a:r>
-              <a:rPr lang="en-GB" dirty="0"/>
-              <a:t>x4</a:t>
-            </a:r>
-          </a:p>
-        </p:txBody>
-      </p:sp>
-      <p:sp>
-        <p:nvSpPr>
-          <p:cNvPr id="21" name="TextBox 20"/>
-          <p:cNvSpPr txBox="1"/>
-          <p:nvPr/>
-        </p:nvSpPr>
-        <p:spPr>
-          <a:xfrm>
-            <a:off x="6003643" y="3587621"/>
-            <a:ext cx="641522" cy="369332"/>
-          </a:xfrm>
-          <a:prstGeom prst="rect">
-            <a:avLst/>
-          </a:prstGeom>
-          <a:noFill/>
-        </p:spPr>
-        <p:txBody>
-          <a:bodyPr wrap="none" rtlCol="0">
-            <a:spAutoFit/>
-          </a:bodyPr>
-          <a:lstStyle/>
-          <a:p>
-            <a:r>
-              <a:rPr lang="en-GB" dirty="0"/>
-              <a:t>1..2?</a:t>
-            </a:r>
-          </a:p>
-        </p:txBody>
-      </p:sp>
-      <p:sp>
-        <p:nvSpPr>
-          <p:cNvPr id="22" name="TextBox 21"/>
-          <p:cNvSpPr txBox="1"/>
-          <p:nvPr/>
-        </p:nvSpPr>
-        <p:spPr>
-          <a:xfrm>
-            <a:off x="6045664" y="4875012"/>
-            <a:ext cx="292068" cy="369332"/>
-          </a:xfrm>
-          <a:prstGeom prst="rect">
-            <a:avLst/>
-          </a:prstGeom>
-          <a:noFill/>
-        </p:spPr>
-        <p:txBody>
-          <a:bodyPr wrap="none" rtlCol="0">
-            <a:spAutoFit/>
-          </a:bodyPr>
-          <a:lstStyle/>
-          <a:p>
-            <a:r>
-              <a:rPr lang="en-GB" dirty="0"/>
-              <a:t>?</a:t>
-            </a:r>
-          </a:p>
-        </p:txBody>
-      </p:sp>
-      <p:sp>
-        <p:nvSpPr>
-          <p:cNvPr id="23" name="TextBox 22"/>
-          <p:cNvSpPr txBox="1"/>
-          <p:nvPr/>
-        </p:nvSpPr>
-        <p:spPr>
-          <a:xfrm>
-            <a:off x="9848159" y="3587621"/>
-            <a:ext cx="301686" cy="369332"/>
-          </a:xfrm>
-          <a:prstGeom prst="rect">
-            <a:avLst/>
-          </a:prstGeom>
-          <a:noFill/>
-        </p:spPr>
-        <p:txBody>
-          <a:bodyPr wrap="none" rtlCol="0">
-            <a:spAutoFit/>
-          </a:bodyPr>
-          <a:lstStyle/>
-          <a:p>
-            <a:r>
-              <a:rPr lang="en-GB" dirty="0"/>
-              <a:t>0</a:t>
-            </a:r>
-          </a:p>
-        </p:txBody>
-      </p:sp>
-      <p:sp>
-        <p:nvSpPr>
-          <p:cNvPr id="24" name="TextBox 23"/>
-          <p:cNvSpPr txBox="1"/>
-          <p:nvPr/>
-        </p:nvSpPr>
-        <p:spPr>
-          <a:xfrm>
-            <a:off x="7963371" y="4875012"/>
-            <a:ext cx="343364" cy="369332"/>
-          </a:xfrm>
-          <a:prstGeom prst="rect">
-            <a:avLst/>
-          </a:prstGeom>
-          <a:noFill/>
-        </p:spPr>
-        <p:txBody>
-          <a:bodyPr wrap="none" rtlCol="0">
-            <a:spAutoFit/>
-          </a:bodyPr>
-          <a:lstStyle/>
-          <a:p>
-            <a:r>
-              <a:rPr lang="en-GB" dirty="0"/>
-              <a:t>…</a:t>
-            </a:r>
-          </a:p>
-        </p:txBody>
-      </p:sp>
-      <p:sp>
-        <p:nvSpPr>
-          <p:cNvPr id="25" name="TextBox 24"/>
-          <p:cNvSpPr txBox="1"/>
-          <p:nvPr/>
-        </p:nvSpPr>
-        <p:spPr>
-          <a:xfrm>
-            <a:off x="7951714" y="2114976"/>
-            <a:ext cx="343364" cy="369332"/>
-          </a:xfrm>
-          <a:prstGeom prst="rect">
-            <a:avLst/>
-          </a:prstGeom>
-          <a:noFill/>
-        </p:spPr>
-        <p:txBody>
-          <a:bodyPr wrap="none" rtlCol="0">
-            <a:spAutoFit/>
-          </a:bodyPr>
-          <a:lstStyle/>
-          <a:p>
-            <a:r>
-              <a:rPr lang="en-GB" dirty="0"/>
-              <a:t>…</a:t>
-            </a:r>
-          </a:p>
-        </p:txBody>
-      </p:sp>
-      <p:sp>
-        <p:nvSpPr>
-          <p:cNvPr id="26" name="TextBox 25"/>
-          <p:cNvSpPr txBox="1"/>
-          <p:nvPr/>
-        </p:nvSpPr>
-        <p:spPr>
-          <a:xfrm>
-            <a:off x="9873384" y="4875012"/>
-            <a:ext cx="301686" cy="369332"/>
-          </a:xfrm>
-          <a:prstGeom prst="rect">
-            <a:avLst/>
-          </a:prstGeom>
-          <a:noFill/>
-        </p:spPr>
-        <p:txBody>
-          <a:bodyPr wrap="none" rtlCol="0">
-            <a:spAutoFit/>
-          </a:bodyPr>
-          <a:lstStyle/>
-          <a:p>
-            <a:r>
-              <a:rPr lang="en-GB" dirty="0"/>
-              <a:t>0</a:t>
-            </a:r>
-          </a:p>
-        </p:txBody>
-      </p:sp>
-    </p:spTree>
-    <p:extLst>
-      <p:ext uri="{BB962C8B-B14F-4D97-AF65-F5344CB8AC3E}">
-        <p14:creationId xmlns:p14="http://schemas.microsoft.com/office/powerpoint/2010/main" val="871478372"/>
-      </p:ext>
-    </p:extLst>
-  </p:cSld>
-  <p:clrMapOvr>
-    <a:masterClrMapping/>
-  </p:clrMapOvr>
-</p:sld>
-</file>
-
-<file path=ppt/slides/slide22.xml><?xml version="1.0" encoding="utf-8"?>
-<p:sld xmlns:a="http://schemas.openxmlformats.org/drawingml/2006/main" xmlns:r="http://schemas.openxmlformats.org/officeDocument/2006/relationships" xmlns:p="http://schemas.openxmlformats.org/presentationml/2006/main">
-  <p:cSld>
-    <p:spTree>
-      <p:nvGrpSpPr>
-        <p:cNvPr id="1" name=""/>
-        <p:cNvGrpSpPr/>
-        <p:nvPr/>
-      </p:nvGrpSpPr>
-      <p:grpSpPr>
-        <a:xfrm>
-          <a:off x="0" y="0"/>
-          <a:ext cx="0" cy="0"/>
-          <a:chOff x="0" y="0"/>
-          <a:chExt cx="0" cy="0"/>
-        </a:xfrm>
-      </p:grpSpPr>
-      <p:sp>
-        <p:nvSpPr>
-          <p:cNvPr id="2" name="Текст 1"/>
-          <p:cNvSpPr>
-            <a:spLocks noGrp="1"/>
-          </p:cNvSpPr>
-          <p:nvPr>
-            <p:ph type="body" sz="quarter" idx="33"/>
-          </p:nvPr>
-        </p:nvSpPr>
-        <p:spPr/>
-        <p:txBody>
-          <a:bodyPr/>
-          <a:lstStyle/>
-          <a:p>
-            <a:r>
-              <a:rPr lang="en-GB" dirty="0"/>
               <a:t>Whole level mutation tests can generate code?</a:t>
             </a:r>
           </a:p>
@@ -22024,7 +21809,7 @@
 </p:sld>
 </file>
 
-<file path=ppt/slides/slide23.xml><?xml version="1.0" encoding="utf-8"?>
+<file path=ppt/slides/slide22.xml><?xml version="1.0" encoding="utf-8"?>
 <p:sld xmlns:a="http://schemas.openxmlformats.org/drawingml/2006/main" xmlns:r="http://schemas.openxmlformats.org/officeDocument/2006/relationships" xmlns:p="http://schemas.openxmlformats.org/presentationml/2006/main">
   <p:cSld>
     <p:spTree>
@@ -22632,9 +22417,38 @@
           </a:p>
         </p:txBody>
       </p:sp>
+      <p:sp>
+        <p:nvSpPr>
+          <p:cNvPr id="4" name="TextBox 3"/>
+          <p:cNvSpPr txBox="1"/>
+          <p:nvPr/>
+        </p:nvSpPr>
+        <p:spPr>
+          <a:xfrm>
+            <a:off x="460230" y="1741323"/>
+            <a:ext cx="555921" cy="369332"/>
+          </a:xfrm>
+          <a:prstGeom prst="rect">
+            <a:avLst/>
+          </a:prstGeom>
+          <a:noFill/>
+        </p:spPr>
+        <p:txBody>
+          <a:bodyPr wrap="none" rtlCol="0">
+            <a:spAutoFit/>
+          </a:bodyPr>
+          <a:lstStyle/>
+          <a:p>
+            <a:r>
+              <a:rPr lang="en-GB" dirty="0"/>
+              <a:t>Test</a:t>
+            </a:r>
+          </a:p>
+        </p:txBody>
+      </p:sp>
       <p:pic>
         <p:nvPicPr>
-          <p:cNvPr id="3" name="Picture 2"/>
+          <p:cNvPr id="5" name="Picture 4"/>
           <p:cNvPicPr>
             <a:picLocks noChangeAspect="1"/>
           </p:cNvPicPr>
@@ -22648,24 +22462,31 @@
         </p:blipFill>
         <p:spPr>
           <a:xfrm>
-            <a:off x="738191" y="2579914"/>
-            <a:ext cx="4130598" cy="975632"/>
+            <a:off x="6525985" y="2579914"/>
+            <a:ext cx="4624337" cy="1918608"/>
           </a:xfrm>
           <a:prstGeom prst="rect">
             <a:avLst/>
           </a:prstGeom>
+          <a:effectLst>
+            <a:outerShdw blurRad="63500" sx="102000" sy="102000" algn="ctr" rotWithShape="0">
+              <a:prstClr val="black">
+                <a:alpha val="40000"/>
+              </a:prstClr>
+            </a:outerShdw>
+          </a:effectLst>
         </p:spPr>
       </p:pic>
       <p:sp>
         <p:nvSpPr>
-          <p:cNvPr id="4" name="TextBox 3"/>
+          <p:cNvPr id="6" name="TextBox 5"/>
           <p:cNvSpPr txBox="1"/>
           <p:nvPr/>
         </p:nvSpPr>
         <p:spPr>
           <a:xfrm>
-            <a:off x="460230" y="1741323"/>
-            <a:ext cx="555921" cy="369332"/>
+            <a:off x="6193971" y="1741323"/>
+            <a:ext cx="1562607" cy="369332"/>
           </a:xfrm>
           <a:prstGeom prst="rect">
             <a:avLst/>
@@ -22680,14 +22501,14 @@
           <a:p>
             <a:r>
               <a:rPr lang="en-GB" dirty="0"/>
-              <a:t>Test</a:t>
+              <a:t>Code coverage</a:t>
             </a:r>
           </a:p>
         </p:txBody>
       </p:sp>
       <p:pic>
         <p:nvPicPr>
-          <p:cNvPr id="5" name="Picture 4"/>
+          <p:cNvPr id="7" name="Picture 6"/>
           <p:cNvPicPr>
             <a:picLocks noChangeAspect="1"/>
           </p:cNvPicPr>
@@ -22701,54 +22522,18 @@
         </p:blipFill>
         <p:spPr>
           <a:xfrm>
-            <a:off x="6525985" y="2579914"/>
-            <a:ext cx="4624337" cy="1918608"/>
+            <a:off x="738190" y="2651198"/>
+            <a:ext cx="4127219" cy="950584"/>
           </a:xfrm>
           <a:prstGeom prst="rect">
             <a:avLst/>
           </a:prstGeom>
-          <a:effectLst>
-            <a:outerShdw blurRad="63500" sx="102000" sy="102000" algn="ctr" rotWithShape="0">
-              <a:prstClr val="black">
-                <a:alpha val="40000"/>
-              </a:prstClr>
-            </a:outerShdw>
-          </a:effectLst>
         </p:spPr>
       </p:pic>
-      <p:sp>
-        <p:nvSpPr>
-          <p:cNvPr id="6" name="TextBox 5"/>
-          <p:cNvSpPr txBox="1"/>
-          <p:nvPr/>
-        </p:nvSpPr>
-        <p:spPr>
-          <a:xfrm>
-            <a:off x="6193971" y="1741323"/>
-            <a:ext cx="1562607" cy="369332"/>
-          </a:xfrm>
-          <a:prstGeom prst="rect">
-            <a:avLst/>
-          </a:prstGeom>
-          <a:noFill/>
-        </p:spPr>
-        <p:txBody>
-          <a:bodyPr wrap="none" rtlCol="0">
-            <a:spAutoFit/>
-          </a:bodyPr>
-          <a:lstStyle/>
-          <a:p>
-            <a:r>
-              <a:rPr lang="en-GB" dirty="0"/>
-              <a:t>Code coverage</a:t>
-            </a:r>
-          </a:p>
-        </p:txBody>
-      </p:sp>
     </p:spTree>
     <p:extLst>
       <p:ext uri="{BB962C8B-B14F-4D97-AF65-F5344CB8AC3E}">
-        <p14:creationId xmlns:p14="http://schemas.microsoft.com/office/powerpoint/2010/main" val="1163322575"/>
+        <p14:creationId xmlns:p14="http://schemas.microsoft.com/office/powerpoint/2010/main" val="2564615696"/>
       </p:ext>
     </p:extLst>
   </p:cSld>
@@ -22800,38 +22585,9 @@
           </a:p>
         </p:txBody>
       </p:sp>
-      <p:sp>
-        <p:nvSpPr>
-          <p:cNvPr id="4" name="TextBox 3"/>
-          <p:cNvSpPr txBox="1"/>
-          <p:nvPr/>
-        </p:nvSpPr>
-        <p:spPr>
-          <a:xfrm>
-            <a:off x="460230" y="1741323"/>
-            <a:ext cx="555921" cy="369332"/>
-          </a:xfrm>
-          <a:prstGeom prst="rect">
-            <a:avLst/>
-          </a:prstGeom>
-          <a:noFill/>
-        </p:spPr>
-        <p:txBody>
-          <a:bodyPr wrap="none" rtlCol="0">
-            <a:spAutoFit/>
-          </a:bodyPr>
-          <a:lstStyle/>
-          <a:p>
-            <a:r>
-              <a:rPr lang="en-GB" dirty="0"/>
-              <a:t>Test</a:t>
-            </a:r>
-          </a:p>
-        </p:txBody>
-      </p:sp>
       <p:pic>
         <p:nvPicPr>
-          <p:cNvPr id="5" name="Picture 4"/>
+          <p:cNvPr id="7" name="Picture 6"/>
           <p:cNvPicPr>
             <a:picLocks noChangeAspect="1"/>
           </p:cNvPicPr>
@@ -22845,8 +22601,8 @@
         </p:blipFill>
         <p:spPr>
           <a:xfrm>
-            <a:off x="6525985" y="2579914"/>
-            <a:ext cx="4624337" cy="1918608"/>
+            <a:off x="2614612" y="1604962"/>
+            <a:ext cx="6962775" cy="3648075"/>
           </a:xfrm>
           <a:prstGeom prst="rect">
             <a:avLst/>
@@ -22860,63 +22616,10 @@
           </a:effectLst>
         </p:spPr>
       </p:pic>
-      <p:sp>
-        <p:nvSpPr>
-          <p:cNvPr id="6" name="TextBox 5"/>
-          <p:cNvSpPr txBox="1"/>
-          <p:nvPr/>
-        </p:nvSpPr>
-        <p:spPr>
-          <a:xfrm>
-            <a:off x="6193971" y="1741323"/>
-            <a:ext cx="1562607" cy="369332"/>
-          </a:xfrm>
-          <a:prstGeom prst="rect">
-            <a:avLst/>
-          </a:prstGeom>
-          <a:noFill/>
-        </p:spPr>
-        <p:txBody>
-          <a:bodyPr wrap="none" rtlCol="0">
-            <a:spAutoFit/>
-          </a:bodyPr>
-          <a:lstStyle/>
-          <a:p>
-            <a:r>
-              <a:rPr lang="en-GB" dirty="0"/>
-              <a:t>Code coverage</a:t>
-            </a:r>
-          </a:p>
-        </p:txBody>
-      </p:sp>
-      <p:pic>
-        <p:nvPicPr>
-          <p:cNvPr id="7" name="Picture 6"/>
-          <p:cNvPicPr>
-            <a:picLocks noChangeAspect="1"/>
-          </p:cNvPicPr>
-          <p:nvPr/>
-        </p:nvPicPr>
-        <p:blipFill>
-          <a:blip r:embed="rId4"/>
-          <a:stretch>
-            <a:fillRect/>
-          </a:stretch>
-        </p:blipFill>
-        <p:spPr>
-          <a:xfrm>
-            <a:off x="738190" y="2651198"/>
-            <a:ext cx="4127219" cy="950584"/>
-          </a:xfrm>
-          <a:prstGeom prst="rect">
-            <a:avLst/>
-          </a:prstGeom>
-        </p:spPr>
-      </p:pic>
     </p:spTree>
     <p:extLst>
       <p:ext uri="{BB962C8B-B14F-4D97-AF65-F5344CB8AC3E}">
-        <p14:creationId xmlns:p14="http://schemas.microsoft.com/office/powerpoint/2010/main" val="2564615696"/>
+        <p14:creationId xmlns:p14="http://schemas.microsoft.com/office/powerpoint/2010/main" val="604617979"/>
       </p:ext>
     </p:extLst>
   </p:cSld>
@@ -22960,8 +22663,11 @@
           <a:p>
             <a:r>
               <a:rPr lang="en-GB" dirty="0"/>
-              <a:t>Code coverage</a:t>
-            </a:r>
+              <a:t>Mutant</a:t>
+            </a:r>
+          </a:p>
+          <a:p>
+            <a:endParaRPr lang="en-GB" dirty="0"/>
           </a:p>
           <a:p>
             <a:endParaRPr lang="ru-RU" dirty="0"/>
@@ -22970,7 +22676,7 @@
       </p:sp>
       <p:pic>
         <p:nvPicPr>
-          <p:cNvPr id="7" name="Picture 6"/>
+          <p:cNvPr id="3" name="Picture 2"/>
           <p:cNvPicPr>
             <a:picLocks noChangeAspect="1"/>
           </p:cNvPicPr>
@@ -22984,25 +22690,228 @@
         </p:blipFill>
         <p:spPr>
           <a:xfrm>
-            <a:off x="2614612" y="1604962"/>
-            <a:ext cx="6962775" cy="3648075"/>
+            <a:off x="1704976" y="1131755"/>
+            <a:ext cx="3750276" cy="1077207"/>
           </a:xfrm>
           <a:prstGeom prst="rect">
             <a:avLst/>
           </a:prstGeom>
-          <a:effectLst>
-            <a:outerShdw blurRad="63500" sx="102000" sy="102000" algn="ctr" rotWithShape="0">
-              <a:prstClr val="black">
-                <a:alpha val="40000"/>
-              </a:prstClr>
-            </a:outerShdw>
-          </a:effectLst>
+        </p:spPr>
+      </p:pic>
+      <p:pic>
+        <p:nvPicPr>
+          <p:cNvPr id="4" name="Picture 3"/>
+          <p:cNvPicPr>
+            <a:picLocks noChangeAspect="1"/>
+          </p:cNvPicPr>
+          <p:nvPr/>
+        </p:nvPicPr>
+        <p:blipFill>
+          <a:blip r:embed="rId4"/>
+          <a:stretch>
+            <a:fillRect/>
+          </a:stretch>
+        </p:blipFill>
+        <p:spPr>
+          <a:xfrm>
+            <a:off x="7952291" y="1239000"/>
+            <a:ext cx="2323773" cy="862718"/>
+          </a:xfrm>
+          <a:prstGeom prst="rect">
+            <a:avLst/>
+          </a:prstGeom>
+        </p:spPr>
+      </p:pic>
+      <p:sp>
+        <p:nvSpPr>
+          <p:cNvPr id="5" name="Arrow: Right 4"/>
+          <p:cNvSpPr/>
+          <p:nvPr/>
+        </p:nvSpPr>
+        <p:spPr>
+          <a:xfrm>
+            <a:off x="6331238" y="1581238"/>
+            <a:ext cx="745067" cy="178240"/>
+          </a:xfrm>
+          <a:prstGeom prst="rightArrow">
+            <a:avLst/>
+          </a:prstGeom>
+        </p:spPr>
+        <p:style>
+          <a:lnRef idx="2">
+            <a:schemeClr val="accent1">
+              <a:shade val="50000"/>
+            </a:schemeClr>
+          </a:lnRef>
+          <a:fillRef idx="1">
+            <a:schemeClr val="accent1"/>
+          </a:fillRef>
+          <a:effectRef idx="0">
+            <a:schemeClr val="accent1"/>
+          </a:effectRef>
+          <a:fontRef idx="minor">
+            <a:schemeClr val="lt1"/>
+          </a:fontRef>
+        </p:style>
+        <p:txBody>
+          <a:bodyPr rtlCol="0" anchor="ctr"/>
+          <a:lstStyle/>
+          <a:p>
+            <a:pPr algn="ctr"/>
+            <a:endParaRPr lang="en-GB"/>
+          </a:p>
+        </p:txBody>
+      </p:sp>
+      <p:pic>
+        <p:nvPicPr>
+          <p:cNvPr id="6" name="Picture 5"/>
+          <p:cNvPicPr>
+            <a:picLocks noChangeAspect="1"/>
+          </p:cNvPicPr>
+          <p:nvPr/>
+        </p:nvPicPr>
+        <p:blipFill>
+          <a:blip r:embed="rId5"/>
+          <a:stretch>
+            <a:fillRect/>
+          </a:stretch>
+        </p:blipFill>
+        <p:spPr>
+          <a:xfrm>
+            <a:off x="4105188" y="3519310"/>
+            <a:ext cx="1334206" cy="453630"/>
+          </a:xfrm>
+          <a:prstGeom prst="rect">
+            <a:avLst/>
+          </a:prstGeom>
+        </p:spPr>
+      </p:pic>
+      <p:sp>
+        <p:nvSpPr>
+          <p:cNvPr id="7" name="TextBox 6"/>
+          <p:cNvSpPr txBox="1"/>
+          <p:nvPr/>
+        </p:nvSpPr>
+        <p:spPr>
+          <a:xfrm>
+            <a:off x="738191" y="1081793"/>
+            <a:ext cx="667170" cy="369332"/>
+          </a:xfrm>
+          <a:prstGeom prst="rect">
+            <a:avLst/>
+          </a:prstGeom>
+          <a:noFill/>
+        </p:spPr>
+        <p:txBody>
+          <a:bodyPr wrap="none" rtlCol="0">
+            <a:spAutoFit/>
+          </a:bodyPr>
+          <a:lstStyle/>
+          <a:p>
+            <a:r>
+              <a:rPr lang="en-GB" dirty="0"/>
+              <a:t>Code</a:t>
+            </a:r>
+          </a:p>
+        </p:txBody>
+      </p:sp>
+      <p:sp>
+        <p:nvSpPr>
+          <p:cNvPr id="8" name="TextBox 7"/>
+          <p:cNvSpPr txBox="1"/>
+          <p:nvPr/>
+        </p:nvSpPr>
+        <p:spPr>
+          <a:xfrm>
+            <a:off x="738191" y="3149978"/>
+            <a:ext cx="1562607" cy="369332"/>
+          </a:xfrm>
+          <a:prstGeom prst="rect">
+            <a:avLst/>
+          </a:prstGeom>
+          <a:noFill/>
+        </p:spPr>
+        <p:txBody>
+          <a:bodyPr wrap="none" rtlCol="0">
+            <a:spAutoFit/>
+          </a:bodyPr>
+          <a:lstStyle/>
+          <a:p>
+            <a:r>
+              <a:rPr lang="en-GB" dirty="0"/>
+              <a:t>Code coverage</a:t>
+            </a:r>
+          </a:p>
+        </p:txBody>
+      </p:sp>
+      <p:sp>
+        <p:nvSpPr>
+          <p:cNvPr id="9" name="Arrow: Right 8"/>
+          <p:cNvSpPr/>
+          <p:nvPr/>
+        </p:nvSpPr>
+        <p:spPr>
+          <a:xfrm>
+            <a:off x="6331237" y="3657005"/>
+            <a:ext cx="745067" cy="178240"/>
+          </a:xfrm>
+          <a:prstGeom prst="rightArrow">
+            <a:avLst/>
+          </a:prstGeom>
+        </p:spPr>
+        <p:style>
+          <a:lnRef idx="2">
+            <a:schemeClr val="accent1">
+              <a:shade val="50000"/>
+            </a:schemeClr>
+          </a:lnRef>
+          <a:fillRef idx="1">
+            <a:schemeClr val="accent1"/>
+          </a:fillRef>
+          <a:effectRef idx="0">
+            <a:schemeClr val="accent1"/>
+          </a:effectRef>
+          <a:fontRef idx="minor">
+            <a:schemeClr val="lt1"/>
+          </a:fontRef>
+        </p:style>
+        <p:txBody>
+          <a:bodyPr rtlCol="0" anchor="ctr"/>
+          <a:lstStyle/>
+          <a:p>
+            <a:pPr algn="ctr"/>
+            <a:endParaRPr lang="en-GB"/>
+          </a:p>
+        </p:txBody>
+      </p:sp>
+      <p:pic>
+        <p:nvPicPr>
+          <p:cNvPr id="11" name="Picture 10"/>
+          <p:cNvPicPr>
+            <a:picLocks noChangeAspect="1"/>
+          </p:cNvPicPr>
+          <p:nvPr/>
+        </p:nvPicPr>
+        <p:blipFill>
+          <a:blip r:embed="rId5"/>
+          <a:stretch>
+            <a:fillRect/>
+          </a:stretch>
+        </p:blipFill>
+        <p:spPr>
+          <a:xfrm>
+            <a:off x="7952291" y="3519310"/>
+            <a:ext cx="1334206" cy="453630"/>
+          </a:xfrm>
+          <a:prstGeom prst="rect">
+            <a:avLst/>
+          </a:prstGeom>
         </p:spPr>
       </p:pic>
     </p:spTree>
     <p:extLst>
       <p:ext uri="{BB962C8B-B14F-4D97-AF65-F5344CB8AC3E}">
-        <p14:creationId xmlns:p14="http://schemas.microsoft.com/office/powerpoint/2010/main" val="604617979"/>
+        <p14:creationId xmlns:p14="http://schemas.microsoft.com/office/powerpoint/2010/main" val="460337962"/>
       </p:ext>
     </p:extLst>
   </p:cSld>
@@ -23073,7 +22982,7 @@
         </p:blipFill>
         <p:spPr>
           <a:xfrm>
-            <a:off x="1704976" y="1131755"/>
+            <a:off x="1727552" y="1124307"/>
             <a:ext cx="3750276" cy="1077207"/>
           </a:xfrm>
           <a:prstGeom prst="rect">
@@ -23097,7 +23006,7 @@
         </p:blipFill>
         <p:spPr>
           <a:xfrm>
-            <a:off x="7952291" y="1239000"/>
+            <a:off x="7974867" y="1231552"/>
             <a:ext cx="2323773" cy="862718"/>
           </a:xfrm>
           <a:prstGeom prst="rect">
@@ -23113,7 +23022,7 @@
         </p:nvSpPr>
         <p:spPr>
           <a:xfrm>
-            <a:off x="6331238" y="1581238"/>
+            <a:off x="6353814" y="1573790"/>
             <a:ext cx="745067" cy="178240"/>
           </a:xfrm>
           <a:prstGeom prst="rightArrow">
@@ -23145,30 +23054,6 @@
           </a:p>
         </p:txBody>
       </p:sp>
-      <p:pic>
-        <p:nvPicPr>
-          <p:cNvPr id="6" name="Picture 5"/>
-          <p:cNvPicPr>
-            <a:picLocks noChangeAspect="1"/>
-          </p:cNvPicPr>
-          <p:nvPr/>
-        </p:nvPicPr>
-        <p:blipFill>
-          <a:blip r:embed="rId5"/>
-          <a:stretch>
-            <a:fillRect/>
-          </a:stretch>
-        </p:blipFill>
-        <p:spPr>
-          <a:xfrm>
-            <a:off x="4105188" y="3519310"/>
-            <a:ext cx="1334206" cy="453630"/>
-          </a:xfrm>
-          <a:prstGeom prst="rect">
-            <a:avLst/>
-          </a:prstGeom>
-        </p:spPr>
-      </p:pic>
       <p:sp>
         <p:nvSpPr>
           <p:cNvPr id="7" name="TextBox 6"/>
@@ -23206,8 +23091,8 @@
         </p:nvSpPr>
         <p:spPr>
           <a:xfrm>
-            <a:off x="738191" y="3149978"/>
-            <a:ext cx="1562607" cy="369332"/>
+            <a:off x="738191" y="2600333"/>
+            <a:ext cx="949042" cy="369332"/>
           </a:xfrm>
           <a:prstGeom prst="rect">
             <a:avLst/>
@@ -23222,7 +23107,7 @@
           <a:p>
             <a:r>
               <a:rPr lang="en-GB" dirty="0"/>
-              <a:t>Code coverage</a:t>
+              <a:t>Bad test</a:t>
             </a:r>
           </a:p>
         </p:txBody>
@@ -23235,7 +23120,7 @@
         </p:nvSpPr>
         <p:spPr>
           <a:xfrm>
-            <a:off x="6331237" y="3657005"/>
+            <a:off x="6332584" y="5878426"/>
             <a:ext cx="745067" cy="178240"/>
           </a:xfrm>
           <a:prstGeom prst="rightArrow">
@@ -23269,7 +23154,7 @@
       </p:sp>
       <p:pic>
         <p:nvPicPr>
-          <p:cNvPr id="11" name="Picture 10"/>
+          <p:cNvPr id="12" name="Picture 11"/>
           <p:cNvPicPr>
             <a:picLocks noChangeAspect="1"/>
           </p:cNvPicPr>
@@ -23283,8 +23168,197 @@
         </p:blipFill>
         <p:spPr>
           <a:xfrm>
-            <a:off x="7952291" y="3519310"/>
-            <a:ext cx="1334206" cy="453630"/>
+            <a:off x="4639818" y="4677967"/>
+            <a:ext cx="4130598" cy="975632"/>
+          </a:xfrm>
+          <a:prstGeom prst="rect">
+            <a:avLst/>
+          </a:prstGeom>
+        </p:spPr>
+      </p:pic>
+      <p:pic>
+        <p:nvPicPr>
+          <p:cNvPr id="10" name="Picture 9"/>
+          <p:cNvPicPr>
+            <a:picLocks noChangeAspect="1"/>
+          </p:cNvPicPr>
+          <p:nvPr/>
+        </p:nvPicPr>
+        <p:blipFill>
+          <a:blip r:embed="rId6"/>
+          <a:stretch>
+            <a:fillRect/>
+          </a:stretch>
+        </p:blipFill>
+        <p:spPr>
+          <a:xfrm>
+            <a:off x="4161646" y="5773650"/>
+            <a:ext cx="1294953" cy="390260"/>
+          </a:xfrm>
+          <a:prstGeom prst="rect">
+            <a:avLst/>
+          </a:prstGeom>
+        </p:spPr>
+      </p:pic>
+      <p:pic>
+        <p:nvPicPr>
+          <p:cNvPr id="13" name="Picture 12"/>
+          <p:cNvPicPr>
+            <a:picLocks noChangeAspect="1"/>
+          </p:cNvPicPr>
+          <p:nvPr/>
+        </p:nvPicPr>
+        <p:blipFill>
+          <a:blip r:embed="rId7"/>
+          <a:stretch>
+            <a:fillRect/>
+          </a:stretch>
+        </p:blipFill>
+        <p:spPr>
+          <a:xfrm>
+            <a:off x="7953636" y="5773650"/>
+            <a:ext cx="1593562" cy="390260"/>
+          </a:xfrm>
+          <a:prstGeom prst="rect">
+            <a:avLst/>
+          </a:prstGeom>
+        </p:spPr>
+      </p:pic>
+      <p:sp>
+        <p:nvSpPr>
+          <p:cNvPr id="15" name="TextBox 14"/>
+          <p:cNvSpPr txBox="1"/>
+          <p:nvPr/>
+        </p:nvSpPr>
+        <p:spPr>
+          <a:xfrm>
+            <a:off x="738190" y="4308635"/>
+            <a:ext cx="1102931" cy="369332"/>
+          </a:xfrm>
+          <a:prstGeom prst="rect">
+            <a:avLst/>
+          </a:prstGeom>
+          <a:noFill/>
+        </p:spPr>
+        <p:txBody>
+          <a:bodyPr wrap="none" rtlCol="0">
+            <a:spAutoFit/>
+          </a:bodyPr>
+          <a:lstStyle/>
+          <a:p>
+            <a:r>
+              <a:rPr lang="en-GB" dirty="0"/>
+              <a:t>Good test</a:t>
+            </a:r>
+          </a:p>
+        </p:txBody>
+      </p:sp>
+      <p:pic>
+        <p:nvPicPr>
+          <p:cNvPr id="20" name="Picture 19"/>
+          <p:cNvPicPr>
+            <a:picLocks noChangeAspect="1"/>
+          </p:cNvPicPr>
+          <p:nvPr/>
+        </p:nvPicPr>
+        <p:blipFill>
+          <a:blip r:embed="rId8"/>
+          <a:stretch>
+            <a:fillRect/>
+          </a:stretch>
+        </p:blipFill>
+        <p:spPr>
+          <a:xfrm>
+            <a:off x="4649276" y="2632769"/>
+            <a:ext cx="4127219" cy="950584"/>
+          </a:xfrm>
+          <a:prstGeom prst="rect">
+            <a:avLst/>
+          </a:prstGeom>
+        </p:spPr>
+      </p:pic>
+      <p:sp>
+        <p:nvSpPr>
+          <p:cNvPr id="21" name="Arrow: Right 20"/>
+          <p:cNvSpPr/>
+          <p:nvPr/>
+        </p:nvSpPr>
+        <p:spPr>
+          <a:xfrm>
+            <a:off x="6342042" y="3961228"/>
+            <a:ext cx="745067" cy="178240"/>
+          </a:xfrm>
+          <a:prstGeom prst="rightArrow">
+            <a:avLst/>
+          </a:prstGeom>
+        </p:spPr>
+        <p:style>
+          <a:lnRef idx="2">
+            <a:schemeClr val="accent1">
+              <a:shade val="50000"/>
+            </a:schemeClr>
+          </a:lnRef>
+          <a:fillRef idx="1">
+            <a:schemeClr val="accent1"/>
+          </a:fillRef>
+          <a:effectRef idx="0">
+            <a:schemeClr val="accent1"/>
+          </a:effectRef>
+          <a:fontRef idx="minor">
+            <a:schemeClr val="lt1"/>
+          </a:fontRef>
+        </p:style>
+        <p:txBody>
+          <a:bodyPr rtlCol="0" anchor="ctr"/>
+          <a:lstStyle/>
+          <a:p>
+            <a:pPr algn="ctr"/>
+            <a:endParaRPr lang="en-GB"/>
+          </a:p>
+        </p:txBody>
+      </p:sp>
+      <p:pic>
+        <p:nvPicPr>
+          <p:cNvPr id="22" name="Picture 21"/>
+          <p:cNvPicPr>
+            <a:picLocks noChangeAspect="1"/>
+          </p:cNvPicPr>
+          <p:nvPr/>
+        </p:nvPicPr>
+        <p:blipFill>
+          <a:blip r:embed="rId6"/>
+          <a:stretch>
+            <a:fillRect/>
+          </a:stretch>
+        </p:blipFill>
+        <p:spPr>
+          <a:xfrm>
+            <a:off x="4171104" y="3856452"/>
+            <a:ext cx="1294953" cy="390260"/>
+          </a:xfrm>
+          <a:prstGeom prst="rect">
+            <a:avLst/>
+          </a:prstGeom>
+        </p:spPr>
+      </p:pic>
+      <p:pic>
+        <p:nvPicPr>
+          <p:cNvPr id="23" name="Picture 22"/>
+          <p:cNvPicPr>
+            <a:picLocks noChangeAspect="1"/>
+          </p:cNvPicPr>
+          <p:nvPr/>
+        </p:nvPicPr>
+        <p:blipFill>
+          <a:blip r:embed="rId6"/>
+          <a:stretch>
+            <a:fillRect/>
+          </a:stretch>
+        </p:blipFill>
+        <p:spPr>
+          <a:xfrm>
+            <a:off x="7963094" y="3853771"/>
+            <a:ext cx="1294953" cy="390260"/>
           </a:xfrm>
           <a:prstGeom prst="rect">
             <a:avLst/>
@@ -23294,7 +23368,7 @@
     </p:spTree>
     <p:extLst>
       <p:ext uri="{BB962C8B-B14F-4D97-AF65-F5344CB8AC3E}">
-        <p14:creationId xmlns:p14="http://schemas.microsoft.com/office/powerpoint/2010/main" val="460337962"/>
+        <p14:creationId xmlns:p14="http://schemas.microsoft.com/office/powerpoint/2010/main" val="3156070302"/>
       </p:ext>
     </p:extLst>
   </p:cSld>
@@ -23338,11 +23412,8 @@
           <a:p>
             <a:r>
               <a:rPr lang="en-GB" dirty="0"/>
-              <a:t>Mutant</a:t>
-            </a:r>
-          </a:p>
-          <a:p>
-            <a:endParaRPr lang="en-GB" dirty="0"/>
+              <a:t>Mutants</a:t>
+            </a:r>
           </a:p>
           <a:p>
             <a:endParaRPr lang="ru-RU" dirty="0"/>
@@ -23365,47 +23436,35 @@
         </p:blipFill>
         <p:spPr>
           <a:xfrm>
-            <a:off x="1727552" y="1124307"/>
-            <a:ext cx="3750276" cy="1077207"/>
+            <a:off x="888117" y="2207154"/>
+            <a:ext cx="2996779" cy="2443868"/>
           </a:xfrm>
           <a:prstGeom prst="rect">
             <a:avLst/>
           </a:prstGeom>
+          <a:ln>
+            <a:solidFill>
+              <a:schemeClr val="bg1"/>
+            </a:solidFill>
+          </a:ln>
+          <a:effectLst>
+            <a:outerShdw blurRad="63500" sx="102000" sy="102000" algn="ctr" rotWithShape="0">
+              <a:prstClr val="black">
+                <a:alpha val="40000"/>
+              </a:prstClr>
+            </a:outerShdw>
+          </a:effectLst>
         </p:spPr>
       </p:pic>
-      <p:pic>
-        <p:nvPicPr>
-          <p:cNvPr id="4" name="Picture 3"/>
-          <p:cNvPicPr>
-            <a:picLocks noChangeAspect="1"/>
-          </p:cNvPicPr>
-          <p:nvPr/>
-        </p:nvPicPr>
-        <p:blipFill>
-          <a:blip r:embed="rId4"/>
-          <a:stretch>
-            <a:fillRect/>
-          </a:stretch>
-        </p:blipFill>
-        <p:spPr>
-          <a:xfrm>
-            <a:off x="7974867" y="1231552"/>
-            <a:ext cx="2323773" cy="862718"/>
-          </a:xfrm>
-          <a:prstGeom prst="rect">
-            <a:avLst/>
-          </a:prstGeom>
-        </p:spPr>
-      </p:pic>
-      <p:sp>
-        <p:nvSpPr>
-          <p:cNvPr id="5" name="Arrow: Right 4"/>
+      <p:sp>
+        <p:nvSpPr>
+          <p:cNvPr id="4" name="Arrow: Right 3"/>
           <p:cNvSpPr/>
           <p:nvPr/>
         </p:nvSpPr>
         <p:spPr>
           <a:xfrm>
-            <a:off x="6353814" y="1573790"/>
+            <a:off x="4118614" y="3339968"/>
             <a:ext cx="745067" cy="178240"/>
           </a:xfrm>
           <a:prstGeom prst="rightArrow">
@@ -23439,71 +23498,13 @@
       </p:sp>
       <p:sp>
         <p:nvSpPr>
-          <p:cNvPr id="7" name="TextBox 6"/>
-          <p:cNvSpPr txBox="1"/>
-          <p:nvPr/>
-        </p:nvSpPr>
-        <p:spPr>
-          <a:xfrm>
-            <a:off x="738191" y="1081793"/>
-            <a:ext cx="667170" cy="369332"/>
-          </a:xfrm>
-          <a:prstGeom prst="rect">
-            <a:avLst/>
-          </a:prstGeom>
-          <a:noFill/>
-        </p:spPr>
-        <p:txBody>
-          <a:bodyPr wrap="none" rtlCol="0">
-            <a:spAutoFit/>
-          </a:bodyPr>
-          <a:lstStyle/>
-          <a:p>
-            <a:r>
-              <a:rPr lang="en-GB" dirty="0"/>
-              <a:t>Code</a:t>
-            </a:r>
-          </a:p>
-        </p:txBody>
-      </p:sp>
-      <p:sp>
-        <p:nvSpPr>
-          <p:cNvPr id="8" name="TextBox 7"/>
-          <p:cNvSpPr txBox="1"/>
-          <p:nvPr/>
-        </p:nvSpPr>
-        <p:spPr>
-          <a:xfrm>
-            <a:off x="738191" y="2600333"/>
-            <a:ext cx="949042" cy="369332"/>
-          </a:xfrm>
-          <a:prstGeom prst="rect">
-            <a:avLst/>
-          </a:prstGeom>
-          <a:noFill/>
-        </p:spPr>
-        <p:txBody>
-          <a:bodyPr wrap="none" rtlCol="0">
-            <a:spAutoFit/>
-          </a:bodyPr>
-          <a:lstStyle/>
-          <a:p>
-            <a:r>
-              <a:rPr lang="en-GB" dirty="0"/>
-              <a:t>Bad test</a:t>
-            </a:r>
-          </a:p>
-        </p:txBody>
-      </p:sp>
-      <p:sp>
-        <p:nvSpPr>
-          <p:cNvPr id="9" name="Arrow: Right 8"/>
+          <p:cNvPr id="5" name="Arrow: Right 4"/>
           <p:cNvSpPr/>
           <p:nvPr/>
         </p:nvSpPr>
         <p:spPr>
           <a:xfrm>
-            <a:off x="6332584" y="5878426"/>
+            <a:off x="4153828" y="5426871"/>
             <a:ext cx="745067" cy="178240"/>
           </a:xfrm>
           <a:prstGeom prst="rightArrow">
@@ -23537,6 +23538,186 @@
       </p:sp>
       <p:pic>
         <p:nvPicPr>
+          <p:cNvPr id="6" name="Picture 5"/>
+          <p:cNvPicPr>
+            <a:picLocks noChangeAspect="1"/>
+          </p:cNvPicPr>
+          <p:nvPr/>
+        </p:nvPicPr>
+        <p:blipFill>
+          <a:blip r:embed="rId4"/>
+          <a:stretch>
+            <a:fillRect/>
+          </a:stretch>
+        </p:blipFill>
+        <p:spPr>
+          <a:xfrm>
+            <a:off x="1982890" y="5322095"/>
+            <a:ext cx="1294953" cy="390260"/>
+          </a:xfrm>
+          <a:prstGeom prst="rect">
+            <a:avLst/>
+          </a:prstGeom>
+          <a:ln>
+            <a:solidFill>
+              <a:schemeClr val="bg1"/>
+            </a:solidFill>
+          </a:ln>
+          <a:effectLst>
+            <a:outerShdw blurRad="63500" sx="102000" sy="102000" algn="ctr" rotWithShape="0">
+              <a:prstClr val="black">
+                <a:alpha val="40000"/>
+              </a:prstClr>
+            </a:outerShdw>
+          </a:effectLst>
+        </p:spPr>
+      </p:pic>
+      <p:pic>
+        <p:nvPicPr>
+          <p:cNvPr id="7" name="Picture 6"/>
+          <p:cNvPicPr>
+            <a:picLocks noChangeAspect="1"/>
+          </p:cNvPicPr>
+          <p:nvPr/>
+        </p:nvPicPr>
+        <p:blipFill>
+          <a:blip r:embed="rId5"/>
+          <a:stretch>
+            <a:fillRect/>
+          </a:stretch>
+        </p:blipFill>
+        <p:spPr>
+          <a:xfrm>
+            <a:off x="5582969" y="5214851"/>
+            <a:ext cx="1593562" cy="390260"/>
+          </a:xfrm>
+          <a:prstGeom prst="rect">
+            <a:avLst/>
+          </a:prstGeom>
+          <a:ln w="38100">
+            <a:solidFill>
+              <a:schemeClr val="bg1"/>
+            </a:solidFill>
+          </a:ln>
+          <a:effectLst>
+            <a:outerShdw blurRad="63500" sx="102000" sy="102000" algn="ctr" rotWithShape="0">
+              <a:prstClr val="black">
+                <a:alpha val="40000"/>
+              </a:prstClr>
+            </a:outerShdw>
+          </a:effectLst>
+        </p:spPr>
+      </p:pic>
+      <p:pic>
+        <p:nvPicPr>
+          <p:cNvPr id="9" name="Picture 8"/>
+          <p:cNvPicPr>
+            <a:picLocks noChangeAspect="1"/>
+          </p:cNvPicPr>
+          <p:nvPr/>
+        </p:nvPicPr>
+        <p:blipFill>
+          <a:blip r:embed="rId6"/>
+          <a:stretch>
+            <a:fillRect/>
+          </a:stretch>
+        </p:blipFill>
+        <p:spPr>
+          <a:xfrm>
+            <a:off x="5214232" y="1322695"/>
+            <a:ext cx="2984525" cy="2195513"/>
+          </a:xfrm>
+          <a:prstGeom prst="rect">
+            <a:avLst/>
+          </a:prstGeom>
+          <a:ln w="38100">
+            <a:solidFill>
+              <a:schemeClr val="bg1"/>
+            </a:solidFill>
+          </a:ln>
+          <a:effectLst>
+            <a:outerShdw blurRad="63500" sx="102000" sy="102000" algn="ctr" rotWithShape="0">
+              <a:prstClr val="black">
+                <a:alpha val="40000"/>
+              </a:prstClr>
+            </a:outerShdw>
+          </a:effectLst>
+        </p:spPr>
+      </p:pic>
+      <p:pic>
+        <p:nvPicPr>
+          <p:cNvPr id="10" name="Picture 9"/>
+          <p:cNvPicPr>
+            <a:picLocks noChangeAspect="1"/>
+          </p:cNvPicPr>
+          <p:nvPr/>
+        </p:nvPicPr>
+        <p:blipFill>
+          <a:blip r:embed="rId7"/>
+          <a:stretch>
+            <a:fillRect/>
+          </a:stretch>
+        </p:blipFill>
+        <p:spPr>
+          <a:xfrm>
+            <a:off x="6872463" y="2331331"/>
+            <a:ext cx="3010343" cy="2195513"/>
+          </a:xfrm>
+          <a:prstGeom prst="rect">
+            <a:avLst/>
+          </a:prstGeom>
+          <a:ln w="38100">
+            <a:solidFill>
+              <a:schemeClr val="bg1"/>
+            </a:solidFill>
+          </a:ln>
+          <a:effectLst>
+            <a:outerShdw blurRad="63500" sx="102000" sy="102000" algn="ctr" rotWithShape="0">
+              <a:prstClr val="black">
+                <a:alpha val="40000"/>
+              </a:prstClr>
+            </a:outerShdw>
+          </a:effectLst>
+        </p:spPr>
+      </p:pic>
+      <p:pic>
+        <p:nvPicPr>
+          <p:cNvPr id="11" name="Picture 10"/>
+          <p:cNvPicPr>
+            <a:picLocks noChangeAspect="1"/>
+          </p:cNvPicPr>
+          <p:nvPr/>
+        </p:nvPicPr>
+        <p:blipFill>
+          <a:blip r:embed="rId8"/>
+          <a:stretch>
+            <a:fillRect/>
+          </a:stretch>
+        </p:blipFill>
+        <p:spPr>
+          <a:xfrm>
+            <a:off x="8590816" y="3126582"/>
+            <a:ext cx="2950221" cy="2195513"/>
+          </a:xfrm>
+          <a:prstGeom prst="rect">
+            <a:avLst/>
+          </a:prstGeom>
+          <a:ln w="38100">
+            <a:solidFill>
+              <a:schemeClr val="bg1"/>
+            </a:solidFill>
+          </a:ln>
+          <a:effectLst>
+            <a:outerShdw blurRad="63500" sx="102000" sy="102000" algn="ctr" rotWithShape="0">
+              <a:prstClr val="black">
+                <a:alpha val="40000"/>
+              </a:prstClr>
+            </a:outerShdw>
+          </a:effectLst>
+        </p:spPr>
+      </p:pic>
+      <p:pic>
+        <p:nvPicPr>
           <p:cNvPr id="12" name="Picture 11"/>
           <p:cNvPicPr>
             <a:picLocks noChangeAspect="1"/>
@@ -23551,36 +23732,24 @@
         </p:blipFill>
         <p:spPr>
           <a:xfrm>
-            <a:off x="4639818" y="4677967"/>
-            <a:ext cx="4130598" cy="975632"/>
+            <a:off x="6519947" y="5511715"/>
+            <a:ext cx="1593562" cy="390260"/>
           </a:xfrm>
           <a:prstGeom prst="rect">
             <a:avLst/>
           </a:prstGeom>
-        </p:spPr>
-      </p:pic>
-      <p:pic>
-        <p:nvPicPr>
-          <p:cNvPr id="10" name="Picture 9"/>
-          <p:cNvPicPr>
-            <a:picLocks noChangeAspect="1"/>
-          </p:cNvPicPr>
-          <p:nvPr/>
-        </p:nvPicPr>
-        <p:blipFill>
-          <a:blip r:embed="rId6"/>
-          <a:stretch>
-            <a:fillRect/>
-          </a:stretch>
-        </p:blipFill>
-        <p:spPr>
-          <a:xfrm>
-            <a:off x="4161646" y="5773650"/>
-            <a:ext cx="1294953" cy="390260"/>
-          </a:xfrm>
-          <a:prstGeom prst="rect">
-            <a:avLst/>
-          </a:prstGeom>
+          <a:ln w="38100">
+            <a:solidFill>
+              <a:schemeClr val="bg1"/>
+            </a:solidFill>
+          </a:ln>
+          <a:effectLst>
+            <a:outerShdw blurRad="63500" sx="102000" sy="102000" algn="ctr" rotWithShape="0">
+              <a:prstClr val="black">
+                <a:alpha val="40000"/>
+              </a:prstClr>
+            </a:outerShdw>
+          </a:effectLst>
         </p:spPr>
       </p:pic>
       <p:pic>
@@ -23592,166 +23761,37 @@
           <p:nvPr/>
         </p:nvPicPr>
         <p:blipFill>
-          <a:blip r:embed="rId7"/>
+          <a:blip r:embed="rId5"/>
           <a:stretch>
             <a:fillRect/>
           </a:stretch>
         </p:blipFill>
         <p:spPr>
           <a:xfrm>
-            <a:off x="7953636" y="5773650"/>
+            <a:off x="7291621" y="5808579"/>
             <a:ext cx="1593562" cy="390260"/>
           </a:xfrm>
           <a:prstGeom prst="rect">
             <a:avLst/>
           </a:prstGeom>
-        </p:spPr>
-      </p:pic>
-      <p:sp>
-        <p:nvSpPr>
-          <p:cNvPr id="15" name="TextBox 14"/>
-          <p:cNvSpPr txBox="1"/>
-          <p:nvPr/>
-        </p:nvSpPr>
-        <p:spPr>
-          <a:xfrm>
-            <a:off x="738190" y="4308635"/>
-            <a:ext cx="1102931" cy="369332"/>
-          </a:xfrm>
-          <a:prstGeom prst="rect">
-            <a:avLst/>
-          </a:prstGeom>
-          <a:noFill/>
-        </p:spPr>
-        <p:txBody>
-          <a:bodyPr wrap="none" rtlCol="0">
-            <a:spAutoFit/>
-          </a:bodyPr>
-          <a:lstStyle/>
-          <a:p>
-            <a:r>
-              <a:rPr lang="en-GB" dirty="0"/>
-              <a:t>Good test</a:t>
-            </a:r>
-          </a:p>
-        </p:txBody>
-      </p:sp>
-      <p:pic>
-        <p:nvPicPr>
-          <p:cNvPr id="20" name="Picture 19"/>
-          <p:cNvPicPr>
-            <a:picLocks noChangeAspect="1"/>
-          </p:cNvPicPr>
-          <p:nvPr/>
-        </p:nvPicPr>
-        <p:blipFill>
-          <a:blip r:embed="rId8"/>
-          <a:stretch>
-            <a:fillRect/>
-          </a:stretch>
-        </p:blipFill>
-        <p:spPr>
-          <a:xfrm>
-            <a:off x="4649276" y="2632769"/>
-            <a:ext cx="4127219" cy="950584"/>
-          </a:xfrm>
-          <a:prstGeom prst="rect">
-            <a:avLst/>
-          </a:prstGeom>
-        </p:spPr>
-      </p:pic>
-      <p:sp>
-        <p:nvSpPr>
-          <p:cNvPr id="21" name="Arrow: Right 20"/>
-          <p:cNvSpPr/>
-          <p:nvPr/>
-        </p:nvSpPr>
-        <p:spPr>
-          <a:xfrm>
-            <a:off x="6342042" y="3961228"/>
-            <a:ext cx="745067" cy="178240"/>
-          </a:xfrm>
-          <a:prstGeom prst="rightArrow">
-            <a:avLst/>
-          </a:prstGeom>
-        </p:spPr>
-        <p:style>
-          <a:lnRef idx="2">
-            <a:schemeClr val="accent1">
-              <a:shade val="50000"/>
-            </a:schemeClr>
-          </a:lnRef>
-          <a:fillRef idx="1">
-            <a:schemeClr val="accent1"/>
-          </a:fillRef>
-          <a:effectRef idx="0">
-            <a:schemeClr val="accent1"/>
-          </a:effectRef>
-          <a:fontRef idx="minor">
-            <a:schemeClr val="lt1"/>
-          </a:fontRef>
-        </p:style>
-        <p:txBody>
-          <a:bodyPr rtlCol="0" anchor="ctr"/>
-          <a:lstStyle/>
-          <a:p>
-            <a:pPr algn="ctr"/>
-            <a:endParaRPr lang="en-GB"/>
-          </a:p>
-        </p:txBody>
-      </p:sp>
-      <p:pic>
-        <p:nvPicPr>
-          <p:cNvPr id="22" name="Picture 21"/>
-          <p:cNvPicPr>
-            <a:picLocks noChangeAspect="1"/>
-          </p:cNvPicPr>
-          <p:nvPr/>
-        </p:nvPicPr>
-        <p:blipFill>
-          <a:blip r:embed="rId6"/>
-          <a:stretch>
-            <a:fillRect/>
-          </a:stretch>
-        </p:blipFill>
-        <p:spPr>
-          <a:xfrm>
-            <a:off x="4171104" y="3856452"/>
-            <a:ext cx="1294953" cy="390260"/>
-          </a:xfrm>
-          <a:prstGeom prst="rect">
-            <a:avLst/>
-          </a:prstGeom>
-        </p:spPr>
-      </p:pic>
-      <p:pic>
-        <p:nvPicPr>
-          <p:cNvPr id="23" name="Picture 22"/>
-          <p:cNvPicPr>
-            <a:picLocks noChangeAspect="1"/>
-          </p:cNvPicPr>
-          <p:nvPr/>
-        </p:nvPicPr>
-        <p:blipFill>
-          <a:blip r:embed="rId6"/>
-          <a:stretch>
-            <a:fillRect/>
-          </a:stretch>
-        </p:blipFill>
-        <p:spPr>
-          <a:xfrm>
-            <a:off x="7963094" y="3853771"/>
-            <a:ext cx="1294953" cy="390260"/>
-          </a:xfrm>
-          <a:prstGeom prst="rect">
-            <a:avLst/>
-          </a:prstGeom>
+          <a:ln w="38100">
+            <a:solidFill>
+              <a:schemeClr val="bg1"/>
+            </a:solidFill>
+          </a:ln>
+          <a:effectLst>
+            <a:outerShdw blurRad="63500" sx="102000" sy="102000" algn="ctr" rotWithShape="0">
+              <a:prstClr val="black">
+                <a:alpha val="40000"/>
+              </a:prstClr>
+            </a:outerShdw>
+          </a:effectLst>
         </p:spPr>
       </p:pic>
     </p:spTree>
     <p:extLst>
       <p:ext uri="{BB962C8B-B14F-4D97-AF65-F5344CB8AC3E}">
-        <p14:creationId xmlns:p14="http://schemas.microsoft.com/office/powerpoint/2010/main" val="3156070302"/>
+        <p14:creationId xmlns:p14="http://schemas.microsoft.com/office/powerpoint/2010/main" val="621114528"/>
       </p:ext>
     </p:extLst>
   </p:cSld>
@@ -23795,7 +23835,7 @@
           <a:p>
             <a:r>
               <a:rPr lang="en-GB" dirty="0"/>
-              <a:t>Mutants</a:t>
+              <a:t>Mutations</a:t>
             </a:r>
           </a:p>
           <a:p>
@@ -23805,7 +23845,7 @@
       </p:sp>
       <p:pic>
         <p:nvPicPr>
-          <p:cNvPr id="3" name="Picture 2"/>
+          <p:cNvPr id="5" name="Picture 4"/>
           <p:cNvPicPr>
             <a:picLocks noChangeAspect="1"/>
           </p:cNvPicPr>
@@ -23819,106 +23859,14 @@
         </p:blipFill>
         <p:spPr>
           <a:xfrm>
-            <a:off x="888117" y="2207154"/>
-            <a:ext cx="2996779" cy="2443868"/>
+            <a:off x="738191" y="1289070"/>
+            <a:ext cx="3086100" cy="3724275"/>
           </a:xfrm>
           <a:prstGeom prst="rect">
             <a:avLst/>
           </a:prstGeom>
-          <a:ln>
-            <a:solidFill>
-              <a:schemeClr val="bg1"/>
-            </a:solidFill>
-          </a:ln>
-          <a:effectLst>
-            <a:outerShdw blurRad="63500" sx="102000" sy="102000" algn="ctr" rotWithShape="0">
-              <a:prstClr val="black">
-                <a:alpha val="40000"/>
-              </a:prstClr>
-            </a:outerShdw>
-          </a:effectLst>
         </p:spPr>
       </p:pic>
-      <p:sp>
-        <p:nvSpPr>
-          <p:cNvPr id="4" name="Arrow: Right 3"/>
-          <p:cNvSpPr/>
-          <p:nvPr/>
-        </p:nvSpPr>
-        <p:spPr>
-          <a:xfrm>
-            <a:off x="4118614" y="3339968"/>
-            <a:ext cx="745067" cy="178240"/>
-          </a:xfrm>
-          <a:prstGeom prst="rightArrow">
-            <a:avLst/>
-          </a:prstGeom>
-        </p:spPr>
-        <p:style>
-          <a:lnRef idx="2">
-            <a:schemeClr val="accent1">
-              <a:shade val="50000"/>
-            </a:schemeClr>
-          </a:lnRef>
-          <a:fillRef idx="1">
-            <a:schemeClr val="accent1"/>
-          </a:fillRef>
-          <a:effectRef idx="0">
-            <a:schemeClr val="accent1"/>
-          </a:effectRef>
-          <a:fontRef idx="minor">
-            <a:schemeClr val="lt1"/>
-          </a:fontRef>
-        </p:style>
-        <p:txBody>
-          <a:bodyPr rtlCol="0" anchor="ctr"/>
-          <a:lstStyle/>
-          <a:p>
-            <a:pPr algn="ctr"/>
-            <a:endParaRPr lang="en-GB"/>
-          </a:p>
-        </p:txBody>
-      </p:sp>
-      <p:sp>
-        <p:nvSpPr>
-          <p:cNvPr id="5" name="Arrow: Right 4"/>
-          <p:cNvSpPr/>
-          <p:nvPr/>
-        </p:nvSpPr>
-        <p:spPr>
-          <a:xfrm>
-            <a:off x="4153828" y="5426871"/>
-            <a:ext cx="745067" cy="178240"/>
-          </a:xfrm>
-          <a:prstGeom prst="rightArrow">
-            <a:avLst/>
-          </a:prstGeom>
-        </p:spPr>
-        <p:style>
-          <a:lnRef idx="2">
-            <a:schemeClr val="accent1">
-              <a:shade val="50000"/>
-            </a:schemeClr>
-          </a:lnRef>
-          <a:fillRef idx="1">
-            <a:schemeClr val="accent1"/>
-          </a:fillRef>
-          <a:effectRef idx="0">
-            <a:schemeClr val="accent1"/>
-          </a:effectRef>
-          <a:fontRef idx="minor">
-            <a:schemeClr val="lt1"/>
-          </a:fontRef>
-        </p:style>
-        <p:txBody>
-          <a:bodyPr rtlCol="0" anchor="ctr"/>
-          <a:lstStyle/>
-          <a:p>
-            <a:pPr algn="ctr"/>
-            <a:endParaRPr lang="en-GB"/>
-          </a:p>
-        </p:txBody>
-      </p:sp>
       <p:pic>
         <p:nvPicPr>
           <p:cNvPr id="6" name="Picture 5"/>
@@ -23935,24 +23883,12 @@
         </p:blipFill>
         <p:spPr>
           <a:xfrm>
-            <a:off x="1982890" y="5322095"/>
-            <a:ext cx="1294953" cy="390260"/>
+            <a:off x="3361304" y="2436893"/>
+            <a:ext cx="3086100" cy="2657475"/>
           </a:xfrm>
           <a:prstGeom prst="rect">
             <a:avLst/>
           </a:prstGeom>
-          <a:ln>
-            <a:solidFill>
-              <a:schemeClr val="bg1"/>
-            </a:solidFill>
-          </a:ln>
-          <a:effectLst>
-            <a:outerShdw blurRad="63500" sx="102000" sy="102000" algn="ctr" rotWithShape="0">
-              <a:prstClr val="black">
-                <a:alpha val="40000"/>
-              </a:prstClr>
-            </a:outerShdw>
-          </a:effectLst>
         </p:spPr>
       </p:pic>
       <p:pic>
@@ -23971,210 +23907,18 @@
         </p:blipFill>
         <p:spPr>
           <a:xfrm>
-            <a:off x="5582969" y="5214851"/>
-            <a:ext cx="1593562" cy="390260"/>
+            <a:off x="7659003" y="1381668"/>
+            <a:ext cx="2962275" cy="3267075"/>
           </a:xfrm>
           <a:prstGeom prst="rect">
             <a:avLst/>
           </a:prstGeom>
-          <a:ln w="38100">
-            <a:solidFill>
-              <a:schemeClr val="bg1"/>
-            </a:solidFill>
-          </a:ln>
-          <a:effectLst>
-            <a:outerShdw blurRad="63500" sx="102000" sy="102000" algn="ctr" rotWithShape="0">
-              <a:prstClr val="black">
-                <a:alpha val="40000"/>
-              </a:prstClr>
-            </a:outerShdw>
-          </a:effectLst>
-        </p:spPr>
-      </p:pic>
-      <p:pic>
-        <p:nvPicPr>
-          <p:cNvPr id="9" name="Picture 8"/>
-          <p:cNvPicPr>
-            <a:picLocks noChangeAspect="1"/>
-          </p:cNvPicPr>
-          <p:nvPr/>
-        </p:nvPicPr>
-        <p:blipFill>
-          <a:blip r:embed="rId6"/>
-          <a:stretch>
-            <a:fillRect/>
-          </a:stretch>
-        </p:blipFill>
-        <p:spPr>
-          <a:xfrm>
-            <a:off x="5214232" y="1322695"/>
-            <a:ext cx="2984525" cy="2195513"/>
-          </a:xfrm>
-          <a:prstGeom prst="rect">
-            <a:avLst/>
-          </a:prstGeom>
-          <a:ln w="38100">
-            <a:solidFill>
-              <a:schemeClr val="bg1"/>
-            </a:solidFill>
-          </a:ln>
-          <a:effectLst>
-            <a:outerShdw blurRad="63500" sx="102000" sy="102000" algn="ctr" rotWithShape="0">
-              <a:prstClr val="black">
-                <a:alpha val="40000"/>
-              </a:prstClr>
-            </a:outerShdw>
-          </a:effectLst>
-        </p:spPr>
-      </p:pic>
-      <p:pic>
-        <p:nvPicPr>
-          <p:cNvPr id="10" name="Picture 9"/>
-          <p:cNvPicPr>
-            <a:picLocks noChangeAspect="1"/>
-          </p:cNvPicPr>
-          <p:nvPr/>
-        </p:nvPicPr>
-        <p:blipFill>
-          <a:blip r:embed="rId7"/>
-          <a:stretch>
-            <a:fillRect/>
-          </a:stretch>
-        </p:blipFill>
-        <p:spPr>
-          <a:xfrm>
-            <a:off x="6872463" y="2331331"/>
-            <a:ext cx="3010343" cy="2195513"/>
-          </a:xfrm>
-          <a:prstGeom prst="rect">
-            <a:avLst/>
-          </a:prstGeom>
-          <a:ln w="38100">
-            <a:solidFill>
-              <a:schemeClr val="bg1"/>
-            </a:solidFill>
-          </a:ln>
-          <a:effectLst>
-            <a:outerShdw blurRad="63500" sx="102000" sy="102000" algn="ctr" rotWithShape="0">
-              <a:prstClr val="black">
-                <a:alpha val="40000"/>
-              </a:prstClr>
-            </a:outerShdw>
-          </a:effectLst>
-        </p:spPr>
-      </p:pic>
-      <p:pic>
-        <p:nvPicPr>
-          <p:cNvPr id="11" name="Picture 10"/>
-          <p:cNvPicPr>
-            <a:picLocks noChangeAspect="1"/>
-          </p:cNvPicPr>
-          <p:nvPr/>
-        </p:nvPicPr>
-        <p:blipFill>
-          <a:blip r:embed="rId8"/>
-          <a:stretch>
-            <a:fillRect/>
-          </a:stretch>
-        </p:blipFill>
-        <p:spPr>
-          <a:xfrm>
-            <a:off x="8590816" y="3126582"/>
-            <a:ext cx="2950221" cy="2195513"/>
-          </a:xfrm>
-          <a:prstGeom prst="rect">
-            <a:avLst/>
-          </a:prstGeom>
-          <a:ln w="38100">
-            <a:solidFill>
-              <a:schemeClr val="bg1"/>
-            </a:solidFill>
-          </a:ln>
-          <a:effectLst>
-            <a:outerShdw blurRad="63500" sx="102000" sy="102000" algn="ctr" rotWithShape="0">
-              <a:prstClr val="black">
-                <a:alpha val="40000"/>
-              </a:prstClr>
-            </a:outerShdw>
-          </a:effectLst>
-        </p:spPr>
-      </p:pic>
-      <p:pic>
-        <p:nvPicPr>
-          <p:cNvPr id="12" name="Picture 11"/>
-          <p:cNvPicPr>
-            <a:picLocks noChangeAspect="1"/>
-          </p:cNvPicPr>
-          <p:nvPr/>
-        </p:nvPicPr>
-        <p:blipFill>
-          <a:blip r:embed="rId5"/>
-          <a:stretch>
-            <a:fillRect/>
-          </a:stretch>
-        </p:blipFill>
-        <p:spPr>
-          <a:xfrm>
-            <a:off x="6519947" y="5511715"/>
-            <a:ext cx="1593562" cy="390260"/>
-          </a:xfrm>
-          <a:prstGeom prst="rect">
-            <a:avLst/>
-          </a:prstGeom>
-          <a:ln w="38100">
-            <a:solidFill>
-              <a:schemeClr val="bg1"/>
-            </a:solidFill>
-          </a:ln>
-          <a:effectLst>
-            <a:outerShdw blurRad="63500" sx="102000" sy="102000" algn="ctr" rotWithShape="0">
-              <a:prstClr val="black">
-                <a:alpha val="40000"/>
-              </a:prstClr>
-            </a:outerShdw>
-          </a:effectLst>
-        </p:spPr>
-      </p:pic>
-      <p:pic>
-        <p:nvPicPr>
-          <p:cNvPr id="13" name="Picture 12"/>
-          <p:cNvPicPr>
-            <a:picLocks noChangeAspect="1"/>
-          </p:cNvPicPr>
-          <p:nvPr/>
-        </p:nvPicPr>
-        <p:blipFill>
-          <a:blip r:embed="rId5"/>
-          <a:stretch>
-            <a:fillRect/>
-          </a:stretch>
-        </p:blipFill>
-        <p:spPr>
-          <a:xfrm>
-            <a:off x="7291621" y="5808579"/>
-            <a:ext cx="1593562" cy="390260"/>
-          </a:xfrm>
-          <a:prstGeom prst="rect">
-            <a:avLst/>
-          </a:prstGeom>
-          <a:ln w="38100">
-            <a:solidFill>
-              <a:schemeClr val="bg1"/>
-            </a:solidFill>
-          </a:ln>
-          <a:effectLst>
-            <a:outerShdw blurRad="63500" sx="102000" sy="102000" algn="ctr" rotWithShape="0">
-              <a:prstClr val="black">
-                <a:alpha val="40000"/>
-              </a:prstClr>
-            </a:outerShdw>
-          </a:effectLst>
         </p:spPr>
       </p:pic>
     </p:spTree>
     <p:extLst>
       <p:ext uri="{BB962C8B-B14F-4D97-AF65-F5344CB8AC3E}">
-        <p14:creationId xmlns:p14="http://schemas.microsoft.com/office/powerpoint/2010/main" val="621114528"/>
+        <p14:creationId xmlns:p14="http://schemas.microsoft.com/office/powerpoint/2010/main" val="347344376"/>
       </p:ext>
     </p:extLst>
   </p:cSld>
